--- a/mp1_powerpoint.pptx
+++ b/mp1_powerpoint.pptx
@@ -9,16 +9,27 @@
     <p:sldId id="257" r:id="rId3"/>
     <p:sldId id="260" r:id="rId4"/>
     <p:sldId id="261" r:id="rId5"/>
-    <p:sldId id="262" r:id="rId6"/>
-    <p:sldId id="263" r:id="rId7"/>
-    <p:sldId id="264" r:id="rId8"/>
-    <p:sldId id="265" r:id="rId9"/>
-    <p:sldId id="266" r:id="rId10"/>
-    <p:sldId id="267" r:id="rId11"/>
-    <p:sldId id="268" r:id="rId12"/>
-    <p:sldId id="269" r:id="rId13"/>
-    <p:sldId id="270" r:id="rId14"/>
-    <p:sldId id="271" r:id="rId15"/>
+    <p:sldId id="279" r:id="rId6"/>
+    <p:sldId id="280" r:id="rId7"/>
+    <p:sldId id="281" r:id="rId8"/>
+    <p:sldId id="282" r:id="rId9"/>
+    <p:sldId id="283" r:id="rId10"/>
+    <p:sldId id="284" r:id="rId11"/>
+    <p:sldId id="262" r:id="rId12"/>
+    <p:sldId id="263" r:id="rId13"/>
+    <p:sldId id="264" r:id="rId14"/>
+    <p:sldId id="265" r:id="rId15"/>
+    <p:sldId id="266" r:id="rId16"/>
+    <p:sldId id="285" r:id="rId17"/>
+    <p:sldId id="286" r:id="rId18"/>
+    <p:sldId id="287" r:id="rId19"/>
+    <p:sldId id="288" r:id="rId20"/>
+    <p:sldId id="289" r:id="rId21"/>
+    <p:sldId id="267" r:id="rId22"/>
+    <p:sldId id="268" r:id="rId23"/>
+    <p:sldId id="269" r:id="rId24"/>
+    <p:sldId id="270" r:id="rId25"/>
+    <p:sldId id="271" r:id="rId26"/>
   </p:sldIdLst>
   <p:sldSz cx="12192000" cy="6858000"/>
   <p:notesSz cx="6858000" cy="9144000"/>
@@ -272,7 +283,7 @@
           <a:p>
             <a:fld id="{3E188059-9AAA-48DC-89EE-5FBEEAFD7015}" type="datetimeFigureOut">
               <a:rPr lang="en-US" smtClean="0"/>
-              <a:t>9/19/2024</a:t>
+              <a:t>9/21/2024</a:t>
             </a:fld>
             <a:endParaRPr lang="en-US"/>
           </a:p>
@@ -470,7 +481,7 @@
           <a:p>
             <a:fld id="{3E188059-9AAA-48DC-89EE-5FBEEAFD7015}" type="datetimeFigureOut">
               <a:rPr lang="en-US" smtClean="0"/>
-              <a:t>9/19/2024</a:t>
+              <a:t>9/21/2024</a:t>
             </a:fld>
             <a:endParaRPr lang="en-US"/>
           </a:p>
@@ -678,7 +689,7 @@
           <a:p>
             <a:fld id="{3E188059-9AAA-48DC-89EE-5FBEEAFD7015}" type="datetimeFigureOut">
               <a:rPr lang="en-US" smtClean="0"/>
-              <a:t>9/19/2024</a:t>
+              <a:t>9/21/2024</a:t>
             </a:fld>
             <a:endParaRPr lang="en-US"/>
           </a:p>
@@ -876,7 +887,7 @@
           <a:p>
             <a:fld id="{3E188059-9AAA-48DC-89EE-5FBEEAFD7015}" type="datetimeFigureOut">
               <a:rPr lang="en-US" smtClean="0"/>
-              <a:t>9/19/2024</a:t>
+              <a:t>9/21/2024</a:t>
             </a:fld>
             <a:endParaRPr lang="en-US"/>
           </a:p>
@@ -1151,7 +1162,7 @@
           <a:p>
             <a:fld id="{3E188059-9AAA-48DC-89EE-5FBEEAFD7015}" type="datetimeFigureOut">
               <a:rPr lang="en-US" smtClean="0"/>
-              <a:t>9/19/2024</a:t>
+              <a:t>9/21/2024</a:t>
             </a:fld>
             <a:endParaRPr lang="en-US"/>
           </a:p>
@@ -1416,7 +1427,7 @@
           <a:p>
             <a:fld id="{3E188059-9AAA-48DC-89EE-5FBEEAFD7015}" type="datetimeFigureOut">
               <a:rPr lang="en-US" smtClean="0"/>
-              <a:t>9/19/2024</a:t>
+              <a:t>9/21/2024</a:t>
             </a:fld>
             <a:endParaRPr lang="en-US"/>
           </a:p>
@@ -1828,7 +1839,7 @@
           <a:p>
             <a:fld id="{3E188059-9AAA-48DC-89EE-5FBEEAFD7015}" type="datetimeFigureOut">
               <a:rPr lang="en-US" smtClean="0"/>
-              <a:t>9/19/2024</a:t>
+              <a:t>9/21/2024</a:t>
             </a:fld>
             <a:endParaRPr lang="en-US"/>
           </a:p>
@@ -1969,7 +1980,7 @@
           <a:p>
             <a:fld id="{3E188059-9AAA-48DC-89EE-5FBEEAFD7015}" type="datetimeFigureOut">
               <a:rPr lang="en-US" smtClean="0"/>
-              <a:t>9/19/2024</a:t>
+              <a:t>9/21/2024</a:t>
             </a:fld>
             <a:endParaRPr lang="en-US"/>
           </a:p>
@@ -2082,7 +2093,7 @@
           <a:p>
             <a:fld id="{3E188059-9AAA-48DC-89EE-5FBEEAFD7015}" type="datetimeFigureOut">
               <a:rPr lang="en-US" smtClean="0"/>
-              <a:t>9/19/2024</a:t>
+              <a:t>9/21/2024</a:t>
             </a:fld>
             <a:endParaRPr lang="en-US"/>
           </a:p>
@@ -2393,7 +2404,7 @@
           <a:p>
             <a:fld id="{3E188059-9AAA-48DC-89EE-5FBEEAFD7015}" type="datetimeFigureOut">
               <a:rPr lang="en-US" smtClean="0"/>
-              <a:t>9/19/2024</a:t>
+              <a:t>9/21/2024</a:t>
             </a:fld>
             <a:endParaRPr lang="en-US"/>
           </a:p>
@@ -2681,7 +2692,7 @@
           <a:p>
             <a:fld id="{3E188059-9AAA-48DC-89EE-5FBEEAFD7015}" type="datetimeFigureOut">
               <a:rPr lang="en-US" smtClean="0"/>
-              <a:t>9/19/2024</a:t>
+              <a:t>9/21/2024</a:t>
             </a:fld>
             <a:endParaRPr lang="en-US"/>
           </a:p>
@@ -2922,7 +2933,7 @@
           <a:p>
             <a:fld id="{3E188059-9AAA-48DC-89EE-5FBEEAFD7015}" type="datetimeFigureOut">
               <a:rPr lang="en-US" smtClean="0"/>
-              <a:t>9/19/2024</a:t>
+              <a:t>9/21/2024</a:t>
             </a:fld>
             <a:endParaRPr lang="en-US"/>
           </a:p>
@@ -3362,7 +3373,7 @@
           <a:p>
             <a:r>
               <a:rPr lang="en-US" dirty="0"/>
-              <a:t>Mini-Project 1</a:t>
+              <a:t>MP1</a:t>
             </a:r>
             <a:br>
               <a:rPr lang="en-US" dirty="0"/>
@@ -3416,7 +3427,7 @@
           <a:p>
             <a:r>
               <a:rPr lang="en-US" altLang="zh-CN" dirty="0"/>
-              <a:t>Name1</a:t>
+              <a:t>Zach Larson</a:t>
             </a:r>
             <a:r>
               <a:rPr lang="zh-CN" altLang="en-US" dirty="0"/>
@@ -3424,7 +3435,7 @@
             </a:r>
             <a:r>
               <a:rPr lang="en-US" altLang="zh-CN" dirty="0"/>
-              <a:t>(NetID1),</a:t>
+              <a:t>(zlarson2),</a:t>
             </a:r>
             <a:r>
               <a:rPr lang="zh-CN" altLang="en-US" dirty="0"/>
@@ -3432,7 +3443,21 @@
             </a:r>
             <a:r>
               <a:rPr lang="en-US" altLang="zh-CN" dirty="0"/>
-              <a:t>Name2</a:t>
+              <a:t>M</a:t>
+            </a:r>
+            <a:r>
+              <a:rPr lang="en-US" b="0" i="0" dirty="0">
+                <a:solidFill>
+                  <a:srgbClr val="1E1E1E"/>
+                </a:solidFill>
+                <a:effectLst/>
+                <a:latin typeface="Segoe UI" panose="020B0502040204020203" pitchFamily="34" charset="0"/>
+              </a:rPr>
+              <a:t>á</a:t>
+            </a:r>
+            <a:r>
+              <a:rPr lang="en-US" altLang="zh-CN" dirty="0"/>
+              <a:t>ximo Rojas</a:t>
             </a:r>
             <a:r>
               <a:rPr lang="zh-CN" altLang="en-US" dirty="0"/>
@@ -3440,7 +3465,7 @@
             </a:r>
             <a:r>
               <a:rPr lang="en-US" altLang="zh-CN" dirty="0"/>
-              <a:t>(NetID2),</a:t>
+              <a:t>(mgr9),</a:t>
             </a:r>
             <a:r>
               <a:rPr lang="zh-CN" altLang="en-US" dirty="0"/>
@@ -3448,7 +3473,7 @@
             </a:r>
             <a:r>
               <a:rPr lang="en-US" altLang="zh-CN" dirty="0"/>
-              <a:t>Name3</a:t>
+              <a:t>Matthew Paul</a:t>
             </a:r>
             <a:r>
               <a:rPr lang="zh-CN" altLang="en-US" dirty="0"/>
@@ -3456,7 +3481,7 @@
             </a:r>
             <a:r>
               <a:rPr lang="en-US" altLang="zh-CN" dirty="0"/>
-              <a:t>(NetID3)</a:t>
+              <a:t>(mjpaul3)</a:t>
             </a:r>
             <a:endParaRPr lang="en-US" dirty="0"/>
           </a:p>
@@ -3494,10 +3519,91 @@
       </p:grpSpPr>
       <p:sp>
         <p:nvSpPr>
-          <p:cNvPr id="5" name="TextBox 4">
-            <a:extLst>
-              <a:ext uri="{FF2B5EF4-FFF2-40B4-BE49-F238E27FC236}">
-                <a16:creationId xmlns:a16="http://schemas.microsoft.com/office/drawing/2014/main" id="{F0E19196-DC92-A64D-B6B9-C7B9A0673305}"/>
+          <p:cNvPr id="2" name="Title 1">
+            <a:extLst>
+              <a:ext uri="{FF2B5EF4-FFF2-40B4-BE49-F238E27FC236}">
+                <a16:creationId xmlns:a16="http://schemas.microsoft.com/office/drawing/2014/main" id="{D734AE09-0795-4ADD-AD9A-B34B3AE4F422}"/>
+              </a:ext>
+            </a:extLst>
+          </p:cNvPr>
+          <p:cNvSpPr>
+            <a:spLocks noGrp="1"/>
+          </p:cNvSpPr>
+          <p:nvPr>
+            <p:ph type="title"/>
+          </p:nvPr>
+        </p:nvSpPr>
+        <p:spPr>
+          <a:xfrm>
+            <a:off x="838200" y="211854"/>
+            <a:ext cx="1765300" cy="693559"/>
+          </a:xfrm>
+        </p:spPr>
+        <p:txBody>
+          <a:bodyPr>
+            <a:normAutofit fontScale="90000"/>
+          </a:bodyPr>
+          <a:lstStyle/>
+          <a:p>
+            <a:r>
+              <a:rPr lang="en-US" dirty="0"/>
+              <a:t>Task </a:t>
+            </a:r>
+            <a:r>
+              <a:rPr lang="en-US" altLang="zh-CN" dirty="0"/>
+              <a:t>1</a:t>
+            </a:r>
+            <a:endParaRPr lang="en-US" dirty="0"/>
+          </a:p>
+        </p:txBody>
+      </p:sp>
+      <p:sp>
+        <p:nvSpPr>
+          <p:cNvPr id="3" name="Content Placeholder 2">
+            <a:extLst>
+              <a:ext uri="{FF2B5EF4-FFF2-40B4-BE49-F238E27FC236}">
+                <a16:creationId xmlns:a16="http://schemas.microsoft.com/office/drawing/2014/main" id="{6CAB5503-4181-4B53-893E-FCCEE467D992}"/>
+              </a:ext>
+            </a:extLst>
+          </p:cNvPr>
+          <p:cNvSpPr>
+            <a:spLocks noGrp="1"/>
+          </p:cNvSpPr>
+          <p:nvPr>
+            <p:ph idx="1"/>
+          </p:nvPr>
+        </p:nvSpPr>
+        <p:spPr>
+          <a:xfrm>
+            <a:off x="838200" y="1522587"/>
+            <a:ext cx="955089" cy="554223"/>
+          </a:xfrm>
+        </p:spPr>
+        <p:txBody>
+          <a:bodyPr>
+            <a:normAutofit/>
+          </a:bodyPr>
+          <a:lstStyle/>
+          <a:p>
+            <a:pPr marL="0" indent="0">
+              <a:buNone/>
+            </a:pPr>
+            <a:endParaRPr lang="en-US" sz="2000" dirty="0"/>
+          </a:p>
+          <a:p>
+            <a:pPr marL="0" indent="0">
+              <a:buNone/>
+            </a:pPr>
+            <a:endParaRPr lang="en-US" dirty="0"/>
+          </a:p>
+        </p:txBody>
+      </p:sp>
+      <p:sp>
+        <p:nvSpPr>
+          <p:cNvPr id="4" name="TextBox 3">
+            <a:extLst>
+              <a:ext uri="{FF2B5EF4-FFF2-40B4-BE49-F238E27FC236}">
+                <a16:creationId xmlns:a16="http://schemas.microsoft.com/office/drawing/2014/main" id="{6345F114-378C-EB11-B050-2109D4C72E60}"/>
               </a:ext>
             </a:extLst>
           </p:cNvPr>
@@ -3506,8 +3612,8 @@
         </p:nvSpPr>
         <p:spPr>
           <a:xfrm>
-            <a:off x="513729" y="1095875"/>
-            <a:ext cx="11300900" cy="3970318"/>
+            <a:off x="4166258" y="202133"/>
+            <a:ext cx="3859481" cy="400110"/>
           </a:xfrm>
           <a:prstGeom prst="rect">
             <a:avLst/>
@@ -3520,290 +3626,53 @@
           </a:bodyPr>
           <a:lstStyle/>
           <a:p>
-            <a:r>
-              <a:rPr lang="en-US" dirty="0"/>
-              <a:t>Q4</a:t>
-            </a:r>
-            <a:r>
-              <a:rPr lang="en-US" altLang="zh-CN" dirty="0"/>
-              <a:t>.b:</a:t>
-            </a:r>
-            <a:r>
-              <a:rPr lang="en-US" dirty="0"/>
-              <a:t> </a:t>
-            </a:r>
-            <a:r>
-              <a:rPr lang="en-US" altLang="zh-CN" dirty="0">
-                <a:solidFill>
-                  <a:srgbClr val="212529"/>
-                </a:solidFill>
-                <a:latin typeface="Arial" panose="020B0604020202020204" pitchFamily="34" charset="0"/>
-              </a:rPr>
-              <a:t>U</a:t>
-            </a:r>
-            <a:r>
-              <a:rPr lang="en-US" sz="1800" b="0" i="0" u="none" strike="noStrike" dirty="0">
-                <a:solidFill>
-                  <a:srgbClr val="212529"/>
-                </a:solidFill>
-                <a:effectLst/>
-                <a:latin typeface="Arial" panose="020B0604020202020204" pitchFamily="34" charset="0"/>
-              </a:rPr>
-              <a:t>se 2-sample t-test to test on the </a:t>
-            </a:r>
-            <a:r>
-              <a:rPr lang="en-US" sz="1800" b="1" i="0" u="none" strike="noStrike" dirty="0">
-                <a:solidFill>
-                  <a:srgbClr val="212529"/>
-                </a:solidFill>
-                <a:effectLst/>
-                <a:latin typeface="Arial" panose="020B0604020202020204" pitchFamily="34" charset="0"/>
-              </a:rPr>
-              <a:t>‘steer’</a:t>
-            </a:r>
-            <a:r>
-              <a:rPr lang="en-US" sz="1800" b="0" i="0" u="none" strike="noStrike" dirty="0">
-                <a:solidFill>
-                  <a:srgbClr val="212529"/>
-                </a:solidFill>
-                <a:effectLst/>
-                <a:latin typeface="Arial" panose="020B0604020202020204" pitchFamily="34" charset="0"/>
-              </a:rPr>
-              <a:t> values of </a:t>
-            </a:r>
-            <a:r>
-              <a:rPr lang="en-US" sz="1800" b="1" i="0" u="none" strike="noStrike" dirty="0">
-                <a:solidFill>
-                  <a:srgbClr val="212529"/>
-                </a:solidFill>
-                <a:effectLst/>
-                <a:latin typeface="Arial" panose="020B0604020202020204" pitchFamily="34" charset="0"/>
-              </a:rPr>
-              <a:t>abnormal runs vs normal runs</a:t>
-            </a:r>
-            <a:r>
-              <a:rPr lang="en-US" altLang="zh-CN" sz="1800" b="1" i="0" u="none" strike="noStrike" dirty="0">
-                <a:solidFill>
-                  <a:srgbClr val="212529"/>
-                </a:solidFill>
-                <a:effectLst/>
-                <a:latin typeface="Arial" panose="020B0604020202020204" pitchFamily="34" charset="0"/>
-              </a:rPr>
-              <a:t>.</a:t>
-            </a:r>
-            <a:endParaRPr lang="en-US" altLang="zh-CN" dirty="0"/>
-          </a:p>
-          <a:p>
-            <a:pPr marL="400050" indent="-400050">
-              <a:buFont typeface="+mj-lt"/>
-              <a:buAutoNum type="romanLcPeriod"/>
-            </a:pPr>
-            <a:r>
-              <a:rPr lang="en-US" sz="1800" b="0" i="0" u="none" strike="noStrike" dirty="0">
-                <a:solidFill>
-                  <a:srgbClr val="212529"/>
-                </a:solidFill>
-                <a:effectLst/>
-                <a:latin typeface="Arial" panose="020B0604020202020204" pitchFamily="34" charset="0"/>
-              </a:rPr>
-              <a:t>State the null and alternative hypotheses</a:t>
-            </a:r>
-          </a:p>
-          <a:p>
-            <a:pPr lvl="1"/>
-            <a:r>
-              <a:rPr lang="en-US" altLang="zh-CN" dirty="0">
-                <a:solidFill>
-                  <a:srgbClr val="212529"/>
-                </a:solidFill>
-                <a:latin typeface="Arial" panose="020B0604020202020204" pitchFamily="34" charset="0"/>
-              </a:rPr>
-              <a:t>H0:</a:t>
-            </a:r>
-            <a:endParaRPr lang="en-US" dirty="0">
-              <a:solidFill>
-                <a:srgbClr val="212529"/>
-              </a:solidFill>
-              <a:latin typeface="Arial" panose="020B0604020202020204" pitchFamily="34" charset="0"/>
-            </a:endParaRPr>
-          </a:p>
-          <a:p>
-            <a:pPr lvl="1"/>
-            <a:r>
-              <a:rPr lang="en-US" altLang="zh-CN" dirty="0">
-                <a:solidFill>
-                  <a:srgbClr val="212529"/>
-                </a:solidFill>
-                <a:latin typeface="Arial" panose="020B0604020202020204" pitchFamily="34" charset="0"/>
-              </a:rPr>
-              <a:t>H1:</a:t>
-            </a:r>
-          </a:p>
-          <a:p>
-            <a:pPr lvl="1"/>
-            <a:endParaRPr lang="en-US" b="0" i="0" u="none" strike="noStrike" dirty="0">
-              <a:solidFill>
-                <a:srgbClr val="212529"/>
-              </a:solidFill>
-              <a:effectLst/>
-              <a:latin typeface="Arial" panose="020B0604020202020204" pitchFamily="34" charset="0"/>
-            </a:endParaRPr>
-          </a:p>
-          <a:p>
-            <a:pPr marL="342900" indent="-342900">
-              <a:buFont typeface="+mj-lt"/>
-              <a:buAutoNum type="romanLcPeriod"/>
-            </a:pPr>
-            <a:r>
-              <a:rPr lang="en-US" sz="1800" b="0" i="0" u="none" strike="noStrike" dirty="0">
-                <a:solidFill>
-                  <a:srgbClr val="212529"/>
-                </a:solidFill>
-                <a:effectLst/>
-                <a:latin typeface="Arial" panose="020B0604020202020204" pitchFamily="34" charset="0"/>
-              </a:rPr>
-              <a:t>Perform the test and calculate test statistics</a:t>
-            </a:r>
-            <a:endParaRPr lang="en-US" dirty="0">
-              <a:solidFill>
-                <a:srgbClr val="212529"/>
-              </a:solidFill>
-              <a:latin typeface="Arial" panose="020B0604020202020204" pitchFamily="34" charset="0"/>
-            </a:endParaRPr>
-          </a:p>
-          <a:p>
-            <a:pPr lvl="1"/>
-            <a:endParaRPr lang="en-US" altLang="zh-CN" b="0" i="0" u="none" strike="noStrike" dirty="0">
-              <a:solidFill>
-                <a:srgbClr val="212529"/>
-              </a:solidFill>
-              <a:effectLst/>
-              <a:latin typeface="Arial" panose="020B0604020202020204" pitchFamily="34" charset="0"/>
-            </a:endParaRPr>
-          </a:p>
-          <a:p>
-            <a:pPr lvl="1"/>
-            <a:endParaRPr lang="en-US" altLang="zh-CN" b="0" i="0" u="none" strike="noStrike" dirty="0">
-              <a:solidFill>
-                <a:srgbClr val="212529"/>
-              </a:solidFill>
-              <a:effectLst/>
-              <a:latin typeface="Arial" panose="020B0604020202020204" pitchFamily="34" charset="0"/>
-            </a:endParaRPr>
-          </a:p>
-          <a:p>
-            <a:pPr lvl="1"/>
-            <a:endParaRPr lang="en-US" b="0" i="0" u="none" strike="noStrike" dirty="0">
-              <a:solidFill>
-                <a:srgbClr val="212529"/>
-              </a:solidFill>
-              <a:effectLst/>
-              <a:latin typeface="Arial" panose="020B0604020202020204" pitchFamily="34" charset="0"/>
-            </a:endParaRPr>
-          </a:p>
-          <a:p>
-            <a:pPr marL="342900" indent="-342900">
-              <a:buFont typeface="+mj-lt"/>
-              <a:buAutoNum type="romanLcPeriod"/>
-            </a:pPr>
-            <a:r>
-              <a:rPr lang="en-US" sz="1800" b="0" i="0" u="none" strike="noStrike" dirty="0">
-                <a:solidFill>
-                  <a:srgbClr val="212529"/>
-                </a:solidFill>
-                <a:effectLst/>
-                <a:latin typeface="Arial" panose="020B0604020202020204" pitchFamily="34" charset="0"/>
-              </a:rPr>
-              <a:t>Assume a significance level of 0.05, what is your conclusion</a:t>
-            </a:r>
-            <a:endParaRPr lang="en-US" dirty="0"/>
-          </a:p>
-          <a:p>
-            <a:pPr marL="285750" indent="-285750">
-              <a:buFont typeface="Arial" panose="020B0604020202020204" pitchFamily="34" charset="0"/>
-              <a:buChar char="•"/>
-            </a:pPr>
-            <a:endParaRPr lang="en-US" dirty="0"/>
-          </a:p>
-          <a:p>
-            <a:pPr marL="285750" indent="-285750">
-              <a:buFont typeface="Arial" panose="020B0604020202020204" pitchFamily="34" charset="0"/>
-              <a:buChar char="•"/>
-            </a:pPr>
-            <a:endParaRPr lang="en-US" dirty="0"/>
-          </a:p>
-          <a:p>
-            <a:pPr marL="285750" indent="-285750">
-              <a:buFont typeface="Arial" panose="020B0604020202020204" pitchFamily="34" charset="0"/>
-              <a:buChar char="•"/>
-            </a:pPr>
-            <a:endParaRPr lang="en-US" dirty="0"/>
-          </a:p>
-          <a:p>
-            <a:r>
-              <a:rPr lang="en-US" altLang="zh-CN" dirty="0"/>
-              <a:t>Q4.c:</a:t>
-            </a:r>
-            <a:r>
-              <a:rPr lang="zh-CN" altLang="en-US" dirty="0"/>
-              <a:t> </a:t>
-            </a:r>
-            <a:r>
-              <a:rPr lang="en-US" sz="1800" b="0" i="0" u="none" strike="noStrike" dirty="0">
-                <a:solidFill>
-                  <a:srgbClr val="212529"/>
-                </a:solidFill>
-                <a:effectLst/>
-                <a:latin typeface="Arial" panose="020B0604020202020204" pitchFamily="34" charset="0"/>
-              </a:rPr>
-              <a:t>Does the testing result contradict your observation on the ”steer” feature in part 4.a? Why?</a:t>
-            </a:r>
-            <a:endParaRPr lang="en-US" dirty="0"/>
-          </a:p>
-        </p:txBody>
-      </p:sp>
-      <p:sp>
-        <p:nvSpPr>
-          <p:cNvPr id="2" name="Title 1">
-            <a:extLst>
-              <a:ext uri="{FF2B5EF4-FFF2-40B4-BE49-F238E27FC236}">
-                <a16:creationId xmlns:a16="http://schemas.microsoft.com/office/drawing/2014/main" id="{D734AE09-0795-4ADD-AD9A-B34B3AE4F422}"/>
-              </a:ext>
-            </a:extLst>
-          </p:cNvPr>
-          <p:cNvSpPr>
-            <a:spLocks noGrp="1"/>
-          </p:cNvSpPr>
-          <p:nvPr>
-            <p:ph type="title"/>
-          </p:nvPr>
-        </p:nvSpPr>
-        <p:spPr>
-          <a:xfrm>
-            <a:off x="838200" y="65130"/>
-            <a:ext cx="10515600" cy="1325563"/>
-          </a:xfrm>
-        </p:spPr>
-        <p:txBody>
-          <a:bodyPr/>
-          <a:lstStyle/>
-          <a:p>
-            <a:r>
-              <a:rPr lang="en-US" dirty="0"/>
-              <a:t>Task </a:t>
-            </a:r>
-            <a:r>
-              <a:rPr lang="en-US" altLang="zh-CN" dirty="0"/>
-              <a:t>2</a:t>
-            </a:r>
-            <a:endParaRPr lang="en-US" dirty="0"/>
-          </a:p>
-        </p:txBody>
-      </p:sp>
+            <a:pPr algn="ctr"/>
+            <a:r>
+              <a:rPr lang="en-US" sz="2000" b="1" dirty="0"/>
+              <a:t>Campaign Result Visualization</a:t>
+            </a:r>
+          </a:p>
+        </p:txBody>
+      </p:sp>
+      <p:pic>
+        <p:nvPicPr>
+          <p:cNvPr id="22" name="Picture 21">
+            <a:extLst>
+              <a:ext uri="{FF2B5EF4-FFF2-40B4-BE49-F238E27FC236}">
+                <a16:creationId xmlns:a16="http://schemas.microsoft.com/office/drawing/2014/main" id="{B3FEC19F-D8E7-EACC-BBCD-639F9DFFAD59}"/>
+              </a:ext>
+            </a:extLst>
+          </p:cNvPr>
+          <p:cNvPicPr>
+            <a:picLocks noChangeAspect="1"/>
+          </p:cNvPicPr>
+          <p:nvPr/>
+        </p:nvPicPr>
+        <p:blipFill>
+          <a:blip r:embed="rId2">
+            <a:extLst>
+              <a:ext uri="{28A0092B-C50C-407E-A947-70E740481C1C}">
+                <a14:useLocalDpi xmlns:a14="http://schemas.microsoft.com/office/drawing/2010/main" val="0"/>
+              </a:ext>
+            </a:extLst>
+          </a:blip>
+          <a:srcRect l="10525" t="8781" r="9015" b="5581"/>
+          <a:stretch/>
+        </p:blipFill>
+        <p:spPr>
+          <a:xfrm>
+            <a:off x="444499" y="749299"/>
+            <a:ext cx="11303001" cy="6015135"/>
+          </a:xfrm>
+          <a:prstGeom prst="rect">
+            <a:avLst/>
+          </a:prstGeom>
+        </p:spPr>
+      </p:pic>
     </p:spTree>
     <p:extLst>
       <p:ext uri="{BB962C8B-B14F-4D97-AF65-F5344CB8AC3E}">
-        <p14:creationId xmlns:p14="http://schemas.microsoft.com/office/powerpoint/2010/main" val="2195100559"/>
+        <p14:creationId xmlns:p14="http://schemas.microsoft.com/office/powerpoint/2010/main" val="512387077"/>
       </p:ext>
     </p:extLst>
   </p:cSld>
@@ -3832,10 +3701,89 @@
       </p:grpSpPr>
       <p:sp>
         <p:nvSpPr>
+          <p:cNvPr id="2" name="Title 1">
+            <a:extLst>
+              <a:ext uri="{FF2B5EF4-FFF2-40B4-BE49-F238E27FC236}">
+                <a16:creationId xmlns:a16="http://schemas.microsoft.com/office/drawing/2014/main" id="{D734AE09-0795-4ADD-AD9A-B34B3AE4F422}"/>
+              </a:ext>
+            </a:extLst>
+          </p:cNvPr>
+          <p:cNvSpPr>
+            <a:spLocks noGrp="1"/>
+          </p:cNvSpPr>
+          <p:nvPr>
+            <p:ph type="title"/>
+          </p:nvPr>
+        </p:nvSpPr>
+        <p:spPr>
+          <a:xfrm>
+            <a:off x="838200" y="65130"/>
+            <a:ext cx="10515600" cy="1325563"/>
+          </a:xfrm>
+        </p:spPr>
+        <p:txBody>
+          <a:bodyPr/>
+          <a:lstStyle/>
+          <a:p>
+            <a:r>
+              <a:rPr lang="en-US" dirty="0"/>
+              <a:t>Task </a:t>
+            </a:r>
+            <a:r>
+              <a:rPr lang="en-US" altLang="zh-CN" dirty="0"/>
+              <a:t>1</a:t>
+            </a:r>
+            <a:endParaRPr lang="en-US" dirty="0"/>
+          </a:p>
+        </p:txBody>
+      </p:sp>
+      <p:sp>
+        <p:nvSpPr>
+          <p:cNvPr id="3" name="Content Placeholder 2">
+            <a:extLst>
+              <a:ext uri="{FF2B5EF4-FFF2-40B4-BE49-F238E27FC236}">
+                <a16:creationId xmlns:a16="http://schemas.microsoft.com/office/drawing/2014/main" id="{6CAB5503-4181-4B53-893E-FCCEE467D992}"/>
+              </a:ext>
+            </a:extLst>
+          </p:cNvPr>
+          <p:cNvSpPr>
+            <a:spLocks noGrp="1"/>
+          </p:cNvSpPr>
+          <p:nvPr>
+            <p:ph idx="1"/>
+          </p:nvPr>
+        </p:nvSpPr>
+        <p:spPr>
+          <a:xfrm>
+            <a:off x="838200" y="1522587"/>
+            <a:ext cx="955089" cy="554223"/>
+          </a:xfrm>
+        </p:spPr>
+        <p:txBody>
+          <a:bodyPr>
+            <a:normAutofit/>
+          </a:bodyPr>
+          <a:lstStyle/>
+          <a:p>
+            <a:pPr marL="0" indent="0">
+              <a:buNone/>
+            </a:pPr>
+            <a:endParaRPr lang="en-US" sz="2000" dirty="0"/>
+          </a:p>
+          <a:p>
+            <a:pPr marL="0" indent="0">
+              <a:buNone/>
+            </a:pPr>
+            <a:endParaRPr lang="en-US" dirty="0"/>
+          </a:p>
+        </p:txBody>
+      </p:sp>
+      <p:sp>
+        <p:nvSpPr>
           <p:cNvPr id="5" name="TextBox 4">
             <a:extLst>
               <a:ext uri="{FF2B5EF4-FFF2-40B4-BE49-F238E27FC236}">
-                <a16:creationId xmlns:a16="http://schemas.microsoft.com/office/drawing/2014/main" id="{F0E19196-DC92-A64D-B6B9-C7B9A0673305}"/>
+                <a16:creationId xmlns:a16="http://schemas.microsoft.com/office/drawing/2014/main" id="{A293F662-7864-197D-C0CB-60FF0B8C3E2F}"/>
               </a:ext>
             </a:extLst>
           </p:cNvPr>
@@ -3844,8 +3792,8 @@
         </p:nvSpPr>
         <p:spPr>
           <a:xfrm>
-            <a:off x="513729" y="1095875"/>
-            <a:ext cx="10720328" cy="4801314"/>
+            <a:off x="838200" y="1455385"/>
+            <a:ext cx="10515600" cy="3477875"/>
           </a:xfrm>
           <a:prstGeom prst="rect">
             <a:avLst/>
@@ -3858,249 +3806,113 @@
           </a:bodyPr>
           <a:lstStyle/>
           <a:p>
-            <a:r>
-              <a:rPr lang="en-US" dirty="0"/>
-              <a:t>Q5</a:t>
-            </a:r>
-            <a:r>
-              <a:rPr lang="en-US" altLang="zh-CN" dirty="0"/>
-              <a:t>:</a:t>
-            </a:r>
-            <a:r>
-              <a:rPr lang="zh-CN" altLang="en-US" dirty="0"/>
-              <a:t> </a:t>
-            </a:r>
-            <a:r>
-              <a:rPr lang="en-US" altLang="zh-CN" dirty="0">
-                <a:solidFill>
-                  <a:srgbClr val="212529"/>
-                </a:solidFill>
-                <a:latin typeface="Arial" panose="020B0604020202020204" pitchFamily="34" charset="0"/>
-              </a:rPr>
-              <a:t>S</a:t>
-            </a:r>
-            <a:r>
-              <a:rPr lang="en-US" sz="1800" b="0" i="0" u="none" strike="noStrike" dirty="0">
-                <a:solidFill>
-                  <a:srgbClr val="212529"/>
-                </a:solidFill>
-                <a:effectLst/>
-                <a:latin typeface="Arial" panose="020B0604020202020204" pitchFamily="34" charset="0"/>
-              </a:rPr>
-              <a:t>ome of the</a:t>
-            </a:r>
-            <a:r>
-              <a:rPr lang="zh-CN" altLang="en-US" sz="1800" b="0" i="0" u="none" strike="noStrike" dirty="0">
-                <a:solidFill>
-                  <a:srgbClr val="212529"/>
-                </a:solidFill>
-                <a:effectLst/>
-                <a:latin typeface="Arial" panose="020B0604020202020204" pitchFamily="34" charset="0"/>
-              </a:rPr>
-              <a:t> </a:t>
-            </a:r>
-            <a:r>
-              <a:rPr lang="en-US" altLang="zh-CN" sz="1800" b="0" i="0" u="none" strike="noStrike" dirty="0">
-                <a:solidFill>
-                  <a:srgbClr val="212529"/>
-                </a:solidFill>
-                <a:effectLst/>
-                <a:latin typeface="Arial" panose="020B0604020202020204" pitchFamily="34" charset="0"/>
-              </a:rPr>
-              <a:t>features</a:t>
-            </a:r>
-            <a:r>
-              <a:rPr lang="en-US" sz="1800" b="0" i="0" u="none" strike="noStrike" dirty="0">
-                <a:solidFill>
-                  <a:srgbClr val="212529"/>
-                </a:solidFill>
-                <a:effectLst/>
-                <a:latin typeface="Arial" panose="020B0604020202020204" pitchFamily="34" charset="0"/>
-              </a:rPr>
-              <a:t> are better indicators of abnormal AV behavior, can you identify them?</a:t>
-            </a:r>
-            <a:endParaRPr lang="en-US" altLang="zh-CN" dirty="0"/>
-          </a:p>
-          <a:p>
-            <a:pPr marL="342900" indent="-342900">
-              <a:buFont typeface="+mj-lt"/>
-              <a:buAutoNum type="alphaLcPeriod"/>
-            </a:pPr>
-            <a:endParaRPr lang="en-US" sz="1800" b="0" i="0" u="none" strike="noStrike" dirty="0">
-              <a:solidFill>
-                <a:srgbClr val="212529"/>
-              </a:solidFill>
-              <a:effectLst/>
-              <a:latin typeface="Arial" panose="020B0604020202020204" pitchFamily="34" charset="0"/>
-            </a:endParaRPr>
-          </a:p>
-          <a:p>
-            <a:pPr marL="342900" indent="-342900">
-              <a:buFont typeface="+mj-lt"/>
-              <a:buAutoNum type="alphaLcPeriod"/>
-            </a:pPr>
-            <a:r>
-              <a:rPr lang="en-US" sz="1800" b="0" i="0" u="none" strike="noStrike" dirty="0">
-                <a:solidFill>
-                  <a:srgbClr val="212529"/>
-                </a:solidFill>
-                <a:effectLst/>
-                <a:latin typeface="Arial" panose="020B0604020202020204" pitchFamily="34" charset="0"/>
-              </a:rPr>
-              <a:t>By looking at the distribution plots of the features in Task 2.4, explain your choice of indicators.</a:t>
-            </a:r>
-          </a:p>
-          <a:p>
-            <a:pPr marL="342900" indent="-342900">
-              <a:buFont typeface="+mj-lt"/>
-              <a:buAutoNum type="alphaLcPeriod"/>
-            </a:pPr>
-            <a:endParaRPr lang="en-US" altLang="zh-CN" dirty="0">
-              <a:solidFill>
-                <a:srgbClr val="212529"/>
-              </a:solidFill>
-              <a:latin typeface="Arial" panose="020B0604020202020204" pitchFamily="34" charset="0"/>
-            </a:endParaRPr>
-          </a:p>
-          <a:p>
-            <a:pPr marL="342900" indent="-342900">
-              <a:buFont typeface="+mj-lt"/>
-              <a:buAutoNum type="alphaLcPeriod"/>
-            </a:pPr>
-            <a:endParaRPr lang="en-US" altLang="zh-CN" dirty="0">
-              <a:solidFill>
-                <a:srgbClr val="212529"/>
-              </a:solidFill>
-              <a:latin typeface="Arial" panose="020B0604020202020204" pitchFamily="34" charset="0"/>
-            </a:endParaRPr>
-          </a:p>
-          <a:p>
-            <a:endParaRPr lang="en-US" altLang="zh-CN" dirty="0">
-              <a:solidFill>
-                <a:srgbClr val="212529"/>
-              </a:solidFill>
-              <a:latin typeface="Arial" panose="020B0604020202020204" pitchFamily="34" charset="0"/>
-            </a:endParaRPr>
-          </a:p>
-          <a:p>
-            <a:pPr marL="342900" indent="-342900">
-              <a:buFont typeface="+mj-lt"/>
-              <a:buAutoNum type="alphaLcPeriod"/>
-            </a:pPr>
-            <a:endParaRPr lang="en-US" altLang="zh-CN" dirty="0">
-              <a:solidFill>
-                <a:srgbClr val="212529"/>
-              </a:solidFill>
-              <a:latin typeface="Arial" panose="020B0604020202020204" pitchFamily="34" charset="0"/>
-            </a:endParaRPr>
-          </a:p>
-          <a:p>
-            <a:pPr marL="342900" indent="-342900">
-              <a:buFont typeface="+mj-lt"/>
-              <a:buAutoNum type="alphaLcPeriod"/>
-            </a:pPr>
-            <a:endParaRPr lang="en-US" altLang="zh-CN" dirty="0">
-              <a:solidFill>
-                <a:srgbClr val="212529"/>
-              </a:solidFill>
-              <a:latin typeface="Arial" panose="020B0604020202020204" pitchFamily="34" charset="0"/>
-            </a:endParaRPr>
-          </a:p>
-          <a:p>
-            <a:pPr marL="342900" indent="-342900">
-              <a:buFont typeface="+mj-lt"/>
-              <a:buAutoNum type="alphaLcPeriod" startAt="2"/>
-            </a:pPr>
-            <a:r>
-              <a:rPr lang="en-US" sz="1800" b="0" i="0" u="none" strike="noStrike" dirty="0">
-                <a:solidFill>
-                  <a:srgbClr val="212529"/>
-                </a:solidFill>
-                <a:effectLst/>
-                <a:latin typeface="Arial" panose="020B0604020202020204" pitchFamily="34" charset="0"/>
-              </a:rPr>
-              <a:t>For the fields you identified as good accident indicators above, are they related (Calculate the Pearson correlation coefficient between each pair of the indicators to justify your answer)? If so, how does that affect the predicting power of using one indicator versus using all of them? </a:t>
-            </a:r>
-            <a:endParaRPr lang="en-US" altLang="zh-CN" dirty="0"/>
-          </a:p>
-          <a:p>
             <a:pPr marL="285750" indent="-285750">
               <a:buFont typeface="Arial" panose="020B0604020202020204" pitchFamily="34" charset="0"/>
               <a:buChar char="•"/>
             </a:pPr>
-            <a:endParaRPr lang="en-US" altLang="zh-CN" dirty="0"/>
+            <a:r>
+              <a:rPr lang="en-US" sz="2000" dirty="0"/>
+              <a:t>throttle: would expect to be negative, as velocity slows</a:t>
+            </a:r>
           </a:p>
           <a:p>
             <a:pPr marL="285750" indent="-285750">
               <a:buFont typeface="Arial" panose="020B0604020202020204" pitchFamily="34" charset="0"/>
               <a:buChar char="•"/>
             </a:pPr>
-            <a:endParaRPr lang="en-US" dirty="0"/>
+            <a:r>
+              <a:rPr lang="en-US" sz="2000" dirty="0"/>
+              <a:t>velocity: would expect to drop</a:t>
+            </a:r>
           </a:p>
           <a:p>
             <a:pPr marL="285750" indent="-285750">
               <a:buFont typeface="Arial" panose="020B0604020202020204" pitchFamily="34" charset="0"/>
               <a:buChar char="•"/>
             </a:pPr>
-            <a:endParaRPr lang="en-US" dirty="0"/>
+            <a:r>
+              <a:rPr lang="en-US" sz="2000" dirty="0"/>
+              <a:t>steer: direction may or may not change</a:t>
+            </a:r>
           </a:p>
           <a:p>
             <a:pPr marL="285750" indent="-285750">
               <a:buFont typeface="Arial" panose="020B0604020202020204" pitchFamily="34" charset="0"/>
               <a:buChar char="•"/>
             </a:pPr>
-            <a:endParaRPr lang="en-US" dirty="0"/>
+            <a:r>
+              <a:rPr lang="en-US" sz="2000" dirty="0"/>
+              <a:t>brake: may or may not change depending on the abruptness of the crash. Would expect a slight change in general</a:t>
+            </a:r>
           </a:p>
           <a:p>
             <a:pPr marL="285750" indent="-285750">
               <a:buFont typeface="Arial" panose="020B0604020202020204" pitchFamily="34" charset="0"/>
               <a:buChar char="•"/>
             </a:pPr>
-            <a:endParaRPr lang="en-US" dirty="0"/>
+            <a:r>
+              <a:rPr lang="en-US" sz="2000" dirty="0"/>
+              <a:t>x, y, cvip: would be hard to compare against non accident data</a:t>
+            </a:r>
           </a:p>
           <a:p>
             <a:pPr marL="285750" indent="-285750">
               <a:buFont typeface="Arial" panose="020B0604020202020204" pitchFamily="34" charset="0"/>
               <a:buChar char="•"/>
             </a:pPr>
-            <a:endParaRPr lang="en-US" dirty="0"/>
-          </a:p>
-        </p:txBody>
-      </p:sp>
-      <p:sp>
-        <p:nvSpPr>
-          <p:cNvPr id="2" name="Title 1">
-            <a:extLst>
-              <a:ext uri="{FF2B5EF4-FFF2-40B4-BE49-F238E27FC236}">
-                <a16:creationId xmlns:a16="http://schemas.microsoft.com/office/drawing/2014/main" id="{D734AE09-0795-4ADD-AD9A-B34B3AE4F422}"/>
-              </a:ext>
-            </a:extLst>
-          </p:cNvPr>
-          <p:cNvSpPr>
-            <a:spLocks noGrp="1"/>
-          </p:cNvSpPr>
-          <p:nvPr>
-            <p:ph type="title"/>
-          </p:nvPr>
-        </p:nvSpPr>
-        <p:spPr>
-          <a:xfrm>
-            <a:off x="838200" y="65130"/>
-            <a:ext cx="10515600" cy="1325563"/>
-          </a:xfrm>
-        </p:spPr>
-        <p:txBody>
-          <a:bodyPr/>
-          <a:lstStyle/>
-          <a:p>
-            <a:r>
-              <a:rPr lang="en-US" dirty="0"/>
-              <a:t>Task </a:t>
-            </a:r>
-            <a:r>
-              <a:rPr lang="en-US" altLang="zh-CN" dirty="0"/>
-              <a:t>2</a:t>
-            </a:r>
+            <a:endParaRPr lang="en-US" sz="2000" dirty="0"/>
+          </a:p>
+          <a:p>
+            <a:pPr marL="285750" indent="-285750">
+              <a:buFont typeface="Arial" panose="020B0604020202020204" pitchFamily="34" charset="0"/>
+              <a:buChar char="•"/>
+            </a:pPr>
+            <a:endParaRPr lang="en-US" sz="2000" dirty="0"/>
+          </a:p>
+          <a:p>
+            <a:r>
+              <a:rPr lang="en-US" sz="2000" dirty="0"/>
+              <a:t>Based on the throttle, steering, and change in x-location in the clear night scenario, our group predicts a crash in that condition. No other EV in each of the different scenarios appears to have such volatile driving characteristics as compared to in this scenario.</a:t>
+            </a:r>
+          </a:p>
+        </p:txBody>
+      </p:sp>
+      <p:sp>
+        <p:nvSpPr>
+          <p:cNvPr id="7" name="TextBox 6">
+            <a:extLst>
+              <a:ext uri="{FF2B5EF4-FFF2-40B4-BE49-F238E27FC236}">
+                <a16:creationId xmlns:a16="http://schemas.microsoft.com/office/drawing/2014/main" id="{28625207-3246-18B1-1473-976BEDD50960}"/>
+              </a:ext>
+            </a:extLst>
+          </p:cNvPr>
+          <p:cNvSpPr txBox="1"/>
+          <p:nvPr/>
+        </p:nvSpPr>
+        <p:spPr>
+          <a:xfrm>
+            <a:off x="3711575" y="249166"/>
+            <a:ext cx="4768850" cy="984885"/>
+          </a:xfrm>
+          <a:prstGeom prst="rect">
+            <a:avLst/>
+          </a:prstGeom>
+          <a:noFill/>
+        </p:spPr>
+        <p:txBody>
+          <a:bodyPr wrap="square" rtlCol="0">
+            <a:spAutoFit/>
+          </a:bodyPr>
+          <a:lstStyle/>
+          <a:p>
+            <a:pPr algn="ctr"/>
+            <a:r>
+              <a:rPr lang="en-US" sz="2000" b="1" dirty="0"/>
+              <a:t>Experience and Intuition: How should crashing affect car motion?</a:t>
+            </a:r>
+          </a:p>
+          <a:p>
+            <a:pPr algn="ctr"/>
             <a:endParaRPr lang="en-US" dirty="0"/>
           </a:p>
         </p:txBody>
@@ -4108,7 +3920,7 @@
     </p:spTree>
     <p:extLst>
       <p:ext uri="{BB962C8B-B14F-4D97-AF65-F5344CB8AC3E}">
-        <p14:creationId xmlns:p14="http://schemas.microsoft.com/office/powerpoint/2010/main" val="483667181"/>
+        <p14:creationId xmlns:p14="http://schemas.microsoft.com/office/powerpoint/2010/main" val="1959078203"/>
       </p:ext>
     </p:extLst>
   </p:cSld>
@@ -4137,10 +3949,89 @@
       </p:grpSpPr>
       <p:sp>
         <p:nvSpPr>
-          <p:cNvPr id="5" name="TextBox 4">
-            <a:extLst>
-              <a:ext uri="{FF2B5EF4-FFF2-40B4-BE49-F238E27FC236}">
-                <a16:creationId xmlns:a16="http://schemas.microsoft.com/office/drawing/2014/main" id="{F0E19196-DC92-A64D-B6B9-C7B9A0673305}"/>
+          <p:cNvPr id="2" name="Title 1">
+            <a:extLst>
+              <a:ext uri="{FF2B5EF4-FFF2-40B4-BE49-F238E27FC236}">
+                <a16:creationId xmlns:a16="http://schemas.microsoft.com/office/drawing/2014/main" id="{D734AE09-0795-4ADD-AD9A-B34B3AE4F422}"/>
+              </a:ext>
+            </a:extLst>
+          </p:cNvPr>
+          <p:cNvSpPr>
+            <a:spLocks noGrp="1"/>
+          </p:cNvSpPr>
+          <p:nvPr>
+            <p:ph type="title"/>
+          </p:nvPr>
+        </p:nvSpPr>
+        <p:spPr>
+          <a:xfrm>
+            <a:off x="838200" y="65130"/>
+            <a:ext cx="10515600" cy="1325563"/>
+          </a:xfrm>
+        </p:spPr>
+        <p:txBody>
+          <a:bodyPr/>
+          <a:lstStyle/>
+          <a:p>
+            <a:r>
+              <a:rPr lang="en-US" dirty="0"/>
+              <a:t>Task </a:t>
+            </a:r>
+            <a:r>
+              <a:rPr lang="en-US" altLang="zh-CN" dirty="0"/>
+              <a:t>2</a:t>
+            </a:r>
+            <a:endParaRPr lang="en-US" dirty="0"/>
+          </a:p>
+        </p:txBody>
+      </p:sp>
+      <p:sp>
+        <p:nvSpPr>
+          <p:cNvPr id="3" name="Content Placeholder 2">
+            <a:extLst>
+              <a:ext uri="{FF2B5EF4-FFF2-40B4-BE49-F238E27FC236}">
+                <a16:creationId xmlns:a16="http://schemas.microsoft.com/office/drawing/2014/main" id="{6CAB5503-4181-4B53-893E-FCCEE467D992}"/>
+              </a:ext>
+            </a:extLst>
+          </p:cNvPr>
+          <p:cNvSpPr>
+            <a:spLocks noGrp="1"/>
+          </p:cNvSpPr>
+          <p:nvPr>
+            <p:ph idx="1"/>
+          </p:nvPr>
+        </p:nvSpPr>
+        <p:spPr>
+          <a:xfrm>
+            <a:off x="838200" y="1522587"/>
+            <a:ext cx="955089" cy="554223"/>
+          </a:xfrm>
+        </p:spPr>
+        <p:txBody>
+          <a:bodyPr>
+            <a:normAutofit/>
+          </a:bodyPr>
+          <a:lstStyle/>
+          <a:p>
+            <a:pPr marL="0" indent="0">
+              <a:buNone/>
+            </a:pPr>
+            <a:endParaRPr lang="en-US" sz="2000" dirty="0"/>
+          </a:p>
+          <a:p>
+            <a:pPr marL="0" indent="0">
+              <a:buNone/>
+            </a:pPr>
+            <a:endParaRPr lang="en-US" dirty="0"/>
+          </a:p>
+        </p:txBody>
+      </p:sp>
+      <p:sp>
+        <p:nvSpPr>
+          <p:cNvPr id="6" name="TextBox 5">
+            <a:extLst>
+              <a:ext uri="{FF2B5EF4-FFF2-40B4-BE49-F238E27FC236}">
+                <a16:creationId xmlns:a16="http://schemas.microsoft.com/office/drawing/2014/main" id="{DCF2C8F6-6611-4E40-8611-99C12BBAD1CA}"/>
               </a:ext>
             </a:extLst>
           </p:cNvPr>
@@ -4149,8 +4040,8 @@
         </p:nvSpPr>
         <p:spPr>
           <a:xfrm>
-            <a:off x="513729" y="1095875"/>
-            <a:ext cx="11300900" cy="5078313"/>
+            <a:off x="513728" y="1356751"/>
+            <a:ext cx="10400645" cy="2308324"/>
           </a:xfrm>
           <a:prstGeom prst="rect">
             <a:avLst/>
@@ -4165,292 +4056,123 @@
           <a:p>
             <a:r>
               <a:rPr lang="en-US" dirty="0"/>
-              <a:t>Q6</a:t>
+              <a:t>Q</a:t>
             </a:r>
             <a:r>
               <a:rPr lang="en-US" altLang="zh-CN" dirty="0"/>
-              <a:t>:</a:t>
-            </a:r>
-            <a:r>
-              <a:rPr lang="en-US" dirty="0"/>
+              <a:t>1:</a:t>
+            </a:r>
+            <a:r>
+              <a:rPr lang="zh-CN" altLang="en-US" dirty="0"/>
               <a:t> </a:t>
             </a:r>
-            <a:r>
-              <a:rPr lang="en-US" sz="1800" b="0" i="0" u="none" strike="noStrike" dirty="0">
-                <a:solidFill>
-                  <a:srgbClr val="212529"/>
-                </a:solidFill>
-                <a:effectLst/>
-                <a:latin typeface="Arial" panose="020B0604020202020204" pitchFamily="34" charset="0"/>
-              </a:rPr>
-              <a:t>Suppose we want to use hypothesis testing to test whether the field you choose </a:t>
-            </a:r>
-            <a:r>
-              <a:rPr lang="en-US" dirty="0">
-                <a:solidFill>
-                  <a:srgbClr val="212529"/>
-                </a:solidFill>
-                <a:latin typeface="Arial" panose="020B0604020202020204" pitchFamily="34" charset="0"/>
-              </a:rPr>
-              <a:t>from</a:t>
-            </a:r>
-            <a:r>
-              <a:rPr lang="en-US" sz="1800" b="0" i="0" u="none" strike="noStrike" dirty="0">
-                <a:solidFill>
-                  <a:srgbClr val="212529"/>
-                </a:solidFill>
-                <a:effectLst/>
-                <a:latin typeface="Arial" panose="020B0604020202020204" pitchFamily="34" charset="0"/>
-              </a:rPr>
-              <a:t> Task2.5 is indeed a good indicator of abnormal AV behavior, using the Kolmogorov–Smirnov two-sample test.</a:t>
-            </a:r>
-            <a:endParaRPr lang="en-US" altLang="zh-CN" dirty="0"/>
-          </a:p>
-          <a:p>
-            <a:pPr marL="342900" indent="-342900">
-              <a:buFont typeface="+mj-lt"/>
-              <a:buAutoNum type="alphaLcPeriod"/>
-            </a:pPr>
-            <a:r>
-              <a:rPr lang="en-US" sz="1800" b="0" i="0" u="none" strike="noStrike" dirty="0">
-                <a:solidFill>
-                  <a:srgbClr val="212529"/>
-                </a:solidFill>
-                <a:effectLst/>
-                <a:latin typeface="Arial" panose="020B0604020202020204" pitchFamily="34" charset="0"/>
-              </a:rPr>
-              <a:t>Construct the null and the alternative hypothesis and state them below</a:t>
-            </a:r>
-          </a:p>
-          <a:p>
-            <a:pPr lvl="1"/>
             <a:r>
               <a:rPr lang="en-US" altLang="zh-CN" dirty="0">
                 <a:solidFill>
-                  <a:srgbClr val="212529"/>
+                  <a:srgbClr val="000000"/>
                 </a:solidFill>
-                <a:latin typeface="Arial" panose="020B0604020202020204" pitchFamily="34" charset="0"/>
               </a:rPr>
-              <a:t>H0:</a:t>
-            </a:r>
-            <a:endParaRPr lang="en-US" dirty="0">
-              <a:solidFill>
-                <a:srgbClr val="212529"/>
-              </a:solidFill>
-              <a:latin typeface="Arial" panose="020B0604020202020204" pitchFamily="34" charset="0"/>
-            </a:endParaRPr>
-          </a:p>
-          <a:p>
-            <a:pPr lvl="1"/>
+              <a:t>The</a:t>
+            </a:r>
+            <a:r>
+              <a:rPr lang="zh-CN" altLang="en-US" dirty="0">
+                <a:solidFill>
+                  <a:srgbClr val="000000"/>
+                </a:solidFill>
+              </a:rPr>
+              <a:t> </a:t>
+            </a:r>
             <a:r>
               <a:rPr lang="en-US" altLang="zh-CN" dirty="0">
                 <a:solidFill>
-                  <a:srgbClr val="212529"/>
+                  <a:srgbClr val="000000"/>
                 </a:solidFill>
-                <a:latin typeface="Arial" panose="020B0604020202020204" pitchFamily="34" charset="0"/>
               </a:rPr>
-              <a:t>H1:</a:t>
-            </a:r>
-          </a:p>
-          <a:p>
-            <a:pPr marL="800100" lvl="1" indent="-342900">
-              <a:buFont typeface="+mj-lt"/>
-              <a:buAutoNum type="alphaLcPeriod"/>
-            </a:pPr>
-            <a:endParaRPr lang="en-US" b="0" i="0" u="none" strike="noStrike" dirty="0">
-              <a:solidFill>
-                <a:srgbClr val="212529"/>
-              </a:solidFill>
-              <a:effectLst/>
-              <a:latin typeface="Arial" panose="020B0604020202020204" pitchFamily="34" charset="0"/>
-            </a:endParaRPr>
-          </a:p>
-          <a:p>
-            <a:pPr marL="342900" indent="-342900">
-              <a:buFont typeface="+mj-lt"/>
-              <a:buAutoNum type="alphaLcPeriod"/>
-            </a:pPr>
-            <a:r>
-              <a:rPr lang="en-US" sz="1800" b="0" i="0" u="none" strike="noStrike" dirty="0">
+              <a:t>probability</a:t>
+            </a:r>
+            <a:r>
+              <a:rPr lang="zh-CN" altLang="en-US" dirty="0">
                 <a:solidFill>
-                  <a:srgbClr val="212529"/>
+                  <a:srgbClr val="000000"/>
                 </a:solidFill>
-                <a:effectLst/>
-                <a:latin typeface="Arial" panose="020B0604020202020204" pitchFamily="34" charset="0"/>
-              </a:rPr>
-              <a:t>Perform the KS two-sample test and calculate its statistics.</a:t>
-            </a:r>
-            <a:br>
-              <a:rPr lang="en-US" sz="1800" b="0" i="0" u="none" strike="noStrike" dirty="0">
-                <a:solidFill>
-                  <a:srgbClr val="212529"/>
-                </a:solidFill>
-                <a:effectLst/>
-                <a:latin typeface="Arial" panose="020B0604020202020204" pitchFamily="34" charset="0"/>
-              </a:rPr>
-            </a:br>
-            <a:endParaRPr lang="en-US" altLang="zh-CN" b="0" i="0" u="none" strike="noStrike" dirty="0">
-              <a:solidFill>
-                <a:srgbClr val="212529"/>
-              </a:solidFill>
-              <a:effectLst/>
-              <a:latin typeface="Arial" panose="020B0604020202020204" pitchFamily="34" charset="0"/>
-            </a:endParaRPr>
-          </a:p>
-          <a:p>
-            <a:pPr marL="800100" lvl="1" indent="-342900">
-              <a:buFont typeface="+mj-lt"/>
-              <a:buAutoNum type="alphaLcPeriod"/>
-            </a:pPr>
-            <a:endParaRPr lang="en-US" b="0" i="0" u="none" strike="noStrike" dirty="0">
-              <a:solidFill>
-                <a:srgbClr val="212529"/>
-              </a:solidFill>
-              <a:effectLst/>
-              <a:latin typeface="Arial" panose="020B0604020202020204" pitchFamily="34" charset="0"/>
-            </a:endParaRPr>
-          </a:p>
-          <a:p>
-            <a:pPr marL="342900" indent="-342900">
-              <a:buFont typeface="+mj-lt"/>
-              <a:buAutoNum type="alphaLcPeriod"/>
-            </a:pPr>
-            <a:r>
-              <a:rPr lang="en-US" sz="1800" b="0" i="0" u="none" strike="noStrike" dirty="0">
-                <a:solidFill>
-                  <a:srgbClr val="212529"/>
-                </a:solidFill>
-                <a:effectLst/>
-                <a:latin typeface="Arial" panose="020B0604020202020204" pitchFamily="34" charset="0"/>
-              </a:rPr>
-              <a:t>Assume a significance level of 0.05, what is your conclusion? </a:t>
-            </a:r>
-            <a:endParaRPr lang="en-US" dirty="0"/>
-          </a:p>
-          <a:p>
-            <a:pPr marL="342900" indent="-342900">
-              <a:buFont typeface="+mj-lt"/>
-              <a:buAutoNum type="alphaLcPeriod"/>
-            </a:pPr>
-            <a:endParaRPr lang="en-US" dirty="0"/>
-          </a:p>
-          <a:p>
-            <a:pPr marL="342900" indent="-342900">
-              <a:buFont typeface="+mj-lt"/>
-              <a:buAutoNum type="alphaLcPeriod"/>
-            </a:pPr>
-            <a:endParaRPr lang="en-US" dirty="0"/>
-          </a:p>
-          <a:p>
-            <a:pPr marL="342900" indent="-342900">
-              <a:buFont typeface="+mj-lt"/>
-              <a:buAutoNum type="alphaLcPeriod"/>
-            </a:pPr>
-            <a:r>
-              <a:rPr lang="en-US" sz="1800" b="0" i="0" u="none" strike="noStrike" dirty="0">
-                <a:solidFill>
-                  <a:srgbClr val="212529"/>
-                </a:solidFill>
-                <a:effectLst/>
-                <a:latin typeface="Arial" panose="020B0604020202020204" pitchFamily="34" charset="0"/>
-              </a:rPr>
-              <a:t>Repeat the same test on a feature that you did not select as an indicator of abnormal behavior in Task 2.5, what is your conclusion?</a:t>
-            </a:r>
-          </a:p>
-          <a:p>
-            <a:pPr marL="342900" indent="-342900">
-              <a:buFont typeface="+mj-lt"/>
-              <a:buAutoNum type="alphaLcPeriod"/>
-            </a:pPr>
-            <a:endParaRPr lang="en-US" dirty="0">
-              <a:solidFill>
-                <a:srgbClr val="212529"/>
-              </a:solidFill>
-              <a:latin typeface="Arial" panose="020B0604020202020204" pitchFamily="34" charset="0"/>
-            </a:endParaRPr>
-          </a:p>
-          <a:p>
-            <a:endParaRPr lang="en-US" sz="1800" b="0" i="0" u="none" strike="noStrike" dirty="0">
-              <a:solidFill>
-                <a:srgbClr val="212529"/>
-              </a:solidFill>
-              <a:effectLst/>
-              <a:latin typeface="Arial" panose="020B0604020202020204" pitchFamily="34" charset="0"/>
-            </a:endParaRPr>
-          </a:p>
-          <a:p>
-            <a:pPr marL="342900" indent="-342900">
-              <a:buFont typeface="+mj-lt"/>
-              <a:buAutoNum type="alphaLcPeriod" startAt="5"/>
-            </a:pPr>
-            <a:r>
-              <a:rPr lang="en-US" sz="1800" b="0" i="0" u="none" strike="noStrike" dirty="0">
-                <a:solidFill>
-                  <a:srgbClr val="212529"/>
-                </a:solidFill>
-                <a:effectLst/>
-                <a:latin typeface="Arial" panose="020B0604020202020204" pitchFamily="34" charset="0"/>
-              </a:rPr>
-              <a:t>What are the major differences between the KS test and the t-test?</a:t>
-            </a:r>
-          </a:p>
-          <a:p>
-            <a:r>
-              <a:rPr lang="en-US" sz="1800" b="0" i="0" u="none" strike="noStrike" dirty="0">
-                <a:solidFill>
-                  <a:srgbClr val="212529"/>
-                </a:solidFill>
-                <a:effectLst/>
-                <a:latin typeface="Arial" panose="020B0604020202020204" pitchFamily="34" charset="0"/>
               </a:rPr>
               <a:t> </a:t>
             </a:r>
-            <a:endParaRPr lang="en-US" dirty="0"/>
-          </a:p>
-        </p:txBody>
-      </p:sp>
-      <p:sp>
-        <p:nvSpPr>
-          <p:cNvPr id="2" name="Title 1">
-            <a:extLst>
-              <a:ext uri="{FF2B5EF4-FFF2-40B4-BE49-F238E27FC236}">
-                <a16:creationId xmlns:a16="http://schemas.microsoft.com/office/drawing/2014/main" id="{D734AE09-0795-4ADD-AD9A-B34B3AE4F422}"/>
-              </a:ext>
-            </a:extLst>
-          </p:cNvPr>
-          <p:cNvSpPr>
-            <a:spLocks noGrp="1"/>
-          </p:cNvSpPr>
-          <p:nvPr>
-            <p:ph type="title"/>
-          </p:nvPr>
-        </p:nvSpPr>
-        <p:spPr>
-          <a:xfrm>
-            <a:off x="838200" y="65130"/>
-            <a:ext cx="10515600" cy="1325563"/>
-          </a:xfrm>
-        </p:spPr>
-        <p:txBody>
-          <a:bodyPr/>
-          <a:lstStyle/>
-          <a:p>
-            <a:r>
-              <a:rPr lang="en-US" dirty="0"/>
-              <a:t>Task </a:t>
-            </a:r>
-            <a:r>
-              <a:rPr lang="en-US" altLang="zh-CN" dirty="0"/>
-              <a:t>2</a:t>
-            </a:r>
-            <a:endParaRPr lang="en-US" dirty="0"/>
+            <a:r>
+              <a:rPr lang="en-US" altLang="zh-CN" dirty="0">
+                <a:solidFill>
+                  <a:srgbClr val="000000"/>
+                </a:solidFill>
+              </a:rPr>
+              <a:t>of</a:t>
+            </a:r>
+            <a:r>
+              <a:rPr lang="zh-CN" altLang="en-US" dirty="0">
+                <a:solidFill>
+                  <a:srgbClr val="000000"/>
+                </a:solidFill>
+              </a:rPr>
+              <a:t> </a:t>
+            </a:r>
+            <a:r>
+              <a:rPr lang="en-US" altLang="zh-CN" dirty="0">
+                <a:solidFill>
+                  <a:srgbClr val="000000"/>
+                </a:solidFill>
+              </a:rPr>
+              <a:t>accident</a:t>
+            </a:r>
+            <a:r>
+              <a:rPr lang="zh-CN" altLang="en-US" dirty="0">
+                <a:solidFill>
+                  <a:srgbClr val="000000"/>
+                </a:solidFill>
+              </a:rPr>
+              <a:t> </a:t>
+            </a:r>
+            <a:r>
+              <a:rPr lang="en-US" altLang="zh-CN" dirty="0">
+                <a:solidFill>
+                  <a:srgbClr val="000000"/>
+                </a:solidFill>
+              </a:rPr>
+              <a:t>is 1/6.</a:t>
+            </a:r>
+          </a:p>
+          <a:p>
+            <a:endParaRPr lang="en-US" altLang="zh-CN" dirty="0"/>
+          </a:p>
+          <a:p>
+            <a:r>
+              <a:rPr lang="en-US" b="0" dirty="0">
+                <a:effectLst/>
+              </a:rPr>
+              <a:t>Our data includes 6 simulations in distinct weather conditions. There was only one recorded crash, which took place in the rain-noon simulation. Therefore, without knowing the weather conditions, the probability of a crash in any given condition would be 1/6.</a:t>
+            </a:r>
+          </a:p>
+          <a:p>
+            <a:endParaRPr lang="en-US" altLang="zh-CN" dirty="0">
+              <a:solidFill>
+                <a:srgbClr val="000000"/>
+              </a:solidFill>
+            </a:endParaRPr>
+          </a:p>
+          <a:p>
+            <a:endParaRPr lang="en-US" altLang="zh-CN" dirty="0">
+              <a:solidFill>
+                <a:srgbClr val="000000"/>
+              </a:solidFill>
+            </a:endParaRPr>
+          </a:p>
+          <a:p>
+            <a:endParaRPr lang="en-US" altLang="zh-CN" dirty="0"/>
           </a:p>
         </p:txBody>
       </p:sp>
     </p:spTree>
     <p:extLst>
       <p:ext uri="{BB962C8B-B14F-4D97-AF65-F5344CB8AC3E}">
-        <p14:creationId xmlns:p14="http://schemas.microsoft.com/office/powerpoint/2010/main" val="3115770702"/>
+        <p14:creationId xmlns:p14="http://schemas.microsoft.com/office/powerpoint/2010/main" val="2384856443"/>
       </p:ext>
     </p:extLst>
   </p:cSld>
@@ -4479,10 +4201,51 @@
       </p:grpSpPr>
       <p:sp>
         <p:nvSpPr>
-          <p:cNvPr id="5" name="TextBox 4">
-            <a:extLst>
-              <a:ext uri="{FF2B5EF4-FFF2-40B4-BE49-F238E27FC236}">
-                <a16:creationId xmlns:a16="http://schemas.microsoft.com/office/drawing/2014/main" id="{F0E19196-DC92-A64D-B6B9-C7B9A0673305}"/>
+          <p:cNvPr id="3" name="Content Placeholder 2">
+            <a:extLst>
+              <a:ext uri="{FF2B5EF4-FFF2-40B4-BE49-F238E27FC236}">
+                <a16:creationId xmlns:a16="http://schemas.microsoft.com/office/drawing/2014/main" id="{6CAB5503-4181-4B53-893E-FCCEE467D992}"/>
+              </a:ext>
+            </a:extLst>
+          </p:cNvPr>
+          <p:cNvSpPr>
+            <a:spLocks noGrp="1"/>
+          </p:cNvSpPr>
+          <p:nvPr>
+            <p:ph idx="1"/>
+          </p:nvPr>
+        </p:nvSpPr>
+        <p:spPr>
+          <a:xfrm>
+            <a:off x="838200" y="1522587"/>
+            <a:ext cx="955089" cy="554223"/>
+          </a:xfrm>
+        </p:spPr>
+        <p:txBody>
+          <a:bodyPr>
+            <a:normAutofit/>
+          </a:bodyPr>
+          <a:lstStyle/>
+          <a:p>
+            <a:pPr marL="0" indent="0">
+              <a:buNone/>
+            </a:pPr>
+            <a:endParaRPr lang="en-US" sz="2000" dirty="0"/>
+          </a:p>
+          <a:p>
+            <a:pPr marL="0" indent="0">
+              <a:buNone/>
+            </a:pPr>
+            <a:endParaRPr lang="en-US" dirty="0"/>
+          </a:p>
+        </p:txBody>
+      </p:sp>
+      <p:sp>
+        <p:nvSpPr>
+          <p:cNvPr id="6" name="TextBox 5">
+            <a:extLst>
+              <a:ext uri="{FF2B5EF4-FFF2-40B4-BE49-F238E27FC236}">
+                <a16:creationId xmlns:a16="http://schemas.microsoft.com/office/drawing/2014/main" id="{DCF2C8F6-6611-4E40-8611-99C12BBAD1CA}"/>
               </a:ext>
             </a:extLst>
           </p:cNvPr>
@@ -4491,8 +4254,8 @@
         </p:nvSpPr>
         <p:spPr>
           <a:xfrm>
-            <a:off x="513729" y="1095875"/>
-            <a:ext cx="10720328" cy="2308324"/>
+            <a:off x="242595" y="177801"/>
+            <a:ext cx="11631020" cy="2585323"/>
           </a:xfrm>
           <a:prstGeom prst="rect">
             <a:avLst/>
@@ -4506,15 +4269,13 @@
           <a:lstStyle/>
           <a:p>
             <a:r>
-              <a:rPr lang="en-US" dirty="0"/>
-              <a:t>Q7: </a:t>
-            </a:r>
-            <a:r>
-              <a:rPr lang="en-US" altLang="zh-CN" dirty="0">
-                <a:latin typeface="Arial" panose="020B0604020202020204" pitchFamily="34" charset="0"/>
-                <a:cs typeface="Arial" panose="020B0604020202020204" pitchFamily="34" charset="0"/>
+              <a:rPr lang="en-US" b="0" dirty="0">
+                <a:effectLst/>
+                <a:latin typeface="Calibri" panose="020F0502020204030204" pitchFamily="34" charset="0"/>
+                <a:ea typeface="Calibri" panose="020F0502020204030204" pitchFamily="34" charset="0"/>
+                <a:cs typeface="Calibri" panose="020F0502020204030204" pitchFamily="34" charset="0"/>
               </a:rPr>
-              <a:t>Keeping in mind that this experiment is executed over a period of time, what assumption did you make when using the KS two-sample test on the distributions in Task2.6? Are you able to come up with one situation where this assumption fails?</a:t>
+              <a:t>The crash occurred in the rain-noon weather condition, which does not match the prediction from Task 1. It took place slightly after 400 milliseconds into the simulation. The graphs give no obvious insight into why the crash occurred exactly at that time. Some minor observations from the plots include the following: </a:t>
             </a:r>
           </a:p>
           <a:p>
@@ -4522,44 +4283,92 @@
               <a:buFont typeface="Arial" panose="020B0604020202020204" pitchFamily="34" charset="0"/>
               <a:buChar char="•"/>
             </a:pPr>
-            <a:endParaRPr lang="en-US" dirty="0"/>
+            <a:r>
+              <a:rPr lang="en-US" b="0" dirty="0">
+                <a:effectLst/>
+                <a:latin typeface="Calibri" panose="020F0502020204030204" pitchFamily="34" charset="0"/>
+                <a:ea typeface="Calibri" panose="020F0502020204030204" pitchFamily="34" charset="0"/>
+                <a:cs typeface="Calibri" panose="020F0502020204030204" pitchFamily="34" charset="0"/>
+              </a:rPr>
+              <a:t>Insufficient breaking: the graph reveals that the vehicle did not break consistently during the time right before the crash. Additionally, it began breaking later than in the other cases. This lines up with what we viewed in the simulation through Carla.</a:t>
+            </a:r>
           </a:p>
           <a:p>
             <a:pPr marL="285750" indent="-285750">
               <a:buFont typeface="Arial" panose="020B0604020202020204" pitchFamily="34" charset="0"/>
               <a:buChar char="•"/>
             </a:pPr>
-            <a:endParaRPr lang="en-US" dirty="0"/>
+            <a:r>
+              <a:rPr lang="en-US" b="0" dirty="0">
+                <a:effectLst/>
+                <a:latin typeface="Calibri" panose="020F0502020204030204" pitchFamily="34" charset="0"/>
+                <a:ea typeface="Calibri" panose="020F0502020204030204" pitchFamily="34" charset="0"/>
+                <a:cs typeface="Calibri" panose="020F0502020204030204" pitchFamily="34" charset="0"/>
+              </a:rPr>
+              <a:t>Throttle: From the throttle vs time graph, we can see the vehicle accelerating immediately preceding the crash.</a:t>
+            </a:r>
           </a:p>
           <a:p>
             <a:pPr marL="285750" indent="-285750">
               <a:buFont typeface="Arial" panose="020B0604020202020204" pitchFamily="34" charset="0"/>
               <a:buChar char="•"/>
             </a:pPr>
-            <a:endParaRPr lang="en-US" dirty="0"/>
-          </a:p>
-          <a:p>
-            <a:pPr marL="285750" indent="-285750">
-              <a:buFont typeface="Arial" panose="020B0604020202020204" pitchFamily="34" charset="0"/>
-              <a:buChar char="•"/>
-            </a:pPr>
-            <a:endParaRPr lang="en-US" dirty="0"/>
-          </a:p>
-          <a:p>
-            <a:pPr marL="285750" indent="-285750">
-              <a:buFont typeface="Arial" panose="020B0604020202020204" pitchFamily="34" charset="0"/>
-              <a:buChar char="•"/>
-            </a:pPr>
-            <a:endParaRPr lang="en-US" dirty="0"/>
-          </a:p>
-        </p:txBody>
-      </p:sp>
-      <p:sp>
-        <p:nvSpPr>
-          <p:cNvPr id="2" name="Title 1">
-            <a:extLst>
-              <a:ext uri="{FF2B5EF4-FFF2-40B4-BE49-F238E27FC236}">
-                <a16:creationId xmlns:a16="http://schemas.microsoft.com/office/drawing/2014/main" id="{D734AE09-0795-4ADD-AD9A-B34B3AE4F422}"/>
+            <a:r>
+              <a:rPr lang="en-US" b="0" dirty="0">
+                <a:effectLst/>
+                <a:latin typeface="Calibri" panose="020F0502020204030204" pitchFamily="34" charset="0"/>
+                <a:ea typeface="Calibri" panose="020F0502020204030204" pitchFamily="34" charset="0"/>
+                <a:cs typeface="Calibri" panose="020F0502020204030204" pitchFamily="34" charset="0"/>
+              </a:rPr>
+              <a:t>Cvip: The EV remained consistently close to the risky NPC actor throughout the duration of the simulation.</a:t>
+            </a:r>
+          </a:p>
+          <a:p>
+            <a:endParaRPr lang="en-US" altLang="zh-CN" dirty="0"/>
+          </a:p>
+        </p:txBody>
+      </p:sp>
+      <p:pic>
+        <p:nvPicPr>
+          <p:cNvPr id="5" name="Picture 4" descr="A green line graph with white text&#10;&#10;Description automatically generated">
+            <a:extLst>
+              <a:ext uri="{FF2B5EF4-FFF2-40B4-BE49-F238E27FC236}">
+                <a16:creationId xmlns:a16="http://schemas.microsoft.com/office/drawing/2014/main" id="{3EC79DAB-2057-6BCC-4307-0663F26DA157}"/>
+              </a:ext>
+            </a:extLst>
+          </p:cNvPr>
+          <p:cNvPicPr>
+            <a:picLocks noChangeAspect="1"/>
+          </p:cNvPicPr>
+          <p:nvPr/>
+        </p:nvPicPr>
+        <p:blipFill>
+          <a:blip r:embed="rId2">
+            <a:extLst>
+              <a:ext uri="{28A0092B-C50C-407E-A947-70E740481C1C}">
+                <a14:useLocalDpi xmlns:a14="http://schemas.microsoft.com/office/drawing/2010/main" val="0"/>
+              </a:ext>
+            </a:extLst>
+          </a:blip>
+          <a:srcRect l="10104" t="7188" r="8333" b="1602"/>
+          <a:stretch/>
+        </p:blipFill>
+        <p:spPr>
+          <a:xfrm>
+            <a:off x="1514249" y="2571878"/>
+            <a:ext cx="10518803" cy="3920997"/>
+          </a:xfrm>
+          <a:prstGeom prst="rect">
+            <a:avLst/>
+          </a:prstGeom>
+        </p:spPr>
+      </p:pic>
+      <p:sp>
+        <p:nvSpPr>
+          <p:cNvPr id="8" name="Title 7">
+            <a:extLst>
+              <a:ext uri="{FF2B5EF4-FFF2-40B4-BE49-F238E27FC236}">
+                <a16:creationId xmlns:a16="http://schemas.microsoft.com/office/drawing/2014/main" id="{0352A743-00EB-4D59-BB48-FD34B5BF2542}"/>
               </a:ext>
             </a:extLst>
           </p:cNvPr>
@@ -4570,15 +4379,64 @@
             <p:ph type="title"/>
           </p:nvPr>
         </p:nvSpPr>
-        <p:spPr>
-          <a:xfrm>
-            <a:off x="838200" y="65130"/>
-            <a:ext cx="10515600" cy="1030745"/>
-          </a:xfrm>
-        </p:spPr>
+        <p:spPr/>
         <p:txBody>
           <a:bodyPr/>
           <a:lstStyle/>
+          <a:p>
+            <a:r>
+              <a:rPr lang="en-US" dirty="0"/>
+              <a:t>  </a:t>
+            </a:r>
+          </a:p>
+        </p:txBody>
+      </p:sp>
+      <p:sp>
+        <p:nvSpPr>
+          <p:cNvPr id="9" name="Title 1">
+            <a:extLst>
+              <a:ext uri="{FF2B5EF4-FFF2-40B4-BE49-F238E27FC236}">
+                <a16:creationId xmlns:a16="http://schemas.microsoft.com/office/drawing/2014/main" id="{362E9BFE-AD34-61FA-9A74-A5C02E24F05A}"/>
+              </a:ext>
+            </a:extLst>
+          </p:cNvPr>
+          <p:cNvSpPr txBox="1">
+            <a:spLocks/>
+          </p:cNvSpPr>
+          <p:nvPr/>
+        </p:nvSpPr>
+        <p:spPr>
+          <a:xfrm>
+            <a:off x="158948" y="3278974"/>
+            <a:ext cx="1634341" cy="508512"/>
+          </a:xfrm>
+          <a:prstGeom prst="rect">
+            <a:avLst/>
+          </a:prstGeom>
+        </p:spPr>
+        <p:txBody>
+          <a:bodyPr vert="horz" lIns="91440" tIns="45720" rIns="91440" bIns="45720" rtlCol="0" anchor="ctr">
+            <a:normAutofit fontScale="77500" lnSpcReduction="20000"/>
+          </a:bodyPr>
+          <a:lstStyle>
+            <a:lvl1pPr algn="l" defTabSz="914400" rtl="0" eaLnBrk="1" latinLnBrk="0" hangingPunct="1">
+              <a:lnSpc>
+                <a:spcPct val="90000"/>
+              </a:lnSpc>
+              <a:spcBef>
+                <a:spcPct val="0"/>
+              </a:spcBef>
+              <a:buNone/>
+              <a:defRPr sz="4400" kern="1200">
+                <a:solidFill>
+                  <a:schemeClr val="tx1"/>
+                </a:solidFill>
+                <a:latin typeface="+mj-lt"/>
+                <a:ea typeface="+mj-ea"/>
+                <a:cs typeface="+mj-cs"/>
+              </a:defRPr>
+            </a:lvl1pPr>
+          </a:lstStyle>
           <a:p>
             <a:r>
               <a:rPr lang="en-US" dirty="0"/>
@@ -4595,7 +4453,7 @@
     </p:spTree>
     <p:extLst>
       <p:ext uri="{BB962C8B-B14F-4D97-AF65-F5344CB8AC3E}">
-        <p14:creationId xmlns:p14="http://schemas.microsoft.com/office/powerpoint/2010/main" val="3824790624"/>
+        <p14:creationId xmlns:p14="http://schemas.microsoft.com/office/powerpoint/2010/main" val="208115857"/>
       </p:ext>
     </p:extLst>
   </p:cSld>
@@ -4624,10 +4482,89 @@
       </p:grpSpPr>
       <p:sp>
         <p:nvSpPr>
-          <p:cNvPr id="5" name="TextBox 4">
-            <a:extLst>
-              <a:ext uri="{FF2B5EF4-FFF2-40B4-BE49-F238E27FC236}">
-                <a16:creationId xmlns:a16="http://schemas.microsoft.com/office/drawing/2014/main" id="{F0E19196-DC92-A64D-B6B9-C7B9A0673305}"/>
+          <p:cNvPr id="2" name="Title 1">
+            <a:extLst>
+              <a:ext uri="{FF2B5EF4-FFF2-40B4-BE49-F238E27FC236}">
+                <a16:creationId xmlns:a16="http://schemas.microsoft.com/office/drawing/2014/main" id="{D734AE09-0795-4ADD-AD9A-B34B3AE4F422}"/>
+              </a:ext>
+            </a:extLst>
+          </p:cNvPr>
+          <p:cNvSpPr>
+            <a:spLocks noGrp="1"/>
+          </p:cNvSpPr>
+          <p:nvPr>
+            <p:ph type="title"/>
+          </p:nvPr>
+        </p:nvSpPr>
+        <p:spPr>
+          <a:xfrm>
+            <a:off x="838200" y="65130"/>
+            <a:ext cx="10515600" cy="1325563"/>
+          </a:xfrm>
+        </p:spPr>
+        <p:txBody>
+          <a:bodyPr/>
+          <a:lstStyle/>
+          <a:p>
+            <a:r>
+              <a:rPr lang="en-US" dirty="0"/>
+              <a:t>Task </a:t>
+            </a:r>
+            <a:r>
+              <a:rPr lang="en-US" altLang="zh-CN" dirty="0"/>
+              <a:t>2</a:t>
+            </a:r>
+            <a:endParaRPr lang="en-US" dirty="0"/>
+          </a:p>
+        </p:txBody>
+      </p:sp>
+      <p:sp>
+        <p:nvSpPr>
+          <p:cNvPr id="3" name="Content Placeholder 2">
+            <a:extLst>
+              <a:ext uri="{FF2B5EF4-FFF2-40B4-BE49-F238E27FC236}">
+                <a16:creationId xmlns:a16="http://schemas.microsoft.com/office/drawing/2014/main" id="{6CAB5503-4181-4B53-893E-FCCEE467D992}"/>
+              </a:ext>
+            </a:extLst>
+          </p:cNvPr>
+          <p:cNvSpPr>
+            <a:spLocks noGrp="1"/>
+          </p:cNvSpPr>
+          <p:nvPr>
+            <p:ph idx="1"/>
+          </p:nvPr>
+        </p:nvSpPr>
+        <p:spPr>
+          <a:xfrm>
+            <a:off x="838200" y="1522587"/>
+            <a:ext cx="955089" cy="554223"/>
+          </a:xfrm>
+        </p:spPr>
+        <p:txBody>
+          <a:bodyPr>
+            <a:normAutofit/>
+          </a:bodyPr>
+          <a:lstStyle/>
+          <a:p>
+            <a:pPr marL="0" indent="0">
+              <a:buNone/>
+            </a:pPr>
+            <a:endParaRPr lang="en-US" sz="2000" dirty="0"/>
+          </a:p>
+          <a:p>
+            <a:pPr marL="0" indent="0">
+              <a:buNone/>
+            </a:pPr>
+            <a:endParaRPr lang="en-US" dirty="0"/>
+          </a:p>
+        </p:txBody>
+      </p:sp>
+      <p:sp>
+        <p:nvSpPr>
+          <p:cNvPr id="6" name="TextBox 5">
+            <a:extLst>
+              <a:ext uri="{FF2B5EF4-FFF2-40B4-BE49-F238E27FC236}">
+                <a16:creationId xmlns:a16="http://schemas.microsoft.com/office/drawing/2014/main" id="{DCF2C8F6-6611-4E40-8611-99C12BBAD1CA}"/>
               </a:ext>
             </a:extLst>
           </p:cNvPr>
@@ -4636,8 +4573,8 @@
         </p:nvSpPr>
         <p:spPr>
           <a:xfrm>
-            <a:off x="513729" y="1095875"/>
-            <a:ext cx="10720328" cy="2585323"/>
+            <a:off x="513728" y="1356751"/>
+            <a:ext cx="10400645" cy="3139321"/>
           </a:xfrm>
           <a:prstGeom prst="rect">
             <a:avLst/>
@@ -4650,150 +4587,1062 @@
           </a:bodyPr>
           <a:lstStyle/>
           <a:p>
-            <a:pPr algn="just" rtl="0" fontAlgn="base">
-              <a:spcBef>
-                <a:spcPts val="0"/>
-              </a:spcBef>
-              <a:spcAft>
-                <a:spcPts val="0"/>
-              </a:spcAft>
-            </a:pPr>
-            <a:r>
-              <a:rPr lang="en-US" dirty="0"/>
-              <a:t>Q8</a:t>
-            </a:r>
-            <a:r>
-              <a:rPr lang="en-US" altLang="zh-CN" dirty="0"/>
-              <a:t>:</a:t>
-            </a:r>
-            <a:r>
-              <a:rPr lang="zh-CN" altLang="en-US" dirty="0"/>
-              <a:t> </a:t>
-            </a:r>
-            <a:r>
-              <a:rPr lang="en-US" sz="1800" b="0" i="0" u="none" strike="noStrike" dirty="0">
-                <a:solidFill>
-                  <a:srgbClr val="212529"/>
-                </a:solidFill>
+            <a:r>
+              <a:rPr lang="en-US" b="0" dirty="0">
                 <a:effectLst/>
-                <a:latin typeface="Arial" panose="020B0604020202020204" pitchFamily="34" charset="0"/>
+                <a:latin typeface="Calibri" panose="020F0502020204030204" pitchFamily="34" charset="0"/>
+                <a:ea typeface="Calibri" panose="020F0502020204030204" pitchFamily="34" charset="0"/>
+                <a:cs typeface="Calibri" panose="020F0502020204030204" pitchFamily="34" charset="0"/>
               </a:rPr>
-              <a:t>The dynamic-time-wrapper (DTW) is a method to compare two time-series data (such as the control and the trajectory data collected in our simulation). Use the DTW package in python (</a:t>
-            </a:r>
-            <a:r>
-              <a:rPr lang="en-US" sz="1800" b="0" i="0" u="none" strike="noStrike" dirty="0" err="1">
-                <a:solidFill>
-                  <a:srgbClr val="212529"/>
-                </a:solidFill>
-                <a:effectLst/>
-                <a:latin typeface="Arial" panose="020B0604020202020204" pitchFamily="34" charset="0"/>
-              </a:rPr>
-              <a:t>dtaidistance</a:t>
-            </a:r>
-            <a:r>
-              <a:rPr lang="en-US" sz="1800" b="0" i="0" u="none" strike="noStrike" dirty="0">
-                <a:solidFill>
-                  <a:srgbClr val="212529"/>
-                </a:solidFill>
-                <a:effectLst/>
-                <a:latin typeface="Arial" panose="020B0604020202020204" pitchFamily="34" charset="0"/>
-              </a:rPr>
-              <a:t> · </a:t>
-            </a:r>
-            <a:r>
-              <a:rPr lang="en-US" sz="1800" b="0" i="0" u="none" strike="noStrike" dirty="0" err="1">
-                <a:solidFill>
-                  <a:srgbClr val="212529"/>
-                </a:solidFill>
-                <a:effectLst/>
-                <a:latin typeface="Arial" panose="020B0604020202020204" pitchFamily="34" charset="0"/>
-              </a:rPr>
-              <a:t>PyPI</a:t>
-            </a:r>
-            <a:r>
-              <a:rPr lang="en-US" sz="1800" b="0" i="0" u="none" strike="noStrike" dirty="0">
-                <a:solidFill>
-                  <a:srgbClr val="212529"/>
-                </a:solidFill>
-                <a:effectLst/>
-                <a:latin typeface="Arial" panose="020B0604020202020204" pitchFamily="34" charset="0"/>
-              </a:rPr>
-              <a:t>), and apply the DTW distance on the two time-series dataset (using steering data of clear-noon as a reference): (1) steering data of clear-night and (2) steering data of clear-sunset. What can you say about the DTW distance for (1) and (2) with respect to the reference? </a:t>
-            </a:r>
-            <a:endParaRPr lang="en-US" dirty="0"/>
+              <a:t>There was one other weather condition in which the EV displayed atypical behavior. As mentioned previously, this was the clear night scenario. Some of the atypical behavior included:</a:t>
+            </a:r>
+          </a:p>
+          <a:p>
+            <a:endParaRPr lang="en-US" b="0" dirty="0">
+              <a:effectLst/>
+              <a:latin typeface="Calibri" panose="020F0502020204030204" pitchFamily="34" charset="0"/>
+              <a:ea typeface="Calibri" panose="020F0502020204030204" pitchFamily="34" charset="0"/>
+              <a:cs typeface="Calibri" panose="020F0502020204030204" pitchFamily="34" charset="0"/>
+            </a:endParaRPr>
           </a:p>
           <a:p>
             <a:pPr marL="285750" indent="-285750">
               <a:buFont typeface="Arial" panose="020B0604020202020204" pitchFamily="34" charset="0"/>
               <a:buChar char="•"/>
             </a:pPr>
-            <a:endParaRPr lang="en-US" dirty="0"/>
+            <a:r>
+              <a:rPr lang="en-US" dirty="0">
+                <a:latin typeface="Calibri" panose="020F0502020204030204" pitchFamily="34" charset="0"/>
+                <a:ea typeface="Calibri" panose="020F0502020204030204" pitchFamily="34" charset="0"/>
+                <a:cs typeface="Calibri" panose="020F0502020204030204" pitchFamily="34" charset="0"/>
+              </a:rPr>
+              <a:t>C</a:t>
+            </a:r>
+            <a:r>
+              <a:rPr lang="en-US" b="0" dirty="0">
+                <a:effectLst/>
+                <a:latin typeface="Calibri" panose="020F0502020204030204" pitchFamily="34" charset="0"/>
+                <a:ea typeface="Calibri" panose="020F0502020204030204" pitchFamily="34" charset="0"/>
+                <a:cs typeface="Calibri" panose="020F0502020204030204" pitchFamily="34" charset="0"/>
+              </a:rPr>
+              <a:t>onsistently lower speeds</a:t>
+            </a:r>
           </a:p>
           <a:p>
             <a:pPr marL="285750" indent="-285750">
               <a:buFont typeface="Arial" panose="020B0604020202020204" pitchFamily="34" charset="0"/>
               <a:buChar char="•"/>
             </a:pPr>
-            <a:endParaRPr lang="en-US" dirty="0"/>
+            <a:r>
+              <a:rPr lang="en-US" dirty="0">
+                <a:latin typeface="Calibri" panose="020F0502020204030204" pitchFamily="34" charset="0"/>
+                <a:ea typeface="Calibri" panose="020F0502020204030204" pitchFamily="34" charset="0"/>
+                <a:cs typeface="Calibri" panose="020F0502020204030204" pitchFamily="34" charset="0"/>
+              </a:rPr>
+              <a:t>L</a:t>
+            </a:r>
+            <a:r>
+              <a:rPr lang="en-US" b="0" dirty="0">
+                <a:effectLst/>
+                <a:latin typeface="Calibri" panose="020F0502020204030204" pitchFamily="34" charset="0"/>
+                <a:ea typeface="Calibri" panose="020F0502020204030204" pitchFamily="34" charset="0"/>
+                <a:cs typeface="Calibri" panose="020F0502020204030204" pitchFamily="34" charset="0"/>
+              </a:rPr>
+              <a:t>ane change</a:t>
+            </a:r>
           </a:p>
           <a:p>
             <a:pPr marL="285750" indent="-285750">
               <a:buFont typeface="Arial" panose="020B0604020202020204" pitchFamily="34" charset="0"/>
               <a:buChar char="•"/>
             </a:pPr>
-            <a:endParaRPr lang="en-US" dirty="0"/>
+            <a:r>
+              <a:rPr lang="en-US" dirty="0">
+                <a:latin typeface="Calibri" panose="020F0502020204030204" pitchFamily="34" charset="0"/>
+                <a:ea typeface="Calibri" panose="020F0502020204030204" pitchFamily="34" charset="0"/>
+                <a:cs typeface="Calibri" panose="020F0502020204030204" pitchFamily="34" charset="0"/>
+              </a:rPr>
+              <a:t>Ji</a:t>
+            </a:r>
+            <a:r>
+              <a:rPr lang="en-US" b="0" dirty="0">
+                <a:effectLst/>
+                <a:latin typeface="Calibri" panose="020F0502020204030204" pitchFamily="34" charset="0"/>
+                <a:ea typeface="Calibri" panose="020F0502020204030204" pitchFamily="34" charset="0"/>
+                <a:cs typeface="Calibri" panose="020F0502020204030204" pitchFamily="34" charset="0"/>
+              </a:rPr>
+              <a:t>ttery steering, even before lane change</a:t>
+            </a:r>
           </a:p>
           <a:p>
             <a:pPr marL="285750" indent="-285750">
               <a:buFont typeface="Arial" panose="020B0604020202020204" pitchFamily="34" charset="0"/>
               <a:buChar char="•"/>
             </a:pPr>
-            <a:endParaRPr lang="en-US" dirty="0"/>
-          </a:p>
-        </p:txBody>
-      </p:sp>
-      <p:sp>
-        <p:nvSpPr>
-          <p:cNvPr id="2" name="Title 1">
-            <a:extLst>
-              <a:ext uri="{FF2B5EF4-FFF2-40B4-BE49-F238E27FC236}">
-                <a16:creationId xmlns:a16="http://schemas.microsoft.com/office/drawing/2014/main" id="{D734AE09-0795-4ADD-AD9A-B34B3AE4F422}"/>
-              </a:ext>
-            </a:extLst>
-          </p:cNvPr>
-          <p:cNvSpPr>
-            <a:spLocks noGrp="1"/>
-          </p:cNvSpPr>
-          <p:nvPr>
-            <p:ph type="title"/>
-          </p:nvPr>
-        </p:nvSpPr>
-        <p:spPr>
-          <a:xfrm>
-            <a:off x="838200" y="65130"/>
-            <a:ext cx="10515600" cy="1325563"/>
-          </a:xfrm>
-        </p:spPr>
-        <p:txBody>
-          <a:bodyPr/>
-          <a:lstStyle/>
-          <a:p>
-            <a:r>
-              <a:rPr lang="en-US" dirty="0"/>
-              <a:t>Task </a:t>
-            </a:r>
-            <a:r>
-              <a:rPr lang="en-US" altLang="zh-CN" dirty="0"/>
-              <a:t>2</a:t>
-            </a:r>
-            <a:endParaRPr lang="en-US" dirty="0"/>
+            <a:r>
+              <a:rPr lang="en-US" dirty="0">
+                <a:latin typeface="Calibri" panose="020F0502020204030204" pitchFamily="34" charset="0"/>
+                <a:ea typeface="Calibri" panose="020F0502020204030204" pitchFamily="34" charset="0"/>
+                <a:cs typeface="Calibri" panose="020F0502020204030204" pitchFamily="34" charset="0"/>
+              </a:rPr>
+              <a:t>T</a:t>
+            </a:r>
+            <a:r>
+              <a:rPr lang="en-US" b="0" dirty="0">
+                <a:effectLst/>
+                <a:latin typeface="Calibri" panose="020F0502020204030204" pitchFamily="34" charset="0"/>
+                <a:ea typeface="Calibri" panose="020F0502020204030204" pitchFamily="34" charset="0"/>
+                <a:cs typeface="Calibri" panose="020F0502020204030204" pitchFamily="34" charset="0"/>
+              </a:rPr>
+              <a:t>hrottle usage very jumpy, typically either fully on or fully off</a:t>
+            </a:r>
+          </a:p>
+          <a:p>
+            <a:pPr marL="285750" indent="-285750">
+              <a:buFont typeface="Arial" panose="020B0604020202020204" pitchFamily="34" charset="0"/>
+              <a:buChar char="•"/>
+            </a:pPr>
+            <a:r>
+              <a:rPr lang="en-US" dirty="0">
+                <a:latin typeface="Calibri" panose="020F0502020204030204" pitchFamily="34" charset="0"/>
+                <a:ea typeface="Calibri" panose="020F0502020204030204" pitchFamily="34" charset="0"/>
+                <a:cs typeface="Calibri" panose="020F0502020204030204" pitchFamily="34" charset="0"/>
+              </a:rPr>
+              <a:t>M</a:t>
+            </a:r>
+            <a:r>
+              <a:rPr lang="en-US" b="0" dirty="0">
+                <a:effectLst/>
+                <a:latin typeface="Calibri" panose="020F0502020204030204" pitchFamily="34" charset="0"/>
+                <a:ea typeface="Calibri" panose="020F0502020204030204" pitchFamily="34" charset="0"/>
+                <a:cs typeface="Calibri" panose="020F0502020204030204" pitchFamily="34" charset="0"/>
+              </a:rPr>
+              <a:t>aintained maximum distance from NPC actor</a:t>
+            </a:r>
+          </a:p>
+          <a:p>
+            <a:endParaRPr lang="en-US" altLang="zh-CN" dirty="0">
+              <a:solidFill>
+                <a:srgbClr val="212529"/>
+              </a:solidFill>
+              <a:latin typeface="Calibri" panose="020F0502020204030204" pitchFamily="34" charset="0"/>
+              <a:ea typeface="Calibri" panose="020F0502020204030204" pitchFamily="34" charset="0"/>
+              <a:cs typeface="Calibri" panose="020F0502020204030204" pitchFamily="34" charset="0"/>
+            </a:endParaRPr>
+          </a:p>
+          <a:p>
+            <a:r>
+              <a:rPr lang="en-US" b="0" dirty="0">
+                <a:effectLst/>
+                <a:latin typeface="Calibri" panose="020F0502020204030204" pitchFamily="34" charset="0"/>
+                <a:ea typeface="Calibri" panose="020F0502020204030204" pitchFamily="34" charset="0"/>
+                <a:cs typeface="Calibri" panose="020F0502020204030204" pitchFamily="34" charset="0"/>
+              </a:rPr>
+              <a:t>We believe many of these observations are due to EV nighttime programmed behavior probably being more risk-adverse and aware of surroundings.</a:t>
+            </a:r>
           </a:p>
         </p:txBody>
       </p:sp>
     </p:spTree>
     <p:extLst>
       <p:ext uri="{BB962C8B-B14F-4D97-AF65-F5344CB8AC3E}">
-        <p14:creationId xmlns:p14="http://schemas.microsoft.com/office/powerpoint/2010/main" val="2803387179"/>
+        <p14:creationId xmlns:p14="http://schemas.microsoft.com/office/powerpoint/2010/main" val="1583425886"/>
+      </p:ext>
+    </p:extLst>
+  </p:cSld>
+  <p:clrMapOvr>
+    <a:masterClrMapping/>
+  </p:clrMapOvr>
+</p:sld>
+</file>
+
+<file path=ppt/slides/slide15.xml><?xml version="1.0" encoding="utf-8"?>
+<p:sld xmlns:a="http://schemas.openxmlformats.org/drawingml/2006/main" xmlns:r="http://schemas.openxmlformats.org/officeDocument/2006/relationships" xmlns:p="http://schemas.openxmlformats.org/presentationml/2006/main">
+  <p:cSld>
+    <p:spTree>
+      <p:nvGrpSpPr>
+        <p:cNvPr id="1" name=""/>
+        <p:cNvGrpSpPr/>
+        <p:nvPr/>
+      </p:nvGrpSpPr>
+      <p:grpSpPr>
+        <a:xfrm>
+          <a:off x="0" y="0"/>
+          <a:ext cx="0" cy="0"/>
+          <a:chOff x="0" y="0"/>
+          <a:chExt cx="0" cy="0"/>
+        </a:xfrm>
+      </p:grpSpPr>
+      <p:sp>
+        <p:nvSpPr>
+          <p:cNvPr id="5" name="TextBox 4">
+            <a:extLst>
+              <a:ext uri="{FF2B5EF4-FFF2-40B4-BE49-F238E27FC236}">
+                <a16:creationId xmlns:a16="http://schemas.microsoft.com/office/drawing/2014/main" id="{F0E19196-DC92-A64D-B6B9-C7B9A0673305}"/>
+              </a:ext>
+            </a:extLst>
+          </p:cNvPr>
+          <p:cNvSpPr txBox="1"/>
+          <p:nvPr/>
+        </p:nvSpPr>
+        <p:spPr>
+          <a:xfrm>
+            <a:off x="3030544" y="193350"/>
+            <a:ext cx="6130912" cy="400110"/>
+          </a:xfrm>
+          <a:prstGeom prst="rect">
+            <a:avLst/>
+          </a:prstGeom>
+          <a:noFill/>
+        </p:spPr>
+        <p:txBody>
+          <a:bodyPr wrap="square" rtlCol="0">
+            <a:spAutoFit/>
+          </a:bodyPr>
+          <a:lstStyle/>
+          <a:p>
+            <a:pPr algn="ctr"/>
+            <a:r>
+              <a:rPr lang="en-US" sz="2000" b="1" dirty="0"/>
+              <a:t>Distribution of the Features: Normal vs Abnormal</a:t>
+            </a:r>
+          </a:p>
+        </p:txBody>
+      </p:sp>
+      <p:pic>
+        <p:nvPicPr>
+          <p:cNvPr id="4" name="Picture 3" descr="A graph of a number of data&#10;&#10;Description automatically generated with medium confidence">
+            <a:extLst>
+              <a:ext uri="{FF2B5EF4-FFF2-40B4-BE49-F238E27FC236}">
+                <a16:creationId xmlns:a16="http://schemas.microsoft.com/office/drawing/2014/main" id="{7C36FA38-9675-D423-CCCC-B09C25EED7A5}"/>
+              </a:ext>
+            </a:extLst>
+          </p:cNvPr>
+          <p:cNvPicPr>
+            <a:picLocks noChangeAspect="1"/>
+          </p:cNvPicPr>
+          <p:nvPr/>
+        </p:nvPicPr>
+        <p:blipFill>
+          <a:blip r:embed="rId2">
+            <a:extLst>
+              <a:ext uri="{28A0092B-C50C-407E-A947-70E740481C1C}">
+                <a14:useLocalDpi xmlns:a14="http://schemas.microsoft.com/office/drawing/2010/main" val="0"/>
+              </a:ext>
+            </a:extLst>
+          </a:blip>
+          <a:srcRect l="7618" t="8654" r="8746" b="4416"/>
+          <a:stretch/>
+        </p:blipFill>
+        <p:spPr>
+          <a:xfrm>
+            <a:off x="2272145" y="721680"/>
+            <a:ext cx="7647710" cy="5961719"/>
+          </a:xfrm>
+          <a:prstGeom prst="rect">
+            <a:avLst/>
+          </a:prstGeom>
+        </p:spPr>
+      </p:pic>
+      <p:sp>
+        <p:nvSpPr>
+          <p:cNvPr id="10" name="Title 9">
+            <a:extLst>
+              <a:ext uri="{FF2B5EF4-FFF2-40B4-BE49-F238E27FC236}">
+                <a16:creationId xmlns:a16="http://schemas.microsoft.com/office/drawing/2014/main" id="{09CDF607-1B87-EF2F-B695-FAF349A5EBC9}"/>
+              </a:ext>
+            </a:extLst>
+          </p:cNvPr>
+          <p:cNvSpPr>
+            <a:spLocks noGrp="1"/>
+          </p:cNvSpPr>
+          <p:nvPr>
+            <p:ph type="title"/>
+          </p:nvPr>
+        </p:nvSpPr>
+        <p:spPr/>
+        <p:txBody>
+          <a:bodyPr/>
+          <a:lstStyle/>
+          <a:p>
+            <a:r>
+              <a:rPr lang="en-US" dirty="0"/>
+              <a:t> </a:t>
+            </a:r>
+          </a:p>
+        </p:txBody>
+      </p:sp>
+      <p:sp>
+        <p:nvSpPr>
+          <p:cNvPr id="11" name="Title 1">
+            <a:extLst>
+              <a:ext uri="{FF2B5EF4-FFF2-40B4-BE49-F238E27FC236}">
+                <a16:creationId xmlns:a16="http://schemas.microsoft.com/office/drawing/2014/main" id="{0F925127-2D29-FA9D-4274-AAA248DEE3F4}"/>
+              </a:ext>
+            </a:extLst>
+          </p:cNvPr>
+          <p:cNvSpPr txBox="1">
+            <a:spLocks/>
+          </p:cNvSpPr>
+          <p:nvPr/>
+        </p:nvSpPr>
+        <p:spPr>
+          <a:xfrm>
+            <a:off x="365523" y="58898"/>
+            <a:ext cx="2403764" cy="1325563"/>
+          </a:xfrm>
+          <a:prstGeom prst="rect">
+            <a:avLst/>
+          </a:prstGeom>
+        </p:spPr>
+        <p:txBody>
+          <a:bodyPr vert="horz" lIns="91440" tIns="45720" rIns="91440" bIns="45720" rtlCol="0" anchor="ctr">
+            <a:normAutofit/>
+          </a:bodyPr>
+          <a:lstStyle>
+            <a:lvl1pPr algn="l" defTabSz="914400" rtl="0" eaLnBrk="1" latinLnBrk="0" hangingPunct="1">
+              <a:lnSpc>
+                <a:spcPct val="90000"/>
+              </a:lnSpc>
+              <a:spcBef>
+                <a:spcPct val="0"/>
+              </a:spcBef>
+              <a:buNone/>
+              <a:defRPr sz="4400" kern="1200">
+                <a:solidFill>
+                  <a:schemeClr val="tx1"/>
+                </a:solidFill>
+                <a:latin typeface="+mj-lt"/>
+                <a:ea typeface="+mj-ea"/>
+                <a:cs typeface="+mj-cs"/>
+              </a:defRPr>
+            </a:lvl1pPr>
+          </a:lstStyle>
+          <a:p>
+            <a:r>
+              <a:rPr lang="en-US"/>
+              <a:t>Task </a:t>
+            </a:r>
+            <a:r>
+              <a:rPr lang="en-US" altLang="zh-CN"/>
+              <a:t>2</a:t>
+            </a:r>
+            <a:endParaRPr lang="en-US" dirty="0"/>
+          </a:p>
+        </p:txBody>
+      </p:sp>
+    </p:spTree>
+    <p:extLst>
+      <p:ext uri="{BB962C8B-B14F-4D97-AF65-F5344CB8AC3E}">
+        <p14:creationId xmlns:p14="http://schemas.microsoft.com/office/powerpoint/2010/main" val="432580688"/>
+      </p:ext>
+    </p:extLst>
+  </p:cSld>
+  <p:clrMapOvr>
+    <a:masterClrMapping/>
+  </p:clrMapOvr>
+</p:sld>
+</file>
+
+<file path=ppt/slides/slide16.xml><?xml version="1.0" encoding="utf-8"?>
+<p:sld xmlns:a="http://schemas.openxmlformats.org/drawingml/2006/main" xmlns:r="http://schemas.openxmlformats.org/officeDocument/2006/relationships" xmlns:p="http://schemas.openxmlformats.org/presentationml/2006/main">
+  <p:cSld>
+    <p:spTree>
+      <p:nvGrpSpPr>
+        <p:cNvPr id="1" name=""/>
+        <p:cNvGrpSpPr/>
+        <p:nvPr/>
+      </p:nvGrpSpPr>
+      <p:grpSpPr>
+        <a:xfrm>
+          <a:off x="0" y="0"/>
+          <a:ext cx="0" cy="0"/>
+          <a:chOff x="0" y="0"/>
+          <a:chExt cx="0" cy="0"/>
+        </a:xfrm>
+      </p:grpSpPr>
+      <p:sp>
+        <p:nvSpPr>
+          <p:cNvPr id="5" name="TextBox 4">
+            <a:extLst>
+              <a:ext uri="{FF2B5EF4-FFF2-40B4-BE49-F238E27FC236}">
+                <a16:creationId xmlns:a16="http://schemas.microsoft.com/office/drawing/2014/main" id="{F0E19196-DC92-A64D-B6B9-C7B9A0673305}"/>
+              </a:ext>
+            </a:extLst>
+          </p:cNvPr>
+          <p:cNvSpPr txBox="1"/>
+          <p:nvPr/>
+        </p:nvSpPr>
+        <p:spPr>
+          <a:xfrm>
+            <a:off x="3030544" y="193350"/>
+            <a:ext cx="6130912" cy="400110"/>
+          </a:xfrm>
+          <a:prstGeom prst="rect">
+            <a:avLst/>
+          </a:prstGeom>
+          <a:noFill/>
+        </p:spPr>
+        <p:txBody>
+          <a:bodyPr wrap="square" rtlCol="0">
+            <a:spAutoFit/>
+          </a:bodyPr>
+          <a:lstStyle/>
+          <a:p>
+            <a:pPr algn="ctr"/>
+            <a:r>
+              <a:rPr lang="en-US" sz="2000" b="1" dirty="0"/>
+              <a:t>Distribution of the Features: Normal vs Abnormal</a:t>
+            </a:r>
+          </a:p>
+        </p:txBody>
+      </p:sp>
+      <p:pic>
+        <p:nvPicPr>
+          <p:cNvPr id="4" name="Picture 3">
+            <a:extLst>
+              <a:ext uri="{FF2B5EF4-FFF2-40B4-BE49-F238E27FC236}">
+                <a16:creationId xmlns:a16="http://schemas.microsoft.com/office/drawing/2014/main" id="{7C36FA38-9675-D423-CCCC-B09C25EED7A5}"/>
+              </a:ext>
+            </a:extLst>
+          </p:cNvPr>
+          <p:cNvPicPr>
+            <a:picLocks noChangeAspect="1"/>
+          </p:cNvPicPr>
+          <p:nvPr/>
+        </p:nvPicPr>
+        <p:blipFill>
+          <a:blip r:embed="rId2">
+            <a:extLst>
+              <a:ext uri="{28A0092B-C50C-407E-A947-70E740481C1C}">
+                <a14:useLocalDpi xmlns:a14="http://schemas.microsoft.com/office/drawing/2010/main" val="0"/>
+              </a:ext>
+            </a:extLst>
+          </a:blip>
+          <a:srcRect l="7639" t="8411" r="8368" b="4541"/>
+          <a:stretch/>
+        </p:blipFill>
+        <p:spPr>
+          <a:xfrm>
+            <a:off x="2298701" y="721680"/>
+            <a:ext cx="7645950" cy="5942970"/>
+          </a:xfrm>
+          <a:prstGeom prst="rect">
+            <a:avLst/>
+          </a:prstGeom>
+        </p:spPr>
+      </p:pic>
+      <p:sp>
+        <p:nvSpPr>
+          <p:cNvPr id="3" name="Title 1">
+            <a:extLst>
+              <a:ext uri="{FF2B5EF4-FFF2-40B4-BE49-F238E27FC236}">
+                <a16:creationId xmlns:a16="http://schemas.microsoft.com/office/drawing/2014/main" id="{B50FCD4A-3934-F6F1-6319-BDF05BDF903E}"/>
+              </a:ext>
+            </a:extLst>
+          </p:cNvPr>
+          <p:cNvSpPr txBox="1">
+            <a:spLocks/>
+          </p:cNvSpPr>
+          <p:nvPr/>
+        </p:nvSpPr>
+        <p:spPr>
+          <a:xfrm>
+            <a:off x="365523" y="58898"/>
+            <a:ext cx="2403764" cy="1325563"/>
+          </a:xfrm>
+          <a:prstGeom prst="rect">
+            <a:avLst/>
+          </a:prstGeom>
+        </p:spPr>
+        <p:txBody>
+          <a:bodyPr vert="horz" lIns="91440" tIns="45720" rIns="91440" bIns="45720" rtlCol="0" anchor="ctr">
+            <a:normAutofit/>
+          </a:bodyPr>
+          <a:lstStyle>
+            <a:lvl1pPr algn="l" defTabSz="914400" rtl="0" eaLnBrk="1" latinLnBrk="0" hangingPunct="1">
+              <a:lnSpc>
+                <a:spcPct val="90000"/>
+              </a:lnSpc>
+              <a:spcBef>
+                <a:spcPct val="0"/>
+              </a:spcBef>
+              <a:buNone/>
+              <a:defRPr sz="4400" kern="1200">
+                <a:solidFill>
+                  <a:schemeClr val="tx1"/>
+                </a:solidFill>
+                <a:latin typeface="+mj-lt"/>
+                <a:ea typeface="+mj-ea"/>
+                <a:cs typeface="+mj-cs"/>
+              </a:defRPr>
+            </a:lvl1pPr>
+          </a:lstStyle>
+          <a:p>
+            <a:r>
+              <a:rPr lang="en-US"/>
+              <a:t>Task </a:t>
+            </a:r>
+            <a:r>
+              <a:rPr lang="en-US" altLang="zh-CN"/>
+              <a:t>2</a:t>
+            </a:r>
+            <a:endParaRPr lang="en-US" dirty="0"/>
+          </a:p>
+        </p:txBody>
+      </p:sp>
+      <p:sp>
+        <p:nvSpPr>
+          <p:cNvPr id="7" name="Title 6">
+            <a:extLst>
+              <a:ext uri="{FF2B5EF4-FFF2-40B4-BE49-F238E27FC236}">
+                <a16:creationId xmlns:a16="http://schemas.microsoft.com/office/drawing/2014/main" id="{D95C1061-E2C2-1F54-65B5-1D32B1C21CAB}"/>
+              </a:ext>
+            </a:extLst>
+          </p:cNvPr>
+          <p:cNvSpPr>
+            <a:spLocks noGrp="1"/>
+          </p:cNvSpPr>
+          <p:nvPr>
+            <p:ph type="title"/>
+          </p:nvPr>
+        </p:nvSpPr>
+        <p:spPr/>
+        <p:txBody>
+          <a:bodyPr/>
+          <a:lstStyle/>
+          <a:p>
+            <a:r>
+              <a:rPr lang="en-US" dirty="0"/>
+              <a:t> </a:t>
+            </a:r>
+          </a:p>
+        </p:txBody>
+      </p:sp>
+    </p:spTree>
+    <p:extLst>
+      <p:ext uri="{BB962C8B-B14F-4D97-AF65-F5344CB8AC3E}">
+        <p14:creationId xmlns:p14="http://schemas.microsoft.com/office/powerpoint/2010/main" val="364842346"/>
+      </p:ext>
+    </p:extLst>
+  </p:cSld>
+  <p:clrMapOvr>
+    <a:masterClrMapping/>
+  </p:clrMapOvr>
+</p:sld>
+</file>
+
+<file path=ppt/slides/slide17.xml><?xml version="1.0" encoding="utf-8"?>
+<p:sld xmlns:a="http://schemas.openxmlformats.org/drawingml/2006/main" xmlns:r="http://schemas.openxmlformats.org/officeDocument/2006/relationships" xmlns:p="http://schemas.openxmlformats.org/presentationml/2006/main">
+  <p:cSld>
+    <p:spTree>
+      <p:nvGrpSpPr>
+        <p:cNvPr id="1" name=""/>
+        <p:cNvGrpSpPr/>
+        <p:nvPr/>
+      </p:nvGrpSpPr>
+      <p:grpSpPr>
+        <a:xfrm>
+          <a:off x="0" y="0"/>
+          <a:ext cx="0" cy="0"/>
+          <a:chOff x="0" y="0"/>
+          <a:chExt cx="0" cy="0"/>
+        </a:xfrm>
+      </p:grpSpPr>
+      <p:sp>
+        <p:nvSpPr>
+          <p:cNvPr id="5" name="TextBox 4">
+            <a:extLst>
+              <a:ext uri="{FF2B5EF4-FFF2-40B4-BE49-F238E27FC236}">
+                <a16:creationId xmlns:a16="http://schemas.microsoft.com/office/drawing/2014/main" id="{F0E19196-DC92-A64D-B6B9-C7B9A0673305}"/>
+              </a:ext>
+            </a:extLst>
+          </p:cNvPr>
+          <p:cNvSpPr txBox="1"/>
+          <p:nvPr/>
+        </p:nvSpPr>
+        <p:spPr>
+          <a:xfrm>
+            <a:off x="3030544" y="193350"/>
+            <a:ext cx="6130912" cy="400110"/>
+          </a:xfrm>
+          <a:prstGeom prst="rect">
+            <a:avLst/>
+          </a:prstGeom>
+          <a:noFill/>
+        </p:spPr>
+        <p:txBody>
+          <a:bodyPr wrap="square" rtlCol="0">
+            <a:spAutoFit/>
+          </a:bodyPr>
+          <a:lstStyle/>
+          <a:p>
+            <a:pPr algn="ctr"/>
+            <a:r>
+              <a:rPr lang="en-US" sz="2000" b="1" dirty="0"/>
+              <a:t>Distribution of the Features: Normal vs Abnormal</a:t>
+            </a:r>
+          </a:p>
+        </p:txBody>
+      </p:sp>
+      <p:sp>
+        <p:nvSpPr>
+          <p:cNvPr id="2" name="Title 1">
+            <a:extLst>
+              <a:ext uri="{FF2B5EF4-FFF2-40B4-BE49-F238E27FC236}">
+                <a16:creationId xmlns:a16="http://schemas.microsoft.com/office/drawing/2014/main" id="{D734AE09-0795-4ADD-AD9A-B34B3AE4F422}"/>
+              </a:ext>
+            </a:extLst>
+          </p:cNvPr>
+          <p:cNvSpPr>
+            <a:spLocks noGrp="1"/>
+          </p:cNvSpPr>
+          <p:nvPr>
+            <p:ph type="title"/>
+          </p:nvPr>
+        </p:nvSpPr>
+        <p:spPr>
+          <a:xfrm>
+            <a:off x="365523" y="58898"/>
+            <a:ext cx="2403764" cy="1325563"/>
+          </a:xfrm>
+        </p:spPr>
+        <p:txBody>
+          <a:bodyPr/>
+          <a:lstStyle/>
+          <a:p>
+            <a:r>
+              <a:rPr lang="en-US" dirty="0"/>
+              <a:t>Task </a:t>
+            </a:r>
+            <a:r>
+              <a:rPr lang="en-US" altLang="zh-CN" dirty="0"/>
+              <a:t>2</a:t>
+            </a:r>
+            <a:endParaRPr lang="en-US" dirty="0"/>
+          </a:p>
+        </p:txBody>
+      </p:sp>
+      <p:pic>
+        <p:nvPicPr>
+          <p:cNvPr id="4" name="Picture 3">
+            <a:extLst>
+              <a:ext uri="{FF2B5EF4-FFF2-40B4-BE49-F238E27FC236}">
+                <a16:creationId xmlns:a16="http://schemas.microsoft.com/office/drawing/2014/main" id="{7C36FA38-9675-D423-CCCC-B09C25EED7A5}"/>
+              </a:ext>
+            </a:extLst>
+          </p:cNvPr>
+          <p:cNvPicPr>
+            <a:picLocks noChangeAspect="1"/>
+          </p:cNvPicPr>
+          <p:nvPr/>
+        </p:nvPicPr>
+        <p:blipFill>
+          <a:blip r:embed="rId2">
+            <a:extLst>
+              <a:ext uri="{28A0092B-C50C-407E-A947-70E740481C1C}">
+                <a14:useLocalDpi xmlns:a14="http://schemas.microsoft.com/office/drawing/2010/main" val="0"/>
+              </a:ext>
+            </a:extLst>
+          </a:blip>
+          <a:srcRect l="7215" t="9044" r="8629" b="4902"/>
+          <a:stretch/>
+        </p:blipFill>
+        <p:spPr>
+          <a:xfrm>
+            <a:off x="2221362" y="721680"/>
+            <a:ext cx="7749275" cy="5942970"/>
+          </a:xfrm>
+          <a:prstGeom prst="rect">
+            <a:avLst/>
+          </a:prstGeom>
+        </p:spPr>
+      </p:pic>
+    </p:spTree>
+    <p:extLst>
+      <p:ext uri="{BB962C8B-B14F-4D97-AF65-F5344CB8AC3E}">
+        <p14:creationId xmlns:p14="http://schemas.microsoft.com/office/powerpoint/2010/main" val="2667153163"/>
+      </p:ext>
+    </p:extLst>
+  </p:cSld>
+  <p:clrMapOvr>
+    <a:masterClrMapping/>
+  </p:clrMapOvr>
+</p:sld>
+</file>
+
+<file path=ppt/slides/slide18.xml><?xml version="1.0" encoding="utf-8"?>
+<p:sld xmlns:a="http://schemas.openxmlformats.org/drawingml/2006/main" xmlns:r="http://schemas.openxmlformats.org/officeDocument/2006/relationships" xmlns:p="http://schemas.openxmlformats.org/presentationml/2006/main">
+  <p:cSld>
+    <p:spTree>
+      <p:nvGrpSpPr>
+        <p:cNvPr id="1" name=""/>
+        <p:cNvGrpSpPr/>
+        <p:nvPr/>
+      </p:nvGrpSpPr>
+      <p:grpSpPr>
+        <a:xfrm>
+          <a:off x="0" y="0"/>
+          <a:ext cx="0" cy="0"/>
+          <a:chOff x="0" y="0"/>
+          <a:chExt cx="0" cy="0"/>
+        </a:xfrm>
+      </p:grpSpPr>
+      <p:sp>
+        <p:nvSpPr>
+          <p:cNvPr id="5" name="TextBox 4">
+            <a:extLst>
+              <a:ext uri="{FF2B5EF4-FFF2-40B4-BE49-F238E27FC236}">
+                <a16:creationId xmlns:a16="http://schemas.microsoft.com/office/drawing/2014/main" id="{F0E19196-DC92-A64D-B6B9-C7B9A0673305}"/>
+              </a:ext>
+            </a:extLst>
+          </p:cNvPr>
+          <p:cNvSpPr txBox="1"/>
+          <p:nvPr/>
+        </p:nvSpPr>
+        <p:spPr>
+          <a:xfrm>
+            <a:off x="3030544" y="193350"/>
+            <a:ext cx="6130912" cy="400110"/>
+          </a:xfrm>
+          <a:prstGeom prst="rect">
+            <a:avLst/>
+          </a:prstGeom>
+          <a:noFill/>
+        </p:spPr>
+        <p:txBody>
+          <a:bodyPr wrap="square" rtlCol="0">
+            <a:spAutoFit/>
+          </a:bodyPr>
+          <a:lstStyle/>
+          <a:p>
+            <a:pPr algn="ctr"/>
+            <a:r>
+              <a:rPr lang="en-US" sz="2000" b="1" dirty="0"/>
+              <a:t>Distribution of the Features: Normal vs Abnormal</a:t>
+            </a:r>
+          </a:p>
+        </p:txBody>
+      </p:sp>
+      <p:pic>
+        <p:nvPicPr>
+          <p:cNvPr id="4" name="Picture 3">
+            <a:extLst>
+              <a:ext uri="{FF2B5EF4-FFF2-40B4-BE49-F238E27FC236}">
+                <a16:creationId xmlns:a16="http://schemas.microsoft.com/office/drawing/2014/main" id="{7C36FA38-9675-D423-CCCC-B09C25EED7A5}"/>
+              </a:ext>
+            </a:extLst>
+          </p:cNvPr>
+          <p:cNvPicPr>
+            <a:picLocks noChangeAspect="1"/>
+          </p:cNvPicPr>
+          <p:nvPr/>
+        </p:nvPicPr>
+        <p:blipFill>
+          <a:blip r:embed="rId2">
+            <a:extLst>
+              <a:ext uri="{28A0092B-C50C-407E-A947-70E740481C1C}">
+                <a14:useLocalDpi xmlns:a14="http://schemas.microsoft.com/office/drawing/2010/main" val="0"/>
+              </a:ext>
+            </a:extLst>
+          </a:blip>
+          <a:srcRect l="5879" t="9009" r="8070" b="5139"/>
+          <a:stretch/>
+        </p:blipFill>
+        <p:spPr>
+          <a:xfrm>
+            <a:off x="2039149" y="727912"/>
+            <a:ext cx="8113702" cy="6071190"/>
+          </a:xfrm>
+          <a:prstGeom prst="rect">
+            <a:avLst/>
+          </a:prstGeom>
+        </p:spPr>
+      </p:pic>
+      <p:sp>
+        <p:nvSpPr>
+          <p:cNvPr id="6" name="Title 5">
+            <a:extLst>
+              <a:ext uri="{FF2B5EF4-FFF2-40B4-BE49-F238E27FC236}">
+                <a16:creationId xmlns:a16="http://schemas.microsoft.com/office/drawing/2014/main" id="{187575E9-3206-953F-53A9-737F526DD938}"/>
+              </a:ext>
+            </a:extLst>
+          </p:cNvPr>
+          <p:cNvSpPr>
+            <a:spLocks noGrp="1"/>
+          </p:cNvSpPr>
+          <p:nvPr>
+            <p:ph type="title"/>
+          </p:nvPr>
+        </p:nvSpPr>
+        <p:spPr/>
+        <p:txBody>
+          <a:bodyPr/>
+          <a:lstStyle/>
+          <a:p>
+            <a:r>
+              <a:rPr lang="en-US" dirty="0"/>
+              <a:t> </a:t>
+            </a:r>
+          </a:p>
+        </p:txBody>
+      </p:sp>
+      <p:sp>
+        <p:nvSpPr>
+          <p:cNvPr id="7" name="Title 1">
+            <a:extLst>
+              <a:ext uri="{FF2B5EF4-FFF2-40B4-BE49-F238E27FC236}">
+                <a16:creationId xmlns:a16="http://schemas.microsoft.com/office/drawing/2014/main" id="{AB3FF90E-5CC2-992E-3F38-C07FAB09A14C}"/>
+              </a:ext>
+            </a:extLst>
+          </p:cNvPr>
+          <p:cNvSpPr txBox="1">
+            <a:spLocks/>
+          </p:cNvSpPr>
+          <p:nvPr/>
+        </p:nvSpPr>
+        <p:spPr>
+          <a:xfrm>
+            <a:off x="365523" y="58898"/>
+            <a:ext cx="2403764" cy="1325563"/>
+          </a:xfrm>
+          <a:prstGeom prst="rect">
+            <a:avLst/>
+          </a:prstGeom>
+        </p:spPr>
+        <p:txBody>
+          <a:bodyPr vert="horz" lIns="91440" tIns="45720" rIns="91440" bIns="45720" rtlCol="0" anchor="ctr">
+            <a:normAutofit/>
+          </a:bodyPr>
+          <a:lstStyle>
+            <a:lvl1pPr algn="l" defTabSz="914400" rtl="0" eaLnBrk="1" latinLnBrk="0" hangingPunct="1">
+              <a:lnSpc>
+                <a:spcPct val="90000"/>
+              </a:lnSpc>
+              <a:spcBef>
+                <a:spcPct val="0"/>
+              </a:spcBef>
+              <a:buNone/>
+              <a:defRPr sz="4400" kern="1200">
+                <a:solidFill>
+                  <a:schemeClr val="tx1"/>
+                </a:solidFill>
+                <a:latin typeface="+mj-lt"/>
+                <a:ea typeface="+mj-ea"/>
+                <a:cs typeface="+mj-cs"/>
+              </a:defRPr>
+            </a:lvl1pPr>
+          </a:lstStyle>
+          <a:p>
+            <a:r>
+              <a:rPr lang="en-US"/>
+              <a:t>Task </a:t>
+            </a:r>
+            <a:r>
+              <a:rPr lang="en-US" altLang="zh-CN"/>
+              <a:t>2</a:t>
+            </a:r>
+            <a:endParaRPr lang="en-US" dirty="0"/>
+          </a:p>
+        </p:txBody>
+      </p:sp>
+    </p:spTree>
+    <p:extLst>
+      <p:ext uri="{BB962C8B-B14F-4D97-AF65-F5344CB8AC3E}">
+        <p14:creationId xmlns:p14="http://schemas.microsoft.com/office/powerpoint/2010/main" val="2950564261"/>
+      </p:ext>
+    </p:extLst>
+  </p:cSld>
+  <p:clrMapOvr>
+    <a:masterClrMapping/>
+  </p:clrMapOvr>
+</p:sld>
+</file>
+
+<file path=ppt/slides/slide19.xml><?xml version="1.0" encoding="utf-8"?>
+<p:sld xmlns:a="http://schemas.openxmlformats.org/drawingml/2006/main" xmlns:r="http://schemas.openxmlformats.org/officeDocument/2006/relationships" xmlns:p="http://schemas.openxmlformats.org/presentationml/2006/main">
+  <p:cSld>
+    <p:spTree>
+      <p:nvGrpSpPr>
+        <p:cNvPr id="1" name=""/>
+        <p:cNvGrpSpPr/>
+        <p:nvPr/>
+      </p:nvGrpSpPr>
+      <p:grpSpPr>
+        <a:xfrm>
+          <a:off x="0" y="0"/>
+          <a:ext cx="0" cy="0"/>
+          <a:chOff x="0" y="0"/>
+          <a:chExt cx="0" cy="0"/>
+        </a:xfrm>
+      </p:grpSpPr>
+      <p:sp>
+        <p:nvSpPr>
+          <p:cNvPr id="5" name="TextBox 4">
+            <a:extLst>
+              <a:ext uri="{FF2B5EF4-FFF2-40B4-BE49-F238E27FC236}">
+                <a16:creationId xmlns:a16="http://schemas.microsoft.com/office/drawing/2014/main" id="{F0E19196-DC92-A64D-B6B9-C7B9A0673305}"/>
+              </a:ext>
+            </a:extLst>
+          </p:cNvPr>
+          <p:cNvSpPr txBox="1"/>
+          <p:nvPr/>
+        </p:nvSpPr>
+        <p:spPr>
+          <a:xfrm>
+            <a:off x="3030544" y="193350"/>
+            <a:ext cx="6130912" cy="400110"/>
+          </a:xfrm>
+          <a:prstGeom prst="rect">
+            <a:avLst/>
+          </a:prstGeom>
+          <a:noFill/>
+        </p:spPr>
+        <p:txBody>
+          <a:bodyPr wrap="square" rtlCol="0">
+            <a:spAutoFit/>
+          </a:bodyPr>
+          <a:lstStyle/>
+          <a:p>
+            <a:pPr algn="ctr"/>
+            <a:r>
+              <a:rPr lang="en-US" sz="2000" b="1" dirty="0"/>
+              <a:t>Distribution of the Features: Normal vs Abnormal</a:t>
+            </a:r>
+          </a:p>
+        </p:txBody>
+      </p:sp>
+      <p:sp>
+        <p:nvSpPr>
+          <p:cNvPr id="2" name="Title 1">
+            <a:extLst>
+              <a:ext uri="{FF2B5EF4-FFF2-40B4-BE49-F238E27FC236}">
+                <a16:creationId xmlns:a16="http://schemas.microsoft.com/office/drawing/2014/main" id="{D734AE09-0795-4ADD-AD9A-B34B3AE4F422}"/>
+              </a:ext>
+            </a:extLst>
+          </p:cNvPr>
+          <p:cNvSpPr>
+            <a:spLocks noGrp="1"/>
+          </p:cNvSpPr>
+          <p:nvPr>
+            <p:ph type="title"/>
+          </p:nvPr>
+        </p:nvSpPr>
+        <p:spPr>
+          <a:xfrm>
+            <a:off x="838200" y="65130"/>
+            <a:ext cx="2403764" cy="1325563"/>
+          </a:xfrm>
+        </p:spPr>
+        <p:txBody>
+          <a:bodyPr/>
+          <a:lstStyle/>
+          <a:p>
+            <a:r>
+              <a:rPr lang="en-US" dirty="0"/>
+              <a:t> </a:t>
+            </a:r>
+          </a:p>
+        </p:txBody>
+      </p:sp>
+      <p:pic>
+        <p:nvPicPr>
+          <p:cNvPr id="4" name="Picture 3">
+            <a:extLst>
+              <a:ext uri="{FF2B5EF4-FFF2-40B4-BE49-F238E27FC236}">
+                <a16:creationId xmlns:a16="http://schemas.microsoft.com/office/drawing/2014/main" id="{7C36FA38-9675-D423-CCCC-B09C25EED7A5}"/>
+              </a:ext>
+            </a:extLst>
+          </p:cNvPr>
+          <p:cNvPicPr>
+            <a:picLocks noChangeAspect="1"/>
+          </p:cNvPicPr>
+          <p:nvPr/>
+        </p:nvPicPr>
+        <p:blipFill>
+          <a:blip r:embed="rId2">
+            <a:extLst>
+              <a:ext uri="{28A0092B-C50C-407E-A947-70E740481C1C}">
+                <a14:useLocalDpi xmlns:a14="http://schemas.microsoft.com/office/drawing/2010/main" val="0"/>
+              </a:ext>
+            </a:extLst>
+          </a:blip>
+          <a:srcRect l="6628" t="8611" r="8964" b="5138"/>
+          <a:stretch/>
+        </p:blipFill>
+        <p:spPr>
+          <a:xfrm>
+            <a:off x="2239996" y="681245"/>
+            <a:ext cx="7712008" cy="5910263"/>
+          </a:xfrm>
+          <a:prstGeom prst="rect">
+            <a:avLst/>
+          </a:prstGeom>
+        </p:spPr>
+      </p:pic>
+      <p:sp>
+        <p:nvSpPr>
+          <p:cNvPr id="3" name="Title 1">
+            <a:extLst>
+              <a:ext uri="{FF2B5EF4-FFF2-40B4-BE49-F238E27FC236}">
+                <a16:creationId xmlns:a16="http://schemas.microsoft.com/office/drawing/2014/main" id="{06639CFC-AF54-2271-F28D-023C4CE824ED}"/>
+              </a:ext>
+            </a:extLst>
+          </p:cNvPr>
+          <p:cNvSpPr txBox="1">
+            <a:spLocks/>
+          </p:cNvSpPr>
+          <p:nvPr/>
+        </p:nvSpPr>
+        <p:spPr>
+          <a:xfrm>
+            <a:off x="365523" y="58898"/>
+            <a:ext cx="2403764" cy="1325563"/>
+          </a:xfrm>
+          <a:prstGeom prst="rect">
+            <a:avLst/>
+          </a:prstGeom>
+        </p:spPr>
+        <p:txBody>
+          <a:bodyPr vert="horz" lIns="91440" tIns="45720" rIns="91440" bIns="45720" rtlCol="0" anchor="ctr">
+            <a:normAutofit/>
+          </a:bodyPr>
+          <a:lstStyle>
+            <a:lvl1pPr algn="l" defTabSz="914400" rtl="0" eaLnBrk="1" latinLnBrk="0" hangingPunct="1">
+              <a:lnSpc>
+                <a:spcPct val="90000"/>
+              </a:lnSpc>
+              <a:spcBef>
+                <a:spcPct val="0"/>
+              </a:spcBef>
+              <a:buNone/>
+              <a:defRPr sz="4400" kern="1200">
+                <a:solidFill>
+                  <a:schemeClr val="tx1"/>
+                </a:solidFill>
+                <a:latin typeface="+mj-lt"/>
+                <a:ea typeface="+mj-ea"/>
+                <a:cs typeface="+mj-cs"/>
+              </a:defRPr>
+            </a:lvl1pPr>
+          </a:lstStyle>
+          <a:p>
+            <a:r>
+              <a:rPr lang="en-US"/>
+              <a:t>Task </a:t>
+            </a:r>
+            <a:r>
+              <a:rPr lang="en-US" altLang="zh-CN"/>
+              <a:t>2</a:t>
+            </a:r>
+            <a:endParaRPr lang="en-US" dirty="0"/>
+          </a:p>
+        </p:txBody>
+      </p:sp>
+    </p:spTree>
+    <p:extLst>
+      <p:ext uri="{BB962C8B-B14F-4D97-AF65-F5344CB8AC3E}">
+        <p14:creationId xmlns:p14="http://schemas.microsoft.com/office/powerpoint/2010/main" val="824020756"/>
       </p:ext>
     </p:extLst>
   </p:cSld>
@@ -4901,10 +5750,10 @@
       </p:sp>
       <p:sp>
         <p:nvSpPr>
-          <p:cNvPr id="6" name="TextBox 5">
-            <a:extLst>
-              <a:ext uri="{FF2B5EF4-FFF2-40B4-BE49-F238E27FC236}">
-                <a16:creationId xmlns:a16="http://schemas.microsoft.com/office/drawing/2014/main" id="{DCF2C8F6-6611-4E40-8611-99C12BBAD1CA}"/>
+          <p:cNvPr id="4" name="TextBox 3">
+            <a:extLst>
+              <a:ext uri="{FF2B5EF4-FFF2-40B4-BE49-F238E27FC236}">
+                <a16:creationId xmlns:a16="http://schemas.microsoft.com/office/drawing/2014/main" id="{8CEDF09A-719F-5606-4F8E-709819FAEE1F}"/>
               </a:ext>
             </a:extLst>
           </p:cNvPr>
@@ -4913,8 +5762,8 @@
         </p:nvSpPr>
         <p:spPr>
           <a:xfrm>
-            <a:off x="513728" y="1356751"/>
-            <a:ext cx="10400645" cy="5355312"/>
+            <a:off x="838200" y="1160559"/>
+            <a:ext cx="3282538" cy="5632311"/>
           </a:xfrm>
           <a:prstGeom prst="rect">
             <a:avLst/>
@@ -4922,58 +5771,20 @@
           <a:noFill/>
         </p:spPr>
         <p:txBody>
-          <a:bodyPr wrap="square" rtlCol="0">
+          <a:bodyPr wrap="square" numCol="1" rtlCol="0">
             <a:spAutoFit/>
           </a:bodyPr>
           <a:lstStyle/>
           <a:p>
             <a:r>
               <a:rPr lang="en-US" dirty="0"/>
-              <a:t>Q</a:t>
-            </a:r>
-            <a:r>
-              <a:rPr lang="en-US" altLang="zh-CN" dirty="0"/>
-              <a:t>1:</a:t>
-            </a:r>
+              <a:t>From the simulation with Carla, our team obtained data for 6 EV driving scenarios with different weather conditions. For each scenario, the data was split into 3 different files and consisted of the following features:</a:t>
+            </a:r>
+          </a:p>
+          <a:p>
             <a:r>
               <a:rPr lang="en-US" dirty="0"/>
               <a:t> </a:t>
-            </a:r>
-            <a:r>
-              <a:rPr lang="en-US" altLang="zh-CN" dirty="0"/>
-              <a:t>Overview</a:t>
-            </a:r>
-            <a:r>
-              <a:rPr lang="zh-CN" altLang="en-US" dirty="0"/>
-              <a:t> </a:t>
-            </a:r>
-            <a:r>
-              <a:rPr lang="en-US" altLang="zh-CN" dirty="0"/>
-              <a:t>of</a:t>
-            </a:r>
-            <a:r>
-              <a:rPr lang="zh-CN" altLang="en-US" dirty="0"/>
-              <a:t> </a:t>
-            </a:r>
-            <a:r>
-              <a:rPr lang="en-US" altLang="zh-CN" dirty="0"/>
-              <a:t>the</a:t>
-            </a:r>
-            <a:r>
-              <a:rPr lang="zh-CN" altLang="en-US" dirty="0"/>
-              <a:t> </a:t>
-            </a:r>
-            <a:r>
-              <a:rPr lang="en-US" altLang="zh-CN" dirty="0"/>
-              <a:t>.csv</a:t>
-            </a:r>
-            <a:r>
-              <a:rPr lang="zh-CN" altLang="en-US" dirty="0"/>
-              <a:t> </a:t>
-            </a:r>
-            <a:r>
-              <a:rPr lang="en-US" altLang="zh-CN" dirty="0"/>
-              <a:t>files</a:t>
             </a:r>
           </a:p>
           <a:p>
@@ -4982,8 +5793,1057 @@
               <a:buChar char="•"/>
             </a:pPr>
             <a:r>
-              <a:rPr lang="en-US" altLang="zh-CN" dirty="0" err="1"/>
-              <a:t>ctl.csv</a:t>
+              <a:rPr lang="en-US" dirty="0"/>
+              <a:t>Timestamp (</a:t>
+            </a:r>
+            <a:r>
+              <a:rPr lang="en-US" dirty="0" err="1"/>
+              <a:t>ts</a:t>
+            </a:r>
+            <a:r>
+              <a:rPr lang="en-US" dirty="0"/>
+              <a:t>)</a:t>
+            </a:r>
+          </a:p>
+          <a:p>
+            <a:pPr marL="285750" indent="-285750">
+              <a:buFont typeface="Arial" panose="020B0604020202020204" pitchFamily="34" charset="0"/>
+              <a:buChar char="•"/>
+            </a:pPr>
+            <a:r>
+              <a:rPr lang="en-US" dirty="0"/>
+              <a:t>ID of the AV (</a:t>
+            </a:r>
+            <a:r>
+              <a:rPr lang="en-US" dirty="0" err="1"/>
+              <a:t>agent_ID</a:t>
+            </a:r>
+            <a:r>
+              <a:rPr lang="en-US" dirty="0"/>
+              <a:t>)</a:t>
+            </a:r>
+          </a:p>
+          <a:p>
+            <a:pPr marL="285750" indent="-285750">
+              <a:buFont typeface="Arial" panose="020B0604020202020204" pitchFamily="34" charset="0"/>
+              <a:buChar char="•"/>
+            </a:pPr>
+            <a:r>
+              <a:rPr lang="en-US" dirty="0"/>
+              <a:t>Acceleration of the AV (throttle)</a:t>
+            </a:r>
+          </a:p>
+          <a:p>
+            <a:pPr marL="285750" indent="-285750">
+              <a:buFont typeface="Arial" panose="020B0604020202020204" pitchFamily="34" charset="0"/>
+              <a:buChar char="•"/>
+            </a:pPr>
+            <a:r>
+              <a:rPr lang="en-US" dirty="0"/>
+              <a:t>Direction of the AV (steer)</a:t>
+            </a:r>
+          </a:p>
+          <a:p>
+            <a:pPr marL="285750" indent="-285750">
+              <a:buFont typeface="Arial" panose="020B0604020202020204" pitchFamily="34" charset="0"/>
+              <a:buChar char="•"/>
+            </a:pPr>
+            <a:r>
+              <a:rPr lang="en-US" dirty="0"/>
+              <a:t>Braking of the AV (brake)</a:t>
+            </a:r>
+          </a:p>
+          <a:p>
+            <a:pPr marL="285750" indent="-285750">
+              <a:buFont typeface="Arial" panose="020B0604020202020204" pitchFamily="34" charset="0"/>
+              <a:buChar char="•"/>
+            </a:pPr>
+            <a:r>
+              <a:rPr lang="en-US" dirty="0"/>
+              <a:t>Distance of AV to NPC Actor (cvip)</a:t>
+            </a:r>
+          </a:p>
+          <a:p>
+            <a:pPr marL="285750" indent="-285750">
+              <a:buFont typeface="Arial" panose="020B0604020202020204" pitchFamily="34" charset="0"/>
+              <a:buChar char="•"/>
+            </a:pPr>
+            <a:r>
+              <a:rPr lang="en-US" dirty="0"/>
+              <a:t>Horizontal location of AV (x)</a:t>
+            </a:r>
+          </a:p>
+          <a:p>
+            <a:pPr marL="285750" indent="-285750">
+              <a:buFont typeface="Arial" panose="020B0604020202020204" pitchFamily="34" charset="0"/>
+              <a:buChar char="•"/>
+            </a:pPr>
+            <a:r>
+              <a:rPr lang="en-US" dirty="0"/>
+              <a:t>Moving direction of AV (y)</a:t>
+            </a:r>
+          </a:p>
+          <a:p>
+            <a:pPr marL="285750" indent="-285750">
+              <a:buFont typeface="Arial" panose="020B0604020202020204" pitchFamily="34" charset="0"/>
+              <a:buChar char="•"/>
+            </a:pPr>
+            <a:r>
+              <a:rPr lang="en-US" dirty="0"/>
+              <a:t>Speed of AV along y-axis (v)</a:t>
+            </a:r>
+          </a:p>
+          <a:p>
+            <a:endParaRPr lang="en-US" dirty="0"/>
+          </a:p>
+        </p:txBody>
+      </p:sp>
+      <p:sp>
+        <p:nvSpPr>
+          <p:cNvPr id="7" name="TextBox 6">
+            <a:extLst>
+              <a:ext uri="{FF2B5EF4-FFF2-40B4-BE49-F238E27FC236}">
+                <a16:creationId xmlns:a16="http://schemas.microsoft.com/office/drawing/2014/main" id="{99E03FF4-E2DD-E13D-71B8-8CE846AA7222}"/>
+              </a:ext>
+            </a:extLst>
+          </p:cNvPr>
+          <p:cNvSpPr txBox="1"/>
+          <p:nvPr/>
+        </p:nvSpPr>
+        <p:spPr>
+          <a:xfrm>
+            <a:off x="5448795" y="2432462"/>
+            <a:ext cx="3282538" cy="369332"/>
+          </a:xfrm>
+          <a:prstGeom prst="rect">
+            <a:avLst/>
+          </a:prstGeom>
+          <a:noFill/>
+        </p:spPr>
+        <p:txBody>
+          <a:bodyPr wrap="square" rtlCol="0">
+            <a:spAutoFit/>
+          </a:bodyPr>
+          <a:lstStyle/>
+          <a:p>
+            <a:r>
+              <a:rPr lang="en-US" b="1" dirty="0"/>
+              <a:t>Clear night: _cvip.csv</a:t>
+            </a:r>
+          </a:p>
+        </p:txBody>
+      </p:sp>
+      <p:sp>
+        <p:nvSpPr>
+          <p:cNvPr id="8" name="TextBox 7">
+            <a:extLst>
+              <a:ext uri="{FF2B5EF4-FFF2-40B4-BE49-F238E27FC236}">
+                <a16:creationId xmlns:a16="http://schemas.microsoft.com/office/drawing/2014/main" id="{2455911B-4618-FFBF-16AE-430C5E4AD83D}"/>
+              </a:ext>
+            </a:extLst>
+          </p:cNvPr>
+          <p:cNvSpPr txBox="1"/>
+          <p:nvPr/>
+        </p:nvSpPr>
+        <p:spPr>
+          <a:xfrm>
+            <a:off x="5448795" y="543245"/>
+            <a:ext cx="3282538" cy="369332"/>
+          </a:xfrm>
+          <a:prstGeom prst="rect">
+            <a:avLst/>
+          </a:prstGeom>
+          <a:noFill/>
+        </p:spPr>
+        <p:txBody>
+          <a:bodyPr wrap="square" rtlCol="0">
+            <a:spAutoFit/>
+          </a:bodyPr>
+          <a:lstStyle/>
+          <a:p>
+            <a:r>
+              <a:rPr lang="en-US" b="1" dirty="0"/>
+              <a:t>Clear night: _ctl.csv</a:t>
+            </a:r>
+          </a:p>
+        </p:txBody>
+      </p:sp>
+      <p:sp>
+        <p:nvSpPr>
+          <p:cNvPr id="9" name="TextBox 8">
+            <a:extLst>
+              <a:ext uri="{FF2B5EF4-FFF2-40B4-BE49-F238E27FC236}">
+                <a16:creationId xmlns:a16="http://schemas.microsoft.com/office/drawing/2014/main" id="{9C837ACD-8F69-C114-37B2-2F98029DF5AF}"/>
+              </a:ext>
+            </a:extLst>
+          </p:cNvPr>
+          <p:cNvSpPr txBox="1"/>
+          <p:nvPr/>
+        </p:nvSpPr>
+        <p:spPr>
+          <a:xfrm>
+            <a:off x="5448795" y="4425538"/>
+            <a:ext cx="3282538" cy="369332"/>
+          </a:xfrm>
+          <a:prstGeom prst="rect">
+            <a:avLst/>
+          </a:prstGeom>
+          <a:noFill/>
+        </p:spPr>
+        <p:txBody>
+          <a:bodyPr wrap="square" rtlCol="0">
+            <a:spAutoFit/>
+          </a:bodyPr>
+          <a:lstStyle/>
+          <a:p>
+            <a:r>
+              <a:rPr lang="en-US" b="1" dirty="0"/>
+              <a:t>Clear night: _traj.csv</a:t>
+            </a:r>
+          </a:p>
+        </p:txBody>
+      </p:sp>
+      <p:pic>
+        <p:nvPicPr>
+          <p:cNvPr id="11" name="Picture 10">
+            <a:extLst>
+              <a:ext uri="{FF2B5EF4-FFF2-40B4-BE49-F238E27FC236}">
+                <a16:creationId xmlns:a16="http://schemas.microsoft.com/office/drawing/2014/main" id="{9810627E-8EBA-ABAB-C95A-2546ECD44B43}"/>
+              </a:ext>
+            </a:extLst>
+          </p:cNvPr>
+          <p:cNvPicPr>
+            <a:picLocks noChangeAspect="1"/>
+          </p:cNvPicPr>
+          <p:nvPr/>
+        </p:nvPicPr>
+        <p:blipFill>
+          <a:blip r:embed="rId2"/>
+          <a:stretch>
+            <a:fillRect/>
+          </a:stretch>
+        </p:blipFill>
+        <p:spPr>
+          <a:xfrm>
+            <a:off x="5556508" y="951349"/>
+            <a:ext cx="4361521" cy="1383113"/>
+          </a:xfrm>
+          <a:prstGeom prst="rect">
+            <a:avLst/>
+          </a:prstGeom>
+        </p:spPr>
+      </p:pic>
+      <p:pic>
+        <p:nvPicPr>
+          <p:cNvPr id="13" name="Picture 12">
+            <a:extLst>
+              <a:ext uri="{FF2B5EF4-FFF2-40B4-BE49-F238E27FC236}">
+                <a16:creationId xmlns:a16="http://schemas.microsoft.com/office/drawing/2014/main" id="{321A122D-A4B6-FD24-2599-6BF5F0B4BF48}"/>
+              </a:ext>
+            </a:extLst>
+          </p:cNvPr>
+          <p:cNvPicPr>
+            <a:picLocks noChangeAspect="1"/>
+          </p:cNvPicPr>
+          <p:nvPr/>
+        </p:nvPicPr>
+        <p:blipFill>
+          <a:blip r:embed="rId3"/>
+          <a:stretch>
+            <a:fillRect/>
+          </a:stretch>
+        </p:blipFill>
+        <p:spPr>
+          <a:xfrm>
+            <a:off x="5556508" y="2815786"/>
+            <a:ext cx="6319119" cy="1443907"/>
+          </a:xfrm>
+          <a:prstGeom prst="rect">
+            <a:avLst/>
+          </a:prstGeom>
+        </p:spPr>
+      </p:pic>
+      <p:pic>
+        <p:nvPicPr>
+          <p:cNvPr id="15" name="Picture 14">
+            <a:extLst>
+              <a:ext uri="{FF2B5EF4-FFF2-40B4-BE49-F238E27FC236}">
+                <a16:creationId xmlns:a16="http://schemas.microsoft.com/office/drawing/2014/main" id="{DEBCE2A1-C320-EBAF-9C5E-FC1D951295FD}"/>
+              </a:ext>
+            </a:extLst>
+          </p:cNvPr>
+          <p:cNvPicPr>
+            <a:picLocks noChangeAspect="1"/>
+          </p:cNvPicPr>
+          <p:nvPr/>
+        </p:nvPicPr>
+        <p:blipFill>
+          <a:blip r:embed="rId4"/>
+          <a:stretch>
+            <a:fillRect/>
+          </a:stretch>
+        </p:blipFill>
+        <p:spPr>
+          <a:xfrm>
+            <a:off x="5556508" y="4832179"/>
+            <a:ext cx="5356915" cy="1455065"/>
+          </a:xfrm>
+          <a:prstGeom prst="rect">
+            <a:avLst/>
+          </a:prstGeom>
+        </p:spPr>
+      </p:pic>
+    </p:spTree>
+    <p:extLst>
+      <p:ext uri="{BB962C8B-B14F-4D97-AF65-F5344CB8AC3E}">
+        <p14:creationId xmlns:p14="http://schemas.microsoft.com/office/powerpoint/2010/main" val="1774812392"/>
+      </p:ext>
+    </p:extLst>
+  </p:cSld>
+  <p:clrMapOvr>
+    <a:masterClrMapping/>
+  </p:clrMapOvr>
+</p:sld>
+</file>
+
+<file path=ppt/slides/slide20.xml><?xml version="1.0" encoding="utf-8"?>
+<p:sld xmlns:a="http://schemas.openxmlformats.org/drawingml/2006/main" xmlns:r="http://schemas.openxmlformats.org/officeDocument/2006/relationships" xmlns:p="http://schemas.openxmlformats.org/presentationml/2006/main">
+  <p:cSld>
+    <p:spTree>
+      <p:nvGrpSpPr>
+        <p:cNvPr id="1" name=""/>
+        <p:cNvGrpSpPr/>
+        <p:nvPr/>
+      </p:nvGrpSpPr>
+      <p:grpSpPr>
+        <a:xfrm>
+          <a:off x="0" y="0"/>
+          <a:ext cx="0" cy="0"/>
+          <a:chOff x="0" y="0"/>
+          <a:chExt cx="0" cy="0"/>
+        </a:xfrm>
+      </p:grpSpPr>
+      <p:sp>
+        <p:nvSpPr>
+          <p:cNvPr id="5" name="TextBox 4">
+            <a:extLst>
+              <a:ext uri="{FF2B5EF4-FFF2-40B4-BE49-F238E27FC236}">
+                <a16:creationId xmlns:a16="http://schemas.microsoft.com/office/drawing/2014/main" id="{F0E19196-DC92-A64D-B6B9-C7B9A0673305}"/>
+              </a:ext>
+            </a:extLst>
+          </p:cNvPr>
+          <p:cNvSpPr txBox="1"/>
+          <p:nvPr/>
+        </p:nvSpPr>
+        <p:spPr>
+          <a:xfrm>
+            <a:off x="3030544" y="193350"/>
+            <a:ext cx="6130912" cy="400110"/>
+          </a:xfrm>
+          <a:prstGeom prst="rect">
+            <a:avLst/>
+          </a:prstGeom>
+          <a:noFill/>
+        </p:spPr>
+        <p:txBody>
+          <a:bodyPr wrap="square" rtlCol="0">
+            <a:spAutoFit/>
+          </a:bodyPr>
+          <a:lstStyle/>
+          <a:p>
+            <a:pPr algn="ctr"/>
+            <a:r>
+              <a:rPr lang="en-US" sz="2000" b="1" dirty="0"/>
+              <a:t>Distribution of the Features: Normal vs Abnormal</a:t>
+            </a:r>
+          </a:p>
+        </p:txBody>
+      </p:sp>
+      <p:sp>
+        <p:nvSpPr>
+          <p:cNvPr id="2" name="Title 1">
+            <a:extLst>
+              <a:ext uri="{FF2B5EF4-FFF2-40B4-BE49-F238E27FC236}">
+                <a16:creationId xmlns:a16="http://schemas.microsoft.com/office/drawing/2014/main" id="{D734AE09-0795-4ADD-AD9A-B34B3AE4F422}"/>
+              </a:ext>
+            </a:extLst>
+          </p:cNvPr>
+          <p:cNvSpPr>
+            <a:spLocks noGrp="1"/>
+          </p:cNvSpPr>
+          <p:nvPr>
+            <p:ph type="title"/>
+          </p:nvPr>
+        </p:nvSpPr>
+        <p:spPr>
+          <a:xfrm>
+            <a:off x="838200" y="65130"/>
+            <a:ext cx="2403764" cy="1325563"/>
+          </a:xfrm>
+        </p:spPr>
+        <p:txBody>
+          <a:bodyPr/>
+          <a:lstStyle/>
+          <a:p>
+            <a:r>
+              <a:rPr lang="en-US" dirty="0"/>
+              <a:t> </a:t>
+            </a:r>
+          </a:p>
+        </p:txBody>
+      </p:sp>
+      <p:pic>
+        <p:nvPicPr>
+          <p:cNvPr id="4" name="Picture 3">
+            <a:extLst>
+              <a:ext uri="{FF2B5EF4-FFF2-40B4-BE49-F238E27FC236}">
+                <a16:creationId xmlns:a16="http://schemas.microsoft.com/office/drawing/2014/main" id="{7C36FA38-9675-D423-CCCC-B09C25EED7A5}"/>
+              </a:ext>
+            </a:extLst>
+          </p:cNvPr>
+          <p:cNvPicPr>
+            <a:picLocks noChangeAspect="1"/>
+          </p:cNvPicPr>
+          <p:nvPr/>
+        </p:nvPicPr>
+        <p:blipFill>
+          <a:blip r:embed="rId2">
+            <a:extLst>
+              <a:ext uri="{28A0092B-C50C-407E-A947-70E740481C1C}">
+                <a14:useLocalDpi xmlns:a14="http://schemas.microsoft.com/office/drawing/2010/main" val="0"/>
+              </a:ext>
+            </a:extLst>
+          </a:blip>
+          <a:srcRect l="6625" t="8611" r="8220" b="5337"/>
+          <a:stretch/>
+        </p:blipFill>
+        <p:spPr>
+          <a:xfrm>
+            <a:off x="2206379" y="721680"/>
+            <a:ext cx="7779242" cy="5895846"/>
+          </a:xfrm>
+          <a:prstGeom prst="rect">
+            <a:avLst/>
+          </a:prstGeom>
+        </p:spPr>
+      </p:pic>
+      <p:sp>
+        <p:nvSpPr>
+          <p:cNvPr id="3" name="Title 1">
+            <a:extLst>
+              <a:ext uri="{FF2B5EF4-FFF2-40B4-BE49-F238E27FC236}">
+                <a16:creationId xmlns:a16="http://schemas.microsoft.com/office/drawing/2014/main" id="{D2EB2AD5-E089-FDF1-314B-CDAEBC6F40D5}"/>
+              </a:ext>
+            </a:extLst>
+          </p:cNvPr>
+          <p:cNvSpPr txBox="1">
+            <a:spLocks/>
+          </p:cNvSpPr>
+          <p:nvPr/>
+        </p:nvSpPr>
+        <p:spPr>
+          <a:xfrm>
+            <a:off x="365523" y="58898"/>
+            <a:ext cx="2403764" cy="1325563"/>
+          </a:xfrm>
+          <a:prstGeom prst="rect">
+            <a:avLst/>
+          </a:prstGeom>
+        </p:spPr>
+        <p:txBody>
+          <a:bodyPr vert="horz" lIns="91440" tIns="45720" rIns="91440" bIns="45720" rtlCol="0" anchor="ctr">
+            <a:normAutofit/>
+          </a:bodyPr>
+          <a:lstStyle>
+            <a:lvl1pPr algn="l" defTabSz="914400" rtl="0" eaLnBrk="1" latinLnBrk="0" hangingPunct="1">
+              <a:lnSpc>
+                <a:spcPct val="90000"/>
+              </a:lnSpc>
+              <a:spcBef>
+                <a:spcPct val="0"/>
+              </a:spcBef>
+              <a:buNone/>
+              <a:defRPr sz="4400" kern="1200">
+                <a:solidFill>
+                  <a:schemeClr val="tx1"/>
+                </a:solidFill>
+                <a:latin typeface="+mj-lt"/>
+                <a:ea typeface="+mj-ea"/>
+                <a:cs typeface="+mj-cs"/>
+              </a:defRPr>
+            </a:lvl1pPr>
+          </a:lstStyle>
+          <a:p>
+            <a:r>
+              <a:rPr lang="en-US"/>
+              <a:t>Task </a:t>
+            </a:r>
+            <a:r>
+              <a:rPr lang="en-US" altLang="zh-CN"/>
+              <a:t>2</a:t>
+            </a:r>
+            <a:endParaRPr lang="en-US" dirty="0"/>
+          </a:p>
+        </p:txBody>
+      </p:sp>
+    </p:spTree>
+    <p:extLst>
+      <p:ext uri="{BB962C8B-B14F-4D97-AF65-F5344CB8AC3E}">
+        <p14:creationId xmlns:p14="http://schemas.microsoft.com/office/powerpoint/2010/main" val="1320398996"/>
+      </p:ext>
+    </p:extLst>
+  </p:cSld>
+  <p:clrMapOvr>
+    <a:masterClrMapping/>
+  </p:clrMapOvr>
+</p:sld>
+</file>
+
+<file path=ppt/slides/slide21.xml><?xml version="1.0" encoding="utf-8"?>
+<p:sld xmlns:a="http://schemas.openxmlformats.org/drawingml/2006/main" xmlns:r="http://schemas.openxmlformats.org/officeDocument/2006/relationships" xmlns:p="http://schemas.openxmlformats.org/presentationml/2006/main">
+  <p:cSld>
+    <p:spTree>
+      <p:nvGrpSpPr>
+        <p:cNvPr id="1" name=""/>
+        <p:cNvGrpSpPr/>
+        <p:nvPr/>
+      </p:nvGrpSpPr>
+      <p:grpSpPr>
+        <a:xfrm>
+          <a:off x="0" y="0"/>
+          <a:ext cx="0" cy="0"/>
+          <a:chOff x="0" y="0"/>
+          <a:chExt cx="0" cy="0"/>
+        </a:xfrm>
+      </p:grpSpPr>
+      <p:sp>
+        <p:nvSpPr>
+          <p:cNvPr id="5" name="TextBox 4">
+            <a:extLst>
+              <a:ext uri="{FF2B5EF4-FFF2-40B4-BE49-F238E27FC236}">
+                <a16:creationId xmlns:a16="http://schemas.microsoft.com/office/drawing/2014/main" id="{F0E19196-DC92-A64D-B6B9-C7B9A0673305}"/>
+              </a:ext>
+            </a:extLst>
+          </p:cNvPr>
+          <p:cNvSpPr txBox="1"/>
+          <p:nvPr/>
+        </p:nvSpPr>
+        <p:spPr>
+          <a:xfrm>
+            <a:off x="513729" y="1095875"/>
+            <a:ext cx="11300900" cy="3970318"/>
+          </a:xfrm>
+          <a:prstGeom prst="rect">
+            <a:avLst/>
+          </a:prstGeom>
+          <a:noFill/>
+        </p:spPr>
+        <p:txBody>
+          <a:bodyPr wrap="square" rtlCol="0">
+            <a:spAutoFit/>
+          </a:bodyPr>
+          <a:lstStyle/>
+          <a:p>
+            <a:r>
+              <a:rPr lang="en-US" dirty="0"/>
+              <a:t>Q4</a:t>
+            </a:r>
+            <a:r>
+              <a:rPr lang="en-US" altLang="zh-CN" dirty="0"/>
+              <a:t>.b:</a:t>
+            </a:r>
+            <a:r>
+              <a:rPr lang="en-US" dirty="0"/>
+              <a:t> </a:t>
+            </a:r>
+            <a:r>
+              <a:rPr lang="en-US" altLang="zh-CN" dirty="0">
+                <a:solidFill>
+                  <a:srgbClr val="212529"/>
+                </a:solidFill>
+                <a:latin typeface="Arial" panose="020B0604020202020204" pitchFamily="34" charset="0"/>
+              </a:rPr>
+              <a:t>U</a:t>
+            </a:r>
+            <a:r>
+              <a:rPr lang="en-US" sz="1800" b="0" i="0" u="none" strike="noStrike" dirty="0">
+                <a:solidFill>
+                  <a:srgbClr val="212529"/>
+                </a:solidFill>
+                <a:effectLst/>
+                <a:latin typeface="Arial" panose="020B0604020202020204" pitchFamily="34" charset="0"/>
+              </a:rPr>
+              <a:t>se 2-sample t-test to test on the </a:t>
+            </a:r>
+            <a:r>
+              <a:rPr lang="en-US" sz="1800" b="1" i="0" u="none" strike="noStrike" dirty="0">
+                <a:solidFill>
+                  <a:srgbClr val="212529"/>
+                </a:solidFill>
+                <a:effectLst/>
+                <a:latin typeface="Arial" panose="020B0604020202020204" pitchFamily="34" charset="0"/>
+              </a:rPr>
+              <a:t>‘steer’</a:t>
+            </a:r>
+            <a:r>
+              <a:rPr lang="en-US" sz="1800" b="0" i="0" u="none" strike="noStrike" dirty="0">
+                <a:solidFill>
+                  <a:srgbClr val="212529"/>
+                </a:solidFill>
+                <a:effectLst/>
+                <a:latin typeface="Arial" panose="020B0604020202020204" pitchFamily="34" charset="0"/>
+              </a:rPr>
+              <a:t> values of </a:t>
+            </a:r>
+            <a:r>
+              <a:rPr lang="en-US" sz="1800" b="1" i="0" u="none" strike="noStrike" dirty="0">
+                <a:solidFill>
+                  <a:srgbClr val="212529"/>
+                </a:solidFill>
+                <a:effectLst/>
+                <a:latin typeface="Arial" panose="020B0604020202020204" pitchFamily="34" charset="0"/>
+              </a:rPr>
+              <a:t>abnormal runs vs normal runs</a:t>
+            </a:r>
+            <a:r>
+              <a:rPr lang="en-US" altLang="zh-CN" sz="1800" b="1" i="0" u="none" strike="noStrike" dirty="0">
+                <a:solidFill>
+                  <a:srgbClr val="212529"/>
+                </a:solidFill>
+                <a:effectLst/>
+                <a:latin typeface="Arial" panose="020B0604020202020204" pitchFamily="34" charset="0"/>
+              </a:rPr>
+              <a:t>.</a:t>
+            </a:r>
+            <a:endParaRPr lang="en-US" altLang="zh-CN" dirty="0"/>
+          </a:p>
+          <a:p>
+            <a:pPr marL="400050" indent="-400050">
+              <a:buFont typeface="+mj-lt"/>
+              <a:buAutoNum type="romanLcPeriod"/>
+            </a:pPr>
+            <a:r>
+              <a:rPr lang="en-US" sz="1800" b="0" i="0" u="none" strike="noStrike" dirty="0">
+                <a:solidFill>
+                  <a:srgbClr val="212529"/>
+                </a:solidFill>
+                <a:effectLst/>
+                <a:latin typeface="Arial" panose="020B0604020202020204" pitchFamily="34" charset="0"/>
+              </a:rPr>
+              <a:t>State the null and alternative hypotheses</a:t>
+            </a:r>
+          </a:p>
+          <a:p>
+            <a:pPr lvl="1"/>
+            <a:r>
+              <a:rPr lang="en-US" altLang="zh-CN" dirty="0">
+                <a:solidFill>
+                  <a:srgbClr val="212529"/>
+                </a:solidFill>
+                <a:latin typeface="Arial" panose="020B0604020202020204" pitchFamily="34" charset="0"/>
+              </a:rPr>
+              <a:t>H0:</a:t>
+            </a:r>
+            <a:endParaRPr lang="en-US" dirty="0">
+              <a:solidFill>
+                <a:srgbClr val="212529"/>
+              </a:solidFill>
+              <a:latin typeface="Arial" panose="020B0604020202020204" pitchFamily="34" charset="0"/>
+            </a:endParaRPr>
+          </a:p>
+          <a:p>
+            <a:pPr lvl="1"/>
+            <a:r>
+              <a:rPr lang="en-US" altLang="zh-CN" dirty="0">
+                <a:solidFill>
+                  <a:srgbClr val="212529"/>
+                </a:solidFill>
+                <a:latin typeface="Arial" panose="020B0604020202020204" pitchFamily="34" charset="0"/>
+              </a:rPr>
+              <a:t>H1:</a:t>
+            </a:r>
+          </a:p>
+          <a:p>
+            <a:pPr lvl="1"/>
+            <a:endParaRPr lang="en-US" b="0" i="0" u="none" strike="noStrike" dirty="0">
+              <a:solidFill>
+                <a:srgbClr val="212529"/>
+              </a:solidFill>
+              <a:effectLst/>
+              <a:latin typeface="Arial" panose="020B0604020202020204" pitchFamily="34" charset="0"/>
+            </a:endParaRPr>
+          </a:p>
+          <a:p>
+            <a:pPr marL="342900" indent="-342900">
+              <a:buFont typeface="+mj-lt"/>
+              <a:buAutoNum type="romanLcPeriod"/>
+            </a:pPr>
+            <a:r>
+              <a:rPr lang="en-US" sz="1800" b="0" i="0" u="none" strike="noStrike" dirty="0">
+                <a:solidFill>
+                  <a:srgbClr val="212529"/>
+                </a:solidFill>
+                <a:effectLst/>
+                <a:latin typeface="Arial" panose="020B0604020202020204" pitchFamily="34" charset="0"/>
+              </a:rPr>
+              <a:t>Perform the test and calculate test statistics</a:t>
+            </a:r>
+            <a:endParaRPr lang="en-US" dirty="0">
+              <a:solidFill>
+                <a:srgbClr val="212529"/>
+              </a:solidFill>
+              <a:latin typeface="Arial" panose="020B0604020202020204" pitchFamily="34" charset="0"/>
+            </a:endParaRPr>
+          </a:p>
+          <a:p>
+            <a:pPr lvl="1"/>
+            <a:endParaRPr lang="en-US" altLang="zh-CN" b="0" i="0" u="none" strike="noStrike" dirty="0">
+              <a:solidFill>
+                <a:srgbClr val="212529"/>
+              </a:solidFill>
+              <a:effectLst/>
+              <a:latin typeface="Arial" panose="020B0604020202020204" pitchFamily="34" charset="0"/>
+            </a:endParaRPr>
+          </a:p>
+          <a:p>
+            <a:pPr lvl="1"/>
+            <a:endParaRPr lang="en-US" altLang="zh-CN" b="0" i="0" u="none" strike="noStrike" dirty="0">
+              <a:solidFill>
+                <a:srgbClr val="212529"/>
+              </a:solidFill>
+              <a:effectLst/>
+              <a:latin typeface="Arial" panose="020B0604020202020204" pitchFamily="34" charset="0"/>
+            </a:endParaRPr>
+          </a:p>
+          <a:p>
+            <a:pPr lvl="1"/>
+            <a:endParaRPr lang="en-US" b="0" i="0" u="none" strike="noStrike" dirty="0">
+              <a:solidFill>
+                <a:srgbClr val="212529"/>
+              </a:solidFill>
+              <a:effectLst/>
+              <a:latin typeface="Arial" panose="020B0604020202020204" pitchFamily="34" charset="0"/>
+            </a:endParaRPr>
+          </a:p>
+          <a:p>
+            <a:pPr marL="342900" indent="-342900">
+              <a:buFont typeface="+mj-lt"/>
+              <a:buAutoNum type="romanLcPeriod"/>
+            </a:pPr>
+            <a:r>
+              <a:rPr lang="en-US" sz="1800" b="0" i="0" u="none" strike="noStrike" dirty="0">
+                <a:solidFill>
+                  <a:srgbClr val="212529"/>
+                </a:solidFill>
+                <a:effectLst/>
+                <a:latin typeface="Arial" panose="020B0604020202020204" pitchFamily="34" charset="0"/>
+              </a:rPr>
+              <a:t>Assume a significance level of 0.05, what is your conclusion</a:t>
+            </a:r>
+            <a:endParaRPr lang="en-US" dirty="0"/>
+          </a:p>
+          <a:p>
+            <a:pPr marL="285750" indent="-285750">
+              <a:buFont typeface="Arial" panose="020B0604020202020204" pitchFamily="34" charset="0"/>
+              <a:buChar char="•"/>
+            </a:pPr>
+            <a:endParaRPr lang="en-US" dirty="0"/>
+          </a:p>
+          <a:p>
+            <a:pPr marL="285750" indent="-285750">
+              <a:buFont typeface="Arial" panose="020B0604020202020204" pitchFamily="34" charset="0"/>
+              <a:buChar char="•"/>
+            </a:pPr>
+            <a:endParaRPr lang="en-US" dirty="0"/>
+          </a:p>
+          <a:p>
+            <a:pPr marL="285750" indent="-285750">
+              <a:buFont typeface="Arial" panose="020B0604020202020204" pitchFamily="34" charset="0"/>
+              <a:buChar char="•"/>
+            </a:pPr>
+            <a:endParaRPr lang="en-US" dirty="0"/>
+          </a:p>
+          <a:p>
+            <a:r>
+              <a:rPr lang="en-US" altLang="zh-CN" dirty="0"/>
+              <a:t>Q4.c:</a:t>
+            </a:r>
+            <a:r>
+              <a:rPr lang="zh-CN" altLang="en-US" dirty="0"/>
+              <a:t> </a:t>
+            </a:r>
+            <a:r>
+              <a:rPr lang="en-US" sz="1800" b="0" i="0" u="none" strike="noStrike" dirty="0">
+                <a:solidFill>
+                  <a:srgbClr val="212529"/>
+                </a:solidFill>
+                <a:effectLst/>
+                <a:latin typeface="Arial" panose="020B0604020202020204" pitchFamily="34" charset="0"/>
+              </a:rPr>
+              <a:t>Does the testing result contradict your observation on the ”steer” feature in part 4.a? Why?</a:t>
+            </a:r>
+            <a:endParaRPr lang="en-US" dirty="0"/>
+          </a:p>
+        </p:txBody>
+      </p:sp>
+      <p:sp>
+        <p:nvSpPr>
+          <p:cNvPr id="2" name="Title 1">
+            <a:extLst>
+              <a:ext uri="{FF2B5EF4-FFF2-40B4-BE49-F238E27FC236}">
+                <a16:creationId xmlns:a16="http://schemas.microsoft.com/office/drawing/2014/main" id="{D734AE09-0795-4ADD-AD9A-B34B3AE4F422}"/>
+              </a:ext>
+            </a:extLst>
+          </p:cNvPr>
+          <p:cNvSpPr>
+            <a:spLocks noGrp="1"/>
+          </p:cNvSpPr>
+          <p:nvPr>
+            <p:ph type="title"/>
+          </p:nvPr>
+        </p:nvSpPr>
+        <p:spPr>
+          <a:xfrm>
+            <a:off x="838200" y="65130"/>
+            <a:ext cx="10515600" cy="1325563"/>
+          </a:xfrm>
+        </p:spPr>
+        <p:txBody>
+          <a:bodyPr/>
+          <a:lstStyle/>
+          <a:p>
+            <a:r>
+              <a:rPr lang="en-US" dirty="0"/>
+              <a:t>Task </a:t>
+            </a:r>
+            <a:r>
+              <a:rPr lang="en-US" altLang="zh-CN" dirty="0"/>
+              <a:t>2</a:t>
+            </a:r>
+            <a:endParaRPr lang="en-US" dirty="0"/>
+          </a:p>
+        </p:txBody>
+      </p:sp>
+    </p:spTree>
+    <p:extLst>
+      <p:ext uri="{BB962C8B-B14F-4D97-AF65-F5344CB8AC3E}">
+        <p14:creationId xmlns:p14="http://schemas.microsoft.com/office/powerpoint/2010/main" val="2195100559"/>
+      </p:ext>
+    </p:extLst>
+  </p:cSld>
+  <p:clrMapOvr>
+    <a:masterClrMapping/>
+  </p:clrMapOvr>
+</p:sld>
+</file>
+
+<file path=ppt/slides/slide22.xml><?xml version="1.0" encoding="utf-8"?>
+<p:sld xmlns:a="http://schemas.openxmlformats.org/drawingml/2006/main" xmlns:r="http://schemas.openxmlformats.org/officeDocument/2006/relationships" xmlns:p="http://schemas.openxmlformats.org/presentationml/2006/main">
+  <p:cSld>
+    <p:spTree>
+      <p:nvGrpSpPr>
+        <p:cNvPr id="1" name=""/>
+        <p:cNvGrpSpPr/>
+        <p:nvPr/>
+      </p:nvGrpSpPr>
+      <p:grpSpPr>
+        <a:xfrm>
+          <a:off x="0" y="0"/>
+          <a:ext cx="0" cy="0"/>
+          <a:chOff x="0" y="0"/>
+          <a:chExt cx="0" cy="0"/>
+        </a:xfrm>
+      </p:grpSpPr>
+      <p:sp>
+        <p:nvSpPr>
+          <p:cNvPr id="5" name="TextBox 4">
+            <a:extLst>
+              <a:ext uri="{FF2B5EF4-FFF2-40B4-BE49-F238E27FC236}">
+                <a16:creationId xmlns:a16="http://schemas.microsoft.com/office/drawing/2014/main" id="{F0E19196-DC92-A64D-B6B9-C7B9A0673305}"/>
+              </a:ext>
+            </a:extLst>
+          </p:cNvPr>
+          <p:cNvSpPr txBox="1"/>
+          <p:nvPr/>
+        </p:nvSpPr>
+        <p:spPr>
+          <a:xfrm>
+            <a:off x="513729" y="1095875"/>
+            <a:ext cx="10720328" cy="4801314"/>
+          </a:xfrm>
+          <a:prstGeom prst="rect">
+            <a:avLst/>
+          </a:prstGeom>
+          <a:noFill/>
+        </p:spPr>
+        <p:txBody>
+          <a:bodyPr wrap="square" rtlCol="0">
+            <a:spAutoFit/>
+          </a:bodyPr>
+          <a:lstStyle/>
+          <a:p>
+            <a:r>
+              <a:rPr lang="en-US" dirty="0"/>
+              <a:t>Q5</a:t>
+            </a:r>
+            <a:r>
+              <a:rPr lang="en-US" altLang="zh-CN" dirty="0"/>
+              <a:t>:</a:t>
+            </a:r>
+            <a:r>
+              <a:rPr lang="zh-CN" altLang="en-US" dirty="0"/>
+              <a:t> </a:t>
+            </a:r>
+            <a:r>
+              <a:rPr lang="en-US" altLang="zh-CN" dirty="0">
+                <a:solidFill>
+                  <a:srgbClr val="212529"/>
+                </a:solidFill>
+                <a:latin typeface="Arial" panose="020B0604020202020204" pitchFamily="34" charset="0"/>
+              </a:rPr>
+              <a:t>S</a:t>
+            </a:r>
+            <a:r>
+              <a:rPr lang="en-US" sz="1800" b="0" i="0" u="none" strike="noStrike" dirty="0">
+                <a:solidFill>
+                  <a:srgbClr val="212529"/>
+                </a:solidFill>
+                <a:effectLst/>
+                <a:latin typeface="Arial" panose="020B0604020202020204" pitchFamily="34" charset="0"/>
+              </a:rPr>
+              <a:t>ome of the</a:t>
+            </a:r>
+            <a:r>
+              <a:rPr lang="zh-CN" altLang="en-US" sz="1800" b="0" i="0" u="none" strike="noStrike" dirty="0">
+                <a:solidFill>
+                  <a:srgbClr val="212529"/>
+                </a:solidFill>
+                <a:effectLst/>
+                <a:latin typeface="Arial" panose="020B0604020202020204" pitchFamily="34" charset="0"/>
+              </a:rPr>
+              <a:t> </a:t>
+            </a:r>
+            <a:r>
+              <a:rPr lang="en-US" altLang="zh-CN" sz="1800" b="0" i="0" u="none" strike="noStrike" dirty="0">
+                <a:solidFill>
+                  <a:srgbClr val="212529"/>
+                </a:solidFill>
+                <a:effectLst/>
+                <a:latin typeface="Arial" panose="020B0604020202020204" pitchFamily="34" charset="0"/>
+              </a:rPr>
+              <a:t>features</a:t>
+            </a:r>
+            <a:r>
+              <a:rPr lang="en-US" sz="1800" b="0" i="0" u="none" strike="noStrike" dirty="0">
+                <a:solidFill>
+                  <a:srgbClr val="212529"/>
+                </a:solidFill>
+                <a:effectLst/>
+                <a:latin typeface="Arial" panose="020B0604020202020204" pitchFamily="34" charset="0"/>
+              </a:rPr>
+              <a:t> are better indicators of abnormal AV behavior, can you identify them?</a:t>
+            </a:r>
+            <a:endParaRPr lang="en-US" altLang="zh-CN" dirty="0"/>
+          </a:p>
+          <a:p>
+            <a:pPr marL="342900" indent="-342900">
+              <a:buFont typeface="+mj-lt"/>
+              <a:buAutoNum type="alphaLcPeriod"/>
+            </a:pPr>
+            <a:endParaRPr lang="en-US" sz="1800" b="0" i="0" u="none" strike="noStrike" dirty="0">
+              <a:solidFill>
+                <a:srgbClr val="212529"/>
+              </a:solidFill>
+              <a:effectLst/>
+              <a:latin typeface="Arial" panose="020B0604020202020204" pitchFamily="34" charset="0"/>
+            </a:endParaRPr>
+          </a:p>
+          <a:p>
+            <a:pPr marL="342900" indent="-342900">
+              <a:buFont typeface="+mj-lt"/>
+              <a:buAutoNum type="alphaLcPeriod"/>
+            </a:pPr>
+            <a:r>
+              <a:rPr lang="en-US" sz="1800" b="0" i="0" u="none" strike="noStrike" dirty="0">
+                <a:solidFill>
+                  <a:srgbClr val="212529"/>
+                </a:solidFill>
+                <a:effectLst/>
+                <a:latin typeface="Arial" panose="020B0604020202020204" pitchFamily="34" charset="0"/>
+              </a:rPr>
+              <a:t>By looking at the distribution plots of the features in Task 2.4, explain your choice of indicators.</a:t>
+            </a:r>
+          </a:p>
+          <a:p>
+            <a:pPr marL="342900" indent="-342900">
+              <a:buFont typeface="+mj-lt"/>
+              <a:buAutoNum type="alphaLcPeriod"/>
+            </a:pPr>
+            <a:endParaRPr lang="en-US" altLang="zh-CN" dirty="0">
+              <a:solidFill>
+                <a:srgbClr val="212529"/>
+              </a:solidFill>
+              <a:latin typeface="Arial" panose="020B0604020202020204" pitchFamily="34" charset="0"/>
+            </a:endParaRPr>
+          </a:p>
+          <a:p>
+            <a:pPr marL="342900" indent="-342900">
+              <a:buFont typeface="+mj-lt"/>
+              <a:buAutoNum type="alphaLcPeriod"/>
+            </a:pPr>
+            <a:endParaRPr lang="en-US" altLang="zh-CN" dirty="0">
+              <a:solidFill>
+                <a:srgbClr val="212529"/>
+              </a:solidFill>
+              <a:latin typeface="Arial" panose="020B0604020202020204" pitchFamily="34" charset="0"/>
+            </a:endParaRPr>
+          </a:p>
+          <a:p>
+            <a:endParaRPr lang="en-US" altLang="zh-CN" dirty="0">
+              <a:solidFill>
+                <a:srgbClr val="212529"/>
+              </a:solidFill>
+              <a:latin typeface="Arial" panose="020B0604020202020204" pitchFamily="34" charset="0"/>
+            </a:endParaRPr>
+          </a:p>
+          <a:p>
+            <a:pPr marL="342900" indent="-342900">
+              <a:buFont typeface="+mj-lt"/>
+              <a:buAutoNum type="alphaLcPeriod"/>
+            </a:pPr>
+            <a:endParaRPr lang="en-US" altLang="zh-CN" dirty="0">
+              <a:solidFill>
+                <a:srgbClr val="212529"/>
+              </a:solidFill>
+              <a:latin typeface="Arial" panose="020B0604020202020204" pitchFamily="34" charset="0"/>
+            </a:endParaRPr>
+          </a:p>
+          <a:p>
+            <a:pPr marL="342900" indent="-342900">
+              <a:buFont typeface="+mj-lt"/>
+              <a:buAutoNum type="alphaLcPeriod"/>
+            </a:pPr>
+            <a:endParaRPr lang="en-US" altLang="zh-CN" dirty="0">
+              <a:solidFill>
+                <a:srgbClr val="212529"/>
+              </a:solidFill>
+              <a:latin typeface="Arial" panose="020B0604020202020204" pitchFamily="34" charset="0"/>
+            </a:endParaRPr>
+          </a:p>
+          <a:p>
+            <a:pPr marL="342900" indent="-342900">
+              <a:buFont typeface="+mj-lt"/>
+              <a:buAutoNum type="alphaLcPeriod" startAt="2"/>
+            </a:pPr>
+            <a:r>
+              <a:rPr lang="en-US" sz="1800" b="0" i="0" u="none" strike="noStrike" dirty="0">
+                <a:solidFill>
+                  <a:srgbClr val="212529"/>
+                </a:solidFill>
+                <a:effectLst/>
+                <a:latin typeface="Arial" panose="020B0604020202020204" pitchFamily="34" charset="0"/>
+              </a:rPr>
+              <a:t>For the fields you identified as good accident indicators above, are they related (Calculate the Pearson correlation coefficient between each pair of the indicators to justify your answer)? If so, how does that affect the predicting power of using one indicator versus using all of them? </a:t>
             </a:r>
             <a:endParaRPr lang="en-US" altLang="zh-CN" dirty="0"/>
           </a:p>
@@ -4999,77 +6859,7 @@
               <a:buFont typeface="Arial" panose="020B0604020202020204" pitchFamily="34" charset="0"/>
               <a:buChar char="•"/>
             </a:pPr>
-            <a:endParaRPr lang="en-US" altLang="zh-CN" dirty="0"/>
-          </a:p>
-          <a:p>
-            <a:pPr marL="285750" indent="-285750">
-              <a:buFont typeface="Arial" panose="020B0604020202020204" pitchFamily="34" charset="0"/>
-              <a:buChar char="•"/>
-            </a:pPr>
-            <a:endParaRPr lang="en-US" altLang="zh-CN" dirty="0"/>
-          </a:p>
-          <a:p>
-            <a:pPr marL="285750" indent="-285750">
-              <a:buFont typeface="Arial" panose="020B0604020202020204" pitchFamily="34" charset="0"/>
-              <a:buChar char="•"/>
-            </a:pPr>
-            <a:endParaRPr lang="en-US" altLang="zh-CN" dirty="0"/>
-          </a:p>
-          <a:p>
-            <a:endParaRPr lang="en-US" altLang="zh-CN" dirty="0"/>
-          </a:p>
-          <a:p>
-            <a:pPr marL="285750" indent="-285750">
-              <a:buFont typeface="Arial" panose="020B0604020202020204" pitchFamily="34" charset="0"/>
-              <a:buChar char="•"/>
-            </a:pPr>
-            <a:r>
-              <a:rPr lang="en-US" altLang="zh-CN" dirty="0" err="1"/>
-              <a:t>cvip.csv</a:t>
-            </a:r>
-            <a:endParaRPr lang="en-US" altLang="zh-CN" dirty="0"/>
-          </a:p>
-          <a:p>
-            <a:pPr marL="285750" indent="-285750">
-              <a:buFont typeface="Arial" panose="020B0604020202020204" pitchFamily="34" charset="0"/>
-              <a:buChar char="•"/>
-            </a:pPr>
-            <a:endParaRPr lang="en-US" altLang="zh-CN" dirty="0"/>
-          </a:p>
-          <a:p>
-            <a:pPr marL="285750" indent="-285750">
-              <a:buFont typeface="Arial" panose="020B0604020202020204" pitchFamily="34" charset="0"/>
-              <a:buChar char="•"/>
-            </a:pPr>
-            <a:endParaRPr lang="en-US" altLang="zh-CN" dirty="0"/>
-          </a:p>
-          <a:p>
-            <a:pPr marL="285750" indent="-285750">
-              <a:buFont typeface="Arial" panose="020B0604020202020204" pitchFamily="34" charset="0"/>
-              <a:buChar char="•"/>
-            </a:pPr>
-            <a:endParaRPr lang="en-US" altLang="zh-CN" dirty="0"/>
-          </a:p>
-          <a:p>
-            <a:pPr marL="285750" indent="-285750">
-              <a:buFont typeface="Arial" panose="020B0604020202020204" pitchFamily="34" charset="0"/>
-              <a:buChar char="•"/>
-            </a:pPr>
-            <a:endParaRPr lang="en-US" altLang="zh-CN" dirty="0"/>
-          </a:p>
-          <a:p>
-            <a:endParaRPr lang="en-US" altLang="zh-CN" dirty="0"/>
-          </a:p>
-          <a:p>
-            <a:pPr marL="285750" indent="-285750">
-              <a:buFont typeface="Arial" panose="020B0604020202020204" pitchFamily="34" charset="0"/>
-              <a:buChar char="•"/>
-            </a:pPr>
-            <a:r>
-              <a:rPr lang="en-US" altLang="zh-CN" dirty="0" err="1"/>
-              <a:t>traj.csv</a:t>
-            </a:r>
-            <a:endParaRPr lang="en-US" altLang="zh-CN" dirty="0"/>
+            <a:endParaRPr lang="en-US" dirty="0"/>
           </a:p>
           <a:p>
             <a:pPr marL="285750" indent="-285750">
@@ -5099,6 +6889,458 @@
             </a:pPr>
             <a:endParaRPr lang="en-US" dirty="0"/>
           </a:p>
+        </p:txBody>
+      </p:sp>
+      <p:sp>
+        <p:nvSpPr>
+          <p:cNvPr id="2" name="Title 1">
+            <a:extLst>
+              <a:ext uri="{FF2B5EF4-FFF2-40B4-BE49-F238E27FC236}">
+                <a16:creationId xmlns:a16="http://schemas.microsoft.com/office/drawing/2014/main" id="{D734AE09-0795-4ADD-AD9A-B34B3AE4F422}"/>
+              </a:ext>
+            </a:extLst>
+          </p:cNvPr>
+          <p:cNvSpPr>
+            <a:spLocks noGrp="1"/>
+          </p:cNvSpPr>
+          <p:nvPr>
+            <p:ph type="title"/>
+          </p:nvPr>
+        </p:nvSpPr>
+        <p:spPr>
+          <a:xfrm>
+            <a:off x="838200" y="65130"/>
+            <a:ext cx="10515600" cy="1325563"/>
+          </a:xfrm>
+        </p:spPr>
+        <p:txBody>
+          <a:bodyPr/>
+          <a:lstStyle/>
+          <a:p>
+            <a:r>
+              <a:rPr lang="en-US" dirty="0"/>
+              <a:t>Task </a:t>
+            </a:r>
+            <a:r>
+              <a:rPr lang="en-US" altLang="zh-CN" dirty="0"/>
+              <a:t>2</a:t>
+            </a:r>
+            <a:endParaRPr lang="en-US" dirty="0"/>
+          </a:p>
+        </p:txBody>
+      </p:sp>
+    </p:spTree>
+    <p:extLst>
+      <p:ext uri="{BB962C8B-B14F-4D97-AF65-F5344CB8AC3E}">
+        <p14:creationId xmlns:p14="http://schemas.microsoft.com/office/powerpoint/2010/main" val="483667181"/>
+      </p:ext>
+    </p:extLst>
+  </p:cSld>
+  <p:clrMapOvr>
+    <a:masterClrMapping/>
+  </p:clrMapOvr>
+</p:sld>
+</file>
+
+<file path=ppt/slides/slide23.xml><?xml version="1.0" encoding="utf-8"?>
+<p:sld xmlns:a="http://schemas.openxmlformats.org/drawingml/2006/main" xmlns:r="http://schemas.openxmlformats.org/officeDocument/2006/relationships" xmlns:p="http://schemas.openxmlformats.org/presentationml/2006/main">
+  <p:cSld>
+    <p:spTree>
+      <p:nvGrpSpPr>
+        <p:cNvPr id="1" name=""/>
+        <p:cNvGrpSpPr/>
+        <p:nvPr/>
+      </p:nvGrpSpPr>
+      <p:grpSpPr>
+        <a:xfrm>
+          <a:off x="0" y="0"/>
+          <a:ext cx="0" cy="0"/>
+          <a:chOff x="0" y="0"/>
+          <a:chExt cx="0" cy="0"/>
+        </a:xfrm>
+      </p:grpSpPr>
+      <p:sp>
+        <p:nvSpPr>
+          <p:cNvPr id="5" name="TextBox 4">
+            <a:extLst>
+              <a:ext uri="{FF2B5EF4-FFF2-40B4-BE49-F238E27FC236}">
+                <a16:creationId xmlns:a16="http://schemas.microsoft.com/office/drawing/2014/main" id="{F0E19196-DC92-A64D-B6B9-C7B9A0673305}"/>
+              </a:ext>
+            </a:extLst>
+          </p:cNvPr>
+          <p:cNvSpPr txBox="1"/>
+          <p:nvPr/>
+        </p:nvSpPr>
+        <p:spPr>
+          <a:xfrm>
+            <a:off x="513729" y="1095875"/>
+            <a:ext cx="11300900" cy="5078313"/>
+          </a:xfrm>
+          <a:prstGeom prst="rect">
+            <a:avLst/>
+          </a:prstGeom>
+          <a:noFill/>
+        </p:spPr>
+        <p:txBody>
+          <a:bodyPr wrap="square" rtlCol="0">
+            <a:spAutoFit/>
+          </a:bodyPr>
+          <a:lstStyle/>
+          <a:p>
+            <a:r>
+              <a:rPr lang="en-US" dirty="0"/>
+              <a:t>Q6</a:t>
+            </a:r>
+            <a:r>
+              <a:rPr lang="en-US" altLang="zh-CN" dirty="0"/>
+              <a:t>:</a:t>
+            </a:r>
+            <a:r>
+              <a:rPr lang="en-US" dirty="0"/>
+              <a:t> </a:t>
+            </a:r>
+            <a:r>
+              <a:rPr lang="en-US" sz="1800" b="0" i="0" u="none" strike="noStrike" dirty="0">
+                <a:solidFill>
+                  <a:srgbClr val="212529"/>
+                </a:solidFill>
+                <a:effectLst/>
+                <a:latin typeface="Arial" panose="020B0604020202020204" pitchFamily="34" charset="0"/>
+              </a:rPr>
+              <a:t>Suppose we want to use hypothesis testing to test whether the field you choose </a:t>
+            </a:r>
+            <a:r>
+              <a:rPr lang="en-US" dirty="0">
+                <a:solidFill>
+                  <a:srgbClr val="212529"/>
+                </a:solidFill>
+                <a:latin typeface="Arial" panose="020B0604020202020204" pitchFamily="34" charset="0"/>
+              </a:rPr>
+              <a:t>from</a:t>
+            </a:r>
+            <a:r>
+              <a:rPr lang="en-US" sz="1800" b="0" i="0" u="none" strike="noStrike" dirty="0">
+                <a:solidFill>
+                  <a:srgbClr val="212529"/>
+                </a:solidFill>
+                <a:effectLst/>
+                <a:latin typeface="Arial" panose="020B0604020202020204" pitchFamily="34" charset="0"/>
+              </a:rPr>
+              <a:t> Task2.5 is indeed a good indicator of abnormal AV behavior, using the Kolmogorov–Smirnov two-sample test.</a:t>
+            </a:r>
+            <a:endParaRPr lang="en-US" altLang="zh-CN" dirty="0"/>
+          </a:p>
+          <a:p>
+            <a:pPr marL="342900" indent="-342900">
+              <a:buFont typeface="+mj-lt"/>
+              <a:buAutoNum type="alphaLcPeriod"/>
+            </a:pPr>
+            <a:r>
+              <a:rPr lang="en-US" sz="1800" b="0" i="0" u="none" strike="noStrike" dirty="0">
+                <a:solidFill>
+                  <a:srgbClr val="212529"/>
+                </a:solidFill>
+                <a:effectLst/>
+                <a:latin typeface="Arial" panose="020B0604020202020204" pitchFamily="34" charset="0"/>
+              </a:rPr>
+              <a:t>Construct the null and the alternative hypothesis and state them below</a:t>
+            </a:r>
+          </a:p>
+          <a:p>
+            <a:pPr lvl="1"/>
+            <a:r>
+              <a:rPr lang="en-US" altLang="zh-CN" dirty="0">
+                <a:solidFill>
+                  <a:srgbClr val="212529"/>
+                </a:solidFill>
+                <a:latin typeface="Arial" panose="020B0604020202020204" pitchFamily="34" charset="0"/>
+              </a:rPr>
+              <a:t>H0:</a:t>
+            </a:r>
+            <a:endParaRPr lang="en-US" dirty="0">
+              <a:solidFill>
+                <a:srgbClr val="212529"/>
+              </a:solidFill>
+              <a:latin typeface="Arial" panose="020B0604020202020204" pitchFamily="34" charset="0"/>
+            </a:endParaRPr>
+          </a:p>
+          <a:p>
+            <a:pPr lvl="1"/>
+            <a:r>
+              <a:rPr lang="en-US" altLang="zh-CN" dirty="0">
+                <a:solidFill>
+                  <a:srgbClr val="212529"/>
+                </a:solidFill>
+                <a:latin typeface="Arial" panose="020B0604020202020204" pitchFamily="34" charset="0"/>
+              </a:rPr>
+              <a:t>H1:</a:t>
+            </a:r>
+          </a:p>
+          <a:p>
+            <a:pPr marL="800100" lvl="1" indent="-342900">
+              <a:buFont typeface="+mj-lt"/>
+              <a:buAutoNum type="alphaLcPeriod"/>
+            </a:pPr>
+            <a:endParaRPr lang="en-US" b="0" i="0" u="none" strike="noStrike" dirty="0">
+              <a:solidFill>
+                <a:srgbClr val="212529"/>
+              </a:solidFill>
+              <a:effectLst/>
+              <a:latin typeface="Arial" panose="020B0604020202020204" pitchFamily="34" charset="0"/>
+            </a:endParaRPr>
+          </a:p>
+          <a:p>
+            <a:pPr marL="342900" indent="-342900">
+              <a:buFont typeface="+mj-lt"/>
+              <a:buAutoNum type="alphaLcPeriod"/>
+            </a:pPr>
+            <a:r>
+              <a:rPr lang="en-US" sz="1800" b="0" i="0" u="none" strike="noStrike" dirty="0">
+                <a:solidFill>
+                  <a:srgbClr val="212529"/>
+                </a:solidFill>
+                <a:effectLst/>
+                <a:latin typeface="Arial" panose="020B0604020202020204" pitchFamily="34" charset="0"/>
+              </a:rPr>
+              <a:t>Perform the KS two-sample test and calculate its statistics.</a:t>
+            </a:r>
+            <a:br>
+              <a:rPr lang="en-US" sz="1800" b="0" i="0" u="none" strike="noStrike" dirty="0">
+                <a:solidFill>
+                  <a:srgbClr val="212529"/>
+                </a:solidFill>
+                <a:effectLst/>
+                <a:latin typeface="Arial" panose="020B0604020202020204" pitchFamily="34" charset="0"/>
+              </a:rPr>
+            </a:br>
+            <a:endParaRPr lang="en-US" altLang="zh-CN" b="0" i="0" u="none" strike="noStrike" dirty="0">
+              <a:solidFill>
+                <a:srgbClr val="212529"/>
+              </a:solidFill>
+              <a:effectLst/>
+              <a:latin typeface="Arial" panose="020B0604020202020204" pitchFamily="34" charset="0"/>
+            </a:endParaRPr>
+          </a:p>
+          <a:p>
+            <a:pPr marL="800100" lvl="1" indent="-342900">
+              <a:buFont typeface="+mj-lt"/>
+              <a:buAutoNum type="alphaLcPeriod"/>
+            </a:pPr>
+            <a:endParaRPr lang="en-US" b="0" i="0" u="none" strike="noStrike" dirty="0">
+              <a:solidFill>
+                <a:srgbClr val="212529"/>
+              </a:solidFill>
+              <a:effectLst/>
+              <a:latin typeface="Arial" panose="020B0604020202020204" pitchFamily="34" charset="0"/>
+            </a:endParaRPr>
+          </a:p>
+          <a:p>
+            <a:pPr marL="342900" indent="-342900">
+              <a:buFont typeface="+mj-lt"/>
+              <a:buAutoNum type="alphaLcPeriod"/>
+            </a:pPr>
+            <a:r>
+              <a:rPr lang="en-US" sz="1800" b="0" i="0" u="none" strike="noStrike" dirty="0">
+                <a:solidFill>
+                  <a:srgbClr val="212529"/>
+                </a:solidFill>
+                <a:effectLst/>
+                <a:latin typeface="Arial" panose="020B0604020202020204" pitchFamily="34" charset="0"/>
+              </a:rPr>
+              <a:t>Assume a significance level of 0.05, what is your conclusion? </a:t>
+            </a:r>
+            <a:endParaRPr lang="en-US" dirty="0"/>
+          </a:p>
+          <a:p>
+            <a:pPr marL="342900" indent="-342900">
+              <a:buFont typeface="+mj-lt"/>
+              <a:buAutoNum type="alphaLcPeriod"/>
+            </a:pPr>
+            <a:endParaRPr lang="en-US" dirty="0"/>
+          </a:p>
+          <a:p>
+            <a:pPr marL="342900" indent="-342900">
+              <a:buFont typeface="+mj-lt"/>
+              <a:buAutoNum type="alphaLcPeriod"/>
+            </a:pPr>
+            <a:endParaRPr lang="en-US" dirty="0"/>
+          </a:p>
+          <a:p>
+            <a:pPr marL="342900" indent="-342900">
+              <a:buFont typeface="+mj-lt"/>
+              <a:buAutoNum type="alphaLcPeriod"/>
+            </a:pPr>
+            <a:r>
+              <a:rPr lang="en-US" sz="1800" b="0" i="0" u="none" strike="noStrike" dirty="0">
+                <a:solidFill>
+                  <a:srgbClr val="212529"/>
+                </a:solidFill>
+                <a:effectLst/>
+                <a:latin typeface="Arial" panose="020B0604020202020204" pitchFamily="34" charset="0"/>
+              </a:rPr>
+              <a:t>Repeat the same test on a feature that you did not select as an indicator of abnormal behavior in Task 2.5, what is your conclusion?</a:t>
+            </a:r>
+          </a:p>
+          <a:p>
+            <a:pPr marL="342900" indent="-342900">
+              <a:buFont typeface="+mj-lt"/>
+              <a:buAutoNum type="alphaLcPeriod"/>
+            </a:pPr>
+            <a:endParaRPr lang="en-US" dirty="0">
+              <a:solidFill>
+                <a:srgbClr val="212529"/>
+              </a:solidFill>
+              <a:latin typeface="Arial" panose="020B0604020202020204" pitchFamily="34" charset="0"/>
+            </a:endParaRPr>
+          </a:p>
+          <a:p>
+            <a:endParaRPr lang="en-US" sz="1800" b="0" i="0" u="none" strike="noStrike" dirty="0">
+              <a:solidFill>
+                <a:srgbClr val="212529"/>
+              </a:solidFill>
+              <a:effectLst/>
+              <a:latin typeface="Arial" panose="020B0604020202020204" pitchFamily="34" charset="0"/>
+            </a:endParaRPr>
+          </a:p>
+          <a:p>
+            <a:pPr marL="342900" indent="-342900">
+              <a:buFont typeface="+mj-lt"/>
+              <a:buAutoNum type="alphaLcPeriod" startAt="5"/>
+            </a:pPr>
+            <a:r>
+              <a:rPr lang="en-US" sz="1800" b="0" i="0" u="none" strike="noStrike" dirty="0">
+                <a:solidFill>
+                  <a:srgbClr val="212529"/>
+                </a:solidFill>
+                <a:effectLst/>
+                <a:latin typeface="Arial" panose="020B0604020202020204" pitchFamily="34" charset="0"/>
+              </a:rPr>
+              <a:t>What are the major differences between the KS test and the t-test?</a:t>
+            </a:r>
+          </a:p>
+          <a:p>
+            <a:r>
+              <a:rPr lang="en-US" sz="1800" b="0" i="0" u="none" strike="noStrike" dirty="0">
+                <a:solidFill>
+                  <a:srgbClr val="212529"/>
+                </a:solidFill>
+                <a:effectLst/>
+                <a:latin typeface="Arial" panose="020B0604020202020204" pitchFamily="34" charset="0"/>
+              </a:rPr>
+              <a:t> </a:t>
+            </a:r>
+            <a:endParaRPr lang="en-US" dirty="0"/>
+          </a:p>
+        </p:txBody>
+      </p:sp>
+      <p:sp>
+        <p:nvSpPr>
+          <p:cNvPr id="2" name="Title 1">
+            <a:extLst>
+              <a:ext uri="{FF2B5EF4-FFF2-40B4-BE49-F238E27FC236}">
+                <a16:creationId xmlns:a16="http://schemas.microsoft.com/office/drawing/2014/main" id="{D734AE09-0795-4ADD-AD9A-B34B3AE4F422}"/>
+              </a:ext>
+            </a:extLst>
+          </p:cNvPr>
+          <p:cNvSpPr>
+            <a:spLocks noGrp="1"/>
+          </p:cNvSpPr>
+          <p:nvPr>
+            <p:ph type="title"/>
+          </p:nvPr>
+        </p:nvSpPr>
+        <p:spPr>
+          <a:xfrm>
+            <a:off x="838200" y="65130"/>
+            <a:ext cx="10515600" cy="1325563"/>
+          </a:xfrm>
+        </p:spPr>
+        <p:txBody>
+          <a:bodyPr/>
+          <a:lstStyle/>
+          <a:p>
+            <a:r>
+              <a:rPr lang="en-US" dirty="0"/>
+              <a:t>Task </a:t>
+            </a:r>
+            <a:r>
+              <a:rPr lang="en-US" altLang="zh-CN" dirty="0"/>
+              <a:t>2</a:t>
+            </a:r>
+            <a:endParaRPr lang="en-US" dirty="0"/>
+          </a:p>
+        </p:txBody>
+      </p:sp>
+    </p:spTree>
+    <p:extLst>
+      <p:ext uri="{BB962C8B-B14F-4D97-AF65-F5344CB8AC3E}">
+        <p14:creationId xmlns:p14="http://schemas.microsoft.com/office/powerpoint/2010/main" val="3115770702"/>
+      </p:ext>
+    </p:extLst>
+  </p:cSld>
+  <p:clrMapOvr>
+    <a:masterClrMapping/>
+  </p:clrMapOvr>
+</p:sld>
+</file>
+
+<file path=ppt/slides/slide24.xml><?xml version="1.0" encoding="utf-8"?>
+<p:sld xmlns:a="http://schemas.openxmlformats.org/drawingml/2006/main" xmlns:r="http://schemas.openxmlformats.org/officeDocument/2006/relationships" xmlns:p="http://schemas.openxmlformats.org/presentationml/2006/main">
+  <p:cSld>
+    <p:spTree>
+      <p:nvGrpSpPr>
+        <p:cNvPr id="1" name=""/>
+        <p:cNvGrpSpPr/>
+        <p:nvPr/>
+      </p:nvGrpSpPr>
+      <p:grpSpPr>
+        <a:xfrm>
+          <a:off x="0" y="0"/>
+          <a:ext cx="0" cy="0"/>
+          <a:chOff x="0" y="0"/>
+          <a:chExt cx="0" cy="0"/>
+        </a:xfrm>
+      </p:grpSpPr>
+      <p:sp>
+        <p:nvSpPr>
+          <p:cNvPr id="5" name="TextBox 4">
+            <a:extLst>
+              <a:ext uri="{FF2B5EF4-FFF2-40B4-BE49-F238E27FC236}">
+                <a16:creationId xmlns:a16="http://schemas.microsoft.com/office/drawing/2014/main" id="{F0E19196-DC92-A64D-B6B9-C7B9A0673305}"/>
+              </a:ext>
+            </a:extLst>
+          </p:cNvPr>
+          <p:cNvSpPr txBox="1"/>
+          <p:nvPr/>
+        </p:nvSpPr>
+        <p:spPr>
+          <a:xfrm>
+            <a:off x="513729" y="1095875"/>
+            <a:ext cx="10720328" cy="2308324"/>
+          </a:xfrm>
+          <a:prstGeom prst="rect">
+            <a:avLst/>
+          </a:prstGeom>
+          <a:noFill/>
+        </p:spPr>
+        <p:txBody>
+          <a:bodyPr wrap="square" rtlCol="0">
+            <a:spAutoFit/>
+          </a:bodyPr>
+          <a:lstStyle/>
+          <a:p>
+            <a:r>
+              <a:rPr lang="en-US" dirty="0"/>
+              <a:t>Q7: </a:t>
+            </a:r>
+            <a:r>
+              <a:rPr lang="en-US" altLang="zh-CN" dirty="0">
+                <a:latin typeface="Arial" panose="020B0604020202020204" pitchFamily="34" charset="0"/>
+                <a:cs typeface="Arial" panose="020B0604020202020204" pitchFamily="34" charset="0"/>
+              </a:rPr>
+              <a:t>Keeping in mind that this experiment is executed over a period of time, what assumption did you make when using the KS two-sample test on the distributions in Task2.6? Are you able to come up with one situation where this assumption fails?</a:t>
+            </a:r>
+          </a:p>
           <a:p>
             <a:pPr marL="285750" indent="-285750">
               <a:buFont typeface="Arial" panose="020B0604020202020204" pitchFamily="34" charset="0"/>
@@ -5106,12 +7348,276 @@
             </a:pPr>
             <a:endParaRPr lang="en-US" dirty="0"/>
           </a:p>
+          <a:p>
+            <a:pPr marL="285750" indent="-285750">
+              <a:buFont typeface="Arial" panose="020B0604020202020204" pitchFamily="34" charset="0"/>
+              <a:buChar char="•"/>
+            </a:pPr>
+            <a:endParaRPr lang="en-US" dirty="0"/>
+          </a:p>
+          <a:p>
+            <a:pPr marL="285750" indent="-285750">
+              <a:buFont typeface="Arial" panose="020B0604020202020204" pitchFamily="34" charset="0"/>
+              <a:buChar char="•"/>
+            </a:pPr>
+            <a:endParaRPr lang="en-US" dirty="0"/>
+          </a:p>
+          <a:p>
+            <a:pPr marL="285750" indent="-285750">
+              <a:buFont typeface="Arial" panose="020B0604020202020204" pitchFamily="34" charset="0"/>
+              <a:buChar char="•"/>
+            </a:pPr>
+            <a:endParaRPr lang="en-US" dirty="0"/>
+          </a:p>
+          <a:p>
+            <a:pPr marL="285750" indent="-285750">
+              <a:buFont typeface="Arial" panose="020B0604020202020204" pitchFamily="34" charset="0"/>
+              <a:buChar char="•"/>
+            </a:pPr>
+            <a:endParaRPr lang="en-US" dirty="0"/>
+          </a:p>
+        </p:txBody>
+      </p:sp>
+      <p:sp>
+        <p:nvSpPr>
+          <p:cNvPr id="2" name="Title 1">
+            <a:extLst>
+              <a:ext uri="{FF2B5EF4-FFF2-40B4-BE49-F238E27FC236}">
+                <a16:creationId xmlns:a16="http://schemas.microsoft.com/office/drawing/2014/main" id="{D734AE09-0795-4ADD-AD9A-B34B3AE4F422}"/>
+              </a:ext>
+            </a:extLst>
+          </p:cNvPr>
+          <p:cNvSpPr>
+            <a:spLocks noGrp="1"/>
+          </p:cNvSpPr>
+          <p:nvPr>
+            <p:ph type="title"/>
+          </p:nvPr>
+        </p:nvSpPr>
+        <p:spPr>
+          <a:xfrm>
+            <a:off x="838200" y="65130"/>
+            <a:ext cx="10515600" cy="1030745"/>
+          </a:xfrm>
+        </p:spPr>
+        <p:txBody>
+          <a:bodyPr/>
+          <a:lstStyle/>
+          <a:p>
+            <a:r>
+              <a:rPr lang="en-US" dirty="0"/>
+              <a:t>Task </a:t>
+            </a:r>
+            <a:r>
+              <a:rPr lang="en-US" altLang="zh-CN" dirty="0"/>
+              <a:t>2</a:t>
+            </a:r>
+            <a:endParaRPr lang="en-US" dirty="0"/>
+          </a:p>
         </p:txBody>
       </p:sp>
     </p:spTree>
     <p:extLst>
       <p:ext uri="{BB962C8B-B14F-4D97-AF65-F5344CB8AC3E}">
-        <p14:creationId xmlns:p14="http://schemas.microsoft.com/office/powerpoint/2010/main" val="1774812392"/>
+        <p14:creationId xmlns:p14="http://schemas.microsoft.com/office/powerpoint/2010/main" val="3824790624"/>
+      </p:ext>
+    </p:extLst>
+  </p:cSld>
+  <p:clrMapOvr>
+    <a:masterClrMapping/>
+  </p:clrMapOvr>
+</p:sld>
+</file>
+
+<file path=ppt/slides/slide25.xml><?xml version="1.0" encoding="utf-8"?>
+<p:sld xmlns:a="http://schemas.openxmlformats.org/drawingml/2006/main" xmlns:r="http://schemas.openxmlformats.org/officeDocument/2006/relationships" xmlns:p="http://schemas.openxmlformats.org/presentationml/2006/main">
+  <p:cSld>
+    <p:spTree>
+      <p:nvGrpSpPr>
+        <p:cNvPr id="1" name=""/>
+        <p:cNvGrpSpPr/>
+        <p:nvPr/>
+      </p:nvGrpSpPr>
+      <p:grpSpPr>
+        <a:xfrm>
+          <a:off x="0" y="0"/>
+          <a:ext cx="0" cy="0"/>
+          <a:chOff x="0" y="0"/>
+          <a:chExt cx="0" cy="0"/>
+        </a:xfrm>
+      </p:grpSpPr>
+      <p:sp>
+        <p:nvSpPr>
+          <p:cNvPr id="5" name="TextBox 4">
+            <a:extLst>
+              <a:ext uri="{FF2B5EF4-FFF2-40B4-BE49-F238E27FC236}">
+                <a16:creationId xmlns:a16="http://schemas.microsoft.com/office/drawing/2014/main" id="{F0E19196-DC92-A64D-B6B9-C7B9A0673305}"/>
+              </a:ext>
+            </a:extLst>
+          </p:cNvPr>
+          <p:cNvSpPr txBox="1"/>
+          <p:nvPr/>
+        </p:nvSpPr>
+        <p:spPr>
+          <a:xfrm>
+            <a:off x="513729" y="1095875"/>
+            <a:ext cx="10720328" cy="2585323"/>
+          </a:xfrm>
+          <a:prstGeom prst="rect">
+            <a:avLst/>
+          </a:prstGeom>
+          <a:noFill/>
+        </p:spPr>
+        <p:txBody>
+          <a:bodyPr wrap="square" rtlCol="0">
+            <a:spAutoFit/>
+          </a:bodyPr>
+          <a:lstStyle/>
+          <a:p>
+            <a:pPr algn="just" rtl="0" fontAlgn="base">
+              <a:spcBef>
+                <a:spcPts val="0"/>
+              </a:spcBef>
+              <a:spcAft>
+                <a:spcPts val="0"/>
+              </a:spcAft>
+            </a:pPr>
+            <a:r>
+              <a:rPr lang="en-US" dirty="0"/>
+              <a:t>Q8</a:t>
+            </a:r>
+            <a:r>
+              <a:rPr lang="en-US" altLang="zh-CN" dirty="0"/>
+              <a:t>:</a:t>
+            </a:r>
+            <a:r>
+              <a:rPr lang="zh-CN" altLang="en-US" dirty="0"/>
+              <a:t> </a:t>
+            </a:r>
+            <a:r>
+              <a:rPr lang="en-US" sz="1800" b="0" i="0" u="none" strike="noStrike" dirty="0">
+                <a:solidFill>
+                  <a:srgbClr val="212529"/>
+                </a:solidFill>
+                <a:effectLst/>
+                <a:latin typeface="Arial" panose="020B0604020202020204" pitchFamily="34" charset="0"/>
+              </a:rPr>
+              <a:t>The dynamic-time-wrapper (DTW) is a method to compare two time-series data (such as the control and the trajectory data collected in our simulation). Use the DTW package in python (</a:t>
+            </a:r>
+            <a:r>
+              <a:rPr lang="en-US" sz="1800" b="0" i="0" u="none" strike="noStrike" dirty="0" err="1">
+                <a:solidFill>
+                  <a:srgbClr val="212529"/>
+                </a:solidFill>
+                <a:effectLst/>
+                <a:latin typeface="Arial" panose="020B0604020202020204" pitchFamily="34" charset="0"/>
+              </a:rPr>
+              <a:t>dtaidistance</a:t>
+            </a:r>
+            <a:r>
+              <a:rPr lang="en-US" sz="1800" b="0" i="0" u="none" strike="noStrike" dirty="0">
+                <a:solidFill>
+                  <a:srgbClr val="212529"/>
+                </a:solidFill>
+                <a:effectLst/>
+                <a:latin typeface="Arial" panose="020B0604020202020204" pitchFamily="34" charset="0"/>
+              </a:rPr>
+              <a:t> · </a:t>
+            </a:r>
+            <a:r>
+              <a:rPr lang="en-US" sz="1800" b="0" i="0" u="none" strike="noStrike" dirty="0" err="1">
+                <a:solidFill>
+                  <a:srgbClr val="212529"/>
+                </a:solidFill>
+                <a:effectLst/>
+                <a:latin typeface="Arial" panose="020B0604020202020204" pitchFamily="34" charset="0"/>
+              </a:rPr>
+              <a:t>PyPI</a:t>
+            </a:r>
+            <a:r>
+              <a:rPr lang="en-US" sz="1800" b="0" i="0" u="none" strike="noStrike" dirty="0">
+                <a:solidFill>
+                  <a:srgbClr val="212529"/>
+                </a:solidFill>
+                <a:effectLst/>
+                <a:latin typeface="Arial" panose="020B0604020202020204" pitchFamily="34" charset="0"/>
+              </a:rPr>
+              <a:t>), and apply the DTW distance on the two time-series dataset (using steering data of clear-noon as a reference): (1) steering data of clear-night and (2) steering data of clear-sunset. What can you say about the DTW distance for (1) and (2) with respect to the reference? </a:t>
+            </a:r>
+            <a:endParaRPr lang="en-US" dirty="0"/>
+          </a:p>
+          <a:p>
+            <a:pPr marL="285750" indent="-285750">
+              <a:buFont typeface="Arial" panose="020B0604020202020204" pitchFamily="34" charset="0"/>
+              <a:buChar char="•"/>
+            </a:pPr>
+            <a:endParaRPr lang="en-US" dirty="0"/>
+          </a:p>
+          <a:p>
+            <a:pPr marL="285750" indent="-285750">
+              <a:buFont typeface="Arial" panose="020B0604020202020204" pitchFamily="34" charset="0"/>
+              <a:buChar char="•"/>
+            </a:pPr>
+            <a:endParaRPr lang="en-US" dirty="0"/>
+          </a:p>
+          <a:p>
+            <a:pPr marL="285750" indent="-285750">
+              <a:buFont typeface="Arial" panose="020B0604020202020204" pitchFamily="34" charset="0"/>
+              <a:buChar char="•"/>
+            </a:pPr>
+            <a:endParaRPr lang="en-US" dirty="0"/>
+          </a:p>
+          <a:p>
+            <a:pPr marL="285750" indent="-285750">
+              <a:buFont typeface="Arial" panose="020B0604020202020204" pitchFamily="34" charset="0"/>
+              <a:buChar char="•"/>
+            </a:pPr>
+            <a:endParaRPr lang="en-US" dirty="0"/>
+          </a:p>
+        </p:txBody>
+      </p:sp>
+      <p:sp>
+        <p:nvSpPr>
+          <p:cNvPr id="2" name="Title 1">
+            <a:extLst>
+              <a:ext uri="{FF2B5EF4-FFF2-40B4-BE49-F238E27FC236}">
+                <a16:creationId xmlns:a16="http://schemas.microsoft.com/office/drawing/2014/main" id="{D734AE09-0795-4ADD-AD9A-B34B3AE4F422}"/>
+              </a:ext>
+            </a:extLst>
+          </p:cNvPr>
+          <p:cNvSpPr>
+            <a:spLocks noGrp="1"/>
+          </p:cNvSpPr>
+          <p:nvPr>
+            <p:ph type="title"/>
+          </p:nvPr>
+        </p:nvSpPr>
+        <p:spPr>
+          <a:xfrm>
+            <a:off x="838200" y="65130"/>
+            <a:ext cx="10515600" cy="1325563"/>
+          </a:xfrm>
+        </p:spPr>
+        <p:txBody>
+          <a:bodyPr/>
+          <a:lstStyle/>
+          <a:p>
+            <a:r>
+              <a:rPr lang="en-US" dirty="0"/>
+              <a:t>Task </a:t>
+            </a:r>
+            <a:r>
+              <a:rPr lang="en-US" altLang="zh-CN" dirty="0"/>
+              <a:t>2</a:t>
+            </a:r>
+            <a:endParaRPr lang="en-US" dirty="0"/>
+          </a:p>
+        </p:txBody>
+      </p:sp>
+    </p:spTree>
+    <p:extLst>
+      <p:ext uri="{BB962C8B-B14F-4D97-AF65-F5344CB8AC3E}">
+        <p14:creationId xmlns:p14="http://schemas.microsoft.com/office/powerpoint/2010/main" val="2803387179"/>
       </p:ext>
     </p:extLst>
   </p:cSld>
@@ -5232,7 +7738,7 @@
         <p:spPr>
           <a:xfrm>
             <a:off x="513728" y="1356751"/>
-            <a:ext cx="10400645" cy="923330"/>
+            <a:ext cx="3096371" cy="2308324"/>
           </a:xfrm>
           <a:prstGeom prst="rect">
             <a:avLst/>
@@ -5246,212 +7752,211 @@
           <a:lstStyle/>
           <a:p>
             <a:r>
-              <a:rPr lang="en-US" dirty="0"/>
-              <a:t>Q</a:t>
-            </a:r>
+              <a:rPr lang="en-US" altLang="zh-CN" b="1" dirty="0"/>
+              <a:t>Scene Durations</a:t>
+            </a:r>
+          </a:p>
+          <a:p>
+            <a:endParaRPr lang="en-US" altLang="zh-CN" b="1" dirty="0"/>
+          </a:p>
+          <a:p>
             <a:r>
               <a:rPr lang="en-US" altLang="zh-CN" dirty="0"/>
-              <a:t>2:</a:t>
-            </a:r>
-          </a:p>
-          <a:p>
-            <a:pPr marL="342900" indent="-342900">
-              <a:buFont typeface="+mj-lt"/>
-              <a:buAutoNum type="alphaLcPeriod"/>
-            </a:pPr>
+              <a:t>Clear Night:	838 </a:t>
+            </a:r>
+            <a:r>
+              <a:rPr lang="en-US" altLang="zh-CN" dirty="0" err="1"/>
+              <a:t>ms</a:t>
+            </a:r>
+            <a:endParaRPr lang="en-US" altLang="zh-CN" dirty="0"/>
+          </a:p>
+          <a:p>
             <a:r>
               <a:rPr lang="en-US" altLang="zh-CN" dirty="0"/>
-              <a:t>The</a:t>
-            </a:r>
-            <a:r>
-              <a:rPr lang="zh-CN" altLang="en-US" dirty="0"/>
-              <a:t> </a:t>
-            </a:r>
+              <a:t>Clear Sunset:	756 </a:t>
+            </a:r>
+            <a:r>
+              <a:rPr lang="en-US" altLang="zh-CN" dirty="0" err="1"/>
+              <a:t>ms</a:t>
+            </a:r>
+            <a:endParaRPr lang="en-US" altLang="zh-CN" dirty="0"/>
+          </a:p>
+          <a:p>
             <a:r>
               <a:rPr lang="en-US" altLang="zh-CN" dirty="0"/>
-              <a:t>duration</a:t>
-            </a:r>
-            <a:r>
-              <a:rPr lang="zh-CN" altLang="en-US" dirty="0"/>
-              <a:t> </a:t>
-            </a:r>
+              <a:t>Clear Noon:	750 </a:t>
+            </a:r>
+            <a:r>
+              <a:rPr lang="en-US" altLang="zh-CN" dirty="0" err="1"/>
+              <a:t>ms</a:t>
+            </a:r>
+            <a:endParaRPr lang="en-US" altLang="zh-CN" dirty="0"/>
+          </a:p>
+          <a:p>
             <a:r>
               <a:rPr lang="en-US" altLang="zh-CN" dirty="0"/>
-              <a:t>of</a:t>
-            </a:r>
-            <a:r>
-              <a:rPr lang="zh-CN" altLang="en-US" dirty="0"/>
-              <a:t> </a:t>
-            </a:r>
+              <a:t>Rain Noon:	400 </a:t>
+            </a:r>
+            <a:r>
+              <a:rPr lang="en-US" altLang="zh-CN" dirty="0" err="1"/>
+              <a:t>ms</a:t>
+            </a:r>
+            <a:endParaRPr lang="en-US" altLang="zh-CN" dirty="0"/>
+          </a:p>
+          <a:p>
             <a:r>
               <a:rPr lang="en-US" altLang="zh-CN" dirty="0"/>
-              <a:t>the</a:t>
-            </a:r>
-            <a:r>
-              <a:rPr lang="zh-CN" altLang="en-US" dirty="0"/>
-              <a:t> </a:t>
-            </a:r>
+              <a:t>Haze Noon:	751 </a:t>
+            </a:r>
+            <a:r>
+              <a:rPr lang="en-US" altLang="zh-CN" dirty="0" err="1"/>
+              <a:t>ms</a:t>
+            </a:r>
+            <a:endParaRPr lang="en-US" altLang="zh-CN" dirty="0"/>
+          </a:p>
+          <a:p>
             <a:r>
               <a:rPr lang="en-US" altLang="zh-CN" dirty="0"/>
-              <a:t>scene</a:t>
-            </a:r>
-            <a:r>
-              <a:rPr lang="zh-CN" altLang="en-US" dirty="0"/>
-              <a:t> </a:t>
-            </a:r>
-            <a:r>
-              <a:rPr lang="en-US" altLang="zh-CN" dirty="0"/>
-              <a:t>is:</a:t>
-            </a:r>
-            <a:r>
-              <a:rPr lang="zh-CN" altLang="en-US" dirty="0"/>
-              <a:t> </a:t>
-            </a:r>
-            <a:r>
-              <a:rPr lang="zh-CN" altLang="en-US" u="sng" dirty="0"/>
-              <a:t>            </a:t>
-            </a:r>
-            <a:r>
-              <a:rPr lang="zh-CN" altLang="en-US" dirty="0"/>
-              <a:t>  </a:t>
-            </a:r>
-            <a:r>
-              <a:rPr lang="en-US" altLang="zh-CN" dirty="0"/>
-              <a:t>frames</a:t>
-            </a:r>
-            <a:r>
-              <a:rPr lang="zh-CN" altLang="en-US" dirty="0"/>
-              <a:t> </a:t>
-            </a:r>
-            <a:r>
-              <a:rPr lang="en-US" altLang="zh-CN" dirty="0"/>
-              <a:t>(The</a:t>
-            </a:r>
-            <a:r>
-              <a:rPr lang="zh-CN" altLang="en-US" dirty="0"/>
-              <a:t> </a:t>
-            </a:r>
-            <a:r>
-              <a:rPr lang="en-US" altLang="zh-CN" dirty="0"/>
-              <a:t>‘</a:t>
+              <a:t>Haze Sunset:	757 </a:t>
             </a:r>
             <a:r>
               <a:rPr lang="en-US" altLang="zh-CN" dirty="0" err="1"/>
-              <a:t>ts</a:t>
-            </a:r>
-            <a:r>
-              <a:rPr lang="en-US" altLang="zh-CN" dirty="0"/>
-              <a:t>’</a:t>
-            </a:r>
-            <a:r>
-              <a:rPr lang="zh-CN" altLang="en-US" dirty="0"/>
-              <a:t> </a:t>
-            </a:r>
-            <a:r>
-              <a:rPr lang="en-US" altLang="zh-CN" dirty="0"/>
-              <a:t>column</a:t>
-            </a:r>
-            <a:r>
-              <a:rPr lang="zh-CN" altLang="en-US" dirty="0"/>
-              <a:t> </a:t>
-            </a:r>
-            <a:r>
-              <a:rPr lang="en-US" altLang="zh-CN" dirty="0"/>
-              <a:t>is</a:t>
-            </a:r>
-            <a:r>
-              <a:rPr lang="zh-CN" altLang="en-US" dirty="0"/>
-              <a:t> </a:t>
-            </a:r>
-            <a:r>
-              <a:rPr lang="en-US" altLang="zh-CN" dirty="0"/>
-              <a:t>in</a:t>
-            </a:r>
-            <a:r>
-              <a:rPr lang="zh-CN" altLang="en-US" dirty="0"/>
-              <a:t> </a:t>
-            </a:r>
-            <a:r>
-              <a:rPr lang="en-US" altLang="zh-CN" dirty="0"/>
-              <a:t>the</a:t>
-            </a:r>
-            <a:r>
-              <a:rPr lang="zh-CN" altLang="en-US" dirty="0"/>
-              <a:t> </a:t>
-            </a:r>
-            <a:r>
-              <a:rPr lang="en-US" altLang="zh-CN" dirty="0"/>
-              <a:t>unit</a:t>
-            </a:r>
-            <a:r>
-              <a:rPr lang="zh-CN" altLang="en-US" dirty="0"/>
-              <a:t> </a:t>
-            </a:r>
-            <a:r>
-              <a:rPr lang="en-US" altLang="zh-CN" dirty="0"/>
-              <a:t>of</a:t>
-            </a:r>
-            <a:r>
-              <a:rPr lang="zh-CN" altLang="en-US" dirty="0"/>
-              <a:t> </a:t>
-            </a:r>
-            <a:r>
-              <a:rPr lang="en-US" altLang="zh-CN" dirty="0"/>
-              <a:t>frames).</a:t>
-            </a:r>
-          </a:p>
-          <a:p>
-            <a:pPr marL="342900" indent="-342900">
-              <a:buFont typeface="+mj-lt"/>
-              <a:buAutoNum type="alphaLcPeriod"/>
-            </a:pPr>
-            <a:r>
-              <a:rPr lang="en-US" altLang="zh-CN" dirty="0"/>
-              <a:t>Mean</a:t>
-            </a:r>
-            <a:r>
-              <a:rPr lang="zh-CN" altLang="en-US" dirty="0"/>
-              <a:t> </a:t>
-            </a:r>
-            <a:r>
-              <a:rPr lang="en-US" altLang="zh-CN" dirty="0"/>
-              <a:t>and</a:t>
-            </a:r>
-            <a:r>
-              <a:rPr lang="zh-CN" altLang="en-US" dirty="0"/>
-              <a:t> </a:t>
-            </a:r>
-            <a:r>
-              <a:rPr lang="en-US" altLang="zh-CN" dirty="0"/>
-              <a:t>std</a:t>
-            </a:r>
-            <a:r>
-              <a:rPr lang="zh-CN" altLang="en-US" dirty="0"/>
-              <a:t> </a:t>
-            </a:r>
-            <a:r>
-              <a:rPr lang="en-US" altLang="zh-CN" dirty="0"/>
-              <a:t>of</a:t>
-            </a:r>
-            <a:r>
-              <a:rPr lang="zh-CN" altLang="en-US" dirty="0"/>
-              <a:t> </a:t>
-            </a:r>
-            <a:r>
-              <a:rPr lang="en-US" altLang="zh-CN" dirty="0"/>
-              <a:t>the</a:t>
-            </a:r>
-            <a:r>
-              <a:rPr lang="zh-CN" altLang="en-US" dirty="0"/>
-              <a:t> </a:t>
-            </a:r>
-            <a:r>
-              <a:rPr lang="en-US" altLang="zh-CN" dirty="0"/>
-              <a:t>features:</a:t>
-            </a:r>
-          </a:p>
-        </p:txBody>
-      </p:sp>
+              <a:t>ms</a:t>
+            </a:r>
+            <a:endParaRPr lang="en-US" altLang="zh-CN" dirty="0"/>
+          </a:p>
+        </p:txBody>
+      </p:sp>
+      <p:sp>
+        <p:nvSpPr>
+          <p:cNvPr id="4" name="TextBox 3">
+            <a:extLst>
+              <a:ext uri="{FF2B5EF4-FFF2-40B4-BE49-F238E27FC236}">
+                <a16:creationId xmlns:a16="http://schemas.microsoft.com/office/drawing/2014/main" id="{A4039BB2-67D2-B743-5CF6-216D4626B61E}"/>
+              </a:ext>
+            </a:extLst>
+          </p:cNvPr>
+          <p:cNvSpPr txBox="1"/>
+          <p:nvPr/>
+        </p:nvSpPr>
+        <p:spPr>
+          <a:xfrm>
+            <a:off x="4440382" y="314594"/>
+            <a:ext cx="1911927" cy="369332"/>
+          </a:xfrm>
+          <a:prstGeom prst="rect">
+            <a:avLst/>
+          </a:prstGeom>
+          <a:noFill/>
+        </p:spPr>
+        <p:txBody>
+          <a:bodyPr wrap="square" rtlCol="0">
+            <a:spAutoFit/>
+          </a:bodyPr>
+          <a:lstStyle/>
+          <a:p>
+            <a:r>
+              <a:rPr lang="en-US" b="1" dirty="0"/>
+              <a:t>Means Table</a:t>
+            </a:r>
+          </a:p>
+        </p:txBody>
+      </p:sp>
+      <p:sp>
+        <p:nvSpPr>
+          <p:cNvPr id="5" name="TextBox 4">
+            <a:extLst>
+              <a:ext uri="{FF2B5EF4-FFF2-40B4-BE49-F238E27FC236}">
+                <a16:creationId xmlns:a16="http://schemas.microsoft.com/office/drawing/2014/main" id="{FD650D25-1AB9-1816-98EB-D3FF5F9D5B08}"/>
+              </a:ext>
+            </a:extLst>
+          </p:cNvPr>
+          <p:cNvSpPr txBox="1"/>
+          <p:nvPr/>
+        </p:nvSpPr>
+        <p:spPr>
+          <a:xfrm>
+            <a:off x="4440382" y="3406885"/>
+            <a:ext cx="2685802" cy="369332"/>
+          </a:xfrm>
+          <a:prstGeom prst="rect">
+            <a:avLst/>
+          </a:prstGeom>
+          <a:noFill/>
+        </p:spPr>
+        <p:txBody>
+          <a:bodyPr wrap="square" rtlCol="0">
+            <a:spAutoFit/>
+          </a:bodyPr>
+          <a:lstStyle/>
+          <a:p>
+            <a:r>
+              <a:rPr lang="en-US" b="1" dirty="0"/>
+              <a:t>Standard Deviations Table</a:t>
+            </a:r>
+          </a:p>
+        </p:txBody>
+      </p:sp>
+      <p:pic>
+        <p:nvPicPr>
+          <p:cNvPr id="8" name="Picture 7">
+            <a:extLst>
+              <a:ext uri="{FF2B5EF4-FFF2-40B4-BE49-F238E27FC236}">
+                <a16:creationId xmlns:a16="http://schemas.microsoft.com/office/drawing/2014/main" id="{8791DA14-9D4B-1D1E-991D-C7A8240B5052}"/>
+              </a:ext>
+            </a:extLst>
+          </p:cNvPr>
+          <p:cNvPicPr>
+            <a:picLocks noChangeAspect="1"/>
+          </p:cNvPicPr>
+          <p:nvPr/>
+        </p:nvPicPr>
+        <p:blipFill>
+          <a:blip r:embed="rId2"/>
+          <a:stretch>
+            <a:fillRect/>
+          </a:stretch>
+        </p:blipFill>
+        <p:spPr>
+          <a:xfrm>
+            <a:off x="4520374" y="673331"/>
+            <a:ext cx="7157898" cy="2533280"/>
+          </a:xfrm>
+          <a:prstGeom prst="rect">
+            <a:avLst/>
+          </a:prstGeom>
+        </p:spPr>
+      </p:pic>
+      <p:pic>
+        <p:nvPicPr>
+          <p:cNvPr id="10" name="Picture 9">
+            <a:extLst>
+              <a:ext uri="{FF2B5EF4-FFF2-40B4-BE49-F238E27FC236}">
+                <a16:creationId xmlns:a16="http://schemas.microsoft.com/office/drawing/2014/main" id="{58248465-9EAA-AB75-8C72-9E0060F73C01}"/>
+              </a:ext>
+            </a:extLst>
+          </p:cNvPr>
+          <p:cNvPicPr>
+            <a:picLocks noChangeAspect="1"/>
+          </p:cNvPicPr>
+          <p:nvPr/>
+        </p:nvPicPr>
+        <p:blipFill>
+          <a:blip r:embed="rId3"/>
+          <a:stretch>
+            <a:fillRect/>
+          </a:stretch>
+        </p:blipFill>
+        <p:spPr>
+          <a:xfrm>
+            <a:off x="4520373" y="3800240"/>
+            <a:ext cx="7202776" cy="2533280"/>
+          </a:xfrm>
+          <a:prstGeom prst="rect">
+            <a:avLst/>
+          </a:prstGeom>
+        </p:spPr>
+      </p:pic>
     </p:spTree>
     <p:extLst>
       <p:ext uri="{BB962C8B-B14F-4D97-AF65-F5344CB8AC3E}">
@@ -5500,12 +8005,14 @@
         </p:nvSpPr>
         <p:spPr>
           <a:xfrm>
-            <a:off x="838200" y="65130"/>
-            <a:ext cx="10515600" cy="1325563"/>
-          </a:xfrm>
-        </p:spPr>
-        <p:txBody>
-          <a:bodyPr/>
+            <a:off x="838200" y="211854"/>
+            <a:ext cx="1765300" cy="693559"/>
+          </a:xfrm>
+        </p:spPr>
+        <p:txBody>
+          <a:bodyPr>
+            <a:normAutofit fontScale="90000"/>
+          </a:bodyPr>
           <a:lstStyle/>
           <a:p>
             <a:r>
@@ -5563,10 +8070,10 @@
       </p:sp>
       <p:sp>
         <p:nvSpPr>
-          <p:cNvPr id="6" name="TextBox 5">
-            <a:extLst>
-              <a:ext uri="{FF2B5EF4-FFF2-40B4-BE49-F238E27FC236}">
-                <a16:creationId xmlns:a16="http://schemas.microsoft.com/office/drawing/2014/main" id="{DCF2C8F6-6611-4E40-8611-99C12BBAD1CA}"/>
+          <p:cNvPr id="4" name="TextBox 3">
+            <a:extLst>
+              <a:ext uri="{FF2B5EF4-FFF2-40B4-BE49-F238E27FC236}">
+                <a16:creationId xmlns:a16="http://schemas.microsoft.com/office/drawing/2014/main" id="{6345F114-378C-EB11-B050-2109D4C72E60}"/>
               </a:ext>
             </a:extLst>
           </p:cNvPr>
@@ -5575,8 +8082,8 @@
         </p:nvSpPr>
         <p:spPr>
           <a:xfrm>
-            <a:off x="513729" y="1356751"/>
-            <a:ext cx="6130912" cy="5355312"/>
+            <a:off x="4166258" y="202133"/>
+            <a:ext cx="3859481" cy="400110"/>
           </a:xfrm>
           <a:prstGeom prst="rect">
             <a:avLst/>
@@ -5589,332 +8096,49 @@
           </a:bodyPr>
           <a:lstStyle/>
           <a:p>
-            <a:r>
-              <a:rPr lang="en-US" dirty="0"/>
-              <a:t>Q</a:t>
-            </a:r>
-            <a:r>
-              <a:rPr lang="en-US" altLang="zh-CN" dirty="0"/>
-              <a:t>3:</a:t>
-            </a:r>
-            <a:r>
-              <a:rPr lang="en-US" dirty="0"/>
-              <a:t> </a:t>
-            </a:r>
-            <a:r>
-              <a:rPr lang="en-US" altLang="zh-CN" dirty="0"/>
-              <a:t>Campaign</a:t>
-            </a:r>
-            <a:r>
-              <a:rPr lang="zh-CN" altLang="en-US" dirty="0"/>
-              <a:t> </a:t>
-            </a:r>
-            <a:r>
-              <a:rPr lang="en-US" altLang="zh-CN" dirty="0"/>
-              <a:t>result</a:t>
-            </a:r>
-            <a:r>
-              <a:rPr lang="zh-CN" altLang="en-US" dirty="0"/>
-              <a:t> </a:t>
-            </a:r>
-            <a:r>
-              <a:rPr lang="en-US" altLang="zh-CN" dirty="0"/>
-              <a:t>visualization</a:t>
-            </a:r>
-          </a:p>
-          <a:p>
-            <a:pPr marL="285750" indent="-285750">
-              <a:buFont typeface="Arial" panose="020B0604020202020204" pitchFamily="34" charset="0"/>
-              <a:buChar char="•"/>
-            </a:pPr>
-            <a:r>
-              <a:rPr lang="en-US" altLang="zh-CN" dirty="0"/>
-              <a:t>steer</a:t>
-            </a:r>
-          </a:p>
-          <a:p>
-            <a:pPr marL="285750" indent="-285750">
-              <a:buFont typeface="Arial" panose="020B0604020202020204" pitchFamily="34" charset="0"/>
-              <a:buChar char="•"/>
-            </a:pPr>
-            <a:endParaRPr lang="en-US" altLang="zh-CN" dirty="0"/>
-          </a:p>
-          <a:p>
-            <a:pPr marL="285750" indent="-285750">
-              <a:buFont typeface="Arial" panose="020B0604020202020204" pitchFamily="34" charset="0"/>
-              <a:buChar char="•"/>
-            </a:pPr>
-            <a:endParaRPr lang="en-US" altLang="zh-CN" dirty="0"/>
-          </a:p>
-          <a:p>
-            <a:pPr marL="285750" indent="-285750">
-              <a:buFont typeface="Arial" panose="020B0604020202020204" pitchFamily="34" charset="0"/>
-              <a:buChar char="•"/>
-            </a:pPr>
-            <a:endParaRPr lang="en-US" altLang="zh-CN" dirty="0"/>
-          </a:p>
-          <a:p>
-            <a:pPr marL="285750" indent="-285750">
-              <a:buFont typeface="Arial" panose="020B0604020202020204" pitchFamily="34" charset="0"/>
-              <a:buChar char="•"/>
-            </a:pPr>
-            <a:endParaRPr lang="en-US" altLang="zh-CN" dirty="0"/>
-          </a:p>
-          <a:p>
-            <a:endParaRPr lang="en-US" altLang="zh-CN" dirty="0"/>
-          </a:p>
-          <a:p>
-            <a:pPr marL="285750" indent="-285750">
-              <a:buFont typeface="Arial" panose="020B0604020202020204" pitchFamily="34" charset="0"/>
-              <a:buChar char="•"/>
-            </a:pPr>
-            <a:r>
-              <a:rPr lang="en-US" altLang="zh-CN" dirty="0"/>
-              <a:t>brake</a:t>
-            </a:r>
-          </a:p>
-          <a:p>
-            <a:pPr marL="285750" indent="-285750">
-              <a:buFont typeface="Arial" panose="020B0604020202020204" pitchFamily="34" charset="0"/>
-              <a:buChar char="•"/>
-            </a:pPr>
-            <a:endParaRPr lang="en-US" altLang="zh-CN" dirty="0"/>
-          </a:p>
-          <a:p>
-            <a:pPr marL="285750" indent="-285750">
-              <a:buFont typeface="Arial" panose="020B0604020202020204" pitchFamily="34" charset="0"/>
-              <a:buChar char="•"/>
-            </a:pPr>
-            <a:endParaRPr lang="en-US" altLang="zh-CN" dirty="0"/>
-          </a:p>
-          <a:p>
-            <a:pPr marL="285750" indent="-285750">
-              <a:buFont typeface="Arial" panose="020B0604020202020204" pitchFamily="34" charset="0"/>
-              <a:buChar char="•"/>
-            </a:pPr>
-            <a:endParaRPr lang="en-US" altLang="zh-CN" dirty="0"/>
-          </a:p>
-          <a:p>
-            <a:pPr marL="285750" indent="-285750">
-              <a:buFont typeface="Arial" panose="020B0604020202020204" pitchFamily="34" charset="0"/>
-              <a:buChar char="•"/>
-            </a:pPr>
-            <a:endParaRPr lang="en-US" altLang="zh-CN" dirty="0"/>
-          </a:p>
-          <a:p>
-            <a:endParaRPr lang="en-US" altLang="zh-CN" dirty="0"/>
-          </a:p>
-          <a:p>
-            <a:pPr marL="285750" indent="-285750">
-              <a:buFont typeface="Arial" panose="020B0604020202020204" pitchFamily="34" charset="0"/>
-              <a:buChar char="•"/>
-            </a:pPr>
-            <a:r>
-              <a:rPr lang="en-US" altLang="zh-CN" dirty="0" err="1"/>
-              <a:t>cvip</a:t>
-            </a:r>
-            <a:endParaRPr lang="en-US" altLang="zh-CN" dirty="0"/>
-          </a:p>
-          <a:p>
-            <a:pPr marL="285750" indent="-285750">
-              <a:buFont typeface="Arial" panose="020B0604020202020204" pitchFamily="34" charset="0"/>
-              <a:buChar char="•"/>
-            </a:pPr>
-            <a:endParaRPr lang="en-US" dirty="0"/>
-          </a:p>
-          <a:p>
-            <a:pPr marL="285750" indent="-285750">
-              <a:buFont typeface="Arial" panose="020B0604020202020204" pitchFamily="34" charset="0"/>
-              <a:buChar char="•"/>
-            </a:pPr>
-            <a:endParaRPr lang="en-US" dirty="0"/>
-          </a:p>
-          <a:p>
-            <a:pPr marL="285750" indent="-285750">
-              <a:buFont typeface="Arial" panose="020B0604020202020204" pitchFamily="34" charset="0"/>
-              <a:buChar char="•"/>
-            </a:pPr>
-            <a:endParaRPr lang="en-US" dirty="0"/>
-          </a:p>
-          <a:p>
-            <a:pPr marL="285750" indent="-285750">
-              <a:buFont typeface="Arial" panose="020B0604020202020204" pitchFamily="34" charset="0"/>
-              <a:buChar char="•"/>
-            </a:pPr>
-            <a:endParaRPr lang="en-US" dirty="0"/>
-          </a:p>
-          <a:p>
-            <a:pPr marL="285750" indent="-285750">
-              <a:buFont typeface="Arial" panose="020B0604020202020204" pitchFamily="34" charset="0"/>
-              <a:buChar char="•"/>
-            </a:pPr>
-            <a:endParaRPr lang="en-US" dirty="0"/>
-          </a:p>
-        </p:txBody>
-      </p:sp>
-      <p:sp>
-        <p:nvSpPr>
-          <p:cNvPr id="5" name="TextBox 4">
-            <a:extLst>
-              <a:ext uri="{FF2B5EF4-FFF2-40B4-BE49-F238E27FC236}">
-                <a16:creationId xmlns:a16="http://schemas.microsoft.com/office/drawing/2014/main" id="{9969130F-D6C7-504D-9714-F8C109BE830A}"/>
-              </a:ext>
-            </a:extLst>
-          </p:cNvPr>
-          <p:cNvSpPr txBox="1"/>
+            <a:pPr algn="ctr"/>
+            <a:r>
+              <a:rPr lang="en-US" sz="2000" b="1" dirty="0"/>
+              <a:t>Campaign Result Visualization</a:t>
+            </a:r>
+          </a:p>
+        </p:txBody>
+      </p:sp>
+      <p:pic>
+        <p:nvPicPr>
+          <p:cNvPr id="22" name="Picture 21" descr="A colorful lines on a white background">
+            <a:extLst>
+              <a:ext uri="{FF2B5EF4-FFF2-40B4-BE49-F238E27FC236}">
+                <a16:creationId xmlns:a16="http://schemas.microsoft.com/office/drawing/2014/main" id="{B3FEC19F-D8E7-EACC-BBCD-639F9DFFAD59}"/>
+              </a:ext>
+            </a:extLst>
+          </p:cNvPr>
+          <p:cNvPicPr>
+            <a:picLocks noChangeAspect="1"/>
+          </p:cNvPicPr>
           <p:nvPr/>
-        </p:nvSpPr>
-        <p:spPr>
-          <a:xfrm>
-            <a:off x="6644641" y="1354094"/>
-            <a:ext cx="6130912" cy="5355312"/>
+        </p:nvPicPr>
+        <p:blipFill>
+          <a:blip r:embed="rId2">
+            <a:extLst>
+              <a:ext uri="{28A0092B-C50C-407E-A947-70E740481C1C}">
+                <a14:useLocalDpi xmlns:a14="http://schemas.microsoft.com/office/drawing/2010/main" val="0"/>
+              </a:ext>
+            </a:extLst>
+          </a:blip>
+          <a:srcRect l="9787" t="8756" r="6561" b="5425"/>
+          <a:stretch/>
+        </p:blipFill>
+        <p:spPr>
+          <a:xfrm>
+            <a:off x="357220" y="905413"/>
+            <a:ext cx="11477559" cy="5887457"/>
           </a:xfrm>
           <a:prstGeom prst="rect">
             <a:avLst/>
           </a:prstGeom>
-          <a:noFill/>
-        </p:spPr>
-        <p:txBody>
-          <a:bodyPr wrap="square" rtlCol="0">
-            <a:spAutoFit/>
-          </a:bodyPr>
-          <a:lstStyle/>
-          <a:p>
-            <a:pPr marL="285750" indent="-285750">
-              <a:buFont typeface="Arial" panose="020B0604020202020204" pitchFamily="34" charset="0"/>
-              <a:buChar char="•"/>
-            </a:pPr>
-            <a:endParaRPr lang="en-US" altLang="zh-CN" dirty="0"/>
-          </a:p>
-          <a:p>
-            <a:pPr marL="285750" indent="-285750">
-              <a:buFont typeface="Arial" panose="020B0604020202020204" pitchFamily="34" charset="0"/>
-              <a:buChar char="•"/>
-            </a:pPr>
-            <a:r>
-              <a:rPr lang="en-US" altLang="zh-CN" dirty="0"/>
-              <a:t>x</a:t>
-            </a:r>
-          </a:p>
-          <a:p>
-            <a:pPr marL="285750" indent="-285750">
-              <a:buFont typeface="Arial" panose="020B0604020202020204" pitchFamily="34" charset="0"/>
-              <a:buChar char="•"/>
-            </a:pPr>
-            <a:endParaRPr lang="en-US" altLang="zh-CN" dirty="0"/>
-          </a:p>
-          <a:p>
-            <a:pPr marL="285750" indent="-285750">
-              <a:buFont typeface="Arial" panose="020B0604020202020204" pitchFamily="34" charset="0"/>
-              <a:buChar char="•"/>
-            </a:pPr>
-            <a:endParaRPr lang="en-US" altLang="zh-CN" dirty="0"/>
-          </a:p>
-          <a:p>
-            <a:pPr marL="285750" indent="-285750">
-              <a:buFont typeface="Arial" panose="020B0604020202020204" pitchFamily="34" charset="0"/>
-              <a:buChar char="•"/>
-            </a:pPr>
-            <a:endParaRPr lang="en-US" altLang="zh-CN" dirty="0"/>
-          </a:p>
-          <a:p>
-            <a:pPr marL="285750" indent="-285750">
-              <a:buFont typeface="Arial" panose="020B0604020202020204" pitchFamily="34" charset="0"/>
-              <a:buChar char="•"/>
-            </a:pPr>
-            <a:endParaRPr lang="en-US" altLang="zh-CN" dirty="0"/>
-          </a:p>
-          <a:p>
-            <a:endParaRPr lang="en-US" altLang="zh-CN" dirty="0"/>
-          </a:p>
-          <a:p>
-            <a:pPr marL="285750" indent="-285750">
-              <a:buFont typeface="Arial" panose="020B0604020202020204" pitchFamily="34" charset="0"/>
-              <a:buChar char="•"/>
-            </a:pPr>
-            <a:r>
-              <a:rPr lang="en-US" altLang="zh-CN" dirty="0"/>
-              <a:t>y</a:t>
-            </a:r>
-          </a:p>
-          <a:p>
-            <a:pPr marL="285750" indent="-285750">
-              <a:buFont typeface="Arial" panose="020B0604020202020204" pitchFamily="34" charset="0"/>
-              <a:buChar char="•"/>
-            </a:pPr>
-            <a:endParaRPr lang="en-US" altLang="zh-CN" dirty="0"/>
-          </a:p>
-          <a:p>
-            <a:pPr marL="285750" indent="-285750">
-              <a:buFont typeface="Arial" panose="020B0604020202020204" pitchFamily="34" charset="0"/>
-              <a:buChar char="•"/>
-            </a:pPr>
-            <a:endParaRPr lang="en-US" altLang="zh-CN" dirty="0"/>
-          </a:p>
-          <a:p>
-            <a:pPr marL="285750" indent="-285750">
-              <a:buFont typeface="Arial" panose="020B0604020202020204" pitchFamily="34" charset="0"/>
-              <a:buChar char="•"/>
-            </a:pPr>
-            <a:endParaRPr lang="en-US" altLang="zh-CN" dirty="0"/>
-          </a:p>
-          <a:p>
-            <a:pPr marL="285750" indent="-285750">
-              <a:buFont typeface="Arial" panose="020B0604020202020204" pitchFamily="34" charset="0"/>
-              <a:buChar char="•"/>
-            </a:pPr>
-            <a:endParaRPr lang="en-US" altLang="zh-CN" dirty="0"/>
-          </a:p>
-          <a:p>
-            <a:endParaRPr lang="en-US" altLang="zh-CN" dirty="0"/>
-          </a:p>
-          <a:p>
-            <a:pPr marL="285750" indent="-285750">
-              <a:buFont typeface="Arial" panose="020B0604020202020204" pitchFamily="34" charset="0"/>
-              <a:buChar char="•"/>
-            </a:pPr>
-            <a:r>
-              <a:rPr lang="en-US" altLang="zh-CN" dirty="0"/>
-              <a:t>v</a:t>
-            </a:r>
-          </a:p>
-          <a:p>
-            <a:pPr marL="285750" indent="-285750">
-              <a:buFont typeface="Arial" panose="020B0604020202020204" pitchFamily="34" charset="0"/>
-              <a:buChar char="•"/>
-            </a:pPr>
-            <a:endParaRPr lang="en-US" dirty="0"/>
-          </a:p>
-          <a:p>
-            <a:pPr marL="285750" indent="-285750">
-              <a:buFont typeface="Arial" panose="020B0604020202020204" pitchFamily="34" charset="0"/>
-              <a:buChar char="•"/>
-            </a:pPr>
-            <a:endParaRPr lang="en-US" dirty="0"/>
-          </a:p>
-          <a:p>
-            <a:pPr marL="285750" indent="-285750">
-              <a:buFont typeface="Arial" panose="020B0604020202020204" pitchFamily="34" charset="0"/>
-              <a:buChar char="•"/>
-            </a:pPr>
-            <a:endParaRPr lang="en-US" dirty="0"/>
-          </a:p>
-          <a:p>
-            <a:pPr marL="285750" indent="-285750">
-              <a:buFont typeface="Arial" panose="020B0604020202020204" pitchFamily="34" charset="0"/>
-              <a:buChar char="•"/>
-            </a:pPr>
-            <a:endParaRPr lang="en-US" dirty="0"/>
-          </a:p>
-          <a:p>
-            <a:pPr marL="285750" indent="-285750">
-              <a:buFont typeface="Arial" panose="020B0604020202020204" pitchFamily="34" charset="0"/>
-              <a:buChar char="•"/>
-            </a:pPr>
-            <a:endParaRPr lang="en-US" dirty="0"/>
-          </a:p>
-        </p:txBody>
-      </p:sp>
+        </p:spPr>
+      </p:pic>
     </p:spTree>
     <p:extLst>
       <p:ext uri="{BB962C8B-B14F-4D97-AF65-F5344CB8AC3E}">
@@ -5963,12 +8187,14 @@
         </p:nvSpPr>
         <p:spPr>
           <a:xfrm>
-            <a:off x="838200" y="65130"/>
-            <a:ext cx="10515600" cy="1325563"/>
-          </a:xfrm>
-        </p:spPr>
-        <p:txBody>
-          <a:bodyPr/>
+            <a:off x="838200" y="211854"/>
+            <a:ext cx="1765300" cy="693559"/>
+          </a:xfrm>
+        </p:spPr>
+        <p:txBody>
+          <a:bodyPr>
+            <a:normAutofit fontScale="90000"/>
+          </a:bodyPr>
           <a:lstStyle/>
           <a:p>
             <a:r>
@@ -6026,10 +8252,10 @@
       </p:sp>
       <p:sp>
         <p:nvSpPr>
-          <p:cNvPr id="6" name="TextBox 5">
-            <a:extLst>
-              <a:ext uri="{FF2B5EF4-FFF2-40B4-BE49-F238E27FC236}">
-                <a16:creationId xmlns:a16="http://schemas.microsoft.com/office/drawing/2014/main" id="{DCF2C8F6-6611-4E40-8611-99C12BBAD1CA}"/>
+          <p:cNvPr id="4" name="TextBox 3">
+            <a:extLst>
+              <a:ext uri="{FF2B5EF4-FFF2-40B4-BE49-F238E27FC236}">
+                <a16:creationId xmlns:a16="http://schemas.microsoft.com/office/drawing/2014/main" id="{6345F114-378C-EB11-B050-2109D4C72E60}"/>
               </a:ext>
             </a:extLst>
           </p:cNvPr>
@@ -6038,8 +8264,8 @@
         </p:nvSpPr>
         <p:spPr>
           <a:xfrm>
-            <a:off x="513728" y="1356751"/>
-            <a:ext cx="10400645" cy="1200329"/>
+            <a:off x="4166258" y="202133"/>
+            <a:ext cx="3859481" cy="400110"/>
           </a:xfrm>
           <a:prstGeom prst="rect">
             <a:avLst/>
@@ -6052,56 +8278,53 @@
           </a:bodyPr>
           <a:lstStyle/>
           <a:p>
-            <a:r>
-              <a:rPr lang="en-US" dirty="0"/>
-              <a:t>Q</a:t>
-            </a:r>
-            <a:r>
-              <a:rPr lang="en-US" altLang="zh-CN" dirty="0"/>
-              <a:t>4:</a:t>
-            </a:r>
-            <a:r>
-              <a:rPr lang="zh-CN" altLang="en-US" dirty="0"/>
-              <a:t> </a:t>
-            </a:r>
-            <a:r>
-              <a:rPr lang="en-US" sz="1800" b="0" i="0" u="none" strike="noStrike" dirty="0">
-                <a:solidFill>
-                  <a:srgbClr val="000000"/>
-                </a:solidFill>
-                <a:effectLst/>
-                <a:latin typeface="Arial" panose="020B0604020202020204" pitchFamily="34" charset="0"/>
-              </a:rPr>
-              <a:t>Based on your intuition and life experience, which of the features do you think will change during an accident? How will the feature(s) change? By looking at the plots you generated in Task 1.3, combined with your reasoning (without looking at ‘</a:t>
-            </a:r>
-            <a:r>
-              <a:rPr lang="en-US" sz="1800" b="0" i="0" u="none" strike="noStrike" dirty="0" err="1">
-                <a:solidFill>
-                  <a:srgbClr val="000000"/>
-                </a:solidFill>
-                <a:effectLst/>
-                <a:latin typeface="Arial" panose="020B0604020202020204" pitchFamily="34" charset="0"/>
-              </a:rPr>
-              <a:t>route_highway.txt</a:t>
-            </a:r>
-            <a:r>
-              <a:rPr lang="en-US" sz="1800" b="0" i="0" u="none" strike="noStrike" dirty="0">
-                <a:solidFill>
-                  <a:srgbClr val="000000"/>
-                </a:solidFill>
-                <a:effectLst/>
-                <a:latin typeface="Arial" panose="020B0604020202020204" pitchFamily="34" charset="0"/>
-              </a:rPr>
-              <a:t>’), which weather condition(s) has an accident?</a:t>
-            </a:r>
-            <a:endParaRPr lang="en-US" altLang="zh-CN" dirty="0"/>
-          </a:p>
-        </p:txBody>
-      </p:sp>
+            <a:pPr algn="ctr"/>
+            <a:r>
+              <a:rPr lang="en-US" sz="2000" b="1" dirty="0"/>
+              <a:t>Campaign Result Visualization</a:t>
+            </a:r>
+          </a:p>
+        </p:txBody>
+      </p:sp>
+      <p:pic>
+        <p:nvPicPr>
+          <p:cNvPr id="22" name="Picture 21">
+            <a:extLst>
+              <a:ext uri="{FF2B5EF4-FFF2-40B4-BE49-F238E27FC236}">
+                <a16:creationId xmlns:a16="http://schemas.microsoft.com/office/drawing/2014/main" id="{B3FEC19F-D8E7-EACC-BBCD-639F9DFFAD59}"/>
+              </a:ext>
+            </a:extLst>
+          </p:cNvPr>
+          <p:cNvPicPr>
+            <a:picLocks noChangeAspect="1"/>
+          </p:cNvPicPr>
+          <p:nvPr/>
+        </p:nvPicPr>
+        <p:blipFill>
+          <a:blip r:embed="rId2">
+            <a:extLst>
+              <a:ext uri="{28A0092B-C50C-407E-A947-70E740481C1C}">
+                <a14:useLocalDpi xmlns:a14="http://schemas.microsoft.com/office/drawing/2010/main" val="0"/>
+              </a:ext>
+            </a:extLst>
+          </a:blip>
+          <a:srcRect l="10093" t="8350" r="8368" b="5796"/>
+          <a:stretch/>
+        </p:blipFill>
+        <p:spPr>
+          <a:xfrm>
+            <a:off x="534207" y="905413"/>
+            <a:ext cx="11123586" cy="5856067"/>
+          </a:xfrm>
+          <a:prstGeom prst="rect">
+            <a:avLst/>
+          </a:prstGeom>
+        </p:spPr>
+      </p:pic>
     </p:spTree>
     <p:extLst>
       <p:ext uri="{BB962C8B-B14F-4D97-AF65-F5344CB8AC3E}">
-        <p14:creationId xmlns:p14="http://schemas.microsoft.com/office/powerpoint/2010/main" val="1959078203"/>
+        <p14:creationId xmlns:p14="http://schemas.microsoft.com/office/powerpoint/2010/main" val="242428653"/>
       </p:ext>
     </p:extLst>
   </p:cSld>
@@ -6146,12 +8369,14 @@
         </p:nvSpPr>
         <p:spPr>
           <a:xfrm>
-            <a:off x="838200" y="65130"/>
-            <a:ext cx="10515600" cy="1325563"/>
-          </a:xfrm>
-        </p:spPr>
-        <p:txBody>
-          <a:bodyPr/>
+            <a:off x="838200" y="211854"/>
+            <a:ext cx="1765300" cy="693559"/>
+          </a:xfrm>
+        </p:spPr>
+        <p:txBody>
+          <a:bodyPr>
+            <a:normAutofit fontScale="90000"/>
+          </a:bodyPr>
           <a:lstStyle/>
           <a:p>
             <a:r>
@@ -6160,7 +8385,7 @@
             </a:r>
             <a:r>
               <a:rPr lang="en-US" altLang="zh-CN" dirty="0"/>
-              <a:t>2</a:t>
+              <a:t>1</a:t>
             </a:r>
             <a:endParaRPr lang="en-US" dirty="0"/>
           </a:p>
@@ -6209,10 +8434,10 @@
       </p:sp>
       <p:sp>
         <p:nvSpPr>
-          <p:cNvPr id="6" name="TextBox 5">
-            <a:extLst>
-              <a:ext uri="{FF2B5EF4-FFF2-40B4-BE49-F238E27FC236}">
-                <a16:creationId xmlns:a16="http://schemas.microsoft.com/office/drawing/2014/main" id="{DCF2C8F6-6611-4E40-8611-99C12BBAD1CA}"/>
+          <p:cNvPr id="4" name="TextBox 3">
+            <a:extLst>
+              <a:ext uri="{FF2B5EF4-FFF2-40B4-BE49-F238E27FC236}">
+                <a16:creationId xmlns:a16="http://schemas.microsoft.com/office/drawing/2014/main" id="{6345F114-378C-EB11-B050-2109D4C72E60}"/>
               </a:ext>
             </a:extLst>
           </p:cNvPr>
@@ -6221,8 +8446,8 @@
         </p:nvSpPr>
         <p:spPr>
           <a:xfrm>
-            <a:off x="513728" y="1356751"/>
-            <a:ext cx="10400645" cy="369332"/>
+            <a:off x="4166258" y="202133"/>
+            <a:ext cx="3859481" cy="400110"/>
           </a:xfrm>
           <a:prstGeom prst="rect">
             <a:avLst/>
@@ -6235,134 +8460,53 @@
           </a:bodyPr>
           <a:lstStyle/>
           <a:p>
-            <a:r>
-              <a:rPr lang="en-US" dirty="0"/>
-              <a:t>Q</a:t>
-            </a:r>
-            <a:r>
-              <a:rPr lang="en-US" altLang="zh-CN" dirty="0"/>
-              <a:t>1:</a:t>
-            </a:r>
-            <a:r>
-              <a:rPr lang="zh-CN" altLang="en-US" dirty="0"/>
-              <a:t> </a:t>
-            </a:r>
-            <a:r>
-              <a:rPr lang="en-US" altLang="zh-CN" dirty="0">
-                <a:solidFill>
-                  <a:srgbClr val="000000"/>
-                </a:solidFill>
-                <a:latin typeface="Arial" panose="020B0604020202020204" pitchFamily="34" charset="0"/>
-              </a:rPr>
-              <a:t>The</a:t>
-            </a:r>
-            <a:r>
-              <a:rPr lang="zh-CN" altLang="en-US" dirty="0">
-                <a:solidFill>
-                  <a:srgbClr val="000000"/>
-                </a:solidFill>
-                <a:latin typeface="Arial" panose="020B0604020202020204" pitchFamily="34" charset="0"/>
-              </a:rPr>
-              <a:t> </a:t>
-            </a:r>
-            <a:r>
-              <a:rPr lang="en-US" altLang="zh-CN" dirty="0">
-                <a:solidFill>
-                  <a:srgbClr val="000000"/>
-                </a:solidFill>
-                <a:latin typeface="Arial" panose="020B0604020202020204" pitchFamily="34" charset="0"/>
-              </a:rPr>
-              <a:t>probability</a:t>
-            </a:r>
-            <a:r>
-              <a:rPr lang="zh-CN" altLang="en-US" dirty="0">
-                <a:solidFill>
-                  <a:srgbClr val="000000"/>
-                </a:solidFill>
-                <a:latin typeface="Arial" panose="020B0604020202020204" pitchFamily="34" charset="0"/>
-              </a:rPr>
-              <a:t> </a:t>
-            </a:r>
-            <a:r>
-              <a:rPr lang="en-US" altLang="zh-CN" dirty="0">
-                <a:solidFill>
-                  <a:srgbClr val="000000"/>
-                </a:solidFill>
-                <a:latin typeface="Arial" panose="020B0604020202020204" pitchFamily="34" charset="0"/>
-              </a:rPr>
-              <a:t>of</a:t>
-            </a:r>
-            <a:r>
-              <a:rPr lang="zh-CN" altLang="en-US" dirty="0">
-                <a:solidFill>
-                  <a:srgbClr val="000000"/>
-                </a:solidFill>
-                <a:latin typeface="Arial" panose="020B0604020202020204" pitchFamily="34" charset="0"/>
-              </a:rPr>
-              <a:t> </a:t>
-            </a:r>
-            <a:r>
-              <a:rPr lang="en-US" altLang="zh-CN" dirty="0">
-                <a:solidFill>
-                  <a:srgbClr val="000000"/>
-                </a:solidFill>
-                <a:latin typeface="Arial" panose="020B0604020202020204" pitchFamily="34" charset="0"/>
-              </a:rPr>
-              <a:t>accident</a:t>
-            </a:r>
-            <a:r>
-              <a:rPr lang="zh-CN" altLang="en-US" dirty="0">
-                <a:solidFill>
-                  <a:srgbClr val="000000"/>
-                </a:solidFill>
-                <a:latin typeface="Arial" panose="020B0604020202020204" pitchFamily="34" charset="0"/>
-              </a:rPr>
-              <a:t> </a:t>
-            </a:r>
-            <a:r>
-              <a:rPr lang="en-US" altLang="zh-CN" dirty="0">
-                <a:solidFill>
-                  <a:srgbClr val="000000"/>
-                </a:solidFill>
-                <a:latin typeface="Arial" panose="020B0604020202020204" pitchFamily="34" charset="0"/>
-              </a:rPr>
-              <a:t>is</a:t>
-            </a:r>
-            <a:r>
-              <a:rPr lang="zh-CN" altLang="en-US" dirty="0">
-                <a:solidFill>
-                  <a:srgbClr val="000000"/>
-                </a:solidFill>
-                <a:latin typeface="Arial" panose="020B0604020202020204" pitchFamily="34" charset="0"/>
-              </a:rPr>
-              <a:t> </a:t>
-            </a:r>
-            <a:r>
-              <a:rPr lang="zh-CN" altLang="en-US" u="sng" dirty="0">
-                <a:solidFill>
-                  <a:srgbClr val="000000"/>
-                </a:solidFill>
-                <a:latin typeface="Arial" panose="020B0604020202020204" pitchFamily="34" charset="0"/>
-              </a:rPr>
-              <a:t>            </a:t>
-            </a:r>
-            <a:r>
-              <a:rPr lang="en-US" altLang="zh-CN" dirty="0">
-                <a:solidFill>
-                  <a:srgbClr val="000000"/>
-                </a:solidFill>
-                <a:latin typeface="Arial" panose="020B0604020202020204" pitchFamily="34" charset="0"/>
-              </a:rPr>
-              <a:t>.</a:t>
-            </a:r>
-            <a:endParaRPr lang="en-US" altLang="zh-CN" dirty="0"/>
-          </a:p>
-        </p:txBody>
-      </p:sp>
+            <a:pPr algn="ctr"/>
+            <a:r>
+              <a:rPr lang="en-US" sz="2000" b="1" dirty="0"/>
+              <a:t>Campaign Result Visualization</a:t>
+            </a:r>
+          </a:p>
+        </p:txBody>
+      </p:sp>
+      <p:pic>
+        <p:nvPicPr>
+          <p:cNvPr id="22" name="Picture 21">
+            <a:extLst>
+              <a:ext uri="{FF2B5EF4-FFF2-40B4-BE49-F238E27FC236}">
+                <a16:creationId xmlns:a16="http://schemas.microsoft.com/office/drawing/2014/main" id="{B3FEC19F-D8E7-EACC-BBCD-639F9DFFAD59}"/>
+              </a:ext>
+            </a:extLst>
+          </p:cNvPr>
+          <p:cNvPicPr>
+            <a:picLocks noChangeAspect="1"/>
+          </p:cNvPicPr>
+          <p:nvPr/>
+        </p:nvPicPr>
+        <p:blipFill>
+          <a:blip r:embed="rId2">
+            <a:extLst>
+              <a:ext uri="{28A0092B-C50C-407E-A947-70E740481C1C}">
+                <a14:useLocalDpi xmlns:a14="http://schemas.microsoft.com/office/drawing/2010/main" val="0"/>
+              </a:ext>
+            </a:extLst>
+          </a:blip>
+          <a:srcRect l="9661" t="8565" r="9339" b="5365"/>
+          <a:stretch/>
+        </p:blipFill>
+        <p:spPr>
+          <a:xfrm>
+            <a:off x="527049" y="905413"/>
+            <a:ext cx="11137901" cy="5917473"/>
+          </a:xfrm>
+          <a:prstGeom prst="rect">
+            <a:avLst/>
+          </a:prstGeom>
+        </p:spPr>
+      </p:pic>
     </p:spTree>
     <p:extLst>
       <p:ext uri="{BB962C8B-B14F-4D97-AF65-F5344CB8AC3E}">
-        <p14:creationId xmlns:p14="http://schemas.microsoft.com/office/powerpoint/2010/main" val="2384856443"/>
+        <p14:creationId xmlns:p14="http://schemas.microsoft.com/office/powerpoint/2010/main" val="875523483"/>
       </p:ext>
     </p:extLst>
   </p:cSld>
@@ -6407,12 +8551,14 @@
         </p:nvSpPr>
         <p:spPr>
           <a:xfrm>
-            <a:off x="838200" y="65130"/>
-            <a:ext cx="10515600" cy="1325563"/>
-          </a:xfrm>
-        </p:spPr>
-        <p:txBody>
-          <a:bodyPr/>
+            <a:off x="838200" y="211854"/>
+            <a:ext cx="1765300" cy="693559"/>
+          </a:xfrm>
+        </p:spPr>
+        <p:txBody>
+          <a:bodyPr>
+            <a:normAutofit fontScale="90000"/>
+          </a:bodyPr>
           <a:lstStyle/>
           <a:p>
             <a:r>
@@ -6421,7 +8567,7 @@
             </a:r>
             <a:r>
               <a:rPr lang="en-US" altLang="zh-CN" dirty="0"/>
-              <a:t>2</a:t>
+              <a:t>1</a:t>
             </a:r>
             <a:endParaRPr lang="en-US" dirty="0"/>
           </a:p>
@@ -6470,10 +8616,10 @@
       </p:sp>
       <p:sp>
         <p:nvSpPr>
-          <p:cNvPr id="6" name="TextBox 5">
-            <a:extLst>
-              <a:ext uri="{FF2B5EF4-FFF2-40B4-BE49-F238E27FC236}">
-                <a16:creationId xmlns:a16="http://schemas.microsoft.com/office/drawing/2014/main" id="{DCF2C8F6-6611-4E40-8611-99C12BBAD1CA}"/>
+          <p:cNvPr id="4" name="TextBox 3">
+            <a:extLst>
+              <a:ext uri="{FF2B5EF4-FFF2-40B4-BE49-F238E27FC236}">
+                <a16:creationId xmlns:a16="http://schemas.microsoft.com/office/drawing/2014/main" id="{6345F114-378C-EB11-B050-2109D4C72E60}"/>
               </a:ext>
             </a:extLst>
           </p:cNvPr>
@@ -6482,8 +8628,8 @@
         </p:nvSpPr>
         <p:spPr>
           <a:xfrm>
-            <a:off x="493408" y="1234831"/>
-            <a:ext cx="10400645" cy="1477328"/>
+            <a:off x="4166258" y="202133"/>
+            <a:ext cx="3859481" cy="400110"/>
           </a:xfrm>
           <a:prstGeom prst="rect">
             <a:avLst/>
@@ -6496,93 +8642,53 @@
           </a:bodyPr>
           <a:lstStyle/>
           <a:p>
-            <a:r>
-              <a:rPr lang="en-US" dirty="0"/>
-              <a:t>Q</a:t>
-            </a:r>
-            <a:r>
-              <a:rPr lang="en-US" altLang="zh-CN" dirty="0"/>
-              <a:t>2:</a:t>
-            </a:r>
-            <a:r>
-              <a:rPr lang="zh-CN" altLang="en-US" dirty="0"/>
-              <a:t> </a:t>
-            </a:r>
-            <a:r>
-              <a:rPr lang="en-US" sz="1800" b="0" i="0" u="none" strike="noStrike" dirty="0">
-                <a:solidFill>
-                  <a:srgbClr val="212529"/>
-                </a:solidFill>
-                <a:effectLst/>
-                <a:latin typeface="Arial" panose="020B0604020202020204" pitchFamily="34" charset="0"/>
-              </a:rPr>
-              <a:t>By looking at the completion records and the plots you generated in Task 1, under</a:t>
-            </a:r>
-          </a:p>
-          <a:p>
-            <a:r>
-              <a:rPr lang="en-US" sz="1800" b="0" i="0" u="none" strike="noStrike" dirty="0">
-                <a:solidFill>
-                  <a:srgbClr val="212529"/>
-                </a:solidFill>
-                <a:effectLst/>
-                <a:latin typeface="Arial" panose="020B0604020202020204" pitchFamily="34" charset="0"/>
-              </a:rPr>
-              <a:t>which weather condition(s) did the accident happen? Does that match your guess</a:t>
-            </a:r>
-          </a:p>
-          <a:p>
-            <a:r>
-              <a:rPr lang="en-US" sz="1800" b="0" i="0" u="none" strike="noStrike" dirty="0">
-                <a:solidFill>
-                  <a:srgbClr val="212529"/>
-                </a:solidFill>
-                <a:effectLst/>
-                <a:latin typeface="Arial" panose="020B0604020202020204" pitchFamily="34" charset="0"/>
-              </a:rPr>
-              <a:t>in Task 1? When did the accident happen during those simulation runs? Why do</a:t>
-            </a:r>
-          </a:p>
-          <a:p>
-            <a:r>
-              <a:rPr lang="en-US" sz="1800" b="0" i="0" u="none" strike="noStrike" dirty="0">
-                <a:solidFill>
-                  <a:srgbClr val="212529"/>
-                </a:solidFill>
-                <a:effectLst/>
-                <a:latin typeface="Arial" panose="020B0604020202020204" pitchFamily="34" charset="0"/>
-              </a:rPr>
-              <a:t>you think the accident happened at that instance? Discuss each accident case</a:t>
-            </a:r>
-          </a:p>
-          <a:p>
-            <a:r>
-              <a:rPr lang="en-US" sz="1800" b="0" i="0" u="none" strike="noStrike" dirty="0">
-                <a:solidFill>
-                  <a:srgbClr val="212529"/>
-                </a:solidFill>
-                <a:effectLst/>
-                <a:latin typeface="Arial" panose="020B0604020202020204" pitchFamily="34" charset="0"/>
-              </a:rPr>
-              <a:t>separately</a:t>
-            </a:r>
-            <a:r>
-              <a:rPr lang="en-US" altLang="zh-CN" dirty="0">
-                <a:solidFill>
-                  <a:srgbClr val="000000"/>
-                </a:solidFill>
-                <a:latin typeface="Arial" panose="020B0604020202020204" pitchFamily="34" charset="0"/>
-              </a:rPr>
-              <a:t>.</a:t>
-            </a:r>
-            <a:endParaRPr lang="en-US" altLang="zh-CN" dirty="0"/>
-          </a:p>
-        </p:txBody>
-      </p:sp>
+            <a:pPr algn="ctr"/>
+            <a:r>
+              <a:rPr lang="en-US" sz="2000" b="1" dirty="0"/>
+              <a:t>Campaign Result Visualization</a:t>
+            </a:r>
+          </a:p>
+        </p:txBody>
+      </p:sp>
+      <p:pic>
+        <p:nvPicPr>
+          <p:cNvPr id="22" name="Picture 21">
+            <a:extLst>
+              <a:ext uri="{FF2B5EF4-FFF2-40B4-BE49-F238E27FC236}">
+                <a16:creationId xmlns:a16="http://schemas.microsoft.com/office/drawing/2014/main" id="{B3FEC19F-D8E7-EACC-BBCD-639F9DFFAD59}"/>
+              </a:ext>
+            </a:extLst>
+          </p:cNvPr>
+          <p:cNvPicPr>
+            <a:picLocks noChangeAspect="1"/>
+          </p:cNvPicPr>
+          <p:nvPr/>
+        </p:nvPicPr>
+        <p:blipFill>
+          <a:blip r:embed="rId2">
+            <a:extLst>
+              <a:ext uri="{28A0092B-C50C-407E-A947-70E740481C1C}">
+                <a14:useLocalDpi xmlns:a14="http://schemas.microsoft.com/office/drawing/2010/main" val="0"/>
+              </a:ext>
+            </a:extLst>
+          </a:blip>
+          <a:srcRect l="9985" t="8781" r="8151" b="5365"/>
+          <a:stretch/>
+        </p:blipFill>
+        <p:spPr>
+          <a:xfrm>
+            <a:off x="514349" y="792400"/>
+            <a:ext cx="11163301" cy="5853746"/>
+          </a:xfrm>
+          <a:prstGeom prst="rect">
+            <a:avLst/>
+          </a:prstGeom>
+        </p:spPr>
+      </p:pic>
     </p:spTree>
     <p:extLst>
       <p:ext uri="{BB962C8B-B14F-4D97-AF65-F5344CB8AC3E}">
-        <p14:creationId xmlns:p14="http://schemas.microsoft.com/office/powerpoint/2010/main" val="208115857"/>
+        <p14:creationId xmlns:p14="http://schemas.microsoft.com/office/powerpoint/2010/main" val="2329680232"/>
       </p:ext>
     </p:extLst>
   </p:cSld>
@@ -6627,12 +8733,14 @@
         </p:nvSpPr>
         <p:spPr>
           <a:xfrm>
-            <a:off x="838200" y="65130"/>
-            <a:ext cx="10515600" cy="1325563"/>
-          </a:xfrm>
-        </p:spPr>
-        <p:txBody>
-          <a:bodyPr/>
+            <a:off x="838200" y="211854"/>
+            <a:ext cx="1765300" cy="693559"/>
+          </a:xfrm>
+        </p:spPr>
+        <p:txBody>
+          <a:bodyPr>
+            <a:normAutofit fontScale="90000"/>
+          </a:bodyPr>
           <a:lstStyle/>
           <a:p>
             <a:r>
@@ -6641,7 +8749,7 @@
             </a:r>
             <a:r>
               <a:rPr lang="en-US" altLang="zh-CN" dirty="0"/>
-              <a:t>2</a:t>
+              <a:t>1</a:t>
             </a:r>
             <a:endParaRPr lang="en-US" dirty="0"/>
           </a:p>
@@ -6690,10 +8798,10 @@
       </p:sp>
       <p:sp>
         <p:nvSpPr>
-          <p:cNvPr id="6" name="TextBox 5">
-            <a:extLst>
-              <a:ext uri="{FF2B5EF4-FFF2-40B4-BE49-F238E27FC236}">
-                <a16:creationId xmlns:a16="http://schemas.microsoft.com/office/drawing/2014/main" id="{DCF2C8F6-6611-4E40-8611-99C12BBAD1CA}"/>
+          <p:cNvPr id="4" name="TextBox 3">
+            <a:extLst>
+              <a:ext uri="{FF2B5EF4-FFF2-40B4-BE49-F238E27FC236}">
+                <a16:creationId xmlns:a16="http://schemas.microsoft.com/office/drawing/2014/main" id="{6345F114-378C-EB11-B050-2109D4C72E60}"/>
               </a:ext>
             </a:extLst>
           </p:cNvPr>
@@ -6702,8 +8810,8 @@
         </p:nvSpPr>
         <p:spPr>
           <a:xfrm>
-            <a:off x="513728" y="1356751"/>
-            <a:ext cx="10400645" cy="646331"/>
+            <a:off x="4166258" y="202133"/>
+            <a:ext cx="3859481" cy="400110"/>
           </a:xfrm>
           <a:prstGeom prst="rect">
             <a:avLst/>
@@ -6716,53 +8824,53 @@
           </a:bodyPr>
           <a:lstStyle/>
           <a:p>
-            <a:r>
-              <a:rPr lang="en-US" dirty="0"/>
-              <a:t>Q</a:t>
-            </a:r>
-            <a:r>
-              <a:rPr lang="en-US" altLang="zh-CN" dirty="0"/>
-              <a:t>3:</a:t>
-            </a:r>
-            <a:r>
-              <a:rPr lang="zh-CN" altLang="en-US" dirty="0"/>
-              <a:t> </a:t>
-            </a:r>
-            <a:r>
-              <a:rPr lang="en-US" sz="1800" b="0" i="0" u="none" strike="noStrike" dirty="0">
-                <a:solidFill>
-                  <a:srgbClr val="212529"/>
-                </a:solidFill>
-                <a:effectLst/>
-                <a:latin typeface="Arial" panose="020B0604020202020204" pitchFamily="34" charset="0"/>
-              </a:rPr>
-              <a:t>From the plots you generated in Task 1.3, do you observe any other</a:t>
-            </a:r>
-          </a:p>
-          <a:p>
-            <a:r>
-              <a:rPr lang="en-US" sz="1800" b="0" i="0" u="none" strike="noStrike" dirty="0">
-                <a:solidFill>
-                  <a:srgbClr val="212529"/>
-                </a:solidFill>
-                <a:effectLst/>
-                <a:latin typeface="Arial" panose="020B0604020202020204" pitchFamily="34" charset="0"/>
-              </a:rPr>
-              <a:t>abnormal behavior? If so, what do you think is (are) the cause(s) of this behavior?</a:t>
-            </a:r>
-            <a:endParaRPr lang="en-US" altLang="zh-CN" dirty="0">
-              <a:solidFill>
-                <a:srgbClr val="212529"/>
-              </a:solidFill>
-              <a:latin typeface="Arial" panose="020B0604020202020204" pitchFamily="34" charset="0"/>
-            </a:endParaRPr>
-          </a:p>
-        </p:txBody>
-      </p:sp>
+            <a:pPr algn="ctr"/>
+            <a:r>
+              <a:rPr lang="en-US" sz="2000" b="1" dirty="0"/>
+              <a:t>Campaign Result Visualization</a:t>
+            </a:r>
+          </a:p>
+        </p:txBody>
+      </p:sp>
+      <p:pic>
+        <p:nvPicPr>
+          <p:cNvPr id="22" name="Picture 21">
+            <a:extLst>
+              <a:ext uri="{FF2B5EF4-FFF2-40B4-BE49-F238E27FC236}">
+                <a16:creationId xmlns:a16="http://schemas.microsoft.com/office/drawing/2014/main" id="{B3FEC19F-D8E7-EACC-BBCD-639F9DFFAD59}"/>
+              </a:ext>
+            </a:extLst>
+          </p:cNvPr>
+          <p:cNvPicPr>
+            <a:picLocks noChangeAspect="1"/>
+          </p:cNvPicPr>
+          <p:nvPr/>
+        </p:nvPicPr>
+        <p:blipFill>
+          <a:blip r:embed="rId2">
+            <a:extLst>
+              <a:ext uri="{28A0092B-C50C-407E-A947-70E740481C1C}">
+                <a14:useLocalDpi xmlns:a14="http://schemas.microsoft.com/office/drawing/2010/main" val="0"/>
+              </a:ext>
+            </a:extLst>
+          </a:blip>
+          <a:srcRect l="9446" t="8134" r="8261" b="5366"/>
+          <a:stretch/>
+        </p:blipFill>
+        <p:spPr>
+          <a:xfrm>
+            <a:off x="565147" y="718833"/>
+            <a:ext cx="11296653" cy="5937034"/>
+          </a:xfrm>
+          <a:prstGeom prst="rect">
+            <a:avLst/>
+          </a:prstGeom>
+        </p:spPr>
+      </p:pic>
     </p:spTree>
     <p:extLst>
       <p:ext uri="{BB962C8B-B14F-4D97-AF65-F5344CB8AC3E}">
-        <p14:creationId xmlns:p14="http://schemas.microsoft.com/office/powerpoint/2010/main" val="1583425886"/>
+        <p14:creationId xmlns:p14="http://schemas.microsoft.com/office/powerpoint/2010/main" val="2474891062"/>
       </p:ext>
     </p:extLst>
   </p:cSld>
@@ -6791,10 +8899,91 @@
       </p:grpSpPr>
       <p:sp>
         <p:nvSpPr>
-          <p:cNvPr id="5" name="TextBox 4">
-            <a:extLst>
-              <a:ext uri="{FF2B5EF4-FFF2-40B4-BE49-F238E27FC236}">
-                <a16:creationId xmlns:a16="http://schemas.microsoft.com/office/drawing/2014/main" id="{F0E19196-DC92-A64D-B6B9-C7B9A0673305}"/>
+          <p:cNvPr id="2" name="Title 1">
+            <a:extLst>
+              <a:ext uri="{FF2B5EF4-FFF2-40B4-BE49-F238E27FC236}">
+                <a16:creationId xmlns:a16="http://schemas.microsoft.com/office/drawing/2014/main" id="{D734AE09-0795-4ADD-AD9A-B34B3AE4F422}"/>
+              </a:ext>
+            </a:extLst>
+          </p:cNvPr>
+          <p:cNvSpPr>
+            <a:spLocks noGrp="1"/>
+          </p:cNvSpPr>
+          <p:nvPr>
+            <p:ph type="title"/>
+          </p:nvPr>
+        </p:nvSpPr>
+        <p:spPr>
+          <a:xfrm>
+            <a:off x="838200" y="211854"/>
+            <a:ext cx="1765300" cy="693559"/>
+          </a:xfrm>
+        </p:spPr>
+        <p:txBody>
+          <a:bodyPr>
+            <a:normAutofit fontScale="90000"/>
+          </a:bodyPr>
+          <a:lstStyle/>
+          <a:p>
+            <a:r>
+              <a:rPr lang="en-US" dirty="0"/>
+              <a:t>Task </a:t>
+            </a:r>
+            <a:r>
+              <a:rPr lang="en-US" altLang="zh-CN" dirty="0"/>
+              <a:t>1</a:t>
+            </a:r>
+            <a:endParaRPr lang="en-US" dirty="0"/>
+          </a:p>
+        </p:txBody>
+      </p:sp>
+      <p:sp>
+        <p:nvSpPr>
+          <p:cNvPr id="3" name="Content Placeholder 2">
+            <a:extLst>
+              <a:ext uri="{FF2B5EF4-FFF2-40B4-BE49-F238E27FC236}">
+                <a16:creationId xmlns:a16="http://schemas.microsoft.com/office/drawing/2014/main" id="{6CAB5503-4181-4B53-893E-FCCEE467D992}"/>
+              </a:ext>
+            </a:extLst>
+          </p:cNvPr>
+          <p:cNvSpPr>
+            <a:spLocks noGrp="1"/>
+          </p:cNvSpPr>
+          <p:nvPr>
+            <p:ph idx="1"/>
+          </p:nvPr>
+        </p:nvSpPr>
+        <p:spPr>
+          <a:xfrm>
+            <a:off x="838200" y="1522587"/>
+            <a:ext cx="955089" cy="554223"/>
+          </a:xfrm>
+        </p:spPr>
+        <p:txBody>
+          <a:bodyPr>
+            <a:normAutofit/>
+          </a:bodyPr>
+          <a:lstStyle/>
+          <a:p>
+            <a:pPr marL="0" indent="0">
+              <a:buNone/>
+            </a:pPr>
+            <a:endParaRPr lang="en-US" sz="2000" dirty="0"/>
+          </a:p>
+          <a:p>
+            <a:pPr marL="0" indent="0">
+              <a:buNone/>
+            </a:pPr>
+            <a:endParaRPr lang="en-US" dirty="0"/>
+          </a:p>
+        </p:txBody>
+      </p:sp>
+      <p:sp>
+        <p:nvSpPr>
+          <p:cNvPr id="4" name="TextBox 3">
+            <a:extLst>
+              <a:ext uri="{FF2B5EF4-FFF2-40B4-BE49-F238E27FC236}">
+                <a16:creationId xmlns:a16="http://schemas.microsoft.com/office/drawing/2014/main" id="{6345F114-378C-EB11-B050-2109D4C72E60}"/>
               </a:ext>
             </a:extLst>
           </p:cNvPr>
@@ -6803,8 +8992,8 @@
         </p:nvSpPr>
         <p:spPr>
           <a:xfrm>
-            <a:off x="513729" y="1095875"/>
-            <a:ext cx="6130912" cy="5632311"/>
+            <a:off x="4166258" y="202133"/>
+            <a:ext cx="3859481" cy="400110"/>
           </a:xfrm>
           <a:prstGeom prst="rect">
             <a:avLst/>
@@ -6817,358 +9006,53 @@
           </a:bodyPr>
           <a:lstStyle/>
           <a:p>
-            <a:r>
-              <a:rPr lang="en-US" dirty="0"/>
-              <a:t>Q4</a:t>
-            </a:r>
-            <a:r>
-              <a:rPr lang="en-US" altLang="zh-CN" dirty="0"/>
-              <a:t>.a:</a:t>
-            </a:r>
-            <a:r>
-              <a:rPr lang="en-US" dirty="0"/>
-              <a:t> </a:t>
-            </a:r>
-            <a:r>
-              <a:rPr lang="en-US" altLang="zh-CN" dirty="0"/>
-              <a:t>Distribution of the features: abnormal (including accidents) vs normal</a:t>
-            </a:r>
-          </a:p>
-          <a:p>
-            <a:pPr marL="285750" indent="-285750">
-              <a:buFont typeface="Arial" panose="020B0604020202020204" pitchFamily="34" charset="0"/>
-              <a:buChar char="•"/>
-            </a:pPr>
-            <a:r>
-              <a:rPr lang="en-US" altLang="zh-CN" dirty="0"/>
-              <a:t>steer</a:t>
-            </a:r>
-          </a:p>
-          <a:p>
-            <a:pPr marL="285750" indent="-285750">
-              <a:buFont typeface="Arial" panose="020B0604020202020204" pitchFamily="34" charset="0"/>
-              <a:buChar char="•"/>
-            </a:pPr>
-            <a:endParaRPr lang="en-US" altLang="zh-CN" dirty="0"/>
-          </a:p>
-          <a:p>
-            <a:pPr marL="285750" indent="-285750">
-              <a:buFont typeface="Arial" panose="020B0604020202020204" pitchFamily="34" charset="0"/>
-              <a:buChar char="•"/>
-            </a:pPr>
-            <a:endParaRPr lang="en-US" altLang="zh-CN" dirty="0"/>
-          </a:p>
-          <a:p>
-            <a:pPr marL="285750" indent="-285750">
-              <a:buFont typeface="Arial" panose="020B0604020202020204" pitchFamily="34" charset="0"/>
-              <a:buChar char="•"/>
-            </a:pPr>
-            <a:endParaRPr lang="en-US" altLang="zh-CN" dirty="0"/>
-          </a:p>
-          <a:p>
-            <a:pPr marL="285750" indent="-285750">
-              <a:buFont typeface="Arial" panose="020B0604020202020204" pitchFamily="34" charset="0"/>
-              <a:buChar char="•"/>
-            </a:pPr>
-            <a:endParaRPr lang="en-US" altLang="zh-CN" dirty="0"/>
-          </a:p>
-          <a:p>
-            <a:endParaRPr lang="en-US" altLang="zh-CN" dirty="0"/>
-          </a:p>
-          <a:p>
-            <a:pPr marL="285750" indent="-285750">
-              <a:buFont typeface="Arial" panose="020B0604020202020204" pitchFamily="34" charset="0"/>
-              <a:buChar char="•"/>
-            </a:pPr>
-            <a:r>
-              <a:rPr lang="en-US" altLang="zh-CN" dirty="0"/>
-              <a:t>brake</a:t>
-            </a:r>
-          </a:p>
-          <a:p>
-            <a:pPr marL="285750" indent="-285750">
-              <a:buFont typeface="Arial" panose="020B0604020202020204" pitchFamily="34" charset="0"/>
-              <a:buChar char="•"/>
-            </a:pPr>
-            <a:endParaRPr lang="en-US" altLang="zh-CN" dirty="0"/>
-          </a:p>
-          <a:p>
-            <a:pPr marL="285750" indent="-285750">
-              <a:buFont typeface="Arial" panose="020B0604020202020204" pitchFamily="34" charset="0"/>
-              <a:buChar char="•"/>
-            </a:pPr>
-            <a:endParaRPr lang="en-US" altLang="zh-CN" dirty="0"/>
-          </a:p>
-          <a:p>
-            <a:pPr marL="285750" indent="-285750">
-              <a:buFont typeface="Arial" panose="020B0604020202020204" pitchFamily="34" charset="0"/>
-              <a:buChar char="•"/>
-            </a:pPr>
-            <a:endParaRPr lang="en-US" altLang="zh-CN" dirty="0"/>
-          </a:p>
-          <a:p>
-            <a:pPr marL="285750" indent="-285750">
-              <a:buFont typeface="Arial" panose="020B0604020202020204" pitchFamily="34" charset="0"/>
-              <a:buChar char="•"/>
-            </a:pPr>
-            <a:endParaRPr lang="en-US" altLang="zh-CN" dirty="0"/>
-          </a:p>
-          <a:p>
-            <a:endParaRPr lang="en-US" altLang="zh-CN" dirty="0"/>
-          </a:p>
-          <a:p>
-            <a:pPr marL="285750" indent="-285750">
-              <a:buFont typeface="Arial" panose="020B0604020202020204" pitchFamily="34" charset="0"/>
-              <a:buChar char="•"/>
-            </a:pPr>
-            <a:r>
-              <a:rPr lang="en-US" altLang="zh-CN" dirty="0" err="1"/>
-              <a:t>cvip</a:t>
-            </a:r>
-            <a:endParaRPr lang="en-US" altLang="zh-CN" dirty="0"/>
-          </a:p>
-          <a:p>
-            <a:pPr marL="285750" indent="-285750">
-              <a:buFont typeface="Arial" panose="020B0604020202020204" pitchFamily="34" charset="0"/>
-              <a:buChar char="•"/>
-            </a:pPr>
-            <a:endParaRPr lang="en-US" dirty="0"/>
-          </a:p>
-          <a:p>
-            <a:pPr marL="285750" indent="-285750">
-              <a:buFont typeface="Arial" panose="020B0604020202020204" pitchFamily="34" charset="0"/>
-              <a:buChar char="•"/>
-            </a:pPr>
-            <a:endParaRPr lang="en-US" dirty="0"/>
-          </a:p>
-          <a:p>
-            <a:pPr marL="285750" indent="-285750">
-              <a:buFont typeface="Arial" panose="020B0604020202020204" pitchFamily="34" charset="0"/>
-              <a:buChar char="•"/>
-            </a:pPr>
-            <a:endParaRPr lang="en-US" dirty="0"/>
-          </a:p>
-          <a:p>
-            <a:pPr marL="285750" indent="-285750">
-              <a:buFont typeface="Arial" panose="020B0604020202020204" pitchFamily="34" charset="0"/>
-              <a:buChar char="•"/>
-            </a:pPr>
-            <a:endParaRPr lang="en-US" dirty="0"/>
-          </a:p>
-          <a:p>
-            <a:pPr marL="285750" indent="-285750">
-              <a:buFont typeface="Arial" panose="020B0604020202020204" pitchFamily="34" charset="0"/>
-              <a:buChar char="•"/>
-            </a:pPr>
-            <a:endParaRPr lang="en-US" dirty="0"/>
-          </a:p>
-        </p:txBody>
-      </p:sp>
-      <p:sp>
-        <p:nvSpPr>
-          <p:cNvPr id="2" name="Title 1">
-            <a:extLst>
-              <a:ext uri="{FF2B5EF4-FFF2-40B4-BE49-F238E27FC236}">
-                <a16:creationId xmlns:a16="http://schemas.microsoft.com/office/drawing/2014/main" id="{D734AE09-0795-4ADD-AD9A-B34B3AE4F422}"/>
-              </a:ext>
-            </a:extLst>
-          </p:cNvPr>
-          <p:cNvSpPr>
-            <a:spLocks noGrp="1"/>
-          </p:cNvSpPr>
-          <p:nvPr>
-            <p:ph type="title"/>
-          </p:nvPr>
-        </p:nvSpPr>
-        <p:spPr>
-          <a:xfrm>
-            <a:off x="838200" y="65130"/>
-            <a:ext cx="10515600" cy="1325563"/>
-          </a:xfrm>
-        </p:spPr>
-        <p:txBody>
-          <a:bodyPr/>
-          <a:lstStyle/>
-          <a:p>
-            <a:r>
-              <a:rPr lang="en-US" dirty="0"/>
-              <a:t>Task </a:t>
-            </a:r>
-            <a:r>
-              <a:rPr lang="en-US" altLang="zh-CN" dirty="0"/>
-              <a:t>2</a:t>
-            </a:r>
-            <a:endParaRPr lang="en-US" dirty="0"/>
-          </a:p>
-        </p:txBody>
-      </p:sp>
-      <p:sp>
-        <p:nvSpPr>
-          <p:cNvPr id="7" name="TextBox 6">
-            <a:extLst>
-              <a:ext uri="{FF2B5EF4-FFF2-40B4-BE49-F238E27FC236}">
-                <a16:creationId xmlns:a16="http://schemas.microsoft.com/office/drawing/2014/main" id="{1A112934-660B-CA43-8A0A-FFC1150A49CC}"/>
-              </a:ext>
-            </a:extLst>
-          </p:cNvPr>
-          <p:cNvSpPr txBox="1"/>
+            <a:pPr algn="ctr"/>
+            <a:r>
+              <a:rPr lang="en-US" sz="2000" b="1" dirty="0"/>
+              <a:t>Campaign Result Visualization</a:t>
+            </a:r>
+          </a:p>
+        </p:txBody>
+      </p:sp>
+      <p:pic>
+        <p:nvPicPr>
+          <p:cNvPr id="6" name="Picture 5" descr="A line graph with different colors&#10;&#10;Description automatically generated">
+            <a:extLst>
+              <a:ext uri="{FF2B5EF4-FFF2-40B4-BE49-F238E27FC236}">
+                <a16:creationId xmlns:a16="http://schemas.microsoft.com/office/drawing/2014/main" id="{8B79E7A4-3914-D991-DE5E-63DA1CF0EFA0}"/>
+              </a:ext>
+            </a:extLst>
+          </p:cNvPr>
+          <p:cNvPicPr>
+            <a:picLocks noChangeAspect="1"/>
+          </p:cNvPicPr>
           <p:nvPr/>
-        </p:nvSpPr>
-        <p:spPr>
-          <a:xfrm>
-            <a:off x="6644641" y="1502688"/>
-            <a:ext cx="6130912" cy="5355312"/>
+        </p:nvPicPr>
+        <p:blipFill>
+          <a:blip r:embed="rId2">
+            <a:extLst>
+              <a:ext uri="{28A0092B-C50C-407E-A947-70E740481C1C}">
+                <a14:useLocalDpi xmlns:a14="http://schemas.microsoft.com/office/drawing/2010/main" val="0"/>
+              </a:ext>
+            </a:extLst>
+          </a:blip>
+          <a:srcRect l="10000" t="8602" r="8750" b="5833"/>
+          <a:stretch/>
+        </p:blipFill>
+        <p:spPr>
+          <a:xfrm>
+            <a:off x="520700" y="905413"/>
+            <a:ext cx="11150600" cy="5871330"/>
           </a:xfrm>
           <a:prstGeom prst="rect">
             <a:avLst/>
           </a:prstGeom>
-          <a:noFill/>
-        </p:spPr>
-        <p:txBody>
-          <a:bodyPr wrap="square" rtlCol="0">
-            <a:spAutoFit/>
-          </a:bodyPr>
-          <a:lstStyle/>
-          <a:p>
-            <a:pPr marL="285750" indent="-285750">
-              <a:buFont typeface="Arial" panose="020B0604020202020204" pitchFamily="34" charset="0"/>
-              <a:buChar char="•"/>
-            </a:pPr>
-            <a:endParaRPr lang="en-US" altLang="zh-CN" dirty="0"/>
-          </a:p>
-          <a:p>
-            <a:pPr marL="285750" indent="-285750">
-              <a:buFont typeface="Arial" panose="020B0604020202020204" pitchFamily="34" charset="0"/>
-              <a:buChar char="•"/>
-            </a:pPr>
-            <a:r>
-              <a:rPr lang="en-US" altLang="zh-CN" dirty="0"/>
-              <a:t>x</a:t>
-            </a:r>
-          </a:p>
-          <a:p>
-            <a:pPr marL="285750" indent="-285750">
-              <a:buFont typeface="Arial" panose="020B0604020202020204" pitchFamily="34" charset="0"/>
-              <a:buChar char="•"/>
-            </a:pPr>
-            <a:endParaRPr lang="en-US" altLang="zh-CN" dirty="0"/>
-          </a:p>
-          <a:p>
-            <a:pPr marL="285750" indent="-285750">
-              <a:buFont typeface="Arial" panose="020B0604020202020204" pitchFamily="34" charset="0"/>
-              <a:buChar char="•"/>
-            </a:pPr>
-            <a:endParaRPr lang="en-US" altLang="zh-CN" dirty="0"/>
-          </a:p>
-          <a:p>
-            <a:pPr marL="285750" indent="-285750">
-              <a:buFont typeface="Arial" panose="020B0604020202020204" pitchFamily="34" charset="0"/>
-              <a:buChar char="•"/>
-            </a:pPr>
-            <a:endParaRPr lang="en-US" altLang="zh-CN" dirty="0"/>
-          </a:p>
-          <a:p>
-            <a:pPr marL="285750" indent="-285750">
-              <a:buFont typeface="Arial" panose="020B0604020202020204" pitchFamily="34" charset="0"/>
-              <a:buChar char="•"/>
-            </a:pPr>
-            <a:endParaRPr lang="en-US" altLang="zh-CN" dirty="0"/>
-          </a:p>
-          <a:p>
-            <a:endParaRPr lang="en-US" altLang="zh-CN" dirty="0"/>
-          </a:p>
-          <a:p>
-            <a:pPr marL="285750" indent="-285750">
-              <a:buFont typeface="Arial" panose="020B0604020202020204" pitchFamily="34" charset="0"/>
-              <a:buChar char="•"/>
-            </a:pPr>
-            <a:r>
-              <a:rPr lang="en-US" altLang="zh-CN" dirty="0"/>
-              <a:t>y</a:t>
-            </a:r>
-          </a:p>
-          <a:p>
-            <a:pPr marL="285750" indent="-285750">
-              <a:buFont typeface="Arial" panose="020B0604020202020204" pitchFamily="34" charset="0"/>
-              <a:buChar char="•"/>
-            </a:pPr>
-            <a:endParaRPr lang="en-US" altLang="zh-CN" dirty="0"/>
-          </a:p>
-          <a:p>
-            <a:pPr marL="285750" indent="-285750">
-              <a:buFont typeface="Arial" panose="020B0604020202020204" pitchFamily="34" charset="0"/>
-              <a:buChar char="•"/>
-            </a:pPr>
-            <a:endParaRPr lang="en-US" altLang="zh-CN" dirty="0"/>
-          </a:p>
-          <a:p>
-            <a:pPr marL="285750" indent="-285750">
-              <a:buFont typeface="Arial" panose="020B0604020202020204" pitchFamily="34" charset="0"/>
-              <a:buChar char="•"/>
-            </a:pPr>
-            <a:endParaRPr lang="en-US" altLang="zh-CN" dirty="0"/>
-          </a:p>
-          <a:p>
-            <a:pPr marL="285750" indent="-285750">
-              <a:buFont typeface="Arial" panose="020B0604020202020204" pitchFamily="34" charset="0"/>
-              <a:buChar char="•"/>
-            </a:pPr>
-            <a:endParaRPr lang="en-US" altLang="zh-CN" dirty="0"/>
-          </a:p>
-          <a:p>
-            <a:endParaRPr lang="en-US" altLang="zh-CN" dirty="0"/>
-          </a:p>
-          <a:p>
-            <a:pPr marL="285750" indent="-285750">
-              <a:buFont typeface="Arial" panose="020B0604020202020204" pitchFamily="34" charset="0"/>
-              <a:buChar char="•"/>
-            </a:pPr>
-            <a:r>
-              <a:rPr lang="en-US" altLang="zh-CN" dirty="0"/>
-              <a:t>v</a:t>
-            </a:r>
-          </a:p>
-          <a:p>
-            <a:pPr marL="285750" indent="-285750">
-              <a:buFont typeface="Arial" panose="020B0604020202020204" pitchFamily="34" charset="0"/>
-              <a:buChar char="•"/>
-            </a:pPr>
-            <a:endParaRPr lang="en-US" dirty="0"/>
-          </a:p>
-          <a:p>
-            <a:pPr marL="285750" indent="-285750">
-              <a:buFont typeface="Arial" panose="020B0604020202020204" pitchFamily="34" charset="0"/>
-              <a:buChar char="•"/>
-            </a:pPr>
-            <a:endParaRPr lang="en-US" dirty="0"/>
-          </a:p>
-          <a:p>
-            <a:pPr marL="285750" indent="-285750">
-              <a:buFont typeface="Arial" panose="020B0604020202020204" pitchFamily="34" charset="0"/>
-              <a:buChar char="•"/>
-            </a:pPr>
-            <a:endParaRPr lang="en-US" dirty="0"/>
-          </a:p>
-          <a:p>
-            <a:pPr marL="285750" indent="-285750">
-              <a:buFont typeface="Arial" panose="020B0604020202020204" pitchFamily="34" charset="0"/>
-              <a:buChar char="•"/>
-            </a:pPr>
-            <a:endParaRPr lang="en-US" dirty="0"/>
-          </a:p>
-          <a:p>
-            <a:pPr marL="285750" indent="-285750">
-              <a:buFont typeface="Arial" panose="020B0604020202020204" pitchFamily="34" charset="0"/>
-              <a:buChar char="•"/>
-            </a:pPr>
-            <a:endParaRPr lang="en-US" dirty="0"/>
-          </a:p>
-        </p:txBody>
-      </p:sp>
+        </p:spPr>
+      </p:pic>
     </p:spTree>
     <p:extLst>
       <p:ext uri="{BB962C8B-B14F-4D97-AF65-F5344CB8AC3E}">
-        <p14:creationId xmlns:p14="http://schemas.microsoft.com/office/powerpoint/2010/main" val="432580688"/>
+        <p14:creationId xmlns:p14="http://schemas.microsoft.com/office/powerpoint/2010/main" val="1738377697"/>
       </p:ext>
     </p:extLst>
   </p:cSld>

--- a/mp1_powerpoint.pptx
+++ b/mp1_powerpoint.pptx
@@ -28,8 +28,10 @@
     <p:sldId id="267" r:id="rId22"/>
     <p:sldId id="268" r:id="rId23"/>
     <p:sldId id="269" r:id="rId24"/>
-    <p:sldId id="270" r:id="rId25"/>
-    <p:sldId id="271" r:id="rId26"/>
+    <p:sldId id="290" r:id="rId25"/>
+    <p:sldId id="291" r:id="rId26"/>
+    <p:sldId id="270" r:id="rId27"/>
+    <p:sldId id="271" r:id="rId28"/>
   </p:sldIdLst>
   <p:sldSz cx="12192000" cy="6858000"/>
   <p:notesSz cx="6858000" cy="9144000"/>
@@ -283,7 +285,7 @@
           <a:p>
             <a:fld id="{3E188059-9AAA-48DC-89EE-5FBEEAFD7015}" type="datetimeFigureOut">
               <a:rPr lang="en-US" smtClean="0"/>
-              <a:t>9/21/2024</a:t>
+              <a:t>9/23/2024</a:t>
             </a:fld>
             <a:endParaRPr lang="en-US"/>
           </a:p>
@@ -481,7 +483,7 @@
           <a:p>
             <a:fld id="{3E188059-9AAA-48DC-89EE-5FBEEAFD7015}" type="datetimeFigureOut">
               <a:rPr lang="en-US" smtClean="0"/>
-              <a:t>9/21/2024</a:t>
+              <a:t>9/23/2024</a:t>
             </a:fld>
             <a:endParaRPr lang="en-US"/>
           </a:p>
@@ -689,7 +691,7 @@
           <a:p>
             <a:fld id="{3E188059-9AAA-48DC-89EE-5FBEEAFD7015}" type="datetimeFigureOut">
               <a:rPr lang="en-US" smtClean="0"/>
-              <a:t>9/21/2024</a:t>
+              <a:t>9/23/2024</a:t>
             </a:fld>
             <a:endParaRPr lang="en-US"/>
           </a:p>
@@ -887,7 +889,7 @@
           <a:p>
             <a:fld id="{3E188059-9AAA-48DC-89EE-5FBEEAFD7015}" type="datetimeFigureOut">
               <a:rPr lang="en-US" smtClean="0"/>
-              <a:t>9/21/2024</a:t>
+              <a:t>9/23/2024</a:t>
             </a:fld>
             <a:endParaRPr lang="en-US"/>
           </a:p>
@@ -1162,7 +1164,7 @@
           <a:p>
             <a:fld id="{3E188059-9AAA-48DC-89EE-5FBEEAFD7015}" type="datetimeFigureOut">
               <a:rPr lang="en-US" smtClean="0"/>
-              <a:t>9/21/2024</a:t>
+              <a:t>9/23/2024</a:t>
             </a:fld>
             <a:endParaRPr lang="en-US"/>
           </a:p>
@@ -1427,7 +1429,7 @@
           <a:p>
             <a:fld id="{3E188059-9AAA-48DC-89EE-5FBEEAFD7015}" type="datetimeFigureOut">
               <a:rPr lang="en-US" smtClean="0"/>
-              <a:t>9/21/2024</a:t>
+              <a:t>9/23/2024</a:t>
             </a:fld>
             <a:endParaRPr lang="en-US"/>
           </a:p>
@@ -1839,7 +1841,7 @@
           <a:p>
             <a:fld id="{3E188059-9AAA-48DC-89EE-5FBEEAFD7015}" type="datetimeFigureOut">
               <a:rPr lang="en-US" smtClean="0"/>
-              <a:t>9/21/2024</a:t>
+              <a:t>9/23/2024</a:t>
             </a:fld>
             <a:endParaRPr lang="en-US"/>
           </a:p>
@@ -1980,7 +1982,7 @@
           <a:p>
             <a:fld id="{3E188059-9AAA-48DC-89EE-5FBEEAFD7015}" type="datetimeFigureOut">
               <a:rPr lang="en-US" smtClean="0"/>
-              <a:t>9/21/2024</a:t>
+              <a:t>9/23/2024</a:t>
             </a:fld>
             <a:endParaRPr lang="en-US"/>
           </a:p>
@@ -2093,7 +2095,7 @@
           <a:p>
             <a:fld id="{3E188059-9AAA-48DC-89EE-5FBEEAFD7015}" type="datetimeFigureOut">
               <a:rPr lang="en-US" smtClean="0"/>
-              <a:t>9/21/2024</a:t>
+              <a:t>9/23/2024</a:t>
             </a:fld>
             <a:endParaRPr lang="en-US"/>
           </a:p>
@@ -2404,7 +2406,7 @@
           <a:p>
             <a:fld id="{3E188059-9AAA-48DC-89EE-5FBEEAFD7015}" type="datetimeFigureOut">
               <a:rPr lang="en-US" smtClean="0"/>
-              <a:t>9/21/2024</a:t>
+              <a:t>9/23/2024</a:t>
             </a:fld>
             <a:endParaRPr lang="en-US"/>
           </a:p>
@@ -2692,7 +2694,7 @@
           <a:p>
             <a:fld id="{3E188059-9AAA-48DC-89EE-5FBEEAFD7015}" type="datetimeFigureOut">
               <a:rPr lang="en-US" smtClean="0"/>
-              <a:t>9/21/2024</a:t>
+              <a:t>9/23/2024</a:t>
             </a:fld>
             <a:endParaRPr lang="en-US"/>
           </a:p>
@@ -2933,7 +2935,7 @@
           <a:p>
             <a:fld id="{3E188059-9AAA-48DC-89EE-5FBEEAFD7015}" type="datetimeFigureOut">
               <a:rPr lang="en-US" smtClean="0"/>
-              <a:t>9/21/2024</a:t>
+              <a:t>9/23/2024</a:t>
             </a:fld>
             <a:endParaRPr lang="en-US"/>
           </a:p>
@@ -3793,7 +3795,7 @@
         <p:spPr>
           <a:xfrm>
             <a:off x="838200" y="1455385"/>
-            <a:ext cx="10515600" cy="3477875"/>
+            <a:ext cx="10515600" cy="3785652"/>
           </a:xfrm>
           <a:prstGeom prst="rect">
             <a:avLst/>
@@ -3806,27 +3808,27 @@
           </a:bodyPr>
           <a:lstStyle/>
           <a:p>
-            <a:pPr marL="285750" indent="-285750">
+            <a:pPr marL="342900" indent="-342900">
               <a:buFont typeface="Arial" panose="020B0604020202020204" pitchFamily="34" charset="0"/>
               <a:buChar char="•"/>
             </a:pPr>
             <a:r>
               <a:rPr lang="en-US" sz="2000" dirty="0"/>
-              <a:t>throttle: would expect to be negative, as velocity slows</a:t>
-            </a:r>
-          </a:p>
-          <a:p>
-            <a:pPr marL="285750" indent="-285750">
+              <a:t>throttle: would expect to decrease or go to zero</a:t>
+            </a:r>
+          </a:p>
+          <a:p>
+            <a:pPr marL="342900" indent="-342900">
               <a:buFont typeface="Arial" panose="020B0604020202020204" pitchFamily="34" charset="0"/>
               <a:buChar char="•"/>
             </a:pPr>
             <a:r>
               <a:rPr lang="en-US" sz="2000" dirty="0"/>
-              <a:t>velocity: would expect to drop</a:t>
-            </a:r>
-          </a:p>
-          <a:p>
-            <a:pPr marL="285750" indent="-285750">
+              <a:t>velocity: would expect to suddenly drop</a:t>
+            </a:r>
+          </a:p>
+          <a:p>
+            <a:pPr marL="342900" indent="-342900">
               <a:buFont typeface="Arial" panose="020B0604020202020204" pitchFamily="34" charset="0"/>
               <a:buChar char="•"/>
             </a:pPr>
@@ -3836,31 +3838,48 @@
             </a:r>
           </a:p>
           <a:p>
-            <a:pPr marL="285750" indent="-285750">
+            <a:pPr marL="342900" indent="-342900">
               <a:buFont typeface="Arial" panose="020B0604020202020204" pitchFamily="34" charset="0"/>
               <a:buChar char="•"/>
             </a:pPr>
             <a:r>
               <a:rPr lang="en-US" sz="2000" dirty="0"/>
-              <a:t>brake: may or may not change depending on the abruptness of the crash. Would expect a slight change in general</a:t>
-            </a:r>
-          </a:p>
-          <a:p>
-            <a:pPr marL="285750" indent="-285750">
+              <a:t>brake: may or may not change depending on the abruptness of the crash. Most likely sudden brake before impact if noticed</a:t>
+            </a:r>
+          </a:p>
+          <a:p>
+            <a:pPr marL="342900" indent="-342900">
               <a:buFont typeface="Arial" panose="020B0604020202020204" pitchFamily="34" charset="0"/>
               <a:buChar char="•"/>
             </a:pPr>
             <a:r>
               <a:rPr lang="en-US" sz="2000" dirty="0"/>
-              <a:t>x, y, cvip: would be hard to compare against non accident data</a:t>
-            </a:r>
-          </a:p>
-          <a:p>
-            <a:pPr marL="285750" indent="-285750">
+              <a:t>x: correlated to steering, would expect a sudden change when merging to another lane</a:t>
+            </a:r>
+          </a:p>
+          <a:p>
+            <a:pPr marL="342900" indent="-342900">
               <a:buFont typeface="Arial" panose="020B0604020202020204" pitchFamily="34" charset="0"/>
               <a:buChar char="•"/>
             </a:pPr>
-            <a:endParaRPr lang="en-US" sz="2000" dirty="0"/>
+            <a:r>
+              <a:rPr lang="en-US" sz="2000" dirty="0"/>
+              <a:t>y: expect a change in slope when accelerating or braking</a:t>
+            </a:r>
+          </a:p>
+          <a:p>
+            <a:pPr marL="342900" indent="-342900">
+              <a:buFont typeface="Arial" panose="020B0604020202020204" pitchFamily="34" charset="0"/>
+              <a:buChar char="•"/>
+            </a:pPr>
+            <a:r>
+              <a:rPr lang="en-US" sz="2000" dirty="0" err="1"/>
+              <a:t>cvip</a:t>
+            </a:r>
+            <a:r>
+              <a:rPr lang="en-US" sz="2000" dirty="0"/>
+              <a:t>: would expect it to go to zero before the crash</a:t>
+            </a:r>
           </a:p>
           <a:p>
             <a:pPr marL="285750" indent="-285750">
@@ -6331,7 +6350,7 @@
         <p:spPr>
           <a:xfrm>
             <a:off x="513729" y="1095875"/>
-            <a:ext cx="11300900" cy="3970318"/>
+            <a:ext cx="11300900" cy="5632311"/>
           </a:xfrm>
           <a:prstGeom prst="rect">
             <a:avLst/>
@@ -6442,8 +6461,20 @@
                 </a:solidFill>
                 <a:latin typeface="Arial" panose="020B0604020202020204" pitchFamily="34" charset="0"/>
               </a:rPr>
-              <a:t>H0:</a:t>
-            </a:r>
+              <a:t>H0: </a:t>
+            </a:r>
+            <a:r>
+              <a:rPr lang="en-US" dirty="0">
+                <a:solidFill>
+                  <a:srgbClr val="212529"/>
+                </a:solidFill>
+                <a:latin typeface="Arial" panose="020B0604020202020204" pitchFamily="34" charset="0"/>
+              </a:rPr>
+              <a:t>There is no significant difference between the steering variable population means between the normal and abnormal runs. </a:t>
+            </a:r>
+          </a:p>
+          <a:p>
+            <a:pPr lvl="1"/>
             <a:endParaRPr lang="en-US" dirty="0">
               <a:solidFill>
                 <a:srgbClr val="212529"/>
@@ -6460,8 +6491,23 @@
                 </a:solidFill>
                 <a:latin typeface="Arial" panose="020B0604020202020204" pitchFamily="34" charset="0"/>
               </a:rPr>
-              <a:t>H1:</a:t>
-            </a:r>
+              <a:t>H1: </a:t>
+            </a:r>
+            <a:r>
+              <a:rPr lang="en-US" dirty="0">
+                <a:solidFill>
+                  <a:srgbClr val="212529"/>
+                </a:solidFill>
+                <a:latin typeface="Arial" panose="020B0604020202020204" pitchFamily="34" charset="0"/>
+              </a:rPr>
+              <a:t>There is a significant difference between the steering variable population means between the normal and abnormal runs.</a:t>
+            </a:r>
+            <a:endParaRPr lang="en-US" altLang="zh-CN" dirty="0">
+              <a:solidFill>
+                <a:srgbClr val="212529"/>
+              </a:solidFill>
+              <a:latin typeface="Arial" panose="020B0604020202020204" pitchFamily="34" charset="0"/>
+            </a:endParaRPr>
           </a:p>
           <a:p>
             <a:pPr lvl="1"/>
@@ -6497,23 +6543,27 @@
           </a:p>
           <a:p>
             <a:pPr lvl="1"/>
-            <a:endParaRPr lang="en-US" altLang="zh-CN" b="0" i="0" u="none" strike="noStrike" dirty="0">
-              <a:solidFill>
-                <a:srgbClr val="212529"/>
-              </a:solidFill>
-              <a:effectLst/>
-              <a:latin typeface="Arial" panose="020B0604020202020204" pitchFamily="34" charset="0"/>
-            </a:endParaRPr>
+            <a:r>
+              <a:rPr lang="en-US" dirty="0">
+                <a:solidFill>
+                  <a:srgbClr val="212529"/>
+                </a:solidFill>
+                <a:latin typeface="Arial" panose="020B0604020202020204" pitchFamily="34" charset="0"/>
+              </a:rPr>
+              <a:t>T-statistic: -2.059574394684549</a:t>
+            </a:r>
           </a:p>
           <a:p>
             <a:pPr lvl="1"/>
-            <a:endParaRPr lang="en-US" altLang="zh-CN" b="0" i="0" u="none" strike="noStrike" dirty="0">
-              <a:solidFill>
-                <a:srgbClr val="212529"/>
-              </a:solidFill>
-              <a:effectLst/>
-              <a:latin typeface="Arial" panose="020B0604020202020204" pitchFamily="34" charset="0"/>
-            </a:endParaRPr>
+            <a:r>
+              <a:rPr lang="en-US" dirty="0">
+                <a:solidFill>
+                  <a:srgbClr val="212529"/>
+                </a:solidFill>
+                <a:latin typeface="Arial" panose="020B0604020202020204" pitchFamily="34" charset="0"/>
+              </a:rPr>
+              <a:t>P-value: 0.03949993360519476</a:t>
+            </a:r>
           </a:p>
           <a:p>
             <a:pPr lvl="1"/>
@@ -6543,6 +6593,22 @@
             <a:endParaRPr lang="en-US" dirty="0"/>
           </a:p>
           <a:p>
+            <a:r>
+              <a:rPr lang="en-US" dirty="0"/>
+              <a:t>        </a:t>
+            </a:r>
+            <a:r>
+              <a:rPr lang="en-US" dirty="0">
+                <a:solidFill>
+                  <a:srgbClr val="212529"/>
+                </a:solidFill>
+                <a:latin typeface="Arial" panose="020B0604020202020204" pitchFamily="34" charset="0"/>
+              </a:rPr>
+              <a:t>There exists significant evidence to reject the Null Hypothesis.</a:t>
+            </a:r>
+            <a:endParaRPr lang="en-US" dirty="0"/>
+          </a:p>
+          <a:p>
             <a:pPr marL="285750" indent="-285750">
               <a:buFont typeface="Arial" panose="020B0604020202020204" pitchFamily="34" charset="0"/>
               <a:buChar char="•"/>
@@ -6550,20 +6616,6 @@
             <a:endParaRPr lang="en-US" dirty="0"/>
           </a:p>
           <a:p>
-            <a:pPr marL="285750" indent="-285750">
-              <a:buFont typeface="Arial" panose="020B0604020202020204" pitchFamily="34" charset="0"/>
-              <a:buChar char="•"/>
-            </a:pPr>
-            <a:endParaRPr lang="en-US" dirty="0"/>
-          </a:p>
-          <a:p>
-            <a:pPr marL="285750" indent="-285750">
-              <a:buFont typeface="Arial" panose="020B0604020202020204" pitchFamily="34" charset="0"/>
-              <a:buChar char="•"/>
-            </a:pPr>
-            <a:endParaRPr lang="en-US" dirty="0"/>
-          </a:p>
-          <a:p>
             <a:r>
               <a:rPr lang="en-US" altLang="zh-CN" dirty="0"/>
               <a:t>Q4.c:</a:t>
@@ -6582,6 +6634,19 @@
               </a:rPr>
               <a:t>Does the testing result contradict your observation on the ”steer” feature in part 4.a? Why?</a:t>
             </a:r>
+          </a:p>
+          <a:p>
+            <a:r>
+              <a:rPr lang="en-US" dirty="0">
+                <a:solidFill>
+                  <a:srgbClr val="212529"/>
+                </a:solidFill>
+                <a:latin typeface="Arial" panose="020B0604020202020204" pitchFamily="34" charset="0"/>
+              </a:rPr>
+              <a:t>       This outcome contradicts our intuition as both the normal and abnormal distributions appear to have means centered very close to zero. Thus, we originally thought that there wouldn’t be a significant difference between their means.</a:t>
+            </a:r>
+          </a:p>
+          <a:p>
             <a:endParaRPr lang="en-US" dirty="0"/>
           </a:p>
         </p:txBody>
@@ -6669,7 +6734,7 @@
         <p:spPr>
           <a:xfrm>
             <a:off x="513729" y="1095875"/>
-            <a:ext cx="10720328" cy="4801314"/>
+            <a:ext cx="10720328" cy="5016758"/>
           </a:xfrm>
           <a:prstGeom prst="rect">
             <a:avLst/>
@@ -6683,19 +6748,19 @@
           <a:lstStyle/>
           <a:p>
             <a:r>
-              <a:rPr lang="en-US" dirty="0"/>
+              <a:rPr lang="en-US" sz="1600" dirty="0"/>
               <a:t>Q5</a:t>
             </a:r>
             <a:r>
-              <a:rPr lang="en-US" altLang="zh-CN" dirty="0"/>
+              <a:rPr lang="en-US" altLang="zh-CN" sz="1600" dirty="0"/>
               <a:t>:</a:t>
             </a:r>
             <a:r>
-              <a:rPr lang="zh-CN" altLang="en-US" dirty="0"/>
+              <a:rPr lang="zh-CN" altLang="en-US" sz="1600" dirty="0"/>
               <a:t> </a:t>
             </a:r>
             <a:r>
-              <a:rPr lang="en-US" altLang="zh-CN" dirty="0">
+              <a:rPr lang="en-US" altLang="zh-CN" sz="1600" dirty="0">
                 <a:solidFill>
                   <a:srgbClr val="212529"/>
                 </a:solidFill>
@@ -6704,7 +6769,7 @@
               <a:t>S</a:t>
             </a:r>
             <a:r>
-              <a:rPr lang="en-US" sz="1800" b="0" i="0" u="none" strike="noStrike" dirty="0">
+              <a:rPr lang="en-US" sz="1600" b="0" i="0" u="none" strike="noStrike" dirty="0">
                 <a:solidFill>
                   <a:srgbClr val="212529"/>
                 </a:solidFill>
@@ -6714,7 +6779,7 @@
               <a:t>ome of the</a:t>
             </a:r>
             <a:r>
-              <a:rPr lang="zh-CN" altLang="en-US" sz="1800" b="0" i="0" u="none" strike="noStrike" dirty="0">
+              <a:rPr lang="zh-CN" altLang="en-US" sz="1600" b="0" i="0" u="none" strike="noStrike" dirty="0">
                 <a:solidFill>
                   <a:srgbClr val="212529"/>
                 </a:solidFill>
@@ -6724,7 +6789,7 @@
               <a:t> </a:t>
             </a:r>
             <a:r>
-              <a:rPr lang="en-US" altLang="zh-CN" sz="1800" b="0" i="0" u="none" strike="noStrike" dirty="0">
+              <a:rPr lang="en-US" altLang="zh-CN" sz="1600" b="0" i="0" u="none" strike="noStrike" dirty="0">
                 <a:solidFill>
                   <a:srgbClr val="212529"/>
                 </a:solidFill>
@@ -6734,7 +6799,7 @@
               <a:t>features</a:t>
             </a:r>
             <a:r>
-              <a:rPr lang="en-US" sz="1800" b="0" i="0" u="none" strike="noStrike" dirty="0">
+              <a:rPr lang="en-US" sz="1600" b="0" i="0" u="none" strike="noStrike" dirty="0">
                 <a:solidFill>
                   <a:srgbClr val="212529"/>
                 </a:solidFill>
@@ -6743,28 +6808,14 @@
               </a:rPr>
               <a:t> are better indicators of abnormal AV behavior, can you identify them?</a:t>
             </a:r>
-            <a:endParaRPr lang="en-US" altLang="zh-CN" dirty="0"/>
           </a:p>
           <a:p>
             <a:pPr marL="342900" indent="-342900">
               <a:buFont typeface="+mj-lt"/>
               <a:buAutoNum type="alphaLcPeriod"/>
             </a:pPr>
-            <a:endParaRPr lang="en-US" sz="1800" b="0" i="0" u="none" strike="noStrike" dirty="0">
-              <a:solidFill>
-                <a:srgbClr val="212529"/>
-              </a:solidFill>
-              <a:effectLst/>
-              <a:latin typeface="Arial" panose="020B0604020202020204" pitchFamily="34" charset="0"/>
-            </a:endParaRPr>
-          </a:p>
-          <a:p>
-            <a:pPr marL="342900" indent="-342900">
-              <a:buFont typeface="+mj-lt"/>
-              <a:buAutoNum type="alphaLcPeriod"/>
-            </a:pPr>
-            <a:r>
-              <a:rPr lang="en-US" sz="1800" b="0" i="0" u="none" strike="noStrike" dirty="0">
+            <a:r>
+              <a:rPr lang="en-US" sz="1600" b="0" i="0" u="none" strike="noStrike" dirty="0">
                 <a:solidFill>
                   <a:srgbClr val="212529"/>
                 </a:solidFill>
@@ -6773,13 +6824,7 @@
               </a:rPr>
               <a:t>By looking at the distribution plots of the features in Task 2.4, explain your choice of indicators.</a:t>
             </a:r>
-          </a:p>
-          <a:p>
-            <a:pPr marL="342900" indent="-342900">
-              <a:buFont typeface="+mj-lt"/>
-              <a:buAutoNum type="alphaLcPeriod"/>
-            </a:pPr>
-            <a:endParaRPr lang="en-US" altLang="zh-CN" dirty="0">
+            <a:endParaRPr lang="en-US" altLang="zh-CN" sz="1600" dirty="0">
               <a:solidFill>
                 <a:srgbClr val="212529"/>
               </a:solidFill>
@@ -6787,11 +6832,53 @@
             </a:endParaRPr>
           </a:p>
           <a:p>
-            <a:pPr marL="342900" indent="-342900">
-              <a:buFont typeface="+mj-lt"/>
-              <a:buAutoNum type="alphaLcPeriod"/>
+            <a:pPr marL="285750" indent="-285750">
+              <a:buFont typeface="Arial" panose="020B0604020202020204" pitchFamily="34" charset="0"/>
+              <a:buChar char="•"/>
             </a:pPr>
-            <a:endParaRPr lang="en-US" altLang="zh-CN" dirty="0">
+            <a:r>
+              <a:rPr lang="en-US" sz="1600" dirty="0">
+                <a:solidFill>
+                  <a:srgbClr val="212529"/>
+                </a:solidFill>
+                <a:latin typeface="Arial" panose="020B0604020202020204" pitchFamily="34" charset="0"/>
+              </a:rPr>
+              <a:t>Steer - The normal runs had a higher density closer to zero and the abnormal had a higher variance and spread.</a:t>
+            </a:r>
+          </a:p>
+          <a:p>
+            <a:pPr marL="285750" indent="-285750">
+              <a:buFont typeface="Arial" panose="020B0604020202020204" pitchFamily="34" charset="0"/>
+              <a:buChar char="•"/>
+            </a:pPr>
+            <a:r>
+              <a:rPr lang="en-US" sz="1600" dirty="0">
+                <a:solidFill>
+                  <a:srgbClr val="212529"/>
+                </a:solidFill>
+                <a:latin typeface="Arial" panose="020B0604020202020204" pitchFamily="34" charset="0"/>
+              </a:rPr>
+              <a:t>X and </a:t>
+            </a:r>
+            <a:r>
+              <a:rPr lang="en-US" sz="1600" dirty="0" err="1">
+                <a:solidFill>
+                  <a:srgbClr val="212529"/>
+                </a:solidFill>
+                <a:latin typeface="Arial" panose="020B0604020202020204" pitchFamily="34" charset="0"/>
+              </a:rPr>
+              <a:t>Cvip</a:t>
+            </a:r>
+            <a:r>
+              <a:rPr lang="en-US" sz="1600" dirty="0">
+                <a:solidFill>
+                  <a:srgbClr val="212529"/>
+                </a:solidFill>
+                <a:latin typeface="Arial" panose="020B0604020202020204" pitchFamily="34" charset="0"/>
+              </a:rPr>
+              <a:t> - The abnormal plot shows two local maximums, one indicating a closer distance to the NPC actor and the other indicating a farther distance which was the response during the clear-night run where the EV changed lanes.</a:t>
+            </a:r>
+            <a:endParaRPr lang="en-US" altLang="zh-CN" sz="1600" dirty="0">
               <a:solidFill>
                 <a:srgbClr val="212529"/>
               </a:solidFill>
@@ -6799,7 +6886,11 @@
             </a:endParaRPr>
           </a:p>
           <a:p>
-            <a:endParaRPr lang="en-US" altLang="zh-CN" dirty="0">
+            <a:pPr marL="342900" indent="-342900">
+              <a:buFont typeface="+mj-lt"/>
+              <a:buAutoNum type="alphaLcPeriod"/>
+            </a:pPr>
+            <a:endParaRPr lang="en-US" altLang="zh-CN" sz="1600" dirty="0">
               <a:solidFill>
                 <a:srgbClr val="212529"/>
               </a:solidFill>
@@ -6809,9 +6900,120 @@
           <a:p>
             <a:pPr marL="342900" indent="-342900">
               <a:buFont typeface="+mj-lt"/>
-              <a:buAutoNum type="alphaLcPeriod"/>
+              <a:buAutoNum type="alphaLcPeriod" startAt="2"/>
             </a:pPr>
-            <a:endParaRPr lang="en-US" altLang="zh-CN" dirty="0">
+            <a:r>
+              <a:rPr lang="en-US" sz="1600" b="0" i="0" u="none" strike="noStrike" dirty="0">
+                <a:solidFill>
+                  <a:srgbClr val="212529"/>
+                </a:solidFill>
+                <a:effectLst/>
+                <a:latin typeface="Arial" panose="020B0604020202020204" pitchFamily="34" charset="0"/>
+              </a:rPr>
+              <a:t>For the fields you identified as good accident indicators above, are they related (Calculate the Pearson correlation coefficient between each pair of the indicators to justify your answer)? If so, how does that affect the predicting power of using one indicator versus using all of them? </a:t>
+            </a:r>
+            <a:endParaRPr lang="en-US" altLang="zh-CN" sz="1600" dirty="0"/>
+          </a:p>
+          <a:p>
+            <a:r>
+              <a:rPr lang="en-US" sz="1600" dirty="0">
+                <a:solidFill>
+                  <a:srgbClr val="212529"/>
+                </a:solidFill>
+                <a:latin typeface="Arial" panose="020B0604020202020204" pitchFamily="34" charset="0"/>
+              </a:rPr>
+              <a:t>Pearson Correlations</a:t>
+            </a:r>
+            <a:br>
+              <a:rPr lang="en-US" sz="1600" dirty="0">
+                <a:solidFill>
+                  <a:srgbClr val="212529"/>
+                </a:solidFill>
+                <a:latin typeface="Arial" panose="020B0604020202020204" pitchFamily="34" charset="0"/>
+              </a:rPr>
+            </a:br>
+            <a:r>
+              <a:rPr lang="en-US" sz="1600" dirty="0">
+                <a:solidFill>
+                  <a:srgbClr val="212529"/>
+                </a:solidFill>
+                <a:latin typeface="Arial" panose="020B0604020202020204" pitchFamily="34" charset="0"/>
+              </a:rPr>
+              <a:t>	Steering and x: 0.16049701319159093</a:t>
+            </a:r>
+            <a:br>
+              <a:rPr lang="en-US" sz="1600" dirty="0">
+                <a:solidFill>
+                  <a:srgbClr val="212529"/>
+                </a:solidFill>
+                <a:latin typeface="Arial" panose="020B0604020202020204" pitchFamily="34" charset="0"/>
+              </a:rPr>
+            </a:br>
+            <a:r>
+              <a:rPr lang="en-US" sz="1600" dirty="0">
+                <a:solidFill>
+                  <a:srgbClr val="212529"/>
+                </a:solidFill>
+                <a:latin typeface="Arial" panose="020B0604020202020204" pitchFamily="34" charset="0"/>
+              </a:rPr>
+              <a:t>	Steering and </a:t>
+            </a:r>
+            <a:r>
+              <a:rPr lang="en-US" sz="1600" dirty="0" err="1">
+                <a:solidFill>
+                  <a:srgbClr val="212529"/>
+                </a:solidFill>
+                <a:latin typeface="Arial" panose="020B0604020202020204" pitchFamily="34" charset="0"/>
+              </a:rPr>
+              <a:t>cvip</a:t>
+            </a:r>
+            <a:r>
+              <a:rPr lang="en-US" sz="1600" dirty="0">
+                <a:solidFill>
+                  <a:srgbClr val="212529"/>
+                </a:solidFill>
+                <a:latin typeface="Arial" panose="020B0604020202020204" pitchFamily="34" charset="0"/>
+              </a:rPr>
+              <a:t>: -0.06898881039039098</a:t>
+            </a:r>
+            <a:br>
+              <a:rPr lang="en-US" sz="1600" dirty="0">
+                <a:solidFill>
+                  <a:srgbClr val="212529"/>
+                </a:solidFill>
+                <a:latin typeface="Arial" panose="020B0604020202020204" pitchFamily="34" charset="0"/>
+              </a:rPr>
+            </a:br>
+            <a:r>
+              <a:rPr lang="en-US" sz="1600" dirty="0">
+                <a:solidFill>
+                  <a:srgbClr val="212529"/>
+                </a:solidFill>
+                <a:latin typeface="Arial" panose="020B0604020202020204" pitchFamily="34" charset="0"/>
+              </a:rPr>
+              <a:t>	</a:t>
+            </a:r>
+            <a:r>
+              <a:rPr lang="en-US" sz="1600" dirty="0" err="1">
+                <a:solidFill>
+                  <a:srgbClr val="212529"/>
+                </a:solidFill>
+                <a:latin typeface="Arial" panose="020B0604020202020204" pitchFamily="34" charset="0"/>
+              </a:rPr>
+              <a:t>cvip</a:t>
+            </a:r>
+            <a:r>
+              <a:rPr lang="en-US" sz="1600" dirty="0">
+                <a:solidFill>
+                  <a:srgbClr val="212529"/>
+                </a:solidFill>
+                <a:latin typeface="Arial" panose="020B0604020202020204" pitchFamily="34" charset="0"/>
+              </a:rPr>
+              <a:t> and x: -0.3015787487970796</a:t>
+            </a:r>
+          </a:p>
+          <a:p>
+            <a:endParaRPr lang="en-US" sz="1600" dirty="0">
               <a:solidFill>
                 <a:srgbClr val="212529"/>
               </a:solidFill>
@@ -6819,75 +7021,33 @@
             </a:endParaRPr>
           </a:p>
           <a:p>
-            <a:pPr marL="342900" indent="-342900">
-              <a:buFont typeface="+mj-lt"/>
-              <a:buAutoNum type="alphaLcPeriod"/>
-            </a:pPr>
-            <a:endParaRPr lang="en-US" altLang="zh-CN" dirty="0">
-              <a:solidFill>
-                <a:srgbClr val="212529"/>
-              </a:solidFill>
-              <a:latin typeface="Arial" panose="020B0604020202020204" pitchFamily="34" charset="0"/>
-            </a:endParaRPr>
-          </a:p>
-          <a:p>
-            <a:pPr marL="342900" indent="-342900">
-              <a:buFont typeface="+mj-lt"/>
-              <a:buAutoNum type="alphaLcPeriod" startAt="2"/>
-            </a:pPr>
-            <a:r>
-              <a:rPr lang="en-US" sz="1800" b="0" i="0" u="none" strike="noStrike" dirty="0">
+            <a:r>
+              <a:rPr lang="en-US" sz="1600" dirty="0">
                 <a:solidFill>
                   <a:srgbClr val="212529"/>
                 </a:solidFill>
-                <a:effectLst/>
                 <a:latin typeface="Arial" panose="020B0604020202020204" pitchFamily="34" charset="0"/>
               </a:rPr>
-              <a:t>For the fields you identified as good accident indicators above, are they related (Calculate the Pearson correlation coefficient between each pair of the indicators to justify your answer)? If so, how does that affect the predicting power of using one indicator versus using all of them? </a:t>
-            </a:r>
-            <a:endParaRPr lang="en-US" altLang="zh-CN" dirty="0"/>
-          </a:p>
-          <a:p>
-            <a:pPr marL="285750" indent="-285750">
-              <a:buFont typeface="Arial" panose="020B0604020202020204" pitchFamily="34" charset="0"/>
-              <a:buChar char="•"/>
-            </a:pPr>
-            <a:endParaRPr lang="en-US" altLang="zh-CN" dirty="0"/>
-          </a:p>
-          <a:p>
-            <a:pPr marL="285750" indent="-285750">
-              <a:buFont typeface="Arial" panose="020B0604020202020204" pitchFamily="34" charset="0"/>
-              <a:buChar char="•"/>
-            </a:pPr>
-            <a:endParaRPr lang="en-US" dirty="0"/>
-          </a:p>
-          <a:p>
-            <a:pPr marL="285750" indent="-285750">
-              <a:buFont typeface="Arial" panose="020B0604020202020204" pitchFamily="34" charset="0"/>
-              <a:buChar char="•"/>
-            </a:pPr>
-            <a:endParaRPr lang="en-US" dirty="0"/>
-          </a:p>
-          <a:p>
-            <a:pPr marL="285750" indent="-285750">
-              <a:buFont typeface="Arial" panose="020B0604020202020204" pitchFamily="34" charset="0"/>
-              <a:buChar char="•"/>
-            </a:pPr>
-            <a:endParaRPr lang="en-US" dirty="0"/>
-          </a:p>
-          <a:p>
-            <a:pPr marL="285750" indent="-285750">
-              <a:buFont typeface="Arial" panose="020B0604020202020204" pitchFamily="34" charset="0"/>
-              <a:buChar char="•"/>
-            </a:pPr>
-            <a:endParaRPr lang="en-US" dirty="0"/>
-          </a:p>
-          <a:p>
-            <a:pPr marL="285750" indent="-285750">
-              <a:buFont typeface="Arial" panose="020B0604020202020204" pitchFamily="34" charset="0"/>
-              <a:buChar char="•"/>
-            </a:pPr>
-            <a:endParaRPr lang="en-US" dirty="0"/>
+              <a:t>Although we don’t have enough collinearity with these features to have a major negative difference in the predicting power, in general we would want to avoid using features with higher correlation since it would take away from the predicting power by skewing the data. Of the above options, </a:t>
+            </a:r>
+            <a:r>
+              <a:rPr lang="en-US" sz="1600" dirty="0" err="1">
+                <a:solidFill>
+                  <a:srgbClr val="212529"/>
+                </a:solidFill>
+                <a:latin typeface="Arial" panose="020B0604020202020204" pitchFamily="34" charset="0"/>
+              </a:rPr>
+              <a:t>cvip</a:t>
+            </a:r>
+            <a:r>
+              <a:rPr lang="en-US" sz="1600" dirty="0">
+                <a:solidFill>
+                  <a:srgbClr val="212529"/>
+                </a:solidFill>
+                <a:latin typeface="Arial" panose="020B0604020202020204" pitchFamily="34" charset="0"/>
+              </a:rPr>
+              <a:t> and x are the most correlated and it may be redundant to include them both. That being said, since these features are relatively independent, using all of them would give us more predicting power than just using one of them.</a:t>
+            </a:r>
           </a:p>
         </p:txBody>
       </p:sp>
@@ -7026,38 +7186,26 @@
                 <a:effectLst/>
                 <a:latin typeface="Arial" panose="020B0604020202020204" pitchFamily="34" charset="0"/>
               </a:rPr>
-              <a:t> Task2.5 is indeed a good indicator of abnormal AV behavior, using the Kolmogorov–Smirnov two-sample test.</a:t>
-            </a:r>
-            <a:endParaRPr lang="en-US" altLang="zh-CN" dirty="0"/>
-          </a:p>
-          <a:p>
-            <a:pPr marL="342900" indent="-342900">
-              <a:buFont typeface="+mj-lt"/>
-              <a:buAutoNum type="alphaLcPeriod"/>
-            </a:pPr>
-            <a:r>
-              <a:rPr lang="en-US" sz="1800" b="0" i="0" u="none" strike="noStrike" dirty="0">
+              <a:t> Task2.5 is indeed a good </a:t>
+            </a:r>
+            <a:r>
+              <a:rPr lang="en-US" dirty="0">
                 <a:solidFill>
                   <a:srgbClr val="212529"/>
                 </a:solidFill>
-                <a:effectLst/>
                 <a:latin typeface="Arial" panose="020B0604020202020204" pitchFamily="34" charset="0"/>
               </a:rPr>
-              <a:t>Construct the null and the alternative hypothesis and state them below</a:t>
-            </a:r>
-          </a:p>
-          <a:p>
-            <a:pPr lvl="1"/>
-            <a:r>
-              <a:rPr lang="en-US" altLang="zh-CN" dirty="0">
+              <a:t>indicator of abnormal AV behavior, using the Kolmogorov–Smirnov two-sample test.</a:t>
+            </a:r>
+            <a:br>
+              <a:rPr lang="en-US" dirty="0">
                 <a:solidFill>
                   <a:srgbClr val="212529"/>
                 </a:solidFill>
                 <a:latin typeface="Arial" panose="020B0604020202020204" pitchFamily="34" charset="0"/>
               </a:rPr>
-              <a:t>H0:</a:t>
-            </a:r>
-            <a:endParaRPr lang="en-US" dirty="0">
+            </a:br>
+            <a:endParaRPr lang="en-US" altLang="zh-CN" dirty="0">
               <a:solidFill>
                 <a:srgbClr val="212529"/>
               </a:solidFill>
@@ -7065,6 +7213,47 @@
             </a:endParaRPr>
           </a:p>
           <a:p>
+            <a:pPr marL="342900" indent="-342900">
+              <a:buFont typeface="+mj-lt"/>
+              <a:buAutoNum type="alphaLcPeriod"/>
+            </a:pPr>
+            <a:r>
+              <a:rPr lang="en-US" dirty="0">
+                <a:solidFill>
+                  <a:srgbClr val="212529"/>
+                </a:solidFill>
+                <a:latin typeface="Arial" panose="020B0604020202020204" pitchFamily="34" charset="0"/>
+              </a:rPr>
+              <a:t>Construct </a:t>
+            </a:r>
+            <a:r>
+              <a:rPr lang="en-US" sz="1800" b="0" i="0" u="none" strike="noStrike" dirty="0">
+                <a:solidFill>
+                  <a:srgbClr val="212529"/>
+                </a:solidFill>
+                <a:effectLst/>
+                <a:latin typeface="Arial" panose="020B0604020202020204" pitchFamily="34" charset="0"/>
+              </a:rPr>
+              <a:t>the null and the alternative hypothesis and state them below</a:t>
+            </a:r>
+            <a:br>
+              <a:rPr lang="en-US" sz="1800" b="0" i="0" u="none" strike="noStrike" dirty="0">
+                <a:solidFill>
+                  <a:srgbClr val="212529"/>
+                </a:solidFill>
+                <a:effectLst/>
+                <a:latin typeface="Arial" panose="020B0604020202020204" pitchFamily="34" charset="0"/>
+              </a:rPr>
+            </a:br>
+            <a:endParaRPr lang="en-US" sz="1800" b="0" i="0" u="none" strike="noStrike" dirty="0">
+              <a:solidFill>
+                <a:srgbClr val="212529"/>
+              </a:solidFill>
+              <a:effectLst/>
+              <a:latin typeface="Arial" panose="020B0604020202020204" pitchFamily="34" charset="0"/>
+            </a:endParaRPr>
+          </a:p>
+          <a:p>
             <a:pPr lvl="1"/>
             <a:r>
               <a:rPr lang="en-US" altLang="zh-CN" dirty="0">
@@ -7073,11 +7262,121 @@
                 </a:solidFill>
                 <a:latin typeface="Arial" panose="020B0604020202020204" pitchFamily="34" charset="0"/>
               </a:rPr>
-              <a:t>H1:</a:t>
-            </a:r>
-          </a:p>
-          <a:p>
-            <a:pPr marL="800100" lvl="1" indent="-342900">
+              <a:t>H0:</a:t>
+            </a:r>
+            <a:r>
+              <a:rPr lang="en-US" b="0" dirty="0">
+                <a:solidFill>
+                  <a:srgbClr val="D4D4D4"/>
+                </a:solidFill>
+                <a:effectLst/>
+                <a:latin typeface="Consolas" panose="020B0609020204030204" pitchFamily="49" charset="0"/>
+              </a:rPr>
+              <a:t> </a:t>
+            </a:r>
+            <a:r>
+              <a:rPr lang="en-US" dirty="0">
+                <a:solidFill>
+                  <a:srgbClr val="212529"/>
+                </a:solidFill>
+                <a:latin typeface="Arial" panose="020B0604020202020204" pitchFamily="34" charset="0"/>
+              </a:rPr>
+              <a:t>There is no significant difference between the x variable distributions between the normal and abnormal runs. </a:t>
+            </a:r>
+          </a:p>
+          <a:p>
+            <a:pPr lvl="1"/>
+            <a:r>
+              <a:rPr lang="en-US" altLang="zh-CN" dirty="0">
+                <a:solidFill>
+                  <a:srgbClr val="212529"/>
+                </a:solidFill>
+                <a:latin typeface="Arial" panose="020B0604020202020204" pitchFamily="34" charset="0"/>
+              </a:rPr>
+              <a:t>H1: </a:t>
+            </a:r>
+            <a:r>
+              <a:rPr lang="en-US" dirty="0">
+                <a:solidFill>
+                  <a:srgbClr val="212529"/>
+                </a:solidFill>
+                <a:latin typeface="Arial" panose="020B0604020202020204" pitchFamily="34" charset="0"/>
+              </a:rPr>
+              <a:t>There is a significant difference between the x variable distributions between the normal and abnormal runs.</a:t>
+            </a:r>
+          </a:p>
+          <a:p>
+            <a:pPr lvl="1"/>
+            <a:endParaRPr lang="en-US" b="0" i="0" u="none" strike="noStrike" dirty="0">
+              <a:solidFill>
+                <a:srgbClr val="212529"/>
+              </a:solidFill>
+              <a:effectLst/>
+              <a:latin typeface="Arial" panose="020B0604020202020204" pitchFamily="34" charset="0"/>
+            </a:endParaRPr>
+          </a:p>
+          <a:p>
+            <a:pPr marL="342900" indent="-342900">
+              <a:buFont typeface="+mj-lt"/>
+              <a:buAutoNum type="alphaLcPeriod"/>
+            </a:pPr>
+            <a:r>
+              <a:rPr lang="en-US" sz="1800" b="0" i="0" u="none" strike="noStrike" dirty="0">
+                <a:solidFill>
+                  <a:srgbClr val="212529"/>
+                </a:solidFill>
+                <a:effectLst/>
+                <a:latin typeface="Arial" panose="020B0604020202020204" pitchFamily="34" charset="0"/>
+              </a:rPr>
+              <a:t>Perform the KS two-sample test and calculate its statistics.</a:t>
+            </a:r>
+            <a:br>
+              <a:rPr lang="en-US" sz="1800" b="0" i="0" u="none" strike="noStrike" dirty="0">
+                <a:solidFill>
+                  <a:srgbClr val="212529"/>
+                </a:solidFill>
+                <a:effectLst/>
+                <a:latin typeface="Arial" panose="020B0604020202020204" pitchFamily="34" charset="0"/>
+              </a:rPr>
+            </a:br>
+            <a:br>
+              <a:rPr lang="en-US" sz="1800" b="0" i="0" u="none" strike="noStrike" dirty="0">
+                <a:solidFill>
+                  <a:srgbClr val="212529"/>
+                </a:solidFill>
+                <a:effectLst/>
+                <a:latin typeface="Arial" panose="020B0604020202020204" pitchFamily="34" charset="0"/>
+              </a:rPr>
+            </a:br>
+            <a:r>
+              <a:rPr lang="en-US" dirty="0">
+                <a:solidFill>
+                  <a:srgbClr val="212529"/>
+                </a:solidFill>
+                <a:latin typeface="Arial" panose="020B0604020202020204" pitchFamily="34" charset="0"/>
+              </a:rPr>
+              <a:t>T-statistic: 0.5740786464011629</a:t>
+            </a:r>
+            <a:br>
+              <a:rPr lang="en-US" dirty="0">
+                <a:solidFill>
+                  <a:srgbClr val="212529"/>
+                </a:solidFill>
+                <a:latin typeface="Arial" panose="020B0604020202020204" pitchFamily="34" charset="0"/>
+              </a:rPr>
+            </a:br>
+            <a:r>
+              <a:rPr lang="en-US" dirty="0">
+                <a:solidFill>
+                  <a:srgbClr val="212529"/>
+                </a:solidFill>
+                <a:latin typeface="Arial" panose="020B0604020202020204" pitchFamily="34" charset="0"/>
+              </a:rPr>
+              <a:t>P-value: 2.6613101312928488*e^(-269)</a:t>
+            </a:r>
+          </a:p>
+          <a:p>
+            <a:pPr marL="342900" indent="-342900">
               <a:buFont typeface="+mj-lt"/>
               <a:buAutoNum type="alphaLcPeriod"/>
             </a:pPr>
@@ -7102,7 +7401,7 @@
                 <a:effectLst/>
                 <a:latin typeface="Arial" panose="020B0604020202020204" pitchFamily="34" charset="0"/>
               </a:rPr>
-              <a:t>Perform the KS two-sample test and calculate its statistics.</a:t>
+              <a:t>Assume a significance level of 0.05, what is your conclusion? </a:t>
             </a:r>
             <a:br>
               <a:rPr lang="en-US" sz="1800" b="0" i="0" u="none" strike="noStrike" dirty="0">
@@ -7113,110 +7412,16 @@
                 <a:latin typeface="Arial" panose="020B0604020202020204" pitchFamily="34" charset="0"/>
               </a:rPr>
             </a:br>
-            <a:endParaRPr lang="en-US" altLang="zh-CN" b="0" i="0" u="none" strike="noStrike" dirty="0">
-              <a:solidFill>
-                <a:srgbClr val="212529"/>
-              </a:solidFill>
-              <a:effectLst/>
-              <a:latin typeface="Arial" panose="020B0604020202020204" pitchFamily="34" charset="0"/>
-            </a:endParaRPr>
-          </a:p>
-          <a:p>
-            <a:pPr marL="800100" lvl="1" indent="-342900">
-              <a:buFont typeface="+mj-lt"/>
-              <a:buAutoNum type="alphaLcPeriod"/>
-            </a:pPr>
-            <a:endParaRPr lang="en-US" b="0" i="0" u="none" strike="noStrike" dirty="0">
-              <a:solidFill>
-                <a:srgbClr val="212529"/>
-              </a:solidFill>
-              <a:effectLst/>
-              <a:latin typeface="Arial" panose="020B0604020202020204" pitchFamily="34" charset="0"/>
-            </a:endParaRPr>
-          </a:p>
-          <a:p>
-            <a:pPr marL="342900" indent="-342900">
-              <a:buFont typeface="+mj-lt"/>
-              <a:buAutoNum type="alphaLcPeriod"/>
-            </a:pPr>
-            <a:r>
-              <a:rPr lang="en-US" sz="1800" b="0" i="0" u="none" strike="noStrike" dirty="0">
+            <a:r>
+              <a:rPr lang="en-US" dirty="0">
                 <a:solidFill>
                   <a:srgbClr val="212529"/>
                 </a:solidFill>
-                <a:effectLst/>
                 <a:latin typeface="Arial" panose="020B0604020202020204" pitchFamily="34" charset="0"/>
               </a:rPr>
-              <a:t>Assume a significance level of 0.05, what is your conclusion? </a:t>
+              <a:t>There exists significant evidence to reject the Null Hypothesis.</a:t>
             </a:r>
             <a:endParaRPr lang="en-US" dirty="0"/>
-          </a:p>
-          <a:p>
-            <a:pPr marL="342900" indent="-342900">
-              <a:buFont typeface="+mj-lt"/>
-              <a:buAutoNum type="alphaLcPeriod"/>
-            </a:pPr>
-            <a:endParaRPr lang="en-US" dirty="0"/>
-          </a:p>
-          <a:p>
-            <a:pPr marL="342900" indent="-342900">
-              <a:buFont typeface="+mj-lt"/>
-              <a:buAutoNum type="alphaLcPeriod"/>
-            </a:pPr>
-            <a:endParaRPr lang="en-US" dirty="0"/>
-          </a:p>
-          <a:p>
-            <a:pPr marL="342900" indent="-342900">
-              <a:buFont typeface="+mj-lt"/>
-              <a:buAutoNum type="alphaLcPeriod"/>
-            </a:pPr>
-            <a:r>
-              <a:rPr lang="en-US" sz="1800" b="0" i="0" u="none" strike="noStrike" dirty="0">
-                <a:solidFill>
-                  <a:srgbClr val="212529"/>
-                </a:solidFill>
-                <a:effectLst/>
-                <a:latin typeface="Arial" panose="020B0604020202020204" pitchFamily="34" charset="0"/>
-              </a:rPr>
-              <a:t>Repeat the same test on a feature that you did not select as an indicator of abnormal behavior in Task 2.5, what is your conclusion?</a:t>
-            </a:r>
-          </a:p>
-          <a:p>
-            <a:pPr marL="342900" indent="-342900">
-              <a:buFont typeface="+mj-lt"/>
-              <a:buAutoNum type="alphaLcPeriod"/>
-            </a:pPr>
-            <a:endParaRPr lang="en-US" dirty="0">
-              <a:solidFill>
-                <a:srgbClr val="212529"/>
-              </a:solidFill>
-              <a:latin typeface="Arial" panose="020B0604020202020204" pitchFamily="34" charset="0"/>
-            </a:endParaRPr>
-          </a:p>
-          <a:p>
-            <a:endParaRPr lang="en-US" sz="1800" b="0" i="0" u="none" strike="noStrike" dirty="0">
-              <a:solidFill>
-                <a:srgbClr val="212529"/>
-              </a:solidFill>
-              <a:effectLst/>
-              <a:latin typeface="Arial" panose="020B0604020202020204" pitchFamily="34" charset="0"/>
-            </a:endParaRPr>
-          </a:p>
-          <a:p>
-            <a:pPr marL="342900" indent="-342900">
-              <a:buFont typeface="+mj-lt"/>
-              <a:buAutoNum type="alphaLcPeriod" startAt="5"/>
-            </a:pPr>
-            <a:r>
-              <a:rPr lang="en-US" sz="1800" b="0" i="0" u="none" strike="noStrike" dirty="0">
-                <a:solidFill>
-                  <a:srgbClr val="212529"/>
-                </a:solidFill>
-                <a:effectLst/>
-                <a:latin typeface="Arial" panose="020B0604020202020204" pitchFamily="34" charset="0"/>
-              </a:rPr>
-              <a:t>What are the major differences between the KS test and the t-test?</a:t>
-            </a:r>
           </a:p>
           <a:p>
             <a:r>
@@ -7303,123 +7508,162 @@
       </p:grpSpPr>
       <p:sp>
         <p:nvSpPr>
-          <p:cNvPr id="5" name="TextBox 4">
-            <a:extLst>
-              <a:ext uri="{FF2B5EF4-FFF2-40B4-BE49-F238E27FC236}">
-                <a16:creationId xmlns:a16="http://schemas.microsoft.com/office/drawing/2014/main" id="{F0E19196-DC92-A64D-B6B9-C7B9A0673305}"/>
-              </a:ext>
-            </a:extLst>
-          </p:cNvPr>
-          <p:cNvSpPr txBox="1"/>
-          <p:nvPr/>
-        </p:nvSpPr>
-        <p:spPr>
-          <a:xfrm>
-            <a:off x="513729" y="1095875"/>
-            <a:ext cx="10720328" cy="2308324"/>
-          </a:xfrm>
-          <a:prstGeom prst="rect">
-            <a:avLst/>
-          </a:prstGeom>
-          <a:noFill/>
-        </p:spPr>
-        <p:txBody>
-          <a:bodyPr wrap="square" rtlCol="0">
-            <a:spAutoFit/>
+          <p:cNvPr id="3" name="Content Placeholder 2">
+            <a:extLst>
+              <a:ext uri="{FF2B5EF4-FFF2-40B4-BE49-F238E27FC236}">
+                <a16:creationId xmlns:a16="http://schemas.microsoft.com/office/drawing/2014/main" id="{11296798-FBE8-A93D-DB20-4ADCC2C0FDEB}"/>
+              </a:ext>
+            </a:extLst>
+          </p:cNvPr>
+          <p:cNvSpPr>
+            <a:spLocks noGrp="1"/>
+          </p:cNvSpPr>
+          <p:nvPr>
+            <p:ph idx="1"/>
+          </p:nvPr>
+        </p:nvSpPr>
+        <p:spPr>
+          <a:xfrm>
+            <a:off x="548951" y="538000"/>
+            <a:ext cx="10515600" cy="5685517"/>
+          </a:xfrm>
+        </p:spPr>
+        <p:txBody>
+          <a:bodyPr>
+            <a:normAutofit/>
           </a:bodyPr>
           <a:lstStyle/>
           <a:p>
-            <a:r>
-              <a:rPr lang="en-US" dirty="0"/>
-              <a:t>Q7: </a:t>
-            </a:r>
-            <a:r>
-              <a:rPr lang="en-US" altLang="zh-CN" dirty="0">
+            <a:pPr marL="0" indent="0">
+              <a:buNone/>
+            </a:pPr>
+            <a:r>
+              <a:rPr lang="en-US" sz="1800" dirty="0">
+                <a:solidFill>
+                  <a:srgbClr val="212529"/>
+                </a:solidFill>
                 <a:latin typeface="Arial" panose="020B0604020202020204" pitchFamily="34" charset="0"/>
-                <a:cs typeface="Arial" panose="020B0604020202020204" pitchFamily="34" charset="0"/>
-              </a:rPr>
-              <a:t>Keeping in mind that this experiment is executed over a period of time, what assumption did you make when using the KS two-sample test on the distributions in Task2.6? Are you able to come up with one situation where this assumption fails?</a:t>
-            </a:r>
-          </a:p>
-          <a:p>
-            <a:pPr marL="285750" indent="-285750">
-              <a:buFont typeface="Arial" panose="020B0604020202020204" pitchFamily="34" charset="0"/>
-              <a:buChar char="•"/>
+              </a:rPr>
+              <a:t>d. Repeat the same test on a feature that you did not select as an indicator of abnormal behavior in Task 2.5, what is your conclusion?</a:t>
+            </a:r>
+            <a:br>
+              <a:rPr lang="en-US" sz="1800" dirty="0">
+                <a:solidFill>
+                  <a:srgbClr val="212529"/>
+                </a:solidFill>
+                <a:latin typeface="Arial" panose="020B0604020202020204" pitchFamily="34" charset="0"/>
+              </a:rPr>
+            </a:br>
+            <a:endParaRPr lang="en-US" sz="1800" dirty="0">
+              <a:solidFill>
+                <a:srgbClr val="212529"/>
+              </a:solidFill>
+              <a:latin typeface="Arial" panose="020B0604020202020204" pitchFamily="34" charset="0"/>
+            </a:endParaRPr>
+          </a:p>
+          <a:p>
+            <a:r>
+              <a:rPr lang="en-US" sz="1800" dirty="0">
+                <a:solidFill>
+                  <a:srgbClr val="212529"/>
+                </a:solidFill>
+                <a:latin typeface="Arial" panose="020B0604020202020204" pitchFamily="34" charset="0"/>
+              </a:rPr>
+              <a:t>Using ‘brake’ values of abnormal runs vs normal runs</a:t>
+            </a:r>
+          </a:p>
+          <a:p>
+            <a:r>
+              <a:rPr lang="en-US" sz="1800" dirty="0">
+                <a:solidFill>
+                  <a:srgbClr val="212529"/>
+                </a:solidFill>
+                <a:latin typeface="Arial" panose="020B0604020202020204" pitchFamily="34" charset="0"/>
+              </a:rPr>
+              <a:t>H0: There is no significant difference between the brake variable distributions between the normal and abnormal runs.  </a:t>
+            </a:r>
+          </a:p>
+          <a:p>
+            <a:r>
+              <a:rPr lang="en-US" sz="1800" dirty="0">
+                <a:solidFill>
+                  <a:srgbClr val="212529"/>
+                </a:solidFill>
+                <a:latin typeface="Arial" panose="020B0604020202020204" pitchFamily="34" charset="0"/>
+              </a:rPr>
+              <a:t>H1: There is a significant difference between the brake variable distributions between the normal and abnormal runs.</a:t>
+            </a:r>
+          </a:p>
+          <a:p>
+            <a:pPr marL="0" indent="0">
+              <a:buNone/>
             </a:pPr>
-            <a:endParaRPr lang="en-US" dirty="0"/>
-          </a:p>
-          <a:p>
-            <a:pPr marL="285750" indent="-285750">
-              <a:buFont typeface="Arial" panose="020B0604020202020204" pitchFamily="34" charset="0"/>
-              <a:buChar char="•"/>
+            <a:br>
+              <a:rPr lang="en-US" sz="1800" dirty="0">
+                <a:solidFill>
+                  <a:srgbClr val="212529"/>
+                </a:solidFill>
+                <a:latin typeface="Arial" panose="020B0604020202020204" pitchFamily="34" charset="0"/>
+              </a:rPr>
+            </a:br>
+            <a:r>
+              <a:rPr lang="en-US" sz="1800" dirty="0">
+                <a:solidFill>
+                  <a:srgbClr val="212529"/>
+                </a:solidFill>
+                <a:latin typeface="Arial" panose="020B0604020202020204" pitchFamily="34" charset="0"/>
+              </a:rPr>
+              <a:t>     T-statistic: 0.03556296628829175</a:t>
+            </a:r>
+          </a:p>
+          <a:p>
+            <a:pPr marL="0" indent="0">
+              <a:buNone/>
             </a:pPr>
-            <a:endParaRPr lang="en-US" dirty="0"/>
-          </a:p>
-          <a:p>
-            <a:pPr marL="285750" indent="-285750">
-              <a:buFont typeface="Arial" panose="020B0604020202020204" pitchFamily="34" charset="0"/>
-              <a:buChar char="•"/>
+            <a:r>
+              <a:rPr lang="en-US" sz="1800" dirty="0">
+                <a:solidFill>
+                  <a:srgbClr val="212529"/>
+                </a:solidFill>
+                <a:latin typeface="Arial" panose="020B0604020202020204" pitchFamily="34" charset="0"/>
+              </a:rPr>
+              <a:t>     P-value: 0.210072458272195</a:t>
+            </a:r>
+          </a:p>
+          <a:p>
+            <a:pPr marL="0" indent="0">
+              <a:buNone/>
             </a:pPr>
-            <a:endParaRPr lang="en-US" dirty="0"/>
-          </a:p>
-          <a:p>
-            <a:pPr marL="285750" indent="-285750">
-              <a:buFont typeface="Arial" panose="020B0604020202020204" pitchFamily="34" charset="0"/>
-              <a:buChar char="•"/>
-            </a:pPr>
-            <a:endParaRPr lang="en-US" dirty="0"/>
-          </a:p>
-          <a:p>
-            <a:pPr marL="285750" indent="-285750">
-              <a:buFont typeface="Arial" panose="020B0604020202020204" pitchFamily="34" charset="0"/>
-              <a:buChar char="•"/>
-            </a:pPr>
-            <a:endParaRPr lang="en-US" dirty="0"/>
-          </a:p>
-        </p:txBody>
-      </p:sp>
-      <p:sp>
-        <p:nvSpPr>
-          <p:cNvPr id="2" name="Title 1">
-            <a:extLst>
-              <a:ext uri="{FF2B5EF4-FFF2-40B4-BE49-F238E27FC236}">
-                <a16:creationId xmlns:a16="http://schemas.microsoft.com/office/drawing/2014/main" id="{D734AE09-0795-4ADD-AD9A-B34B3AE4F422}"/>
-              </a:ext>
-            </a:extLst>
-          </p:cNvPr>
-          <p:cNvSpPr>
-            <a:spLocks noGrp="1"/>
-          </p:cNvSpPr>
-          <p:nvPr>
-            <p:ph type="title"/>
-          </p:nvPr>
-        </p:nvSpPr>
-        <p:spPr>
-          <a:xfrm>
-            <a:off x="838200" y="65130"/>
-            <a:ext cx="10515600" cy="1030745"/>
-          </a:xfrm>
-        </p:spPr>
-        <p:txBody>
-          <a:bodyPr/>
-          <a:lstStyle/>
-          <a:p>
-            <a:r>
-              <a:rPr lang="en-US" dirty="0"/>
-              <a:t>Task </a:t>
-            </a:r>
-            <a:r>
-              <a:rPr lang="en-US" altLang="zh-CN" dirty="0"/>
-              <a:t>2</a:t>
-            </a:r>
-            <a:endParaRPr lang="en-US" dirty="0"/>
+            <a:r>
+              <a:rPr lang="en-US" sz="1800" dirty="0">
+                <a:solidFill>
+                  <a:srgbClr val="212529"/>
+                </a:solidFill>
+                <a:latin typeface="Arial" panose="020B0604020202020204" pitchFamily="34" charset="0"/>
+              </a:rPr>
+              <a:t> Failed to reject Null Hypothesis.</a:t>
+            </a:r>
+            <a:endParaRPr lang="en-US" sz="1600" dirty="0">
+              <a:solidFill>
+                <a:srgbClr val="212529"/>
+              </a:solidFill>
+              <a:latin typeface="Arial" panose="020B0604020202020204" pitchFamily="34" charset="0"/>
+            </a:endParaRPr>
+          </a:p>
+          <a:p>
+            <a:endParaRPr lang="en-US" sz="1600" dirty="0">
+              <a:solidFill>
+                <a:srgbClr val="212529"/>
+              </a:solidFill>
+              <a:latin typeface="Arial" panose="020B0604020202020204" pitchFamily="34" charset="0"/>
+            </a:endParaRPr>
           </a:p>
         </p:txBody>
       </p:sp>
     </p:spTree>
     <p:extLst>
       <p:ext uri="{BB962C8B-B14F-4D97-AF65-F5344CB8AC3E}">
-        <p14:creationId xmlns:p14="http://schemas.microsoft.com/office/powerpoint/2010/main" val="3824790624"/>
+        <p14:creationId xmlns:p14="http://schemas.microsoft.com/office/powerpoint/2010/main" val="3865866528"/>
       </p:ext>
     </p:extLst>
   </p:cSld>
@@ -7448,6 +7692,229 @@
       </p:grpSpPr>
       <p:sp>
         <p:nvSpPr>
+          <p:cNvPr id="3" name="Content Placeholder 2">
+            <a:extLst>
+              <a:ext uri="{FF2B5EF4-FFF2-40B4-BE49-F238E27FC236}">
+                <a16:creationId xmlns:a16="http://schemas.microsoft.com/office/drawing/2014/main" id="{04FC6AB8-4156-93D8-0956-C313B783CDC1}"/>
+              </a:ext>
+            </a:extLst>
+          </p:cNvPr>
+          <p:cNvSpPr>
+            <a:spLocks noGrp="1"/>
+          </p:cNvSpPr>
+          <p:nvPr>
+            <p:ph idx="1"/>
+          </p:nvPr>
+        </p:nvSpPr>
+        <p:spPr>
+          <a:xfrm>
+            <a:off x="838200" y="606490"/>
+            <a:ext cx="10515600" cy="5570473"/>
+          </a:xfrm>
+        </p:spPr>
+        <p:txBody>
+          <a:bodyPr>
+            <a:normAutofit/>
+          </a:bodyPr>
+          <a:lstStyle/>
+          <a:p>
+            <a:pPr marL="0" indent="0">
+              <a:buNone/>
+            </a:pPr>
+            <a:r>
+              <a:rPr lang="en-US" sz="2000" dirty="0">
+                <a:solidFill>
+                  <a:srgbClr val="212529"/>
+                </a:solidFill>
+                <a:latin typeface="Arial" panose="020B0604020202020204" pitchFamily="34" charset="0"/>
+              </a:rPr>
+              <a:t>e. What are the major differences between the KS test and the t-test?</a:t>
+            </a:r>
+          </a:p>
+          <a:p>
+            <a:pPr marL="0" indent="0">
+              <a:buNone/>
+            </a:pPr>
+            <a:endParaRPr lang="en-US" sz="2000" dirty="0">
+              <a:solidFill>
+                <a:srgbClr val="212529"/>
+              </a:solidFill>
+              <a:latin typeface="Arial" panose="020B0604020202020204" pitchFamily="34" charset="0"/>
+            </a:endParaRPr>
+          </a:p>
+          <a:p>
+            <a:pPr marL="0" indent="0">
+              <a:buNone/>
+            </a:pPr>
+            <a:r>
+              <a:rPr lang="en-US" sz="2000" dirty="0">
+                <a:solidFill>
+                  <a:srgbClr val="212529"/>
+                </a:solidFill>
+                <a:latin typeface="Arial" panose="020B0604020202020204" pitchFamily="34" charset="0"/>
+              </a:rPr>
+              <a:t>Some of the major differences between the t-test and KS test include the following:</a:t>
+            </a:r>
+          </a:p>
+          <a:p>
+            <a:r>
+              <a:rPr lang="en-US" sz="2000" dirty="0">
+                <a:solidFill>
+                  <a:srgbClr val="212529"/>
+                </a:solidFill>
+                <a:latin typeface="Arial" panose="020B0604020202020204" pitchFamily="34" charset="0"/>
+              </a:rPr>
+              <a:t>T-test:</a:t>
+            </a:r>
+          </a:p>
+          <a:p>
+            <a:pPr lvl="1"/>
+            <a:r>
+              <a:rPr lang="en-US" sz="1600" dirty="0">
+                <a:solidFill>
+                  <a:srgbClr val="212529"/>
+                </a:solidFill>
+                <a:latin typeface="Arial" panose="020B0604020202020204" pitchFamily="34" charset="0"/>
+              </a:rPr>
+              <a:t>Measures the difference in means.</a:t>
+            </a:r>
+          </a:p>
+          <a:p>
+            <a:pPr lvl="1"/>
+            <a:r>
+              <a:rPr lang="en-US" sz="1600" dirty="0">
+                <a:solidFill>
+                  <a:srgbClr val="212529"/>
+                </a:solidFill>
+                <a:latin typeface="Arial" panose="020B0604020202020204" pitchFamily="34" charset="0"/>
+              </a:rPr>
+              <a:t>Used to determine whether two groups have different true means.</a:t>
+            </a:r>
+          </a:p>
+          <a:p>
+            <a:pPr lvl="1"/>
+            <a:r>
+              <a:rPr lang="en-US" sz="1600" dirty="0">
+                <a:solidFill>
+                  <a:srgbClr val="212529"/>
+                </a:solidFill>
+                <a:latin typeface="Arial" panose="020B0604020202020204" pitchFamily="34" charset="0"/>
+              </a:rPr>
+              <a:t>Statistic calculated with the pooled standard error and the number of observations in each group.</a:t>
+            </a:r>
+          </a:p>
+          <a:p>
+            <a:r>
+              <a:rPr lang="en-US" sz="2000" dirty="0">
+                <a:solidFill>
+                  <a:srgbClr val="212529"/>
+                </a:solidFill>
+                <a:latin typeface="Arial" panose="020B0604020202020204" pitchFamily="34" charset="0"/>
+              </a:rPr>
+              <a:t>KS-test:</a:t>
+            </a:r>
+          </a:p>
+          <a:p>
+            <a:pPr lvl="1"/>
+            <a:r>
+              <a:rPr lang="en-US" sz="1600" dirty="0">
+                <a:solidFill>
+                  <a:srgbClr val="212529"/>
+                </a:solidFill>
+                <a:latin typeface="Arial" panose="020B0604020202020204" pitchFamily="34" charset="0"/>
+              </a:rPr>
+              <a:t>    - Measures the maximum difference between CDFs of two samples.</a:t>
+            </a:r>
+          </a:p>
+          <a:p>
+            <a:pPr lvl="1"/>
+            <a:r>
+              <a:rPr lang="en-US" sz="1600" dirty="0">
+                <a:solidFill>
+                  <a:srgbClr val="212529"/>
+                </a:solidFill>
+                <a:latin typeface="Arial" panose="020B0604020202020204" pitchFamily="34" charset="0"/>
+              </a:rPr>
+              <a:t>    - Determines whether samples are drawn from different distributions.</a:t>
+            </a:r>
+          </a:p>
+          <a:p>
+            <a:pPr lvl="1"/>
+            <a:r>
+              <a:rPr lang="en-US" sz="1600" dirty="0">
+                <a:solidFill>
+                  <a:srgbClr val="212529"/>
+                </a:solidFill>
+                <a:latin typeface="Arial" panose="020B0604020202020204" pitchFamily="34" charset="0"/>
+              </a:rPr>
+              <a:t>    - Incorporates number of observations but NOT pooled standard error, or any measure of spread.</a:t>
+            </a:r>
+          </a:p>
+          <a:p>
+            <a:pPr marL="457200" lvl="1" indent="0">
+              <a:buNone/>
+            </a:pPr>
+            <a:endParaRPr lang="en-US" sz="1600" dirty="0">
+              <a:solidFill>
+                <a:srgbClr val="212529"/>
+              </a:solidFill>
+              <a:latin typeface="Arial" panose="020B0604020202020204" pitchFamily="34" charset="0"/>
+            </a:endParaRPr>
+          </a:p>
+          <a:p>
+            <a:pPr marL="0" indent="0">
+              <a:buNone/>
+            </a:pPr>
+            <a:r>
+              <a:rPr lang="en-US" sz="2000" dirty="0">
+                <a:solidFill>
+                  <a:srgbClr val="212529"/>
+                </a:solidFill>
+                <a:latin typeface="Arial" panose="020B0604020202020204" pitchFamily="34" charset="0"/>
+              </a:rPr>
+              <a:t>The t-test looks squarely at the means, though still taking account for variance (standard error) and group size. The KS-test looks at the distribution as a whole and any large discrepancies within. </a:t>
+            </a:r>
+          </a:p>
+          <a:p>
+            <a:pPr marL="0" indent="0">
+              <a:buNone/>
+            </a:pPr>
+            <a:endParaRPr lang="en-US" sz="2000" dirty="0"/>
+          </a:p>
+        </p:txBody>
+      </p:sp>
+    </p:spTree>
+    <p:extLst>
+      <p:ext uri="{BB962C8B-B14F-4D97-AF65-F5344CB8AC3E}">
+        <p14:creationId xmlns:p14="http://schemas.microsoft.com/office/powerpoint/2010/main" val="1154912966"/>
+      </p:ext>
+    </p:extLst>
+  </p:cSld>
+  <p:clrMapOvr>
+    <a:masterClrMapping/>
+  </p:clrMapOvr>
+</p:sld>
+</file>
+
+<file path=ppt/slides/slide26.xml><?xml version="1.0" encoding="utf-8"?>
+<p:sld xmlns:a="http://schemas.openxmlformats.org/drawingml/2006/main" xmlns:r="http://schemas.openxmlformats.org/officeDocument/2006/relationships" xmlns:p="http://schemas.openxmlformats.org/presentationml/2006/main">
+  <p:cSld>
+    <p:spTree>
+      <p:nvGrpSpPr>
+        <p:cNvPr id="1" name=""/>
+        <p:cNvGrpSpPr/>
+        <p:nvPr/>
+      </p:nvGrpSpPr>
+      <p:grpSpPr>
+        <a:xfrm>
+          <a:off x="0" y="0"/>
+          <a:ext cx="0" cy="0"/>
+          <a:chOff x="0" y="0"/>
+          <a:chExt cx="0" cy="0"/>
+        </a:xfrm>
+      </p:grpSpPr>
+      <p:sp>
+        <p:nvSpPr>
           <p:cNvPr id="5" name="TextBox 4">
             <a:extLst>
               <a:ext uri="{FF2B5EF4-FFF2-40B4-BE49-F238E27FC236}">
@@ -7461,7 +7928,171 @@
         <p:spPr>
           <a:xfrm>
             <a:off x="513729" y="1095875"/>
-            <a:ext cx="10720328" cy="2585323"/>
+            <a:ext cx="10720328" cy="4247317"/>
+          </a:xfrm>
+          <a:prstGeom prst="rect">
+            <a:avLst/>
+          </a:prstGeom>
+          <a:noFill/>
+        </p:spPr>
+        <p:txBody>
+          <a:bodyPr wrap="square" rtlCol="0">
+            <a:spAutoFit/>
+          </a:bodyPr>
+          <a:lstStyle/>
+          <a:p>
+            <a:r>
+              <a:rPr lang="en-US" dirty="0"/>
+              <a:t>Q7: </a:t>
+            </a:r>
+            <a:r>
+              <a:rPr lang="en-US" altLang="zh-CN" dirty="0">
+                <a:latin typeface="Arial" panose="020B0604020202020204" pitchFamily="34" charset="0"/>
+                <a:cs typeface="Arial" panose="020B0604020202020204" pitchFamily="34" charset="0"/>
+              </a:rPr>
+              <a:t>Keeping in mind that this experiment is executed over a period of time, what assumption did you make when using the KS two-sample test on the distributions in Task2.6? Are you able to come up with one situation where this assumption fails?</a:t>
+            </a:r>
+          </a:p>
+          <a:p>
+            <a:pPr marL="285750" indent="-285750">
+              <a:buFont typeface="Arial" panose="020B0604020202020204" pitchFamily="34" charset="0"/>
+              <a:buChar char="•"/>
+            </a:pPr>
+            <a:endParaRPr lang="en-US" dirty="0"/>
+          </a:p>
+          <a:p>
+            <a:r>
+              <a:rPr lang="en-US" dirty="0">
+                <a:latin typeface="Arial" panose="020B0604020202020204" pitchFamily="34" charset="0"/>
+                <a:cs typeface="Arial" panose="020B0604020202020204" pitchFamily="34" charset="0"/>
+              </a:rPr>
+              <a:t>The assumption we took was that all variables are independent to properly take the KS two-sample test on the distributions of task2.6. This means treating the data as if each moment in the simulation is independent of the previous one when actually it is not. This assumption fails when events happening in the simulation are dependent on the ones that happened before, for example, the braking part of the simulation. As the AV has a reaction time, as he sees the car beginning to cut him off (t-1) in timeframe t he reacts in a way that is dependent on t-1 and initiating breaking, making v, the throttle, braking, and </a:t>
+            </a:r>
+            <a:r>
+              <a:rPr lang="en-US" dirty="0" err="1">
+                <a:latin typeface="Arial" panose="020B0604020202020204" pitchFamily="34" charset="0"/>
+                <a:cs typeface="Arial" panose="020B0604020202020204" pitchFamily="34" charset="0"/>
+              </a:rPr>
+              <a:t>cvip</a:t>
+            </a:r>
+            <a:r>
+              <a:rPr lang="en-US" dirty="0">
+                <a:latin typeface="Arial" panose="020B0604020202020204" pitchFamily="34" charset="0"/>
+                <a:cs typeface="Arial" panose="020B0604020202020204" pitchFamily="34" charset="0"/>
+              </a:rPr>
+              <a:t> at time t also dependent at time t-1 therefore making this assumption fail.</a:t>
+            </a:r>
+          </a:p>
+          <a:p>
+            <a:endParaRPr lang="en-US" dirty="0"/>
+          </a:p>
+          <a:p>
+            <a:pPr marL="285750" indent="-285750">
+              <a:buFont typeface="Arial" panose="020B0604020202020204" pitchFamily="34" charset="0"/>
+              <a:buChar char="•"/>
+            </a:pPr>
+            <a:endParaRPr lang="en-US" dirty="0"/>
+          </a:p>
+          <a:p>
+            <a:pPr marL="285750" indent="-285750">
+              <a:buFont typeface="Arial" panose="020B0604020202020204" pitchFamily="34" charset="0"/>
+              <a:buChar char="•"/>
+            </a:pPr>
+            <a:endParaRPr lang="en-US" dirty="0"/>
+          </a:p>
+          <a:p>
+            <a:pPr marL="285750" indent="-285750">
+              <a:buFont typeface="Arial" panose="020B0604020202020204" pitchFamily="34" charset="0"/>
+              <a:buChar char="•"/>
+            </a:pPr>
+            <a:endParaRPr lang="en-US" dirty="0"/>
+          </a:p>
+        </p:txBody>
+      </p:sp>
+      <p:sp>
+        <p:nvSpPr>
+          <p:cNvPr id="2" name="Title 1">
+            <a:extLst>
+              <a:ext uri="{FF2B5EF4-FFF2-40B4-BE49-F238E27FC236}">
+                <a16:creationId xmlns:a16="http://schemas.microsoft.com/office/drawing/2014/main" id="{D734AE09-0795-4ADD-AD9A-B34B3AE4F422}"/>
+              </a:ext>
+            </a:extLst>
+          </p:cNvPr>
+          <p:cNvSpPr>
+            <a:spLocks noGrp="1"/>
+          </p:cNvSpPr>
+          <p:nvPr>
+            <p:ph type="title"/>
+          </p:nvPr>
+        </p:nvSpPr>
+        <p:spPr>
+          <a:xfrm>
+            <a:off x="838200" y="65130"/>
+            <a:ext cx="10515600" cy="1030745"/>
+          </a:xfrm>
+        </p:spPr>
+        <p:txBody>
+          <a:bodyPr/>
+          <a:lstStyle/>
+          <a:p>
+            <a:r>
+              <a:rPr lang="en-US" dirty="0"/>
+              <a:t>Task </a:t>
+            </a:r>
+            <a:r>
+              <a:rPr lang="en-US" altLang="zh-CN" dirty="0"/>
+              <a:t>2</a:t>
+            </a:r>
+            <a:endParaRPr lang="en-US" dirty="0"/>
+          </a:p>
+        </p:txBody>
+      </p:sp>
+    </p:spTree>
+    <p:extLst>
+      <p:ext uri="{BB962C8B-B14F-4D97-AF65-F5344CB8AC3E}">
+        <p14:creationId xmlns:p14="http://schemas.microsoft.com/office/powerpoint/2010/main" val="3824790624"/>
+      </p:ext>
+    </p:extLst>
+  </p:cSld>
+  <p:clrMapOvr>
+    <a:masterClrMapping/>
+  </p:clrMapOvr>
+</p:sld>
+</file>
+
+<file path=ppt/slides/slide27.xml><?xml version="1.0" encoding="utf-8"?>
+<p:sld xmlns:a="http://schemas.openxmlformats.org/drawingml/2006/main" xmlns:r="http://schemas.openxmlformats.org/officeDocument/2006/relationships" xmlns:p="http://schemas.openxmlformats.org/presentationml/2006/main">
+  <p:cSld>
+    <p:spTree>
+      <p:nvGrpSpPr>
+        <p:cNvPr id="1" name=""/>
+        <p:cNvGrpSpPr/>
+        <p:nvPr/>
+      </p:nvGrpSpPr>
+      <p:grpSpPr>
+        <a:xfrm>
+          <a:off x="0" y="0"/>
+          <a:ext cx="0" cy="0"/>
+          <a:chOff x="0" y="0"/>
+          <a:chExt cx="0" cy="0"/>
+        </a:xfrm>
+      </p:grpSpPr>
+      <p:sp>
+        <p:nvSpPr>
+          <p:cNvPr id="5" name="TextBox 4">
+            <a:extLst>
+              <a:ext uri="{FF2B5EF4-FFF2-40B4-BE49-F238E27FC236}">
+                <a16:creationId xmlns:a16="http://schemas.microsoft.com/office/drawing/2014/main" id="{F0E19196-DC92-A64D-B6B9-C7B9A0673305}"/>
+              </a:ext>
+            </a:extLst>
+          </p:cNvPr>
+          <p:cNvSpPr txBox="1"/>
+          <p:nvPr/>
+        </p:nvSpPr>
+        <p:spPr>
+          <a:xfrm>
+            <a:off x="513729" y="1095875"/>
+            <a:ext cx="10720328" cy="4247317"/>
           </a:xfrm>
           <a:prstGeom prst="rect">
             <a:avLst/>
@@ -7545,6 +8176,63 @@
               <a:t>), and apply the DTW distance on the two time-series dataset (using steering data of clear-noon as a reference): (1) steering data of clear-night and (2) steering data of clear-sunset. What can you say about the DTW distance for (1) and (2) with respect to the reference? </a:t>
             </a:r>
             <a:endParaRPr lang="en-US" dirty="0"/>
+          </a:p>
+          <a:p>
+            <a:pPr marL="285750" indent="-285750">
+              <a:buFont typeface="Arial" panose="020B0604020202020204" pitchFamily="34" charset="0"/>
+              <a:buChar char="•"/>
+            </a:pPr>
+            <a:r>
+              <a:rPr lang="en-US" dirty="0">
+                <a:solidFill>
+                  <a:srgbClr val="212529"/>
+                </a:solidFill>
+                <a:latin typeface="Arial" panose="020B0604020202020204" pitchFamily="34" charset="0"/>
+              </a:rPr>
+              <a:t>steering data of clear-night 1.17603264771516</a:t>
+            </a:r>
+          </a:p>
+          <a:p>
+            <a:pPr marL="285750" indent="-285750">
+              <a:buFont typeface="Arial" panose="020B0604020202020204" pitchFamily="34" charset="0"/>
+              <a:buChar char="•"/>
+            </a:pPr>
+            <a:r>
+              <a:rPr lang="en-US" dirty="0">
+                <a:solidFill>
+                  <a:srgbClr val="212529"/>
+                </a:solidFill>
+                <a:latin typeface="Arial" panose="020B0604020202020204" pitchFamily="34" charset="0"/>
+              </a:rPr>
+              <a:t>steering data of clear-sunset 0.050521340023401175</a:t>
+            </a:r>
+          </a:p>
+          <a:p>
+            <a:pPr marL="285750" indent="-285750">
+              <a:buFont typeface="Arial" panose="020B0604020202020204" pitchFamily="34" charset="0"/>
+              <a:buChar char="•"/>
+            </a:pPr>
+            <a:endParaRPr lang="en-US" dirty="0">
+              <a:solidFill>
+                <a:srgbClr val="212529"/>
+              </a:solidFill>
+              <a:latin typeface="Arial" panose="020B0604020202020204" pitchFamily="34" charset="0"/>
+            </a:endParaRPr>
+          </a:p>
+          <a:p>
+            <a:pPr marL="285750" indent="-285750">
+              <a:buFont typeface="Arial" panose="020B0604020202020204" pitchFamily="34" charset="0"/>
+              <a:buChar char="•"/>
+            </a:pPr>
+            <a:r>
+              <a:rPr lang="en-US" dirty="0">
+                <a:solidFill>
+                  <a:srgbClr val="212529"/>
+                </a:solidFill>
+                <a:latin typeface="Arial" panose="020B0604020202020204" pitchFamily="34" charset="0"/>
+              </a:rPr>
+              <a:t>There is a relatively low DTW distance between the steering data of clear-sunset and the reference compared to clear-night and reference. Thus, the steering data for clear-sunset is more similar to the reference (clear-noon) than clear-night.</a:t>
+            </a:r>
           </a:p>
           <a:p>
             <a:pPr marL="285750" indent="-285750">

--- a/mp1_powerpoint.pptx
+++ b/mp1_powerpoint.pptx
@@ -6,32 +6,33 @@
   </p:sldMasterIdLst>
   <p:sldIdLst>
     <p:sldId id="256" r:id="rId2"/>
-    <p:sldId id="257" r:id="rId3"/>
+    <p:sldId id="292" r:id="rId3"/>
     <p:sldId id="260" r:id="rId4"/>
     <p:sldId id="261" r:id="rId5"/>
-    <p:sldId id="279" r:id="rId6"/>
-    <p:sldId id="280" r:id="rId7"/>
-    <p:sldId id="281" r:id="rId8"/>
-    <p:sldId id="282" r:id="rId9"/>
-    <p:sldId id="283" r:id="rId10"/>
-    <p:sldId id="284" r:id="rId11"/>
-    <p:sldId id="262" r:id="rId12"/>
-    <p:sldId id="263" r:id="rId13"/>
-    <p:sldId id="264" r:id="rId14"/>
-    <p:sldId id="265" r:id="rId15"/>
-    <p:sldId id="266" r:id="rId16"/>
-    <p:sldId id="285" r:id="rId17"/>
-    <p:sldId id="286" r:id="rId18"/>
-    <p:sldId id="287" r:id="rId19"/>
-    <p:sldId id="288" r:id="rId20"/>
-    <p:sldId id="289" r:id="rId21"/>
-    <p:sldId id="267" r:id="rId22"/>
-    <p:sldId id="268" r:id="rId23"/>
-    <p:sldId id="269" r:id="rId24"/>
-    <p:sldId id="290" r:id="rId25"/>
-    <p:sldId id="291" r:id="rId26"/>
-    <p:sldId id="270" r:id="rId27"/>
-    <p:sldId id="271" r:id="rId28"/>
+    <p:sldId id="293" r:id="rId6"/>
+    <p:sldId id="279" r:id="rId7"/>
+    <p:sldId id="280" r:id="rId8"/>
+    <p:sldId id="281" r:id="rId9"/>
+    <p:sldId id="282" r:id="rId10"/>
+    <p:sldId id="283" r:id="rId11"/>
+    <p:sldId id="284" r:id="rId12"/>
+    <p:sldId id="262" r:id="rId13"/>
+    <p:sldId id="263" r:id="rId14"/>
+    <p:sldId id="264" r:id="rId15"/>
+    <p:sldId id="265" r:id="rId16"/>
+    <p:sldId id="266" r:id="rId17"/>
+    <p:sldId id="285" r:id="rId18"/>
+    <p:sldId id="286" r:id="rId19"/>
+    <p:sldId id="287" r:id="rId20"/>
+    <p:sldId id="288" r:id="rId21"/>
+    <p:sldId id="289" r:id="rId22"/>
+    <p:sldId id="267" r:id="rId23"/>
+    <p:sldId id="268" r:id="rId24"/>
+    <p:sldId id="269" r:id="rId25"/>
+    <p:sldId id="290" r:id="rId26"/>
+    <p:sldId id="291" r:id="rId27"/>
+    <p:sldId id="270" r:id="rId28"/>
+    <p:sldId id="271" r:id="rId29"/>
   </p:sldIdLst>
   <p:sldSz cx="12192000" cy="6858000"/>
   <p:notesSz cx="6858000" cy="9144000"/>
@@ -3638,10 +3639,10 @@
       </p:sp>
       <p:pic>
         <p:nvPicPr>
-          <p:cNvPr id="22" name="Picture 21">
-            <a:extLst>
-              <a:ext uri="{FF2B5EF4-FFF2-40B4-BE49-F238E27FC236}">
-                <a16:creationId xmlns:a16="http://schemas.microsoft.com/office/drawing/2014/main" id="{B3FEC19F-D8E7-EACC-BBCD-639F9DFFAD59}"/>
+          <p:cNvPr id="6" name="Picture 5" descr="A line graph with different colors&#10;&#10;Description automatically generated">
+            <a:extLst>
+              <a:ext uri="{FF2B5EF4-FFF2-40B4-BE49-F238E27FC236}">
+                <a16:creationId xmlns:a16="http://schemas.microsoft.com/office/drawing/2014/main" id="{8B79E7A4-3914-D991-DE5E-63DA1CF0EFA0}"/>
               </a:ext>
             </a:extLst>
           </p:cNvPr>
@@ -3658,13 +3659,13 @@
               </a:ext>
             </a:extLst>
           </a:blip>
-          <a:srcRect l="10525" t="8781" r="9015" b="5581"/>
+          <a:srcRect l="10000" t="8602" r="8750" b="5833"/>
           <a:stretch/>
         </p:blipFill>
         <p:spPr>
           <a:xfrm>
-            <a:off x="444499" y="749299"/>
-            <a:ext cx="11303001" cy="6015135"/>
+            <a:off x="520700" y="905413"/>
+            <a:ext cx="11150600" cy="5871330"/>
           </a:xfrm>
           <a:prstGeom prst="rect">
             <a:avLst/>
@@ -3674,7 +3675,7 @@
     </p:spTree>
     <p:extLst>
       <p:ext uri="{BB962C8B-B14F-4D97-AF65-F5344CB8AC3E}">
-        <p14:creationId xmlns:p14="http://schemas.microsoft.com/office/powerpoint/2010/main" val="512387077"/>
+        <p14:creationId xmlns:p14="http://schemas.microsoft.com/office/powerpoint/2010/main" val="1738377697"/>
       </p:ext>
     </p:extLst>
   </p:cSld>
@@ -3719,12 +3720,14 @@
         </p:nvSpPr>
         <p:spPr>
           <a:xfrm>
-            <a:off x="838200" y="65130"/>
-            <a:ext cx="10515600" cy="1325563"/>
-          </a:xfrm>
-        </p:spPr>
-        <p:txBody>
-          <a:bodyPr/>
+            <a:off x="838200" y="211854"/>
+            <a:ext cx="1765300" cy="693559"/>
+          </a:xfrm>
+        </p:spPr>
+        <p:txBody>
+          <a:bodyPr>
+            <a:normAutofit fontScale="90000"/>
+          </a:bodyPr>
           <a:lstStyle/>
           <a:p>
             <a:r>
@@ -3782,10 +3785,10 @@
       </p:sp>
       <p:sp>
         <p:nvSpPr>
-          <p:cNvPr id="5" name="TextBox 4">
-            <a:extLst>
-              <a:ext uri="{FF2B5EF4-FFF2-40B4-BE49-F238E27FC236}">
-                <a16:creationId xmlns:a16="http://schemas.microsoft.com/office/drawing/2014/main" id="{A293F662-7864-197D-C0CB-60FF0B8C3E2F}"/>
+          <p:cNvPr id="4" name="TextBox 3">
+            <a:extLst>
+              <a:ext uri="{FF2B5EF4-FFF2-40B4-BE49-F238E27FC236}">
+                <a16:creationId xmlns:a16="http://schemas.microsoft.com/office/drawing/2014/main" id="{6345F114-378C-EB11-B050-2109D4C72E60}"/>
               </a:ext>
             </a:extLst>
           </p:cNvPr>
@@ -3794,8 +3797,8 @@
         </p:nvSpPr>
         <p:spPr>
           <a:xfrm>
-            <a:off x="838200" y="1455385"/>
-            <a:ext cx="10515600" cy="3785652"/>
+            <a:off x="4166258" y="202133"/>
+            <a:ext cx="3859481" cy="400110"/>
           </a:xfrm>
           <a:prstGeom prst="rect">
             <a:avLst/>
@@ -3808,138 +3811,53 @@
           </a:bodyPr>
           <a:lstStyle/>
           <a:p>
-            <a:pPr marL="342900" indent="-342900">
-              <a:buFont typeface="Arial" panose="020B0604020202020204" pitchFamily="34" charset="0"/>
-              <a:buChar char="•"/>
-            </a:pPr>
-            <a:r>
-              <a:rPr lang="en-US" sz="2000" dirty="0"/>
-              <a:t>throttle: would expect to decrease or go to zero</a:t>
-            </a:r>
-          </a:p>
-          <a:p>
-            <a:pPr marL="342900" indent="-342900">
-              <a:buFont typeface="Arial" panose="020B0604020202020204" pitchFamily="34" charset="0"/>
-              <a:buChar char="•"/>
-            </a:pPr>
-            <a:r>
-              <a:rPr lang="en-US" sz="2000" dirty="0"/>
-              <a:t>velocity: would expect to suddenly drop</a:t>
-            </a:r>
-          </a:p>
-          <a:p>
-            <a:pPr marL="342900" indent="-342900">
-              <a:buFont typeface="Arial" panose="020B0604020202020204" pitchFamily="34" charset="0"/>
-              <a:buChar char="•"/>
-            </a:pPr>
-            <a:r>
-              <a:rPr lang="en-US" sz="2000" dirty="0"/>
-              <a:t>steer: direction may or may not change</a:t>
-            </a:r>
-          </a:p>
-          <a:p>
-            <a:pPr marL="342900" indent="-342900">
-              <a:buFont typeface="Arial" panose="020B0604020202020204" pitchFamily="34" charset="0"/>
-              <a:buChar char="•"/>
-            </a:pPr>
-            <a:r>
-              <a:rPr lang="en-US" sz="2000" dirty="0"/>
-              <a:t>brake: may or may not change depending on the abruptness of the crash. Most likely sudden brake before impact if noticed</a:t>
-            </a:r>
-          </a:p>
-          <a:p>
-            <a:pPr marL="342900" indent="-342900">
-              <a:buFont typeface="Arial" panose="020B0604020202020204" pitchFamily="34" charset="0"/>
-              <a:buChar char="•"/>
-            </a:pPr>
-            <a:r>
-              <a:rPr lang="en-US" sz="2000" dirty="0"/>
-              <a:t>x: correlated to steering, would expect a sudden change when merging to another lane</a:t>
-            </a:r>
-          </a:p>
-          <a:p>
-            <a:pPr marL="342900" indent="-342900">
-              <a:buFont typeface="Arial" panose="020B0604020202020204" pitchFamily="34" charset="0"/>
-              <a:buChar char="•"/>
-            </a:pPr>
-            <a:r>
-              <a:rPr lang="en-US" sz="2000" dirty="0"/>
-              <a:t>y: expect a change in slope when accelerating or braking</a:t>
-            </a:r>
-          </a:p>
-          <a:p>
-            <a:pPr marL="342900" indent="-342900">
-              <a:buFont typeface="Arial" panose="020B0604020202020204" pitchFamily="34" charset="0"/>
-              <a:buChar char="•"/>
-            </a:pPr>
-            <a:r>
-              <a:rPr lang="en-US" sz="2000" dirty="0" err="1"/>
-              <a:t>cvip</a:t>
-            </a:r>
-            <a:r>
-              <a:rPr lang="en-US" sz="2000" dirty="0"/>
-              <a:t>: would expect it to go to zero before the crash</a:t>
-            </a:r>
-          </a:p>
-          <a:p>
-            <a:pPr marL="285750" indent="-285750">
-              <a:buFont typeface="Arial" panose="020B0604020202020204" pitchFamily="34" charset="0"/>
-              <a:buChar char="•"/>
-            </a:pPr>
-            <a:endParaRPr lang="en-US" sz="2000" dirty="0"/>
-          </a:p>
-          <a:p>
-            <a:r>
-              <a:rPr lang="en-US" sz="2000" dirty="0"/>
-              <a:t>Based on the throttle, steering, and change in x-location in the clear night scenario, our group predicts a crash in that condition. No other EV in each of the different scenarios appears to have such volatile driving characteristics as compared to in this scenario.</a:t>
-            </a:r>
-          </a:p>
-        </p:txBody>
-      </p:sp>
-      <p:sp>
-        <p:nvSpPr>
-          <p:cNvPr id="7" name="TextBox 6">
-            <a:extLst>
-              <a:ext uri="{FF2B5EF4-FFF2-40B4-BE49-F238E27FC236}">
-                <a16:creationId xmlns:a16="http://schemas.microsoft.com/office/drawing/2014/main" id="{28625207-3246-18B1-1473-976BEDD50960}"/>
-              </a:ext>
-            </a:extLst>
-          </p:cNvPr>
-          <p:cNvSpPr txBox="1"/>
+            <a:pPr algn="ctr"/>
+            <a:r>
+              <a:rPr lang="en-US" sz="2000" b="1" dirty="0"/>
+              <a:t>Campaign Result Visualization</a:t>
+            </a:r>
+          </a:p>
+        </p:txBody>
+      </p:sp>
+      <p:pic>
+        <p:nvPicPr>
+          <p:cNvPr id="22" name="Picture 21">
+            <a:extLst>
+              <a:ext uri="{FF2B5EF4-FFF2-40B4-BE49-F238E27FC236}">
+                <a16:creationId xmlns:a16="http://schemas.microsoft.com/office/drawing/2014/main" id="{B3FEC19F-D8E7-EACC-BBCD-639F9DFFAD59}"/>
+              </a:ext>
+            </a:extLst>
+          </p:cNvPr>
+          <p:cNvPicPr>
+            <a:picLocks noChangeAspect="1"/>
+          </p:cNvPicPr>
           <p:nvPr/>
-        </p:nvSpPr>
-        <p:spPr>
-          <a:xfrm>
-            <a:off x="3711575" y="249166"/>
-            <a:ext cx="4768850" cy="984885"/>
+        </p:nvPicPr>
+        <p:blipFill>
+          <a:blip r:embed="rId2">
+            <a:extLst>
+              <a:ext uri="{28A0092B-C50C-407E-A947-70E740481C1C}">
+                <a14:useLocalDpi xmlns:a14="http://schemas.microsoft.com/office/drawing/2010/main" val="0"/>
+              </a:ext>
+            </a:extLst>
+          </a:blip>
+          <a:srcRect l="10525" t="8781" r="9015" b="5581"/>
+          <a:stretch/>
+        </p:blipFill>
+        <p:spPr>
+          <a:xfrm>
+            <a:off x="444499" y="749299"/>
+            <a:ext cx="11303001" cy="6015135"/>
           </a:xfrm>
           <a:prstGeom prst="rect">
             <a:avLst/>
           </a:prstGeom>
-          <a:noFill/>
-        </p:spPr>
-        <p:txBody>
-          <a:bodyPr wrap="square" rtlCol="0">
-            <a:spAutoFit/>
-          </a:bodyPr>
-          <a:lstStyle/>
-          <a:p>
-            <a:pPr algn="ctr"/>
-            <a:r>
-              <a:rPr lang="en-US" sz="2000" b="1" dirty="0"/>
-              <a:t>Experience and Intuition: How should crashing affect car motion?</a:t>
-            </a:r>
-          </a:p>
-          <a:p>
-            <a:pPr algn="ctr"/>
-            <a:endParaRPr lang="en-US" dirty="0"/>
-          </a:p>
-        </p:txBody>
-      </p:sp>
+        </p:spPr>
+      </p:pic>
     </p:spTree>
     <p:extLst>
       <p:ext uri="{BB962C8B-B14F-4D97-AF65-F5344CB8AC3E}">
-        <p14:creationId xmlns:p14="http://schemas.microsoft.com/office/powerpoint/2010/main" val="1959078203"/>
+        <p14:creationId xmlns:p14="http://schemas.microsoft.com/office/powerpoint/2010/main" val="512387077"/>
       </p:ext>
     </p:extLst>
   </p:cSld>
@@ -3998,7 +3916,7 @@
             </a:r>
             <a:r>
               <a:rPr lang="en-US" altLang="zh-CN" dirty="0"/>
-              <a:t>2</a:t>
+              <a:t>1</a:t>
             </a:r>
             <a:endParaRPr lang="en-US" dirty="0"/>
           </a:p>
@@ -4047,10 +3965,10 @@
       </p:sp>
       <p:sp>
         <p:nvSpPr>
-          <p:cNvPr id="6" name="TextBox 5">
-            <a:extLst>
-              <a:ext uri="{FF2B5EF4-FFF2-40B4-BE49-F238E27FC236}">
-                <a16:creationId xmlns:a16="http://schemas.microsoft.com/office/drawing/2014/main" id="{DCF2C8F6-6611-4E40-8611-99C12BBAD1CA}"/>
+          <p:cNvPr id="5" name="TextBox 4">
+            <a:extLst>
+              <a:ext uri="{FF2B5EF4-FFF2-40B4-BE49-F238E27FC236}">
+                <a16:creationId xmlns:a16="http://schemas.microsoft.com/office/drawing/2014/main" id="{A293F662-7864-197D-C0CB-60FF0B8C3E2F}"/>
               </a:ext>
             </a:extLst>
           </p:cNvPr>
@@ -4059,8 +3977,8 @@
         </p:nvSpPr>
         <p:spPr>
           <a:xfrm>
-            <a:off x="513728" y="1356751"/>
-            <a:ext cx="10400645" cy="2308324"/>
+            <a:off x="838200" y="2076810"/>
+            <a:ext cx="10515600" cy="3785652"/>
           </a:xfrm>
           <a:prstGeom prst="rect">
             <a:avLst/>
@@ -4073,125 +3991,134 @@
           </a:bodyPr>
           <a:lstStyle/>
           <a:p>
-            <a:r>
-              <a:rPr lang="en-US" dirty="0"/>
-              <a:t>Q</a:t>
-            </a:r>
-            <a:r>
-              <a:rPr lang="en-US" altLang="zh-CN" dirty="0"/>
-              <a:t>1:</a:t>
-            </a:r>
-            <a:r>
-              <a:rPr lang="zh-CN" altLang="en-US" dirty="0"/>
-              <a:t> </a:t>
-            </a:r>
-            <a:r>
-              <a:rPr lang="en-US" altLang="zh-CN" dirty="0">
-                <a:solidFill>
-                  <a:srgbClr val="000000"/>
-                </a:solidFill>
-              </a:rPr>
-              <a:t>The</a:t>
-            </a:r>
-            <a:r>
-              <a:rPr lang="zh-CN" altLang="en-US" dirty="0">
-                <a:solidFill>
-                  <a:srgbClr val="000000"/>
-                </a:solidFill>
-              </a:rPr>
-              <a:t> </a:t>
-            </a:r>
-            <a:r>
-              <a:rPr lang="en-US" altLang="zh-CN" dirty="0">
-                <a:solidFill>
-                  <a:srgbClr val="000000"/>
-                </a:solidFill>
-              </a:rPr>
-              <a:t>probability</a:t>
-            </a:r>
-            <a:r>
-              <a:rPr lang="zh-CN" altLang="en-US" dirty="0">
-                <a:solidFill>
-                  <a:srgbClr val="000000"/>
-                </a:solidFill>
-              </a:rPr>
-              <a:t> </a:t>
-            </a:r>
-            <a:r>
-              <a:rPr lang="en-US" altLang="zh-CN" dirty="0">
-                <a:solidFill>
-                  <a:srgbClr val="000000"/>
-                </a:solidFill>
-              </a:rPr>
-              <a:t>of</a:t>
-            </a:r>
-            <a:r>
-              <a:rPr lang="zh-CN" altLang="en-US" dirty="0">
-                <a:solidFill>
-                  <a:srgbClr val="000000"/>
-                </a:solidFill>
-              </a:rPr>
-              <a:t> </a:t>
-            </a:r>
-            <a:r>
-              <a:rPr lang="en-US" altLang="zh-CN" dirty="0">
-                <a:solidFill>
-                  <a:srgbClr val="000000"/>
-                </a:solidFill>
-              </a:rPr>
-              <a:t>accident</a:t>
-            </a:r>
-            <a:r>
-              <a:rPr lang="zh-CN" altLang="en-US" dirty="0">
-                <a:solidFill>
-                  <a:srgbClr val="000000"/>
-                </a:solidFill>
-              </a:rPr>
-              <a:t> </a:t>
-            </a:r>
-            <a:r>
-              <a:rPr lang="en-US" altLang="zh-CN" dirty="0">
-                <a:solidFill>
-                  <a:srgbClr val="000000"/>
-                </a:solidFill>
-              </a:rPr>
-              <a:t>is 1/6.</a:t>
-            </a:r>
-          </a:p>
-          <a:p>
-            <a:endParaRPr lang="en-US" altLang="zh-CN" dirty="0"/>
-          </a:p>
-          <a:p>
-            <a:r>
-              <a:rPr lang="en-US" b="0" dirty="0">
-                <a:effectLst/>
-              </a:rPr>
-              <a:t>Our data includes 6 simulations in distinct weather conditions. There was only one recorded crash, which took place in the rain-noon simulation. Therefore, without knowing the weather conditions, the probability of a crash in any given condition would be 1/6.</a:t>
-            </a:r>
-          </a:p>
-          <a:p>
-            <a:endParaRPr lang="en-US" altLang="zh-CN" dirty="0">
-              <a:solidFill>
-                <a:srgbClr val="000000"/>
-              </a:solidFill>
-            </a:endParaRPr>
-          </a:p>
-          <a:p>
-            <a:endParaRPr lang="en-US" altLang="zh-CN" dirty="0">
-              <a:solidFill>
-                <a:srgbClr val="000000"/>
-              </a:solidFill>
-            </a:endParaRPr>
-          </a:p>
-          <a:p>
-            <a:endParaRPr lang="en-US" altLang="zh-CN" dirty="0"/>
+            <a:pPr marL="342900" indent="-342900">
+              <a:buFont typeface="Arial" panose="020B0604020202020204" pitchFamily="34" charset="0"/>
+              <a:buChar char="•"/>
+            </a:pPr>
+            <a:r>
+              <a:rPr lang="en-US" sz="2000" dirty="0"/>
+              <a:t>throttle: would expect to decrease or go to zero</a:t>
+            </a:r>
+          </a:p>
+          <a:p>
+            <a:pPr marL="342900" indent="-342900">
+              <a:buFont typeface="Arial" panose="020B0604020202020204" pitchFamily="34" charset="0"/>
+              <a:buChar char="•"/>
+            </a:pPr>
+            <a:r>
+              <a:rPr lang="en-US" sz="2000" dirty="0"/>
+              <a:t>velocity: would expect to suddenly drop</a:t>
+            </a:r>
+          </a:p>
+          <a:p>
+            <a:pPr marL="342900" indent="-342900">
+              <a:buFont typeface="Arial" panose="020B0604020202020204" pitchFamily="34" charset="0"/>
+              <a:buChar char="•"/>
+            </a:pPr>
+            <a:r>
+              <a:rPr lang="en-US" sz="2000" dirty="0"/>
+              <a:t>steer: direction may or may not change</a:t>
+            </a:r>
+          </a:p>
+          <a:p>
+            <a:pPr marL="342900" indent="-342900">
+              <a:buFont typeface="Arial" panose="020B0604020202020204" pitchFamily="34" charset="0"/>
+              <a:buChar char="•"/>
+            </a:pPr>
+            <a:r>
+              <a:rPr lang="en-US" sz="2000" dirty="0"/>
+              <a:t>brake: may or may not change depending on the abruptness of the crash. Most likely sudden brake before impact if noticed</a:t>
+            </a:r>
+          </a:p>
+          <a:p>
+            <a:pPr marL="342900" indent="-342900">
+              <a:buFont typeface="Arial" panose="020B0604020202020204" pitchFamily="34" charset="0"/>
+              <a:buChar char="•"/>
+            </a:pPr>
+            <a:r>
+              <a:rPr lang="en-US" sz="2000" dirty="0"/>
+              <a:t>x: correlated to steering, would expect a sudden change when merging to another lane</a:t>
+            </a:r>
+          </a:p>
+          <a:p>
+            <a:pPr marL="342900" indent="-342900">
+              <a:buFont typeface="Arial" panose="020B0604020202020204" pitchFamily="34" charset="0"/>
+              <a:buChar char="•"/>
+            </a:pPr>
+            <a:r>
+              <a:rPr lang="en-US" sz="2000" dirty="0"/>
+              <a:t>y: expect a change in slope when accelerating or braking</a:t>
+            </a:r>
+          </a:p>
+          <a:p>
+            <a:pPr marL="342900" indent="-342900">
+              <a:buFont typeface="Arial" panose="020B0604020202020204" pitchFamily="34" charset="0"/>
+              <a:buChar char="•"/>
+            </a:pPr>
+            <a:r>
+              <a:rPr lang="en-US" sz="2000" dirty="0" err="1"/>
+              <a:t>cvip</a:t>
+            </a:r>
+            <a:r>
+              <a:rPr lang="en-US" sz="2000" dirty="0"/>
+              <a:t>: would expect it to go to zero before the crash</a:t>
+            </a:r>
+          </a:p>
+          <a:p>
+            <a:pPr marL="285750" indent="-285750">
+              <a:buFont typeface="Arial" panose="020B0604020202020204" pitchFamily="34" charset="0"/>
+              <a:buChar char="•"/>
+            </a:pPr>
+            <a:endParaRPr lang="en-US" sz="2000" dirty="0"/>
+          </a:p>
+          <a:p>
+            <a:r>
+              <a:rPr lang="en-US" sz="2000" dirty="0"/>
+              <a:t>Based on the throttle, steering, and change in x-location in the clear night scenario, our group predicts a crash in that condition. No other EV in each of the different scenarios appears to have such volatile driving characteristics as compared to in this scenario.</a:t>
+            </a:r>
+          </a:p>
+        </p:txBody>
+      </p:sp>
+      <p:sp>
+        <p:nvSpPr>
+          <p:cNvPr id="7" name="TextBox 6">
+            <a:extLst>
+              <a:ext uri="{FF2B5EF4-FFF2-40B4-BE49-F238E27FC236}">
+                <a16:creationId xmlns:a16="http://schemas.microsoft.com/office/drawing/2014/main" id="{28625207-3246-18B1-1473-976BEDD50960}"/>
+              </a:ext>
+            </a:extLst>
+          </p:cNvPr>
+          <p:cNvSpPr txBox="1"/>
+          <p:nvPr/>
+        </p:nvSpPr>
+        <p:spPr>
+          <a:xfrm>
+            <a:off x="2824223" y="220229"/>
+            <a:ext cx="8987741" cy="1323439"/>
+          </a:xfrm>
+          <a:prstGeom prst="rect">
+            <a:avLst/>
+          </a:prstGeom>
+          <a:noFill/>
+        </p:spPr>
+        <p:txBody>
+          <a:bodyPr wrap="square" rtlCol="0">
+            <a:spAutoFit/>
+          </a:bodyPr>
+          <a:lstStyle/>
+          <a:p>
+            <a:r>
+              <a:rPr lang="en-US" sz="2000" dirty="0"/>
+              <a:t>4. Based on your intuition and life experience, which of the features do you think will change during an accident? How will the feature(s) change? By looking at the plots you generated in Task 1.3, combined with your reasoning (without looking at ‘route_highway.txt’), which weather condition(s) has an accident?</a:t>
+            </a:r>
+            <a:endParaRPr lang="en-US" dirty="0"/>
           </a:p>
         </p:txBody>
       </p:sp>
     </p:spTree>
     <p:extLst>
       <p:ext uri="{BB962C8B-B14F-4D97-AF65-F5344CB8AC3E}">
-        <p14:creationId xmlns:p14="http://schemas.microsoft.com/office/powerpoint/2010/main" val="2384856443"/>
+        <p14:creationId xmlns:p14="http://schemas.microsoft.com/office/powerpoint/2010/main" val="1959078203"/>
       </p:ext>
     </p:extLst>
   </p:cSld>
@@ -4220,6 +4147,44 @@
       </p:grpSpPr>
       <p:sp>
         <p:nvSpPr>
+          <p:cNvPr id="2" name="Title 1">
+            <a:extLst>
+              <a:ext uri="{FF2B5EF4-FFF2-40B4-BE49-F238E27FC236}">
+                <a16:creationId xmlns:a16="http://schemas.microsoft.com/office/drawing/2014/main" id="{D734AE09-0795-4ADD-AD9A-B34B3AE4F422}"/>
+              </a:ext>
+            </a:extLst>
+          </p:cNvPr>
+          <p:cNvSpPr>
+            <a:spLocks noGrp="1"/>
+          </p:cNvSpPr>
+          <p:nvPr>
+            <p:ph type="title"/>
+          </p:nvPr>
+        </p:nvSpPr>
+        <p:spPr>
+          <a:xfrm>
+            <a:off x="838200" y="65130"/>
+            <a:ext cx="10515600" cy="1325563"/>
+          </a:xfrm>
+        </p:spPr>
+        <p:txBody>
+          <a:bodyPr/>
+          <a:lstStyle/>
+          <a:p>
+            <a:r>
+              <a:rPr lang="en-US" dirty="0"/>
+              <a:t>Task </a:t>
+            </a:r>
+            <a:r>
+              <a:rPr lang="en-US" altLang="zh-CN" dirty="0"/>
+              <a:t>2</a:t>
+            </a:r>
+            <a:endParaRPr lang="en-US" dirty="0"/>
+          </a:p>
+        </p:txBody>
+      </p:sp>
+      <p:sp>
+        <p:nvSpPr>
           <p:cNvPr id="3" name="Content Placeholder 2">
             <a:extLst>
               <a:ext uri="{FF2B5EF4-FFF2-40B4-BE49-F238E27FC236}">
@@ -4273,8 +4238,8 @@
         </p:nvSpPr>
         <p:spPr>
           <a:xfrm>
-            <a:off x="242595" y="177801"/>
-            <a:ext cx="11631020" cy="2585323"/>
+            <a:off x="641051" y="3499707"/>
+            <a:ext cx="10400645" cy="2308324"/>
           </a:xfrm>
           <a:prstGeom prst="rect">
             <a:avLst/>
@@ -4288,191 +4253,159 @@
           <a:lstStyle/>
           <a:p>
             <a:r>
+              <a:rPr lang="en-US" altLang="zh-CN" dirty="0">
+                <a:solidFill>
+                  <a:srgbClr val="000000"/>
+                </a:solidFill>
+              </a:rPr>
+              <a:t>The</a:t>
+            </a:r>
+            <a:r>
+              <a:rPr lang="zh-CN" altLang="en-US" dirty="0">
+                <a:solidFill>
+                  <a:srgbClr val="000000"/>
+                </a:solidFill>
+              </a:rPr>
+              <a:t> </a:t>
+            </a:r>
+            <a:r>
+              <a:rPr lang="en-US" altLang="zh-CN" dirty="0">
+                <a:solidFill>
+                  <a:srgbClr val="000000"/>
+                </a:solidFill>
+              </a:rPr>
+              <a:t>probability</a:t>
+            </a:r>
+            <a:r>
+              <a:rPr lang="zh-CN" altLang="en-US" dirty="0">
+                <a:solidFill>
+                  <a:srgbClr val="000000"/>
+                </a:solidFill>
+              </a:rPr>
+              <a:t> </a:t>
+            </a:r>
+            <a:r>
+              <a:rPr lang="en-US" altLang="zh-CN" dirty="0">
+                <a:solidFill>
+                  <a:srgbClr val="000000"/>
+                </a:solidFill>
+              </a:rPr>
+              <a:t>of</a:t>
+            </a:r>
+            <a:r>
+              <a:rPr lang="zh-CN" altLang="en-US" dirty="0">
+                <a:solidFill>
+                  <a:srgbClr val="000000"/>
+                </a:solidFill>
+              </a:rPr>
+              <a:t> </a:t>
+            </a:r>
+            <a:r>
+              <a:rPr lang="en-US" altLang="zh-CN" dirty="0">
+                <a:solidFill>
+                  <a:srgbClr val="000000"/>
+                </a:solidFill>
+              </a:rPr>
+              <a:t>accident</a:t>
+            </a:r>
+            <a:r>
+              <a:rPr lang="zh-CN" altLang="en-US" dirty="0">
+                <a:solidFill>
+                  <a:srgbClr val="000000"/>
+                </a:solidFill>
+              </a:rPr>
+              <a:t> </a:t>
+            </a:r>
+            <a:r>
+              <a:rPr lang="en-US" altLang="zh-CN" dirty="0">
+                <a:solidFill>
+                  <a:srgbClr val="000000"/>
+                </a:solidFill>
+              </a:rPr>
+              <a:t>is 1/6.</a:t>
+            </a:r>
+          </a:p>
+          <a:p>
+            <a:endParaRPr lang="en-US" altLang="zh-CN" dirty="0"/>
+          </a:p>
+          <a:p>
+            <a:r>
               <a:rPr lang="en-US" b="0" dirty="0">
                 <a:effectLst/>
-                <a:latin typeface="Calibri" panose="020F0502020204030204" pitchFamily="34" charset="0"/>
-                <a:ea typeface="Calibri" panose="020F0502020204030204" pitchFamily="34" charset="0"/>
-                <a:cs typeface="Calibri" panose="020F0502020204030204" pitchFamily="34" charset="0"/>
-              </a:rPr>
-              <a:t>The crash occurred in the rain-noon weather condition, which does not match the prediction from Task 1. It took place slightly after 400 milliseconds into the simulation. The graphs give no obvious insight into why the crash occurred exactly at that time. Some minor observations from the plots include the following: </a:t>
-            </a:r>
-          </a:p>
-          <a:p>
-            <a:pPr marL="285750" indent="-285750">
-              <a:buFont typeface="Arial" panose="020B0604020202020204" pitchFamily="34" charset="0"/>
-              <a:buChar char="•"/>
-            </a:pPr>
-            <a:r>
-              <a:rPr lang="en-US" b="0" dirty="0">
-                <a:effectLst/>
-                <a:latin typeface="Calibri" panose="020F0502020204030204" pitchFamily="34" charset="0"/>
-                <a:ea typeface="Calibri" panose="020F0502020204030204" pitchFamily="34" charset="0"/>
-                <a:cs typeface="Calibri" panose="020F0502020204030204" pitchFamily="34" charset="0"/>
-              </a:rPr>
-              <a:t>Insufficient breaking: the graph reveals that the vehicle did not break consistently during the time right before the crash. Additionally, it began breaking later than in the other cases. This lines up with what we viewed in the simulation through Carla.</a:t>
-            </a:r>
-          </a:p>
-          <a:p>
-            <a:pPr marL="285750" indent="-285750">
-              <a:buFont typeface="Arial" panose="020B0604020202020204" pitchFamily="34" charset="0"/>
-              <a:buChar char="•"/>
-            </a:pPr>
-            <a:r>
-              <a:rPr lang="en-US" b="0" dirty="0">
-                <a:effectLst/>
-                <a:latin typeface="Calibri" panose="020F0502020204030204" pitchFamily="34" charset="0"/>
-                <a:ea typeface="Calibri" panose="020F0502020204030204" pitchFamily="34" charset="0"/>
-                <a:cs typeface="Calibri" panose="020F0502020204030204" pitchFamily="34" charset="0"/>
-              </a:rPr>
-              <a:t>Throttle: From the throttle vs time graph, we can see the vehicle accelerating immediately preceding the crash.</a:t>
-            </a:r>
-          </a:p>
-          <a:p>
-            <a:pPr marL="285750" indent="-285750">
-              <a:buFont typeface="Arial" panose="020B0604020202020204" pitchFamily="34" charset="0"/>
-              <a:buChar char="•"/>
-            </a:pPr>
-            <a:r>
-              <a:rPr lang="en-US" b="0" dirty="0">
-                <a:effectLst/>
-                <a:latin typeface="Calibri" panose="020F0502020204030204" pitchFamily="34" charset="0"/>
-                <a:ea typeface="Calibri" panose="020F0502020204030204" pitchFamily="34" charset="0"/>
-                <a:cs typeface="Calibri" panose="020F0502020204030204" pitchFamily="34" charset="0"/>
-              </a:rPr>
-              <a:t>Cvip: The EV remained consistently close to the risky NPC actor throughout the duration of the simulation.</a:t>
-            </a:r>
+              </a:rPr>
+              <a:t>Our data includes 6 simulations in distinct weather conditions. There was only one recorded crash, which took place in the rain-noon simulation. Therefore, without knowing the weather conditions, the probability of a crash in any given condition would be 1/6.</a:t>
+            </a:r>
+          </a:p>
+          <a:p>
+            <a:endParaRPr lang="en-US" altLang="zh-CN" dirty="0">
+              <a:solidFill>
+                <a:srgbClr val="000000"/>
+              </a:solidFill>
+            </a:endParaRPr>
+          </a:p>
+          <a:p>
+            <a:endParaRPr lang="en-US" altLang="zh-CN" dirty="0">
+              <a:solidFill>
+                <a:srgbClr val="000000"/>
+              </a:solidFill>
+            </a:endParaRPr>
           </a:p>
           <a:p>
             <a:endParaRPr lang="en-US" altLang="zh-CN" dirty="0"/>
           </a:p>
         </p:txBody>
       </p:sp>
-      <p:pic>
-        <p:nvPicPr>
-          <p:cNvPr id="5" name="Picture 4" descr="A green line graph with white text&#10;&#10;Description automatically generated">
-            <a:extLst>
-              <a:ext uri="{FF2B5EF4-FFF2-40B4-BE49-F238E27FC236}">
-                <a16:creationId xmlns:a16="http://schemas.microsoft.com/office/drawing/2014/main" id="{3EC79DAB-2057-6BCC-4307-0663F26DA157}"/>
-              </a:ext>
-            </a:extLst>
-          </p:cNvPr>
-          <p:cNvPicPr>
-            <a:picLocks noChangeAspect="1"/>
-          </p:cNvPicPr>
+      <p:sp>
+        <p:nvSpPr>
+          <p:cNvPr id="4" name="TextBox 3">
+            <a:extLst>
+              <a:ext uri="{FF2B5EF4-FFF2-40B4-BE49-F238E27FC236}">
+                <a16:creationId xmlns:a16="http://schemas.microsoft.com/office/drawing/2014/main" id="{70007357-B2A6-E908-3E39-64E1B69E4A74}"/>
+              </a:ext>
+            </a:extLst>
+          </p:cNvPr>
+          <p:cNvSpPr txBox="1"/>
           <p:nvPr/>
-        </p:nvPicPr>
-        <p:blipFill>
-          <a:blip r:embed="rId2">
-            <a:extLst>
-              <a:ext uri="{28A0092B-C50C-407E-A947-70E740481C1C}">
-                <a14:useLocalDpi xmlns:a14="http://schemas.microsoft.com/office/drawing/2010/main" val="0"/>
-              </a:ext>
-            </a:extLst>
-          </a:blip>
-          <a:srcRect l="10104" t="7188" r="8333" b="1602"/>
-          <a:stretch/>
-        </p:blipFill>
-        <p:spPr>
-          <a:xfrm>
-            <a:off x="1514249" y="2571878"/>
-            <a:ext cx="10518803" cy="3920997"/>
+        </p:nvSpPr>
+        <p:spPr>
+          <a:xfrm>
+            <a:off x="2650603" y="216813"/>
+            <a:ext cx="9282896" cy="2308324"/>
           </a:xfrm>
           <a:prstGeom prst="rect">
             <a:avLst/>
           </a:prstGeom>
-        </p:spPr>
-      </p:pic>
-      <p:sp>
-        <p:nvSpPr>
-          <p:cNvPr id="8" name="Title 7">
-            <a:extLst>
-              <a:ext uri="{FF2B5EF4-FFF2-40B4-BE49-F238E27FC236}">
-                <a16:creationId xmlns:a16="http://schemas.microsoft.com/office/drawing/2014/main" id="{0352A743-00EB-4D59-BB48-FD34B5BF2542}"/>
-              </a:ext>
-            </a:extLst>
-          </p:cNvPr>
-          <p:cNvSpPr>
-            <a:spLocks noGrp="1"/>
-          </p:cNvSpPr>
-          <p:nvPr>
-            <p:ph type="title"/>
-          </p:nvPr>
-        </p:nvSpPr>
-        <p:spPr/>
-        <p:txBody>
-          <a:bodyPr/>
-          <a:lstStyle/>
-          <a:p>
+          <a:noFill/>
+        </p:spPr>
+        <p:txBody>
+          <a:bodyPr wrap="square" rtlCol="0">
+            <a:spAutoFit/>
+          </a:bodyPr>
+          <a:lstStyle/>
+          <a:p>
+            <a:pPr marL="342900" indent="-342900">
+              <a:buAutoNum type="arabicPeriod"/>
+            </a:pPr>
             <a:r>
               <a:rPr lang="en-US" dirty="0"/>
-              <a:t>  </a:t>
-            </a:r>
-          </a:p>
-        </p:txBody>
-      </p:sp>
-      <p:sp>
-        <p:nvSpPr>
-          <p:cNvPr id="9" name="Title 1">
-            <a:extLst>
-              <a:ext uri="{FF2B5EF4-FFF2-40B4-BE49-F238E27FC236}">
-                <a16:creationId xmlns:a16="http://schemas.microsoft.com/office/drawing/2014/main" id="{362E9BFE-AD34-61FA-9A74-A5C02E24F05A}"/>
-              </a:ext>
-            </a:extLst>
-          </p:cNvPr>
-          <p:cNvSpPr txBox="1">
-            <a:spLocks/>
-          </p:cNvSpPr>
-          <p:nvPr/>
-        </p:nvSpPr>
-        <p:spPr>
-          <a:xfrm>
-            <a:off x="158948" y="3278974"/>
-            <a:ext cx="1634341" cy="508512"/>
-          </a:xfrm>
-          <a:prstGeom prst="rect">
-            <a:avLst/>
-          </a:prstGeom>
-        </p:spPr>
-        <p:txBody>
-          <a:bodyPr vert="horz" lIns="91440" tIns="45720" rIns="91440" bIns="45720" rtlCol="0" anchor="ctr">
-            <a:normAutofit fontScale="77500" lnSpcReduction="20000"/>
-          </a:bodyPr>
-          <a:lstStyle>
-            <a:lvl1pPr algn="l" defTabSz="914400" rtl="0" eaLnBrk="1" latinLnBrk="0" hangingPunct="1">
-              <a:lnSpc>
-                <a:spcPct val="90000"/>
-              </a:lnSpc>
-              <a:spcBef>
-                <a:spcPct val="0"/>
-              </a:spcBef>
-              <a:buNone/>
-              <a:defRPr sz="4400" kern="1200">
-                <a:solidFill>
-                  <a:schemeClr val="tx1"/>
-                </a:solidFill>
-                <a:latin typeface="+mj-lt"/>
-                <a:ea typeface="+mj-ea"/>
-                <a:cs typeface="+mj-cs"/>
-              </a:defRPr>
-            </a:lvl1pPr>
-          </a:lstStyle>
-          <a:p>
+              <a:t>Suppose each simulation run has a result of accident/non-accident, calculate the probability of accident (counts, marginal probability). Hint: for each run, the collision results are stored in ‘route_highway.txt’. You can check the accident status by looking at the ‘status’ field under the ‘record’ section (‘Completed’ means no accident; ‘Failed’ means an accident has occurred).</a:t>
+            </a:r>
+          </a:p>
+          <a:p>
+            <a:pPr marL="342900" indent="-342900">
+              <a:buAutoNum type="arabicPeriod"/>
+            </a:pPr>
             <a:r>
               <a:rPr lang="en-US" dirty="0"/>
-              <a:t>Task </a:t>
-            </a:r>
-            <a:r>
-              <a:rPr lang="en-US" altLang="zh-CN" dirty="0"/>
-              <a:t>2</a:t>
-            </a:r>
-            <a:endParaRPr lang="en-US" dirty="0"/>
+              <a:t>By looking at the completion records and the plots you generated in Task 1, under which weather condition(s) did the accident happen? Does that match your guess in Task 1? When did the accident happen during those simulation runs? Why do you think the accident happened at that instance? Discuss each accident case separately. </a:t>
+            </a:r>
           </a:p>
         </p:txBody>
       </p:sp>
     </p:spTree>
     <p:extLst>
       <p:ext uri="{BB962C8B-B14F-4D97-AF65-F5344CB8AC3E}">
-        <p14:creationId xmlns:p14="http://schemas.microsoft.com/office/powerpoint/2010/main" val="208115857"/>
+        <p14:creationId xmlns:p14="http://schemas.microsoft.com/office/powerpoint/2010/main" val="2384856443"/>
       </p:ext>
     </p:extLst>
   </p:cSld>
@@ -4501,44 +4434,6 @@
       </p:grpSpPr>
       <p:sp>
         <p:nvSpPr>
-          <p:cNvPr id="2" name="Title 1">
-            <a:extLst>
-              <a:ext uri="{FF2B5EF4-FFF2-40B4-BE49-F238E27FC236}">
-                <a16:creationId xmlns:a16="http://schemas.microsoft.com/office/drawing/2014/main" id="{D734AE09-0795-4ADD-AD9A-B34B3AE4F422}"/>
-              </a:ext>
-            </a:extLst>
-          </p:cNvPr>
-          <p:cNvSpPr>
-            <a:spLocks noGrp="1"/>
-          </p:cNvSpPr>
-          <p:nvPr>
-            <p:ph type="title"/>
-          </p:nvPr>
-        </p:nvSpPr>
-        <p:spPr>
-          <a:xfrm>
-            <a:off x="838200" y="65130"/>
-            <a:ext cx="10515600" cy="1325563"/>
-          </a:xfrm>
-        </p:spPr>
-        <p:txBody>
-          <a:bodyPr/>
-          <a:lstStyle/>
-          <a:p>
-            <a:r>
-              <a:rPr lang="en-US" dirty="0"/>
-              <a:t>Task </a:t>
-            </a:r>
-            <a:r>
-              <a:rPr lang="en-US" altLang="zh-CN" dirty="0"/>
-              <a:t>2</a:t>
-            </a:r>
-            <a:endParaRPr lang="en-US" dirty="0"/>
-          </a:p>
-        </p:txBody>
-      </p:sp>
-      <p:sp>
-        <p:nvSpPr>
           <p:cNvPr id="3" name="Content Placeholder 2">
             <a:extLst>
               <a:ext uri="{FF2B5EF4-FFF2-40B4-BE49-F238E27FC236}">
@@ -4592,8 +4487,8 @@
         </p:nvSpPr>
         <p:spPr>
           <a:xfrm>
-            <a:off x="513728" y="1356751"/>
-            <a:ext cx="10400645" cy="3139321"/>
+            <a:off x="242595" y="177801"/>
+            <a:ext cx="11631020" cy="2585323"/>
           </a:xfrm>
           <a:prstGeom prst="rect">
             <a:avLst/>
@@ -4613,30 +4508,14 @@
                 <a:ea typeface="Calibri" panose="020F0502020204030204" pitchFamily="34" charset="0"/>
                 <a:cs typeface="Calibri" panose="020F0502020204030204" pitchFamily="34" charset="0"/>
               </a:rPr>
-              <a:t>There was one other weather condition in which the EV displayed atypical behavior. As mentioned previously, this was the clear night scenario. Some of the atypical behavior included:</a:t>
-            </a:r>
-          </a:p>
-          <a:p>
-            <a:endParaRPr lang="en-US" b="0" dirty="0">
-              <a:effectLst/>
-              <a:latin typeface="Calibri" panose="020F0502020204030204" pitchFamily="34" charset="0"/>
-              <a:ea typeface="Calibri" panose="020F0502020204030204" pitchFamily="34" charset="0"/>
-              <a:cs typeface="Calibri" panose="020F0502020204030204" pitchFamily="34" charset="0"/>
-            </a:endParaRPr>
+              <a:t>The crash occurred in the rain-noon weather condition, which does not match the prediction from Task 1. It took place slightly after 400 milliseconds into the simulation. The graphs give no obvious insight into why the crash occurred exactly at that time. Some minor observations from the plots include the following: </a:t>
+            </a:r>
           </a:p>
           <a:p>
             <a:pPr marL="285750" indent="-285750">
               <a:buFont typeface="Arial" panose="020B0604020202020204" pitchFamily="34" charset="0"/>
               <a:buChar char="•"/>
             </a:pPr>
-            <a:r>
-              <a:rPr lang="en-US" dirty="0">
-                <a:latin typeface="Calibri" panose="020F0502020204030204" pitchFamily="34" charset="0"/>
-                <a:ea typeface="Calibri" panose="020F0502020204030204" pitchFamily="34" charset="0"/>
-                <a:cs typeface="Calibri" panose="020F0502020204030204" pitchFamily="34" charset="0"/>
-              </a:rPr>
-              <a:t>C</a:t>
-            </a:r>
             <a:r>
               <a:rPr lang="en-US" b="0" dirty="0">
                 <a:effectLst/>
@@ -4644,7 +4523,7 @@
                 <a:ea typeface="Calibri" panose="020F0502020204030204" pitchFamily="34" charset="0"/>
                 <a:cs typeface="Calibri" panose="020F0502020204030204" pitchFamily="34" charset="0"/>
               </a:rPr>
-              <a:t>onsistently lower speeds</a:t>
+              <a:t>Insufficient breaking: the graph reveals that the vehicle did not break consistently during the time right before the crash. Additionally, it began breaking later than in the other cases. This lines up with what we viewed in the simulation through Carla.</a:t>
             </a:r>
           </a:p>
           <a:p>
@@ -4652,14 +4531,6 @@
               <a:buFont typeface="Arial" panose="020B0604020202020204" pitchFamily="34" charset="0"/>
               <a:buChar char="•"/>
             </a:pPr>
-            <a:r>
-              <a:rPr lang="en-US" dirty="0">
-                <a:latin typeface="Calibri" panose="020F0502020204030204" pitchFamily="34" charset="0"/>
-                <a:ea typeface="Calibri" panose="020F0502020204030204" pitchFamily="34" charset="0"/>
-                <a:cs typeface="Calibri" panose="020F0502020204030204" pitchFamily="34" charset="0"/>
-              </a:rPr>
-              <a:t>L</a:t>
-            </a:r>
             <a:r>
               <a:rPr lang="en-US" b="0" dirty="0">
                 <a:effectLst/>
@@ -4667,7 +4538,7 @@
                 <a:ea typeface="Calibri" panose="020F0502020204030204" pitchFamily="34" charset="0"/>
                 <a:cs typeface="Calibri" panose="020F0502020204030204" pitchFamily="34" charset="0"/>
               </a:rPr>
-              <a:t>ane change</a:t>
+              <a:t>Throttle: From the throttle vs time graph, we can see the vehicle accelerating immediately preceding the crash.</a:t>
             </a:r>
           </a:p>
           <a:p>
@@ -4675,14 +4546,6 @@
               <a:buFont typeface="Arial" panose="020B0604020202020204" pitchFamily="34" charset="0"/>
               <a:buChar char="•"/>
             </a:pPr>
-            <a:r>
-              <a:rPr lang="en-US" dirty="0">
-                <a:latin typeface="Calibri" panose="020F0502020204030204" pitchFamily="34" charset="0"/>
-                <a:ea typeface="Calibri" panose="020F0502020204030204" pitchFamily="34" charset="0"/>
-                <a:cs typeface="Calibri" panose="020F0502020204030204" pitchFamily="34" charset="0"/>
-              </a:rPr>
-              <a:t>Ji</a:t>
-            </a:r>
             <a:r>
               <a:rPr lang="en-US" b="0" dirty="0">
                 <a:effectLst/>
@@ -4690,82 +4553,140 @@
                 <a:ea typeface="Calibri" panose="020F0502020204030204" pitchFamily="34" charset="0"/>
                 <a:cs typeface="Calibri" panose="020F0502020204030204" pitchFamily="34" charset="0"/>
               </a:rPr>
-              <a:t>ttery steering, even before lane change</a:t>
-            </a:r>
-          </a:p>
-          <a:p>
-            <a:pPr marL="285750" indent="-285750">
-              <a:buFont typeface="Arial" panose="020B0604020202020204" pitchFamily="34" charset="0"/>
-              <a:buChar char="•"/>
-            </a:pPr>
-            <a:r>
-              <a:rPr lang="en-US" dirty="0">
-                <a:latin typeface="Calibri" panose="020F0502020204030204" pitchFamily="34" charset="0"/>
-                <a:ea typeface="Calibri" panose="020F0502020204030204" pitchFamily="34" charset="0"/>
-                <a:cs typeface="Calibri" panose="020F0502020204030204" pitchFamily="34" charset="0"/>
-              </a:rPr>
-              <a:t>T</a:t>
-            </a:r>
-            <a:r>
-              <a:rPr lang="en-US" b="0" dirty="0">
-                <a:effectLst/>
-                <a:latin typeface="Calibri" panose="020F0502020204030204" pitchFamily="34" charset="0"/>
-                <a:ea typeface="Calibri" panose="020F0502020204030204" pitchFamily="34" charset="0"/>
-                <a:cs typeface="Calibri" panose="020F0502020204030204" pitchFamily="34" charset="0"/>
-              </a:rPr>
-              <a:t>hrottle usage very jumpy, typically either fully on or fully off</a:t>
-            </a:r>
-          </a:p>
-          <a:p>
-            <a:pPr marL="285750" indent="-285750">
-              <a:buFont typeface="Arial" panose="020B0604020202020204" pitchFamily="34" charset="0"/>
-              <a:buChar char="•"/>
-            </a:pPr>
-            <a:r>
-              <a:rPr lang="en-US" dirty="0">
-                <a:latin typeface="Calibri" panose="020F0502020204030204" pitchFamily="34" charset="0"/>
-                <a:ea typeface="Calibri" panose="020F0502020204030204" pitchFamily="34" charset="0"/>
-                <a:cs typeface="Calibri" panose="020F0502020204030204" pitchFamily="34" charset="0"/>
-              </a:rPr>
-              <a:t>M</a:t>
-            </a:r>
-            <a:r>
-              <a:rPr lang="en-US" b="0" dirty="0">
-                <a:effectLst/>
-                <a:latin typeface="Calibri" panose="020F0502020204030204" pitchFamily="34" charset="0"/>
-                <a:ea typeface="Calibri" panose="020F0502020204030204" pitchFamily="34" charset="0"/>
-                <a:cs typeface="Calibri" panose="020F0502020204030204" pitchFamily="34" charset="0"/>
-              </a:rPr>
-              <a:t>aintained maximum distance from NPC actor</a:t>
-            </a:r>
-          </a:p>
-          <a:p>
-            <a:endParaRPr lang="en-US" altLang="zh-CN" dirty="0">
-              <a:solidFill>
-                <a:srgbClr val="212529"/>
-              </a:solidFill>
-              <a:latin typeface="Calibri" panose="020F0502020204030204" pitchFamily="34" charset="0"/>
-              <a:ea typeface="Calibri" panose="020F0502020204030204" pitchFamily="34" charset="0"/>
-              <a:cs typeface="Calibri" panose="020F0502020204030204" pitchFamily="34" charset="0"/>
-            </a:endParaRPr>
-          </a:p>
-          <a:p>
-            <a:r>
-              <a:rPr lang="en-US" b="0" dirty="0">
-                <a:effectLst/>
-                <a:latin typeface="Calibri" panose="020F0502020204030204" pitchFamily="34" charset="0"/>
-                <a:ea typeface="Calibri" panose="020F0502020204030204" pitchFamily="34" charset="0"/>
-                <a:cs typeface="Calibri" panose="020F0502020204030204" pitchFamily="34" charset="0"/>
-              </a:rPr>
-              <a:t>We believe many of these observations are due to EV nighttime programmed behavior probably being more risk-adverse and aware of surroundings.</a:t>
-            </a:r>
+              <a:t>Cvip: The EV remained consistently close to the risky NPC actor throughout the duration of the simulation.</a:t>
+            </a:r>
+          </a:p>
+          <a:p>
+            <a:endParaRPr lang="en-US" altLang="zh-CN" dirty="0"/>
+          </a:p>
+        </p:txBody>
+      </p:sp>
+      <p:pic>
+        <p:nvPicPr>
+          <p:cNvPr id="5" name="Picture 4" descr="A green line graph with white text&#10;&#10;Description automatically generated">
+            <a:extLst>
+              <a:ext uri="{FF2B5EF4-FFF2-40B4-BE49-F238E27FC236}">
+                <a16:creationId xmlns:a16="http://schemas.microsoft.com/office/drawing/2014/main" id="{3EC79DAB-2057-6BCC-4307-0663F26DA157}"/>
+              </a:ext>
+            </a:extLst>
+          </p:cNvPr>
+          <p:cNvPicPr>
+            <a:picLocks noChangeAspect="1"/>
+          </p:cNvPicPr>
+          <p:nvPr/>
+        </p:nvPicPr>
+        <p:blipFill>
+          <a:blip r:embed="rId2">
+            <a:extLst>
+              <a:ext uri="{28A0092B-C50C-407E-A947-70E740481C1C}">
+                <a14:useLocalDpi xmlns:a14="http://schemas.microsoft.com/office/drawing/2010/main" val="0"/>
+              </a:ext>
+            </a:extLst>
+          </a:blip>
+          <a:srcRect l="10104" t="7188" r="8333" b="1602"/>
+          <a:stretch/>
+        </p:blipFill>
+        <p:spPr>
+          <a:xfrm>
+            <a:off x="1514249" y="2571878"/>
+            <a:ext cx="10518803" cy="3920997"/>
+          </a:xfrm>
+          <a:prstGeom prst="rect">
+            <a:avLst/>
+          </a:prstGeom>
+        </p:spPr>
+      </p:pic>
+      <p:sp>
+        <p:nvSpPr>
+          <p:cNvPr id="8" name="Title 7">
+            <a:extLst>
+              <a:ext uri="{FF2B5EF4-FFF2-40B4-BE49-F238E27FC236}">
+                <a16:creationId xmlns:a16="http://schemas.microsoft.com/office/drawing/2014/main" id="{0352A743-00EB-4D59-BB48-FD34B5BF2542}"/>
+              </a:ext>
+            </a:extLst>
+          </p:cNvPr>
+          <p:cNvSpPr>
+            <a:spLocks noGrp="1"/>
+          </p:cNvSpPr>
+          <p:nvPr>
+            <p:ph type="title"/>
+          </p:nvPr>
+        </p:nvSpPr>
+        <p:spPr/>
+        <p:txBody>
+          <a:bodyPr/>
+          <a:lstStyle/>
+          <a:p>
+            <a:r>
+              <a:rPr lang="en-US" dirty="0"/>
+              <a:t>  </a:t>
+            </a:r>
+          </a:p>
+        </p:txBody>
+      </p:sp>
+      <p:sp>
+        <p:nvSpPr>
+          <p:cNvPr id="9" name="Title 1">
+            <a:extLst>
+              <a:ext uri="{FF2B5EF4-FFF2-40B4-BE49-F238E27FC236}">
+                <a16:creationId xmlns:a16="http://schemas.microsoft.com/office/drawing/2014/main" id="{362E9BFE-AD34-61FA-9A74-A5C02E24F05A}"/>
+              </a:ext>
+            </a:extLst>
+          </p:cNvPr>
+          <p:cNvSpPr txBox="1">
+            <a:spLocks/>
+          </p:cNvSpPr>
+          <p:nvPr/>
+        </p:nvSpPr>
+        <p:spPr>
+          <a:xfrm>
+            <a:off x="158948" y="3278974"/>
+            <a:ext cx="1634341" cy="508512"/>
+          </a:xfrm>
+          <a:prstGeom prst="rect">
+            <a:avLst/>
+          </a:prstGeom>
+        </p:spPr>
+        <p:txBody>
+          <a:bodyPr vert="horz" lIns="91440" tIns="45720" rIns="91440" bIns="45720" rtlCol="0" anchor="ctr">
+            <a:normAutofit fontScale="77500" lnSpcReduction="20000"/>
+          </a:bodyPr>
+          <a:lstStyle>
+            <a:lvl1pPr algn="l" defTabSz="914400" rtl="0" eaLnBrk="1" latinLnBrk="0" hangingPunct="1">
+              <a:lnSpc>
+                <a:spcPct val="90000"/>
+              </a:lnSpc>
+              <a:spcBef>
+                <a:spcPct val="0"/>
+              </a:spcBef>
+              <a:buNone/>
+              <a:defRPr sz="4400" kern="1200">
+                <a:solidFill>
+                  <a:schemeClr val="tx1"/>
+                </a:solidFill>
+                <a:latin typeface="+mj-lt"/>
+                <a:ea typeface="+mj-ea"/>
+                <a:cs typeface="+mj-cs"/>
+              </a:defRPr>
+            </a:lvl1pPr>
+          </a:lstStyle>
+          <a:p>
+            <a:r>
+              <a:rPr lang="en-US" dirty="0"/>
+              <a:t>Task </a:t>
+            </a:r>
+            <a:r>
+              <a:rPr lang="en-US" altLang="zh-CN" dirty="0"/>
+              <a:t>2</a:t>
+            </a:r>
+            <a:endParaRPr lang="en-US" dirty="0"/>
           </a:p>
         </p:txBody>
       </p:sp>
     </p:spTree>
     <p:extLst>
       <p:ext uri="{BB962C8B-B14F-4D97-AF65-F5344CB8AC3E}">
-        <p14:creationId xmlns:p14="http://schemas.microsoft.com/office/powerpoint/2010/main" val="1583425886"/>
+        <p14:creationId xmlns:p14="http://schemas.microsoft.com/office/powerpoint/2010/main" val="208115857"/>
       </p:ext>
     </p:extLst>
   </p:cSld>
@@ -4794,10 +4715,89 @@
       </p:grpSpPr>
       <p:sp>
         <p:nvSpPr>
-          <p:cNvPr id="5" name="TextBox 4">
-            <a:extLst>
-              <a:ext uri="{FF2B5EF4-FFF2-40B4-BE49-F238E27FC236}">
-                <a16:creationId xmlns:a16="http://schemas.microsoft.com/office/drawing/2014/main" id="{F0E19196-DC92-A64D-B6B9-C7B9A0673305}"/>
+          <p:cNvPr id="2" name="Title 1">
+            <a:extLst>
+              <a:ext uri="{FF2B5EF4-FFF2-40B4-BE49-F238E27FC236}">
+                <a16:creationId xmlns:a16="http://schemas.microsoft.com/office/drawing/2014/main" id="{D734AE09-0795-4ADD-AD9A-B34B3AE4F422}"/>
+              </a:ext>
+            </a:extLst>
+          </p:cNvPr>
+          <p:cNvSpPr>
+            <a:spLocks noGrp="1"/>
+          </p:cNvSpPr>
+          <p:nvPr>
+            <p:ph type="title"/>
+          </p:nvPr>
+        </p:nvSpPr>
+        <p:spPr>
+          <a:xfrm>
+            <a:off x="838200" y="65130"/>
+            <a:ext cx="10515600" cy="1325563"/>
+          </a:xfrm>
+        </p:spPr>
+        <p:txBody>
+          <a:bodyPr/>
+          <a:lstStyle/>
+          <a:p>
+            <a:r>
+              <a:rPr lang="en-US" dirty="0"/>
+              <a:t>Task </a:t>
+            </a:r>
+            <a:r>
+              <a:rPr lang="en-US" altLang="zh-CN" dirty="0"/>
+              <a:t>2</a:t>
+            </a:r>
+            <a:endParaRPr lang="en-US" dirty="0"/>
+          </a:p>
+        </p:txBody>
+      </p:sp>
+      <p:sp>
+        <p:nvSpPr>
+          <p:cNvPr id="3" name="Content Placeholder 2">
+            <a:extLst>
+              <a:ext uri="{FF2B5EF4-FFF2-40B4-BE49-F238E27FC236}">
+                <a16:creationId xmlns:a16="http://schemas.microsoft.com/office/drawing/2014/main" id="{6CAB5503-4181-4B53-893E-FCCEE467D992}"/>
+              </a:ext>
+            </a:extLst>
+          </p:cNvPr>
+          <p:cNvSpPr>
+            <a:spLocks noGrp="1"/>
+          </p:cNvSpPr>
+          <p:nvPr>
+            <p:ph idx="1"/>
+          </p:nvPr>
+        </p:nvSpPr>
+        <p:spPr>
+          <a:xfrm>
+            <a:off x="838200" y="1522587"/>
+            <a:ext cx="955089" cy="554223"/>
+          </a:xfrm>
+        </p:spPr>
+        <p:txBody>
+          <a:bodyPr>
+            <a:normAutofit/>
+          </a:bodyPr>
+          <a:lstStyle/>
+          <a:p>
+            <a:pPr marL="0" indent="0">
+              <a:buNone/>
+            </a:pPr>
+            <a:endParaRPr lang="en-US" sz="2000" dirty="0"/>
+          </a:p>
+          <a:p>
+            <a:pPr marL="0" indent="0">
+              <a:buNone/>
+            </a:pPr>
+            <a:endParaRPr lang="en-US" dirty="0"/>
+          </a:p>
+        </p:txBody>
+      </p:sp>
+      <p:sp>
+        <p:nvSpPr>
+          <p:cNvPr id="6" name="TextBox 5">
+            <a:extLst>
+              <a:ext uri="{FF2B5EF4-FFF2-40B4-BE49-F238E27FC236}">
+                <a16:creationId xmlns:a16="http://schemas.microsoft.com/office/drawing/2014/main" id="{DCF2C8F6-6611-4E40-8611-99C12BBAD1CA}"/>
               </a:ext>
             </a:extLst>
           </p:cNvPr>
@@ -4806,8 +4806,8 @@
         </p:nvSpPr>
         <p:spPr>
           <a:xfrm>
-            <a:off x="3030544" y="193350"/>
-            <a:ext cx="6130912" cy="400110"/>
+            <a:off x="664200" y="3631176"/>
+            <a:ext cx="10400645" cy="2893100"/>
           </a:xfrm>
           <a:prstGeom prst="rect">
             <a:avLst/>
@@ -4820,140 +4820,222 @@
           </a:bodyPr>
           <a:lstStyle/>
           <a:p>
-            <a:pPr algn="ctr"/>
-            <a:r>
-              <a:rPr lang="en-US" sz="2000" b="1" dirty="0"/>
-              <a:t>Distribution of the Features: Normal vs Abnormal</a:t>
-            </a:r>
-          </a:p>
-        </p:txBody>
-      </p:sp>
-      <p:pic>
-        <p:nvPicPr>
-          <p:cNvPr id="4" name="Picture 3" descr="A graph of a number of data&#10;&#10;Description automatically generated with medium confidence">
-            <a:extLst>
-              <a:ext uri="{FF2B5EF4-FFF2-40B4-BE49-F238E27FC236}">
-                <a16:creationId xmlns:a16="http://schemas.microsoft.com/office/drawing/2014/main" id="{7C36FA38-9675-D423-CCCC-B09C25EED7A5}"/>
-              </a:ext>
-            </a:extLst>
-          </p:cNvPr>
-          <p:cNvPicPr>
-            <a:picLocks noChangeAspect="1"/>
-          </p:cNvPicPr>
+            <a:r>
+              <a:rPr lang="en-US" sz="1600" b="0" dirty="0">
+                <a:effectLst/>
+                <a:latin typeface="Calibri" panose="020F0502020204030204" pitchFamily="34" charset="0"/>
+                <a:ea typeface="Calibri" panose="020F0502020204030204" pitchFamily="34" charset="0"/>
+                <a:cs typeface="Calibri" panose="020F0502020204030204" pitchFamily="34" charset="0"/>
+              </a:rPr>
+              <a:t>There was one other weather condition in which the EV displayed atypical behavior. As mentioned previously, this was the clear night scenario. Some of the atypical behavior included:</a:t>
+            </a:r>
+          </a:p>
+          <a:p>
+            <a:endParaRPr lang="en-US" sz="1600" b="0" dirty="0">
+              <a:effectLst/>
+              <a:latin typeface="Calibri" panose="020F0502020204030204" pitchFamily="34" charset="0"/>
+              <a:ea typeface="Calibri" panose="020F0502020204030204" pitchFamily="34" charset="0"/>
+              <a:cs typeface="Calibri" panose="020F0502020204030204" pitchFamily="34" charset="0"/>
+            </a:endParaRPr>
+          </a:p>
+          <a:p>
+            <a:pPr marL="285750" indent="-285750">
+              <a:buFont typeface="Arial" panose="020B0604020202020204" pitchFamily="34" charset="0"/>
+              <a:buChar char="•"/>
+            </a:pPr>
+            <a:r>
+              <a:rPr lang="en-US" sz="1600" dirty="0">
+                <a:latin typeface="Calibri" panose="020F0502020204030204" pitchFamily="34" charset="0"/>
+                <a:ea typeface="Calibri" panose="020F0502020204030204" pitchFamily="34" charset="0"/>
+                <a:cs typeface="Calibri" panose="020F0502020204030204" pitchFamily="34" charset="0"/>
+              </a:rPr>
+              <a:t>C</a:t>
+            </a:r>
+            <a:r>
+              <a:rPr lang="en-US" sz="1600" b="0" dirty="0">
+                <a:effectLst/>
+                <a:latin typeface="Calibri" panose="020F0502020204030204" pitchFamily="34" charset="0"/>
+                <a:ea typeface="Calibri" panose="020F0502020204030204" pitchFamily="34" charset="0"/>
+                <a:cs typeface="Calibri" panose="020F0502020204030204" pitchFamily="34" charset="0"/>
+              </a:rPr>
+              <a:t>onsistently lower speeds</a:t>
+            </a:r>
+          </a:p>
+          <a:p>
+            <a:pPr marL="285750" indent="-285750">
+              <a:buFont typeface="Arial" panose="020B0604020202020204" pitchFamily="34" charset="0"/>
+              <a:buChar char="•"/>
+            </a:pPr>
+            <a:r>
+              <a:rPr lang="en-US" sz="1600" dirty="0">
+                <a:latin typeface="Calibri" panose="020F0502020204030204" pitchFamily="34" charset="0"/>
+                <a:ea typeface="Calibri" panose="020F0502020204030204" pitchFamily="34" charset="0"/>
+                <a:cs typeface="Calibri" panose="020F0502020204030204" pitchFamily="34" charset="0"/>
+              </a:rPr>
+              <a:t>L</a:t>
+            </a:r>
+            <a:r>
+              <a:rPr lang="en-US" sz="1600" b="0" dirty="0">
+                <a:effectLst/>
+                <a:latin typeface="Calibri" panose="020F0502020204030204" pitchFamily="34" charset="0"/>
+                <a:ea typeface="Calibri" panose="020F0502020204030204" pitchFamily="34" charset="0"/>
+                <a:cs typeface="Calibri" panose="020F0502020204030204" pitchFamily="34" charset="0"/>
+              </a:rPr>
+              <a:t>ane change</a:t>
+            </a:r>
+          </a:p>
+          <a:p>
+            <a:pPr marL="285750" indent="-285750">
+              <a:buFont typeface="Arial" panose="020B0604020202020204" pitchFamily="34" charset="0"/>
+              <a:buChar char="•"/>
+            </a:pPr>
+            <a:r>
+              <a:rPr lang="en-US" sz="1600" dirty="0">
+                <a:latin typeface="Calibri" panose="020F0502020204030204" pitchFamily="34" charset="0"/>
+                <a:ea typeface="Calibri" panose="020F0502020204030204" pitchFamily="34" charset="0"/>
+                <a:cs typeface="Calibri" panose="020F0502020204030204" pitchFamily="34" charset="0"/>
+              </a:rPr>
+              <a:t>Ji</a:t>
+            </a:r>
+            <a:r>
+              <a:rPr lang="en-US" sz="1600" b="0" dirty="0">
+                <a:effectLst/>
+                <a:latin typeface="Calibri" panose="020F0502020204030204" pitchFamily="34" charset="0"/>
+                <a:ea typeface="Calibri" panose="020F0502020204030204" pitchFamily="34" charset="0"/>
+                <a:cs typeface="Calibri" panose="020F0502020204030204" pitchFamily="34" charset="0"/>
+              </a:rPr>
+              <a:t>ttery steering, even before lane change</a:t>
+            </a:r>
+          </a:p>
+          <a:p>
+            <a:pPr marL="285750" indent="-285750">
+              <a:buFont typeface="Arial" panose="020B0604020202020204" pitchFamily="34" charset="0"/>
+              <a:buChar char="•"/>
+            </a:pPr>
+            <a:r>
+              <a:rPr lang="en-US" sz="1600" dirty="0">
+                <a:latin typeface="Calibri" panose="020F0502020204030204" pitchFamily="34" charset="0"/>
+                <a:ea typeface="Calibri" panose="020F0502020204030204" pitchFamily="34" charset="0"/>
+                <a:cs typeface="Calibri" panose="020F0502020204030204" pitchFamily="34" charset="0"/>
+              </a:rPr>
+              <a:t>T</a:t>
+            </a:r>
+            <a:r>
+              <a:rPr lang="en-US" sz="1600" b="0" dirty="0">
+                <a:effectLst/>
+                <a:latin typeface="Calibri" panose="020F0502020204030204" pitchFamily="34" charset="0"/>
+                <a:ea typeface="Calibri" panose="020F0502020204030204" pitchFamily="34" charset="0"/>
+                <a:cs typeface="Calibri" panose="020F0502020204030204" pitchFamily="34" charset="0"/>
+              </a:rPr>
+              <a:t>hrottle usage very jumpy, typically either fully on or fully off</a:t>
+            </a:r>
+          </a:p>
+          <a:p>
+            <a:pPr marL="285750" indent="-285750">
+              <a:buFont typeface="Arial" panose="020B0604020202020204" pitchFamily="34" charset="0"/>
+              <a:buChar char="•"/>
+            </a:pPr>
+            <a:r>
+              <a:rPr lang="en-US" sz="1600" dirty="0">
+                <a:latin typeface="Calibri" panose="020F0502020204030204" pitchFamily="34" charset="0"/>
+                <a:ea typeface="Calibri" panose="020F0502020204030204" pitchFamily="34" charset="0"/>
+                <a:cs typeface="Calibri" panose="020F0502020204030204" pitchFamily="34" charset="0"/>
+              </a:rPr>
+              <a:t>M</a:t>
+            </a:r>
+            <a:r>
+              <a:rPr lang="en-US" sz="1600" b="0" dirty="0">
+                <a:effectLst/>
+                <a:latin typeface="Calibri" panose="020F0502020204030204" pitchFamily="34" charset="0"/>
+                <a:ea typeface="Calibri" panose="020F0502020204030204" pitchFamily="34" charset="0"/>
+                <a:cs typeface="Calibri" panose="020F0502020204030204" pitchFamily="34" charset="0"/>
+              </a:rPr>
+              <a:t>aintained maximum distance from NPC actor</a:t>
+            </a:r>
+          </a:p>
+          <a:p>
+            <a:endParaRPr lang="en-US" altLang="zh-CN" sz="1600" dirty="0">
+              <a:solidFill>
+                <a:srgbClr val="212529"/>
+              </a:solidFill>
+              <a:latin typeface="Calibri" panose="020F0502020204030204" pitchFamily="34" charset="0"/>
+              <a:ea typeface="Calibri" panose="020F0502020204030204" pitchFamily="34" charset="0"/>
+              <a:cs typeface="Calibri" panose="020F0502020204030204" pitchFamily="34" charset="0"/>
+            </a:endParaRPr>
+          </a:p>
+          <a:p>
+            <a:r>
+              <a:rPr lang="en-US" sz="1600" b="0" dirty="0">
+                <a:effectLst/>
+                <a:latin typeface="Calibri" panose="020F0502020204030204" pitchFamily="34" charset="0"/>
+                <a:ea typeface="Calibri" panose="020F0502020204030204" pitchFamily="34" charset="0"/>
+                <a:cs typeface="Calibri" panose="020F0502020204030204" pitchFamily="34" charset="0"/>
+              </a:rPr>
+              <a:t>We believe many of these observations are due to EV nighttime programmed behavior probably being more risk-adverse and aware of surroundings.</a:t>
+            </a:r>
+          </a:p>
+        </p:txBody>
+      </p:sp>
+      <p:sp>
+        <p:nvSpPr>
+          <p:cNvPr id="4" name="TextBox 3">
+            <a:extLst>
+              <a:ext uri="{FF2B5EF4-FFF2-40B4-BE49-F238E27FC236}">
+                <a16:creationId xmlns:a16="http://schemas.microsoft.com/office/drawing/2014/main" id="{EE6CE32B-D207-E67A-738D-1136A741D4F2}"/>
+              </a:ext>
+            </a:extLst>
+          </p:cNvPr>
+          <p:cNvSpPr txBox="1"/>
           <p:nvPr/>
-        </p:nvPicPr>
-        <p:blipFill>
-          <a:blip r:embed="rId2">
-            <a:extLst>
-              <a:ext uri="{28A0092B-C50C-407E-A947-70E740481C1C}">
-                <a14:useLocalDpi xmlns:a14="http://schemas.microsoft.com/office/drawing/2010/main" val="0"/>
-              </a:ext>
-            </a:extLst>
-          </a:blip>
-          <a:srcRect l="7618" t="8654" r="8746" b="4416"/>
-          <a:stretch/>
-        </p:blipFill>
-        <p:spPr>
-          <a:xfrm>
-            <a:off x="2272145" y="721680"/>
-            <a:ext cx="7647710" cy="5961719"/>
+        </p:nvSpPr>
+        <p:spPr>
+          <a:xfrm>
+            <a:off x="2725837" y="190364"/>
+            <a:ext cx="9190299" cy="3139321"/>
           </a:xfrm>
           <a:prstGeom prst="rect">
             <a:avLst/>
           </a:prstGeom>
-        </p:spPr>
-      </p:pic>
-      <p:sp>
-        <p:nvSpPr>
-          <p:cNvPr id="10" name="Title 9">
-            <a:extLst>
-              <a:ext uri="{FF2B5EF4-FFF2-40B4-BE49-F238E27FC236}">
-                <a16:creationId xmlns:a16="http://schemas.microsoft.com/office/drawing/2014/main" id="{09CDF607-1B87-EF2F-B695-FAF349A5EBC9}"/>
-              </a:ext>
-            </a:extLst>
-          </p:cNvPr>
-          <p:cNvSpPr>
-            <a:spLocks noGrp="1"/>
-          </p:cNvSpPr>
-          <p:nvPr>
-            <p:ph type="title"/>
-          </p:nvPr>
-        </p:nvSpPr>
-        <p:spPr/>
-        <p:txBody>
-          <a:bodyPr/>
+          <a:noFill/>
+        </p:spPr>
+        <p:txBody>
+          <a:bodyPr wrap="square" rtlCol="0">
+            <a:spAutoFit/>
+          </a:bodyPr>
           <a:lstStyle/>
           <a:p>
             <a:r>
               <a:rPr lang="en-US" dirty="0"/>
-              <a:t> </a:t>
-            </a:r>
-          </a:p>
-        </p:txBody>
-      </p:sp>
-      <p:sp>
-        <p:nvSpPr>
-          <p:cNvPr id="11" name="Title 1">
-            <a:extLst>
-              <a:ext uri="{FF2B5EF4-FFF2-40B4-BE49-F238E27FC236}">
-                <a16:creationId xmlns:a16="http://schemas.microsoft.com/office/drawing/2014/main" id="{0F925127-2D29-FA9D-4274-AAA248DEE3F4}"/>
-              </a:ext>
-            </a:extLst>
-          </p:cNvPr>
-          <p:cNvSpPr txBox="1">
-            <a:spLocks/>
-          </p:cNvSpPr>
-          <p:nvPr/>
-        </p:nvSpPr>
-        <p:spPr>
-          <a:xfrm>
-            <a:off x="365523" y="58898"/>
-            <a:ext cx="2403764" cy="1325563"/>
-          </a:xfrm>
-          <a:prstGeom prst="rect">
-            <a:avLst/>
-          </a:prstGeom>
-        </p:spPr>
-        <p:txBody>
-          <a:bodyPr vert="horz" lIns="91440" tIns="45720" rIns="91440" bIns="45720" rtlCol="0" anchor="ctr">
-            <a:normAutofit/>
-          </a:bodyPr>
-          <a:lstStyle>
-            <a:lvl1pPr algn="l" defTabSz="914400" rtl="0" eaLnBrk="1" latinLnBrk="0" hangingPunct="1">
-              <a:lnSpc>
-                <a:spcPct val="90000"/>
-              </a:lnSpc>
-              <a:spcBef>
-                <a:spcPct val="0"/>
-              </a:spcBef>
-              <a:buNone/>
-              <a:defRPr sz="4400" kern="1200">
-                <a:solidFill>
-                  <a:schemeClr val="tx1"/>
-                </a:solidFill>
-                <a:latin typeface="+mj-lt"/>
-                <a:ea typeface="+mj-ea"/>
-                <a:cs typeface="+mj-cs"/>
-              </a:defRPr>
-            </a:lvl1pPr>
-          </a:lstStyle>
-          <a:p>
-            <a:r>
-              <a:rPr lang="en-US"/>
-              <a:t>Task </a:t>
-            </a:r>
-            <a:r>
-              <a:rPr lang="en-US" altLang="zh-CN"/>
-              <a:t>2</a:t>
-            </a:r>
-            <a:endParaRPr lang="en-US" dirty="0"/>
+              <a:t>3. Accidents are caused by abnormal AV behavior. However, there are other adverse driving conditions when there are abnormal AV behaviors while no accident occurs. From the plots you generated in Task 1.3, do you observe any other abnormal behavior? If so, what do you think is (are) the cause(s) of this behavior?</a:t>
+            </a:r>
+          </a:p>
+          <a:p>
+            <a:r>
+              <a:rPr lang="en-US" dirty="0"/>
+              <a:t>4. In this question, we explore differences between abnormal and normal runs. Complete the following questions (6 points) </a:t>
+            </a:r>
+          </a:p>
+          <a:p>
+            <a:pPr lvl="1"/>
+            <a:r>
+              <a:rPr lang="en-US" dirty="0"/>
+              <a:t>a. We study the following features: “brake”, “steer”, “v”, “y”, “x”, “</a:t>
+            </a:r>
+            <a:r>
+              <a:rPr lang="en-US" dirty="0" err="1"/>
+              <a:t>cvip</a:t>
+            </a:r>
+            <a:r>
+              <a:rPr lang="en-US" dirty="0"/>
+              <a:t>”, “throttle”. Plot the distribution of each feature for the abnormal runs (including the accident runs) vs normal runs. Treat the values at each time point as an independent individual sample and generate the density plot of the distribution. Describe the difference between the “steer” distribution for normal and abnormal runs. </a:t>
+            </a:r>
           </a:p>
         </p:txBody>
       </p:sp>
     </p:spTree>
     <p:extLst>
       <p:ext uri="{BB962C8B-B14F-4D97-AF65-F5344CB8AC3E}">
-        <p14:creationId xmlns:p14="http://schemas.microsoft.com/office/powerpoint/2010/main" val="432580688"/>
+        <p14:creationId xmlns:p14="http://schemas.microsoft.com/office/powerpoint/2010/main" val="1583425886"/>
       </p:ext>
     </p:extLst>
   </p:cSld>
@@ -5018,7 +5100,7 @@
       </p:sp>
       <p:pic>
         <p:nvPicPr>
-          <p:cNvPr id="4" name="Picture 3">
+          <p:cNvPr id="4" name="Picture 3" descr="A graph of a number of data&#10;&#10;Description automatically generated with medium confidence">
             <a:extLst>
               <a:ext uri="{FF2B5EF4-FFF2-40B4-BE49-F238E27FC236}">
                 <a16:creationId xmlns:a16="http://schemas.microsoft.com/office/drawing/2014/main" id="{7C36FA38-9675-D423-CCCC-B09C25EED7A5}"/>
@@ -5038,13 +5120,13 @@
               </a:ext>
             </a:extLst>
           </a:blip>
-          <a:srcRect l="7639" t="8411" r="8368" b="4541"/>
+          <a:srcRect l="7618" t="8654" r="8746" b="4416"/>
           <a:stretch/>
         </p:blipFill>
         <p:spPr>
           <a:xfrm>
-            <a:off x="2298701" y="721680"/>
-            <a:ext cx="7645950" cy="5942970"/>
+            <a:off x="2272145" y="721680"/>
+            <a:ext cx="7647710" cy="5961719"/>
           </a:xfrm>
           <a:prstGeom prst="rect">
             <a:avLst/>
@@ -5053,10 +5135,38 @@
       </p:pic>
       <p:sp>
         <p:nvSpPr>
-          <p:cNvPr id="3" name="Title 1">
-            <a:extLst>
-              <a:ext uri="{FF2B5EF4-FFF2-40B4-BE49-F238E27FC236}">
-                <a16:creationId xmlns:a16="http://schemas.microsoft.com/office/drawing/2014/main" id="{B50FCD4A-3934-F6F1-6319-BDF05BDF903E}"/>
+          <p:cNvPr id="10" name="Title 9">
+            <a:extLst>
+              <a:ext uri="{FF2B5EF4-FFF2-40B4-BE49-F238E27FC236}">
+                <a16:creationId xmlns:a16="http://schemas.microsoft.com/office/drawing/2014/main" id="{09CDF607-1B87-EF2F-B695-FAF349A5EBC9}"/>
+              </a:ext>
+            </a:extLst>
+          </p:cNvPr>
+          <p:cNvSpPr>
+            <a:spLocks noGrp="1"/>
+          </p:cNvSpPr>
+          <p:nvPr>
+            <p:ph type="title"/>
+          </p:nvPr>
+        </p:nvSpPr>
+        <p:spPr/>
+        <p:txBody>
+          <a:bodyPr/>
+          <a:lstStyle/>
+          <a:p>
+            <a:r>
+              <a:rPr lang="en-US" dirty="0"/>
+              <a:t> </a:t>
+            </a:r>
+          </a:p>
+        </p:txBody>
+      </p:sp>
+      <p:sp>
+        <p:nvSpPr>
+          <p:cNvPr id="11" name="Title 1">
+            <a:extLst>
+              <a:ext uri="{FF2B5EF4-FFF2-40B4-BE49-F238E27FC236}">
+                <a16:creationId xmlns:a16="http://schemas.microsoft.com/office/drawing/2014/main" id="{0F925127-2D29-FA9D-4274-AAA248DEE3F4}"/>
               </a:ext>
             </a:extLst>
           </p:cNvPr>
@@ -5110,38 +5220,10 @@
           </a:p>
         </p:txBody>
       </p:sp>
-      <p:sp>
-        <p:nvSpPr>
-          <p:cNvPr id="7" name="Title 6">
-            <a:extLst>
-              <a:ext uri="{FF2B5EF4-FFF2-40B4-BE49-F238E27FC236}">
-                <a16:creationId xmlns:a16="http://schemas.microsoft.com/office/drawing/2014/main" id="{D95C1061-E2C2-1F54-65B5-1D32B1C21CAB}"/>
-              </a:ext>
-            </a:extLst>
-          </p:cNvPr>
-          <p:cNvSpPr>
-            <a:spLocks noGrp="1"/>
-          </p:cNvSpPr>
-          <p:nvPr>
-            <p:ph type="title"/>
-          </p:nvPr>
-        </p:nvSpPr>
-        <p:spPr/>
-        <p:txBody>
-          <a:bodyPr/>
-          <a:lstStyle/>
-          <a:p>
-            <a:r>
-              <a:rPr lang="en-US" dirty="0"/>
-              <a:t> </a:t>
-            </a:r>
-          </a:p>
-        </p:txBody>
-      </p:sp>
     </p:spTree>
     <p:extLst>
       <p:ext uri="{BB962C8B-B14F-4D97-AF65-F5344CB8AC3E}">
-        <p14:creationId xmlns:p14="http://schemas.microsoft.com/office/powerpoint/2010/main" val="364842346"/>
+        <p14:creationId xmlns:p14="http://schemas.microsoft.com/office/powerpoint/2010/main" val="432580688"/>
       </p:ext>
     </p:extLst>
   </p:cSld>
@@ -5204,44 +5286,6 @@
           </a:p>
         </p:txBody>
       </p:sp>
-      <p:sp>
-        <p:nvSpPr>
-          <p:cNvPr id="2" name="Title 1">
-            <a:extLst>
-              <a:ext uri="{FF2B5EF4-FFF2-40B4-BE49-F238E27FC236}">
-                <a16:creationId xmlns:a16="http://schemas.microsoft.com/office/drawing/2014/main" id="{D734AE09-0795-4ADD-AD9A-B34B3AE4F422}"/>
-              </a:ext>
-            </a:extLst>
-          </p:cNvPr>
-          <p:cNvSpPr>
-            <a:spLocks noGrp="1"/>
-          </p:cNvSpPr>
-          <p:nvPr>
-            <p:ph type="title"/>
-          </p:nvPr>
-        </p:nvSpPr>
-        <p:spPr>
-          <a:xfrm>
-            <a:off x="365523" y="58898"/>
-            <a:ext cx="2403764" cy="1325563"/>
-          </a:xfrm>
-        </p:spPr>
-        <p:txBody>
-          <a:bodyPr/>
-          <a:lstStyle/>
-          <a:p>
-            <a:r>
-              <a:rPr lang="en-US" dirty="0"/>
-              <a:t>Task </a:t>
-            </a:r>
-            <a:r>
-              <a:rPr lang="en-US" altLang="zh-CN" dirty="0"/>
-              <a:t>2</a:t>
-            </a:r>
-            <a:endParaRPr lang="en-US" dirty="0"/>
-          </a:p>
-        </p:txBody>
-      </p:sp>
       <p:pic>
         <p:nvPicPr>
           <p:cNvPr id="4" name="Picture 3">
@@ -5264,23 +5308,110 @@
               </a:ext>
             </a:extLst>
           </a:blip>
-          <a:srcRect l="7215" t="9044" r="8629" b="4902"/>
+          <a:srcRect l="7639" t="8411" r="8368" b="4541"/>
           <a:stretch/>
         </p:blipFill>
         <p:spPr>
           <a:xfrm>
-            <a:off x="2221362" y="721680"/>
-            <a:ext cx="7749275" cy="5942970"/>
+            <a:off x="2298701" y="721680"/>
+            <a:ext cx="7645950" cy="5942970"/>
           </a:xfrm>
           <a:prstGeom prst="rect">
             <a:avLst/>
           </a:prstGeom>
         </p:spPr>
       </p:pic>
+      <p:sp>
+        <p:nvSpPr>
+          <p:cNvPr id="3" name="Title 1">
+            <a:extLst>
+              <a:ext uri="{FF2B5EF4-FFF2-40B4-BE49-F238E27FC236}">
+                <a16:creationId xmlns:a16="http://schemas.microsoft.com/office/drawing/2014/main" id="{B50FCD4A-3934-F6F1-6319-BDF05BDF903E}"/>
+              </a:ext>
+            </a:extLst>
+          </p:cNvPr>
+          <p:cNvSpPr txBox="1">
+            <a:spLocks/>
+          </p:cNvSpPr>
+          <p:nvPr/>
+        </p:nvSpPr>
+        <p:spPr>
+          <a:xfrm>
+            <a:off x="365523" y="58898"/>
+            <a:ext cx="2403764" cy="1325563"/>
+          </a:xfrm>
+          <a:prstGeom prst="rect">
+            <a:avLst/>
+          </a:prstGeom>
+        </p:spPr>
+        <p:txBody>
+          <a:bodyPr vert="horz" lIns="91440" tIns="45720" rIns="91440" bIns="45720" rtlCol="0" anchor="ctr">
+            <a:normAutofit/>
+          </a:bodyPr>
+          <a:lstStyle>
+            <a:lvl1pPr algn="l" defTabSz="914400" rtl="0" eaLnBrk="1" latinLnBrk="0" hangingPunct="1">
+              <a:lnSpc>
+                <a:spcPct val="90000"/>
+              </a:lnSpc>
+              <a:spcBef>
+                <a:spcPct val="0"/>
+              </a:spcBef>
+              <a:buNone/>
+              <a:defRPr sz="4400" kern="1200">
+                <a:solidFill>
+                  <a:schemeClr val="tx1"/>
+                </a:solidFill>
+                <a:latin typeface="+mj-lt"/>
+                <a:ea typeface="+mj-ea"/>
+                <a:cs typeface="+mj-cs"/>
+              </a:defRPr>
+            </a:lvl1pPr>
+          </a:lstStyle>
+          <a:p>
+            <a:r>
+              <a:rPr lang="en-US"/>
+              <a:t>Task </a:t>
+            </a:r>
+            <a:r>
+              <a:rPr lang="en-US" altLang="zh-CN"/>
+              <a:t>2</a:t>
+            </a:r>
+            <a:endParaRPr lang="en-US" dirty="0"/>
+          </a:p>
+        </p:txBody>
+      </p:sp>
+      <p:sp>
+        <p:nvSpPr>
+          <p:cNvPr id="7" name="Title 6">
+            <a:extLst>
+              <a:ext uri="{FF2B5EF4-FFF2-40B4-BE49-F238E27FC236}">
+                <a16:creationId xmlns:a16="http://schemas.microsoft.com/office/drawing/2014/main" id="{D95C1061-E2C2-1F54-65B5-1D32B1C21CAB}"/>
+              </a:ext>
+            </a:extLst>
+          </p:cNvPr>
+          <p:cNvSpPr>
+            <a:spLocks noGrp="1"/>
+          </p:cNvSpPr>
+          <p:nvPr>
+            <p:ph type="title"/>
+          </p:nvPr>
+        </p:nvSpPr>
+        <p:spPr/>
+        <p:txBody>
+          <a:bodyPr/>
+          <a:lstStyle/>
+          <a:p>
+            <a:r>
+              <a:rPr lang="en-US" dirty="0"/>
+              <a:t> </a:t>
+            </a:r>
+          </a:p>
+        </p:txBody>
+      </p:sp>
     </p:spTree>
     <p:extLst>
       <p:ext uri="{BB962C8B-B14F-4D97-AF65-F5344CB8AC3E}">
-        <p14:creationId xmlns:p14="http://schemas.microsoft.com/office/powerpoint/2010/main" val="2667153163"/>
+        <p14:creationId xmlns:p14="http://schemas.microsoft.com/office/powerpoint/2010/main" val="364842346"/>
       </p:ext>
     </p:extLst>
   </p:cSld>
@@ -5343,6 +5474,44 @@
           </a:p>
         </p:txBody>
       </p:sp>
+      <p:sp>
+        <p:nvSpPr>
+          <p:cNvPr id="2" name="Title 1">
+            <a:extLst>
+              <a:ext uri="{FF2B5EF4-FFF2-40B4-BE49-F238E27FC236}">
+                <a16:creationId xmlns:a16="http://schemas.microsoft.com/office/drawing/2014/main" id="{D734AE09-0795-4ADD-AD9A-B34B3AE4F422}"/>
+              </a:ext>
+            </a:extLst>
+          </p:cNvPr>
+          <p:cNvSpPr>
+            <a:spLocks noGrp="1"/>
+          </p:cNvSpPr>
+          <p:nvPr>
+            <p:ph type="title"/>
+          </p:nvPr>
+        </p:nvSpPr>
+        <p:spPr>
+          <a:xfrm>
+            <a:off x="365523" y="58898"/>
+            <a:ext cx="2403764" cy="1325563"/>
+          </a:xfrm>
+        </p:spPr>
+        <p:txBody>
+          <a:bodyPr/>
+          <a:lstStyle/>
+          <a:p>
+            <a:r>
+              <a:rPr lang="en-US" dirty="0"/>
+              <a:t>Task </a:t>
+            </a:r>
+            <a:r>
+              <a:rPr lang="en-US" altLang="zh-CN" dirty="0"/>
+              <a:t>2</a:t>
+            </a:r>
+            <a:endParaRPr lang="en-US" dirty="0"/>
+          </a:p>
+        </p:txBody>
+      </p:sp>
       <p:pic>
         <p:nvPicPr>
           <p:cNvPr id="4" name="Picture 3">
@@ -5365,110 +5534,23 @@
               </a:ext>
             </a:extLst>
           </a:blip>
-          <a:srcRect l="5879" t="9009" r="8070" b="5139"/>
+          <a:srcRect l="7215" t="9044" r="8629" b="4902"/>
           <a:stretch/>
         </p:blipFill>
         <p:spPr>
           <a:xfrm>
-            <a:off x="2039149" y="727912"/>
-            <a:ext cx="8113702" cy="6071190"/>
+            <a:off x="2221362" y="721680"/>
+            <a:ext cx="7749275" cy="5942970"/>
           </a:xfrm>
           <a:prstGeom prst="rect">
             <a:avLst/>
           </a:prstGeom>
         </p:spPr>
       </p:pic>
-      <p:sp>
-        <p:nvSpPr>
-          <p:cNvPr id="6" name="Title 5">
-            <a:extLst>
-              <a:ext uri="{FF2B5EF4-FFF2-40B4-BE49-F238E27FC236}">
-                <a16:creationId xmlns:a16="http://schemas.microsoft.com/office/drawing/2014/main" id="{187575E9-3206-953F-53A9-737F526DD938}"/>
-              </a:ext>
-            </a:extLst>
-          </p:cNvPr>
-          <p:cNvSpPr>
-            <a:spLocks noGrp="1"/>
-          </p:cNvSpPr>
-          <p:nvPr>
-            <p:ph type="title"/>
-          </p:nvPr>
-        </p:nvSpPr>
-        <p:spPr/>
-        <p:txBody>
-          <a:bodyPr/>
-          <a:lstStyle/>
-          <a:p>
-            <a:r>
-              <a:rPr lang="en-US" dirty="0"/>
-              <a:t> </a:t>
-            </a:r>
-          </a:p>
-        </p:txBody>
-      </p:sp>
-      <p:sp>
-        <p:nvSpPr>
-          <p:cNvPr id="7" name="Title 1">
-            <a:extLst>
-              <a:ext uri="{FF2B5EF4-FFF2-40B4-BE49-F238E27FC236}">
-                <a16:creationId xmlns:a16="http://schemas.microsoft.com/office/drawing/2014/main" id="{AB3FF90E-5CC2-992E-3F38-C07FAB09A14C}"/>
-              </a:ext>
-            </a:extLst>
-          </p:cNvPr>
-          <p:cNvSpPr txBox="1">
-            <a:spLocks/>
-          </p:cNvSpPr>
-          <p:nvPr/>
-        </p:nvSpPr>
-        <p:spPr>
-          <a:xfrm>
-            <a:off x="365523" y="58898"/>
-            <a:ext cx="2403764" cy="1325563"/>
-          </a:xfrm>
-          <a:prstGeom prst="rect">
-            <a:avLst/>
-          </a:prstGeom>
-        </p:spPr>
-        <p:txBody>
-          <a:bodyPr vert="horz" lIns="91440" tIns="45720" rIns="91440" bIns="45720" rtlCol="0" anchor="ctr">
-            <a:normAutofit/>
-          </a:bodyPr>
-          <a:lstStyle>
-            <a:lvl1pPr algn="l" defTabSz="914400" rtl="0" eaLnBrk="1" latinLnBrk="0" hangingPunct="1">
-              <a:lnSpc>
-                <a:spcPct val="90000"/>
-              </a:lnSpc>
-              <a:spcBef>
-                <a:spcPct val="0"/>
-              </a:spcBef>
-              <a:buNone/>
-              <a:defRPr sz="4400" kern="1200">
-                <a:solidFill>
-                  <a:schemeClr val="tx1"/>
-                </a:solidFill>
-                <a:latin typeface="+mj-lt"/>
-                <a:ea typeface="+mj-ea"/>
-                <a:cs typeface="+mj-cs"/>
-              </a:defRPr>
-            </a:lvl1pPr>
-          </a:lstStyle>
-          <a:p>
-            <a:r>
-              <a:rPr lang="en-US"/>
-              <a:t>Task </a:t>
-            </a:r>
-            <a:r>
-              <a:rPr lang="en-US" altLang="zh-CN"/>
-              <a:t>2</a:t>
-            </a:r>
-            <a:endParaRPr lang="en-US" dirty="0"/>
-          </a:p>
-        </p:txBody>
-      </p:sp>
     </p:spTree>
     <p:extLst>
       <p:ext uri="{BB962C8B-B14F-4D97-AF65-F5344CB8AC3E}">
-        <p14:creationId xmlns:p14="http://schemas.microsoft.com/office/powerpoint/2010/main" val="2950564261"/>
+        <p14:creationId xmlns:p14="http://schemas.microsoft.com/office/powerpoint/2010/main" val="2667153163"/>
       </p:ext>
     </p:extLst>
   </p:cSld>
@@ -5531,39 +5613,6 @@
           </a:p>
         </p:txBody>
       </p:sp>
-      <p:sp>
-        <p:nvSpPr>
-          <p:cNvPr id="2" name="Title 1">
-            <a:extLst>
-              <a:ext uri="{FF2B5EF4-FFF2-40B4-BE49-F238E27FC236}">
-                <a16:creationId xmlns:a16="http://schemas.microsoft.com/office/drawing/2014/main" id="{D734AE09-0795-4ADD-AD9A-B34B3AE4F422}"/>
-              </a:ext>
-            </a:extLst>
-          </p:cNvPr>
-          <p:cNvSpPr>
-            <a:spLocks noGrp="1"/>
-          </p:cNvSpPr>
-          <p:nvPr>
-            <p:ph type="title"/>
-          </p:nvPr>
-        </p:nvSpPr>
-        <p:spPr>
-          <a:xfrm>
-            <a:off x="838200" y="65130"/>
-            <a:ext cx="2403764" cy="1325563"/>
-          </a:xfrm>
-        </p:spPr>
-        <p:txBody>
-          <a:bodyPr/>
-          <a:lstStyle/>
-          <a:p>
-            <a:r>
-              <a:rPr lang="en-US" dirty="0"/>
-              <a:t> </a:t>
-            </a:r>
-          </a:p>
-        </p:txBody>
-      </p:sp>
       <p:pic>
         <p:nvPicPr>
           <p:cNvPr id="4" name="Picture 3">
@@ -5586,13 +5635,13 @@
               </a:ext>
             </a:extLst>
           </a:blip>
-          <a:srcRect l="6628" t="8611" r="8964" b="5138"/>
+          <a:srcRect l="5879" t="9009" r="8070" b="5139"/>
           <a:stretch/>
         </p:blipFill>
         <p:spPr>
           <a:xfrm>
-            <a:off x="2239996" y="681245"/>
-            <a:ext cx="7712008" cy="5910263"/>
+            <a:off x="2039149" y="727912"/>
+            <a:ext cx="8113702" cy="6071190"/>
           </a:xfrm>
           <a:prstGeom prst="rect">
             <a:avLst/>
@@ -5601,10 +5650,38 @@
       </p:pic>
       <p:sp>
         <p:nvSpPr>
-          <p:cNvPr id="3" name="Title 1">
-            <a:extLst>
-              <a:ext uri="{FF2B5EF4-FFF2-40B4-BE49-F238E27FC236}">
-                <a16:creationId xmlns:a16="http://schemas.microsoft.com/office/drawing/2014/main" id="{06639CFC-AF54-2271-F28D-023C4CE824ED}"/>
+          <p:cNvPr id="6" name="Title 5">
+            <a:extLst>
+              <a:ext uri="{FF2B5EF4-FFF2-40B4-BE49-F238E27FC236}">
+                <a16:creationId xmlns:a16="http://schemas.microsoft.com/office/drawing/2014/main" id="{187575E9-3206-953F-53A9-737F526DD938}"/>
+              </a:ext>
+            </a:extLst>
+          </p:cNvPr>
+          <p:cNvSpPr>
+            <a:spLocks noGrp="1"/>
+          </p:cNvSpPr>
+          <p:nvPr>
+            <p:ph type="title"/>
+          </p:nvPr>
+        </p:nvSpPr>
+        <p:spPr/>
+        <p:txBody>
+          <a:bodyPr/>
+          <a:lstStyle/>
+          <a:p>
+            <a:r>
+              <a:rPr lang="en-US" dirty="0"/>
+              <a:t> </a:t>
+            </a:r>
+          </a:p>
+        </p:txBody>
+      </p:sp>
+      <p:sp>
+        <p:nvSpPr>
+          <p:cNvPr id="7" name="Title 1">
+            <a:extLst>
+              <a:ext uri="{FF2B5EF4-FFF2-40B4-BE49-F238E27FC236}">
+                <a16:creationId xmlns:a16="http://schemas.microsoft.com/office/drawing/2014/main" id="{AB3FF90E-5CC2-992E-3F38-C07FAB09A14C}"/>
               </a:ext>
             </a:extLst>
           </p:cNvPr>
@@ -5661,7 +5738,7 @@
     </p:spTree>
     <p:extLst>
       <p:ext uri="{BB962C8B-B14F-4D97-AF65-F5344CB8AC3E}">
-        <p14:creationId xmlns:p14="http://schemas.microsoft.com/office/powerpoint/2010/main" val="824020756"/>
+        <p14:creationId xmlns:p14="http://schemas.microsoft.com/office/powerpoint/2010/main" val="2950564261"/>
       </p:ext>
     </p:extLst>
   </p:cSld>
@@ -5781,8 +5858,8 @@
         </p:nvSpPr>
         <p:spPr>
           <a:xfrm>
-            <a:off x="838200" y="1160559"/>
-            <a:ext cx="3282538" cy="5632311"/>
+            <a:off x="664579" y="1956524"/>
+            <a:ext cx="4630838" cy="4592059"/>
           </a:xfrm>
           <a:prstGeom prst="rect">
             <a:avLst/>
@@ -5931,7 +6008,7 @@
         </p:nvSpPr>
         <p:spPr>
           <a:xfrm>
-            <a:off x="5448795" y="2432462"/>
+            <a:off x="5556508" y="3427180"/>
             <a:ext cx="3282538" cy="369332"/>
           </a:xfrm>
           <a:prstGeom prst="rect">
@@ -5966,7 +6043,7 @@
         </p:nvSpPr>
         <p:spPr>
           <a:xfrm>
-            <a:off x="5448795" y="543245"/>
+            <a:off x="5556508" y="1593472"/>
             <a:ext cx="3282538" cy="369332"/>
           </a:xfrm>
           <a:prstGeom prst="rect">
@@ -6001,7 +6078,7 @@
         </p:nvSpPr>
         <p:spPr>
           <a:xfrm>
-            <a:off x="5448795" y="4425538"/>
+            <a:off x="5538486" y="5099456"/>
             <a:ext cx="3282538" cy="369332"/>
           </a:xfrm>
           <a:prstGeom prst="rect">
@@ -6044,7 +6121,7 @@
         </p:blipFill>
         <p:spPr>
           <a:xfrm>
-            <a:off x="5556508" y="951349"/>
+            <a:off x="5556508" y="1956524"/>
             <a:ext cx="4361521" cy="1383113"/>
           </a:xfrm>
           <a:prstGeom prst="rect">
@@ -6074,8 +6151,8 @@
         </p:blipFill>
         <p:spPr>
           <a:xfrm>
-            <a:off x="5556508" y="2815786"/>
-            <a:ext cx="6319119" cy="1443907"/>
+            <a:off x="5556508" y="3796512"/>
+            <a:ext cx="5260034" cy="1201908"/>
           </a:xfrm>
           <a:prstGeom prst="rect">
             <a:avLst/>
@@ -6104,18 +6181,80 @@
         </p:blipFill>
         <p:spPr>
           <a:xfrm>
-            <a:off x="5556508" y="4832179"/>
-            <a:ext cx="5356915" cy="1455065"/>
+            <a:off x="5556508" y="5468788"/>
+            <a:ext cx="4212525" cy="1144222"/>
           </a:xfrm>
           <a:prstGeom prst="rect">
             <a:avLst/>
           </a:prstGeom>
         </p:spPr>
       </p:pic>
+      <p:sp>
+        <p:nvSpPr>
+          <p:cNvPr id="5" name="TextBox 4">
+            <a:extLst>
+              <a:ext uri="{FF2B5EF4-FFF2-40B4-BE49-F238E27FC236}">
+                <a16:creationId xmlns:a16="http://schemas.microsoft.com/office/drawing/2014/main" id="{3653C189-0C46-5BB1-9239-455133C82E52}"/>
+              </a:ext>
+            </a:extLst>
+          </p:cNvPr>
+          <p:cNvSpPr txBox="1"/>
+          <p:nvPr/>
+        </p:nvSpPr>
+        <p:spPr>
+          <a:xfrm>
+            <a:off x="2755992" y="293977"/>
+            <a:ext cx="8883569" cy="1200329"/>
+          </a:xfrm>
+          <a:prstGeom prst="rect">
+            <a:avLst/>
+          </a:prstGeom>
+          <a:noFill/>
+        </p:spPr>
+        <p:txBody>
+          <a:bodyPr wrap="square" rtlCol="0">
+            <a:spAutoFit/>
+          </a:bodyPr>
+          <a:lstStyle/>
+          <a:p>
+            <a:r>
+              <a:rPr lang="en-US" dirty="0"/>
+              <a:t>1. Import all the .csv data (including 4 weather conditions: "clear-night", "</a:t>
+            </a:r>
+            <a:r>
+              <a:rPr lang="en-US" dirty="0" err="1"/>
+              <a:t>clearsunset</a:t>
+            </a:r>
+            <a:r>
+              <a:rPr lang="en-US" dirty="0"/>
+              <a:t>", "clear-noon", "rain-noon") of the </a:t>
+            </a:r>
+            <a:r>
+              <a:rPr lang="en-US" dirty="0" err="1"/>
+              <a:t>ghost_cutin</a:t>
+            </a:r>
+            <a:r>
+              <a:rPr lang="en-US" dirty="0"/>
+              <a:t> scene into </a:t>
+            </a:r>
+            <a:r>
+              <a:rPr lang="en-US" dirty="0" err="1"/>
+              <a:t>Jupyter</a:t>
+            </a:r>
+            <a:r>
+              <a:rPr lang="en-US" dirty="0"/>
+              <a:t> Notebook. List the first 5 rows of the ctl.csv, cvip.csv, and traj.csv with the clear-night weather condition.</a:t>
+            </a:r>
+          </a:p>
+          <a:p>
+            <a:endParaRPr lang="en-US" dirty="0"/>
+          </a:p>
+        </p:txBody>
+      </p:sp>
     </p:spTree>
     <p:extLst>
       <p:ext uri="{BB962C8B-B14F-4D97-AF65-F5344CB8AC3E}">
-        <p14:creationId xmlns:p14="http://schemas.microsoft.com/office/powerpoint/2010/main" val="1774812392"/>
+        <p14:creationId xmlns:p14="http://schemas.microsoft.com/office/powerpoint/2010/main" val="3888292849"/>
       </p:ext>
     </p:extLst>
   </p:cSld>
@@ -6233,13 +6372,13 @@
               </a:ext>
             </a:extLst>
           </a:blip>
-          <a:srcRect l="6625" t="8611" r="8220" b="5337"/>
+          <a:srcRect l="6628" t="8611" r="8964" b="5138"/>
           <a:stretch/>
         </p:blipFill>
         <p:spPr>
           <a:xfrm>
-            <a:off x="2206379" y="721680"/>
-            <a:ext cx="7779242" cy="5895846"/>
+            <a:off x="2239996" y="681245"/>
+            <a:ext cx="7712008" cy="5910263"/>
           </a:xfrm>
           <a:prstGeom prst="rect">
             <a:avLst/>
@@ -6251,7 +6390,7 @@
           <p:cNvPr id="3" name="Title 1">
             <a:extLst>
               <a:ext uri="{FF2B5EF4-FFF2-40B4-BE49-F238E27FC236}">
-                <a16:creationId xmlns:a16="http://schemas.microsoft.com/office/drawing/2014/main" id="{D2EB2AD5-E089-FDF1-314B-CDAEBC6F40D5}"/>
+                <a16:creationId xmlns:a16="http://schemas.microsoft.com/office/drawing/2014/main" id="{06639CFC-AF54-2271-F28D-023C4CE824ED}"/>
               </a:ext>
             </a:extLst>
           </p:cNvPr>
@@ -6308,7 +6447,7 @@
     </p:spTree>
     <p:extLst>
       <p:ext uri="{BB962C8B-B14F-4D97-AF65-F5344CB8AC3E}">
-        <p14:creationId xmlns:p14="http://schemas.microsoft.com/office/powerpoint/2010/main" val="1320398996"/>
+        <p14:creationId xmlns:p14="http://schemas.microsoft.com/office/powerpoint/2010/main" val="824020756"/>
       </p:ext>
     </p:extLst>
   </p:cSld>
@@ -6349,8 +6488,8 @@
         </p:nvSpPr>
         <p:spPr>
           <a:xfrm>
-            <a:off x="513729" y="1095875"/>
-            <a:ext cx="11300900" cy="5632311"/>
+            <a:off x="3030544" y="193350"/>
+            <a:ext cx="6130912" cy="400110"/>
           </a:xfrm>
           <a:prstGeom prst="rect">
             <a:avLst/>
@@ -6363,326 +6502,135 @@
           </a:bodyPr>
           <a:lstStyle/>
           <a:p>
-            <a:r>
-              <a:rPr lang="en-US" dirty="0"/>
-              <a:t>Q4</a:t>
-            </a:r>
-            <a:r>
-              <a:rPr lang="en-US" altLang="zh-CN" dirty="0"/>
-              <a:t>.b:</a:t>
-            </a:r>
+            <a:pPr algn="ctr"/>
+            <a:r>
+              <a:rPr lang="en-US" sz="2000" b="1" dirty="0"/>
+              <a:t>Distribution of the Features: Normal vs Abnormal</a:t>
+            </a:r>
+          </a:p>
+        </p:txBody>
+      </p:sp>
+      <p:sp>
+        <p:nvSpPr>
+          <p:cNvPr id="2" name="Title 1">
+            <a:extLst>
+              <a:ext uri="{FF2B5EF4-FFF2-40B4-BE49-F238E27FC236}">
+                <a16:creationId xmlns:a16="http://schemas.microsoft.com/office/drawing/2014/main" id="{D734AE09-0795-4ADD-AD9A-B34B3AE4F422}"/>
+              </a:ext>
+            </a:extLst>
+          </p:cNvPr>
+          <p:cNvSpPr>
+            <a:spLocks noGrp="1"/>
+          </p:cNvSpPr>
+          <p:nvPr>
+            <p:ph type="title"/>
+          </p:nvPr>
+        </p:nvSpPr>
+        <p:spPr>
+          <a:xfrm>
+            <a:off x="838200" y="65130"/>
+            <a:ext cx="2403764" cy="1325563"/>
+          </a:xfrm>
+        </p:spPr>
+        <p:txBody>
+          <a:bodyPr/>
+          <a:lstStyle/>
+          <a:p>
             <a:r>
               <a:rPr lang="en-US" dirty="0"/>
               <a:t> </a:t>
             </a:r>
-            <a:r>
-              <a:rPr lang="en-US" altLang="zh-CN" dirty="0">
-                <a:solidFill>
-                  <a:srgbClr val="212529"/>
-                </a:solidFill>
-                <a:latin typeface="Arial" panose="020B0604020202020204" pitchFamily="34" charset="0"/>
-              </a:rPr>
-              <a:t>U</a:t>
-            </a:r>
-            <a:r>
-              <a:rPr lang="en-US" sz="1800" b="0" i="0" u="none" strike="noStrike" dirty="0">
-                <a:solidFill>
-                  <a:srgbClr val="212529"/>
-                </a:solidFill>
-                <a:effectLst/>
-                <a:latin typeface="Arial" panose="020B0604020202020204" pitchFamily="34" charset="0"/>
-              </a:rPr>
-              <a:t>se 2-sample t-test to test on the </a:t>
-            </a:r>
-            <a:r>
-              <a:rPr lang="en-US" sz="1800" b="1" i="0" u="none" strike="noStrike" dirty="0">
-                <a:solidFill>
-                  <a:srgbClr val="212529"/>
-                </a:solidFill>
-                <a:effectLst/>
-                <a:latin typeface="Arial" panose="020B0604020202020204" pitchFamily="34" charset="0"/>
-              </a:rPr>
-              <a:t>‘steer’</a:t>
-            </a:r>
-            <a:r>
-              <a:rPr lang="en-US" sz="1800" b="0" i="0" u="none" strike="noStrike" dirty="0">
-                <a:solidFill>
-                  <a:srgbClr val="212529"/>
-                </a:solidFill>
-                <a:effectLst/>
-                <a:latin typeface="Arial" panose="020B0604020202020204" pitchFamily="34" charset="0"/>
-              </a:rPr>
-              <a:t> values of </a:t>
-            </a:r>
-            <a:r>
-              <a:rPr lang="en-US" sz="1800" b="1" i="0" u="none" strike="noStrike" dirty="0">
-                <a:solidFill>
-                  <a:srgbClr val="212529"/>
-                </a:solidFill>
-                <a:effectLst/>
-                <a:latin typeface="Arial" panose="020B0604020202020204" pitchFamily="34" charset="0"/>
-              </a:rPr>
-              <a:t>abnormal runs vs normal runs</a:t>
-            </a:r>
-            <a:r>
-              <a:rPr lang="en-US" altLang="zh-CN" sz="1800" b="1" i="0" u="none" strike="noStrike" dirty="0">
-                <a:solidFill>
-                  <a:srgbClr val="212529"/>
-                </a:solidFill>
-                <a:effectLst/>
-                <a:latin typeface="Arial" panose="020B0604020202020204" pitchFamily="34" charset="0"/>
-              </a:rPr>
-              <a:t>.</a:t>
-            </a:r>
-            <a:endParaRPr lang="en-US" altLang="zh-CN" dirty="0"/>
-          </a:p>
-          <a:p>
-            <a:pPr marL="400050" indent="-400050">
-              <a:buFont typeface="+mj-lt"/>
-              <a:buAutoNum type="romanLcPeriod"/>
-            </a:pPr>
-            <a:r>
-              <a:rPr lang="en-US" sz="1800" b="0" i="0" u="none" strike="noStrike" dirty="0">
-                <a:solidFill>
-                  <a:srgbClr val="212529"/>
-                </a:solidFill>
-                <a:effectLst/>
-                <a:latin typeface="Arial" panose="020B0604020202020204" pitchFamily="34" charset="0"/>
-              </a:rPr>
-              <a:t>State the null and alternative hypotheses</a:t>
-            </a:r>
-          </a:p>
-          <a:p>
-            <a:pPr lvl="1"/>
-            <a:r>
-              <a:rPr lang="en-US" altLang="zh-CN" dirty="0">
-                <a:solidFill>
-                  <a:srgbClr val="212529"/>
-                </a:solidFill>
-                <a:latin typeface="Arial" panose="020B0604020202020204" pitchFamily="34" charset="0"/>
-              </a:rPr>
-              <a:t>H0: </a:t>
-            </a:r>
-            <a:r>
-              <a:rPr lang="en-US" dirty="0">
-                <a:solidFill>
-                  <a:srgbClr val="212529"/>
-                </a:solidFill>
-                <a:latin typeface="Arial" panose="020B0604020202020204" pitchFamily="34" charset="0"/>
-              </a:rPr>
-              <a:t>There is no significant difference between the steering variable population means between the normal and abnormal runs. </a:t>
-            </a:r>
-          </a:p>
-          <a:p>
-            <a:pPr lvl="1"/>
-            <a:endParaRPr lang="en-US" dirty="0">
-              <a:solidFill>
-                <a:srgbClr val="212529"/>
-              </a:solidFill>
-              <a:latin typeface="Arial" panose="020B0604020202020204" pitchFamily="34" charset="0"/>
-            </a:endParaRPr>
-          </a:p>
-          <a:p>
-            <a:pPr lvl="1"/>
-            <a:r>
-              <a:rPr lang="en-US" altLang="zh-CN" dirty="0">
-                <a:solidFill>
-                  <a:srgbClr val="212529"/>
-                </a:solidFill>
-                <a:latin typeface="Arial" panose="020B0604020202020204" pitchFamily="34" charset="0"/>
-              </a:rPr>
-              <a:t>H1: </a:t>
-            </a:r>
-            <a:r>
-              <a:rPr lang="en-US" dirty="0">
-                <a:solidFill>
-                  <a:srgbClr val="212529"/>
-                </a:solidFill>
-                <a:latin typeface="Arial" panose="020B0604020202020204" pitchFamily="34" charset="0"/>
-              </a:rPr>
-              <a:t>There is a significant difference between the steering variable population means between the normal and abnormal runs.</a:t>
-            </a:r>
-            <a:endParaRPr lang="en-US" altLang="zh-CN" dirty="0">
-              <a:solidFill>
-                <a:srgbClr val="212529"/>
-              </a:solidFill>
-              <a:latin typeface="Arial" panose="020B0604020202020204" pitchFamily="34" charset="0"/>
-            </a:endParaRPr>
-          </a:p>
-          <a:p>
-            <a:pPr lvl="1"/>
-            <a:endParaRPr lang="en-US" b="0" i="0" u="none" strike="noStrike" dirty="0">
-              <a:solidFill>
-                <a:srgbClr val="212529"/>
-              </a:solidFill>
-              <a:effectLst/>
-              <a:latin typeface="Arial" panose="020B0604020202020204" pitchFamily="34" charset="0"/>
-            </a:endParaRPr>
-          </a:p>
-          <a:p>
-            <a:pPr marL="342900" indent="-342900">
-              <a:buFont typeface="+mj-lt"/>
-              <a:buAutoNum type="romanLcPeriod"/>
-            </a:pPr>
-            <a:r>
-              <a:rPr lang="en-US" sz="1800" b="0" i="0" u="none" strike="noStrike" dirty="0">
-                <a:solidFill>
-                  <a:srgbClr val="212529"/>
-                </a:solidFill>
-                <a:effectLst/>
-                <a:latin typeface="Arial" panose="020B0604020202020204" pitchFamily="34" charset="0"/>
-              </a:rPr>
-              <a:t>Perform the test and calculate test statistics</a:t>
-            </a:r>
-            <a:endParaRPr lang="en-US" dirty="0">
-              <a:solidFill>
-                <a:srgbClr val="212529"/>
-              </a:solidFill>
-              <a:latin typeface="Arial" panose="020B0604020202020204" pitchFamily="34" charset="0"/>
-            </a:endParaRPr>
-          </a:p>
-          <a:p>
-            <a:pPr lvl="1"/>
-            <a:r>
-              <a:rPr lang="en-US" dirty="0">
-                <a:solidFill>
-                  <a:srgbClr val="212529"/>
-                </a:solidFill>
-                <a:latin typeface="Arial" panose="020B0604020202020204" pitchFamily="34" charset="0"/>
-              </a:rPr>
-              <a:t>T-statistic: -2.059574394684549</a:t>
-            </a:r>
-          </a:p>
-          <a:p>
-            <a:pPr lvl="1"/>
-            <a:r>
-              <a:rPr lang="en-US" dirty="0">
-                <a:solidFill>
-                  <a:srgbClr val="212529"/>
-                </a:solidFill>
-                <a:latin typeface="Arial" panose="020B0604020202020204" pitchFamily="34" charset="0"/>
-              </a:rPr>
-              <a:t>P-value: 0.03949993360519476</a:t>
-            </a:r>
-          </a:p>
-          <a:p>
-            <a:pPr lvl="1"/>
-            <a:endParaRPr lang="en-US" b="0" i="0" u="none" strike="noStrike" dirty="0">
-              <a:solidFill>
-                <a:srgbClr val="212529"/>
-              </a:solidFill>
-              <a:effectLst/>
-              <a:latin typeface="Arial" panose="020B0604020202020204" pitchFamily="34" charset="0"/>
-            </a:endParaRPr>
-          </a:p>
-          <a:p>
-            <a:pPr marL="342900" indent="-342900">
-              <a:buFont typeface="+mj-lt"/>
-              <a:buAutoNum type="romanLcPeriod"/>
-            </a:pPr>
-            <a:r>
-              <a:rPr lang="en-US" sz="1800" b="0" i="0" u="none" strike="noStrike" dirty="0">
-                <a:solidFill>
-                  <a:srgbClr val="212529"/>
-                </a:solidFill>
-                <a:effectLst/>
-                <a:latin typeface="Arial" panose="020B0604020202020204" pitchFamily="34" charset="0"/>
-              </a:rPr>
-              <a:t>Assume a significance level of 0.05, what is your conclusion</a:t>
-            </a:r>
-            <a:endParaRPr lang="en-US" dirty="0"/>
-          </a:p>
-          <a:p>
-            <a:r>
-              <a:rPr lang="en-US" dirty="0"/>
-              <a:t>        </a:t>
-            </a:r>
-            <a:r>
-              <a:rPr lang="en-US" dirty="0">
-                <a:solidFill>
-                  <a:srgbClr val="212529"/>
-                </a:solidFill>
-                <a:latin typeface="Arial" panose="020B0604020202020204" pitchFamily="34" charset="0"/>
-              </a:rPr>
-              <a:t>There exists significant evidence to reject the Null Hypothesis.</a:t>
-            </a:r>
-            <a:endParaRPr lang="en-US" dirty="0"/>
-          </a:p>
-          <a:p>
-            <a:pPr marL="285750" indent="-285750">
-              <a:buFont typeface="Arial" panose="020B0604020202020204" pitchFamily="34" charset="0"/>
-              <a:buChar char="•"/>
-            </a:pPr>
-            <a:endParaRPr lang="en-US" dirty="0"/>
-          </a:p>
-          <a:p>
-            <a:r>
-              <a:rPr lang="en-US" altLang="zh-CN" dirty="0"/>
-              <a:t>Q4.c:</a:t>
-            </a:r>
-            <a:r>
-              <a:rPr lang="zh-CN" altLang="en-US" dirty="0"/>
-              <a:t> </a:t>
-            </a:r>
-            <a:r>
-              <a:rPr lang="en-US" sz="1800" b="0" i="0" u="none" strike="noStrike" dirty="0">
-                <a:solidFill>
-                  <a:srgbClr val="212529"/>
-                </a:solidFill>
-                <a:effectLst/>
-                <a:latin typeface="Arial" panose="020B0604020202020204" pitchFamily="34" charset="0"/>
-              </a:rPr>
-              <a:t>Does the testing result contradict your observation on the ”steer” feature in part 4.a? Why?</a:t>
-            </a:r>
-          </a:p>
-          <a:p>
-            <a:r>
-              <a:rPr lang="en-US" dirty="0">
-                <a:solidFill>
-                  <a:srgbClr val="212529"/>
-                </a:solidFill>
-                <a:latin typeface="Arial" panose="020B0604020202020204" pitchFamily="34" charset="0"/>
-              </a:rPr>
-              <a:t>       This outcome contradicts our intuition as both the normal and abnormal distributions appear to have means centered very close to zero. Thus, we originally thought that there wouldn’t be a significant difference between their means.</a:t>
-            </a:r>
-          </a:p>
-          <a:p>
-            <a:endParaRPr lang="en-US" dirty="0"/>
-          </a:p>
-        </p:txBody>
-      </p:sp>
-      <p:sp>
-        <p:nvSpPr>
-          <p:cNvPr id="2" name="Title 1">
-            <a:extLst>
-              <a:ext uri="{FF2B5EF4-FFF2-40B4-BE49-F238E27FC236}">
-                <a16:creationId xmlns:a16="http://schemas.microsoft.com/office/drawing/2014/main" id="{D734AE09-0795-4ADD-AD9A-B34B3AE4F422}"/>
-              </a:ext>
-            </a:extLst>
-          </p:cNvPr>
-          <p:cNvSpPr>
-            <a:spLocks noGrp="1"/>
-          </p:cNvSpPr>
-          <p:nvPr>
-            <p:ph type="title"/>
-          </p:nvPr>
-        </p:nvSpPr>
-        <p:spPr>
-          <a:xfrm>
-            <a:off x="838200" y="65130"/>
-            <a:ext cx="10515600" cy="1325563"/>
-          </a:xfrm>
-        </p:spPr>
-        <p:txBody>
-          <a:bodyPr/>
-          <a:lstStyle/>
-          <a:p>
-            <a:r>
-              <a:rPr lang="en-US" dirty="0"/>
+          </a:p>
+        </p:txBody>
+      </p:sp>
+      <p:pic>
+        <p:nvPicPr>
+          <p:cNvPr id="4" name="Picture 3">
+            <a:extLst>
+              <a:ext uri="{FF2B5EF4-FFF2-40B4-BE49-F238E27FC236}">
+                <a16:creationId xmlns:a16="http://schemas.microsoft.com/office/drawing/2014/main" id="{7C36FA38-9675-D423-CCCC-B09C25EED7A5}"/>
+              </a:ext>
+            </a:extLst>
+          </p:cNvPr>
+          <p:cNvPicPr>
+            <a:picLocks noChangeAspect="1"/>
+          </p:cNvPicPr>
+          <p:nvPr/>
+        </p:nvPicPr>
+        <p:blipFill>
+          <a:blip r:embed="rId2">
+            <a:extLst>
+              <a:ext uri="{28A0092B-C50C-407E-A947-70E740481C1C}">
+                <a14:useLocalDpi xmlns:a14="http://schemas.microsoft.com/office/drawing/2010/main" val="0"/>
+              </a:ext>
+            </a:extLst>
+          </a:blip>
+          <a:srcRect l="6625" t="8611" r="8220" b="5337"/>
+          <a:stretch/>
+        </p:blipFill>
+        <p:spPr>
+          <a:xfrm>
+            <a:off x="2206379" y="721680"/>
+            <a:ext cx="7779242" cy="5895846"/>
+          </a:xfrm>
+          <a:prstGeom prst="rect">
+            <a:avLst/>
+          </a:prstGeom>
+        </p:spPr>
+      </p:pic>
+      <p:sp>
+        <p:nvSpPr>
+          <p:cNvPr id="3" name="Title 1">
+            <a:extLst>
+              <a:ext uri="{FF2B5EF4-FFF2-40B4-BE49-F238E27FC236}">
+                <a16:creationId xmlns:a16="http://schemas.microsoft.com/office/drawing/2014/main" id="{D2EB2AD5-E089-FDF1-314B-CDAEBC6F40D5}"/>
+              </a:ext>
+            </a:extLst>
+          </p:cNvPr>
+          <p:cNvSpPr txBox="1">
+            <a:spLocks/>
+          </p:cNvSpPr>
+          <p:nvPr/>
+        </p:nvSpPr>
+        <p:spPr>
+          <a:xfrm>
+            <a:off x="365523" y="58898"/>
+            <a:ext cx="2403764" cy="1325563"/>
+          </a:xfrm>
+          <a:prstGeom prst="rect">
+            <a:avLst/>
+          </a:prstGeom>
+        </p:spPr>
+        <p:txBody>
+          <a:bodyPr vert="horz" lIns="91440" tIns="45720" rIns="91440" bIns="45720" rtlCol="0" anchor="ctr">
+            <a:normAutofit/>
+          </a:bodyPr>
+          <a:lstStyle>
+            <a:lvl1pPr algn="l" defTabSz="914400" rtl="0" eaLnBrk="1" latinLnBrk="0" hangingPunct="1">
+              <a:lnSpc>
+                <a:spcPct val="90000"/>
+              </a:lnSpc>
+              <a:spcBef>
+                <a:spcPct val="0"/>
+              </a:spcBef>
+              <a:buNone/>
+              <a:defRPr sz="4400" kern="1200">
+                <a:solidFill>
+                  <a:schemeClr val="tx1"/>
+                </a:solidFill>
+                <a:latin typeface="+mj-lt"/>
+                <a:ea typeface="+mj-ea"/>
+                <a:cs typeface="+mj-cs"/>
+              </a:defRPr>
+            </a:lvl1pPr>
+          </a:lstStyle>
+          <a:p>
+            <a:r>
+              <a:rPr lang="en-US"/>
               <a:t>Task </a:t>
             </a:r>
             <a:r>
-              <a:rPr lang="en-US" altLang="zh-CN" dirty="0"/>
+              <a:rPr lang="en-US" altLang="zh-CN"/>
               <a:t>2</a:t>
             </a:r>
             <a:endParaRPr lang="en-US" dirty="0"/>
@@ -6692,7 +6640,7 @@
     </p:spTree>
     <p:extLst>
       <p:ext uri="{BB962C8B-B14F-4D97-AF65-F5344CB8AC3E}">
-        <p14:creationId xmlns:p14="http://schemas.microsoft.com/office/powerpoint/2010/main" val="2195100559"/>
+        <p14:creationId xmlns:p14="http://schemas.microsoft.com/office/powerpoint/2010/main" val="1320398996"/>
       </p:ext>
     </p:extLst>
   </p:cSld>
@@ -6734,7 +6682,7 @@
         <p:spPr>
           <a:xfrm>
             <a:off x="513729" y="1095875"/>
-            <a:ext cx="10720328" cy="5016758"/>
+            <a:ext cx="11300900" cy="5632311"/>
           </a:xfrm>
           <a:prstGeom prst="rect">
             <a:avLst/>
@@ -6748,306 +6696,267 @@
           <a:lstStyle/>
           <a:p>
             <a:r>
-              <a:rPr lang="en-US" sz="1600" dirty="0"/>
-              <a:t>Q5</a:t>
-            </a:r>
-            <a:r>
-              <a:rPr lang="en-US" altLang="zh-CN" sz="1600" dirty="0"/>
-              <a:t>:</a:t>
-            </a:r>
-            <a:r>
-              <a:rPr lang="zh-CN" altLang="en-US" sz="1600" dirty="0"/>
+              <a:rPr lang="en-US" dirty="0"/>
+              <a:t>Q4</a:t>
+            </a:r>
+            <a:r>
+              <a:rPr lang="en-US" altLang="zh-CN" dirty="0"/>
+              <a:t>.b:</a:t>
+            </a:r>
+            <a:r>
+              <a:rPr lang="en-US" dirty="0"/>
               <a:t> </a:t>
             </a:r>
             <a:r>
-              <a:rPr lang="en-US" altLang="zh-CN" sz="1600" dirty="0">
+              <a:rPr lang="en-US" altLang="zh-CN" dirty="0">
                 <a:solidFill>
                   <a:srgbClr val="212529"/>
                 </a:solidFill>
-                <a:latin typeface="Arial" panose="020B0604020202020204" pitchFamily="34" charset="0"/>
-              </a:rPr>
-              <a:t>S</a:t>
-            </a:r>
-            <a:r>
-              <a:rPr lang="en-US" sz="1600" b="0" i="0" u="none" strike="noStrike" dirty="0">
+              </a:rPr>
+              <a:t>U</a:t>
+            </a:r>
+            <a:r>
+              <a:rPr lang="en-US" sz="1800" b="0" i="0" u="none" strike="noStrike" dirty="0">
                 <a:solidFill>
                   <a:srgbClr val="212529"/>
                 </a:solidFill>
                 <a:effectLst/>
-                <a:latin typeface="Arial" panose="020B0604020202020204" pitchFamily="34" charset="0"/>
-              </a:rPr>
-              <a:t>ome of the</a:t>
-            </a:r>
-            <a:r>
-              <a:rPr lang="zh-CN" altLang="en-US" sz="1600" b="0" i="0" u="none" strike="noStrike" dirty="0">
+              </a:rPr>
+              <a:t>se 2-sample t-test to test on the </a:t>
+            </a:r>
+            <a:r>
+              <a:rPr lang="en-US" sz="1800" b="1" i="0" u="none" strike="noStrike" dirty="0">
                 <a:solidFill>
                   <a:srgbClr val="212529"/>
                 </a:solidFill>
                 <a:effectLst/>
-                <a:latin typeface="Arial" panose="020B0604020202020204" pitchFamily="34" charset="0"/>
-              </a:rPr>
-              <a:t> </a:t>
-            </a:r>
-            <a:r>
-              <a:rPr lang="en-US" altLang="zh-CN" sz="1600" b="0" i="0" u="none" strike="noStrike" dirty="0">
+              </a:rPr>
+              <a:t>‘steer’</a:t>
+            </a:r>
+            <a:r>
+              <a:rPr lang="en-US" sz="1800" b="0" i="0" u="none" strike="noStrike" dirty="0">
                 <a:solidFill>
                   <a:srgbClr val="212529"/>
                 </a:solidFill>
                 <a:effectLst/>
-                <a:latin typeface="Arial" panose="020B0604020202020204" pitchFamily="34" charset="0"/>
-              </a:rPr>
-              <a:t>features</a:t>
-            </a:r>
-            <a:r>
-              <a:rPr lang="en-US" sz="1600" b="0" i="0" u="none" strike="noStrike" dirty="0">
+              </a:rPr>
+              <a:t> values of </a:t>
+            </a:r>
+            <a:r>
+              <a:rPr lang="en-US" sz="1800" b="1" i="0" u="none" strike="noStrike" dirty="0">
                 <a:solidFill>
                   <a:srgbClr val="212529"/>
                 </a:solidFill>
                 <a:effectLst/>
-                <a:latin typeface="Arial" panose="020B0604020202020204" pitchFamily="34" charset="0"/>
-              </a:rPr>
-              <a:t> are better indicators of abnormal AV behavior, can you identify them?</a:t>
-            </a:r>
-          </a:p>
-          <a:p>
-            <a:pPr marL="342900" indent="-342900">
+              </a:rPr>
+              <a:t>abnormal runs vs normal runs</a:t>
+            </a:r>
+            <a:r>
+              <a:rPr lang="en-US" altLang="zh-CN" sz="1800" b="1" i="0" u="none" strike="noStrike" dirty="0">
+                <a:solidFill>
+                  <a:srgbClr val="212529"/>
+                </a:solidFill>
+                <a:effectLst/>
+              </a:rPr>
+              <a:t>.</a:t>
+            </a:r>
+            <a:endParaRPr lang="en-US" altLang="zh-CN" dirty="0"/>
+          </a:p>
+          <a:p>
+            <a:pPr marL="400050" indent="-400050">
               <a:buFont typeface="+mj-lt"/>
-              <a:buAutoNum type="alphaLcPeriod"/>
+              <a:buAutoNum type="romanLcPeriod"/>
             </a:pPr>
             <a:r>
-              <a:rPr lang="en-US" sz="1600" b="0" i="0" u="none" strike="noStrike" dirty="0">
+              <a:rPr lang="en-US" sz="1800" b="0" i="0" u="none" strike="noStrike" dirty="0">
                 <a:solidFill>
                   <a:srgbClr val="212529"/>
                 </a:solidFill>
                 <a:effectLst/>
-                <a:latin typeface="Arial" panose="020B0604020202020204" pitchFamily="34" charset="0"/>
-              </a:rPr>
-              <a:t>By looking at the distribution plots of the features in Task 2.4, explain your choice of indicators.</a:t>
-            </a:r>
-            <a:endParaRPr lang="en-US" altLang="zh-CN" sz="1600" dirty="0">
+              </a:rPr>
+              <a:t>State the null and alternative hypotheses</a:t>
+            </a:r>
+          </a:p>
+          <a:p>
+            <a:pPr lvl="1"/>
+            <a:r>
+              <a:rPr lang="en-US" altLang="zh-CN" dirty="0">
+                <a:solidFill>
+                  <a:srgbClr val="212529"/>
+                </a:solidFill>
+              </a:rPr>
+              <a:t>H0: </a:t>
+            </a:r>
+            <a:r>
+              <a:rPr lang="en-US" dirty="0">
+                <a:solidFill>
+                  <a:srgbClr val="212529"/>
+                </a:solidFill>
+              </a:rPr>
+              <a:t>There is no significant difference between the steering variable population means between the normal and abnormal runs. </a:t>
+            </a:r>
+          </a:p>
+          <a:p>
+            <a:pPr lvl="1"/>
+            <a:endParaRPr lang="en-US" dirty="0">
               <a:solidFill>
                 <a:srgbClr val="212529"/>
               </a:solidFill>
-              <a:latin typeface="Arial" panose="020B0604020202020204" pitchFamily="34" charset="0"/>
             </a:endParaRPr>
+          </a:p>
+          <a:p>
+            <a:pPr lvl="1"/>
+            <a:r>
+              <a:rPr lang="en-US" altLang="zh-CN" dirty="0">
+                <a:solidFill>
+                  <a:srgbClr val="212529"/>
+                </a:solidFill>
+              </a:rPr>
+              <a:t>H1: </a:t>
+            </a:r>
+            <a:r>
+              <a:rPr lang="en-US" dirty="0">
+                <a:solidFill>
+                  <a:srgbClr val="212529"/>
+                </a:solidFill>
+              </a:rPr>
+              <a:t>There is a significant difference between the steering variable population means between the normal and abnormal runs.</a:t>
+            </a:r>
+            <a:endParaRPr lang="en-US" altLang="zh-CN" dirty="0">
+              <a:solidFill>
+                <a:srgbClr val="212529"/>
+              </a:solidFill>
+            </a:endParaRPr>
+          </a:p>
+          <a:p>
+            <a:pPr lvl="1"/>
+            <a:endParaRPr lang="en-US" b="0" i="0" u="none" strike="noStrike" dirty="0">
+              <a:solidFill>
+                <a:srgbClr val="212529"/>
+              </a:solidFill>
+              <a:effectLst/>
+            </a:endParaRPr>
+          </a:p>
+          <a:p>
+            <a:pPr marL="342900" indent="-342900">
+              <a:buFont typeface="+mj-lt"/>
+              <a:buAutoNum type="romanLcPeriod"/>
+            </a:pPr>
+            <a:r>
+              <a:rPr lang="en-US" sz="1800" b="0" i="0" u="none" strike="noStrike" dirty="0">
+                <a:solidFill>
+                  <a:srgbClr val="212529"/>
+                </a:solidFill>
+                <a:effectLst/>
+              </a:rPr>
+              <a:t>Perform the test and calculate test statistics</a:t>
+            </a:r>
+            <a:endParaRPr lang="en-US" dirty="0">
+              <a:solidFill>
+                <a:srgbClr val="212529"/>
+              </a:solidFill>
+            </a:endParaRPr>
+          </a:p>
+          <a:p>
+            <a:pPr lvl="1"/>
+            <a:r>
+              <a:rPr lang="en-US" dirty="0">
+                <a:solidFill>
+                  <a:srgbClr val="212529"/>
+                </a:solidFill>
+              </a:rPr>
+              <a:t>T-statistic: -2.059574394684549</a:t>
+            </a:r>
+          </a:p>
+          <a:p>
+            <a:pPr lvl="1"/>
+            <a:r>
+              <a:rPr lang="en-US" dirty="0">
+                <a:solidFill>
+                  <a:srgbClr val="212529"/>
+                </a:solidFill>
+              </a:rPr>
+              <a:t>P-value: 0.03949993360519476</a:t>
+            </a:r>
+          </a:p>
+          <a:p>
+            <a:pPr lvl="1"/>
+            <a:endParaRPr lang="en-US" b="0" i="0" u="none" strike="noStrike" dirty="0">
+              <a:solidFill>
+                <a:srgbClr val="212529"/>
+              </a:solidFill>
+              <a:effectLst/>
+            </a:endParaRPr>
+          </a:p>
+          <a:p>
+            <a:pPr marL="342900" indent="-342900">
+              <a:buFont typeface="+mj-lt"/>
+              <a:buAutoNum type="romanLcPeriod"/>
+            </a:pPr>
+            <a:r>
+              <a:rPr lang="en-US" sz="1800" b="0" i="0" u="none" strike="noStrike" dirty="0">
+                <a:solidFill>
+                  <a:srgbClr val="212529"/>
+                </a:solidFill>
+                <a:effectLst/>
+              </a:rPr>
+              <a:t>Assume a significance level of 0.05, what is your conclusion</a:t>
+            </a:r>
+            <a:endParaRPr lang="en-US" dirty="0"/>
+          </a:p>
+          <a:p>
+            <a:r>
+              <a:rPr lang="en-US" dirty="0"/>
+              <a:t>        </a:t>
+            </a:r>
+            <a:r>
+              <a:rPr lang="en-US" dirty="0">
+                <a:solidFill>
+                  <a:srgbClr val="212529"/>
+                </a:solidFill>
+              </a:rPr>
+              <a:t>There exists significant evidence to reject the Null Hypothesis.</a:t>
+            </a:r>
+            <a:endParaRPr lang="en-US" dirty="0"/>
           </a:p>
           <a:p>
             <a:pPr marL="285750" indent="-285750">
               <a:buFont typeface="Arial" panose="020B0604020202020204" pitchFamily="34" charset="0"/>
               <a:buChar char="•"/>
             </a:pPr>
-            <a:r>
-              <a:rPr lang="en-US" sz="1600" dirty="0">
+            <a:endParaRPr lang="en-US" dirty="0"/>
+          </a:p>
+          <a:p>
+            <a:r>
+              <a:rPr lang="en-US" altLang="zh-CN" dirty="0"/>
+              <a:t>Q4.c:</a:t>
+            </a:r>
+            <a:r>
+              <a:rPr lang="zh-CN" altLang="en-US" dirty="0"/>
+              <a:t> </a:t>
+            </a:r>
+            <a:r>
+              <a:rPr lang="en-US" sz="1800" b="0" i="0" u="none" strike="noStrike" dirty="0">
                 <a:solidFill>
                   <a:srgbClr val="212529"/>
                 </a:solidFill>
-                <a:latin typeface="Arial" panose="020B0604020202020204" pitchFamily="34" charset="0"/>
-              </a:rPr>
-              <a:t>Steer - The normal runs had a higher density closer to zero and the abnormal had a higher variance and spread.</a:t>
-            </a:r>
-          </a:p>
-          <a:p>
-            <a:pPr marL="285750" indent="-285750">
-              <a:buFont typeface="Arial" panose="020B0604020202020204" pitchFamily="34" charset="0"/>
-              <a:buChar char="•"/>
-            </a:pPr>
-            <a:r>
-              <a:rPr lang="en-US" sz="1600" dirty="0">
+                <a:effectLst/>
+              </a:rPr>
+              <a:t>Does the testing result contradict your observation on the ”steer” feature in part 4.a? Why?</a:t>
+            </a:r>
+          </a:p>
+          <a:p>
+            <a:r>
+              <a:rPr lang="en-US" dirty="0">
                 <a:solidFill>
                   <a:srgbClr val="212529"/>
                 </a:solidFill>
-                <a:latin typeface="Arial" panose="020B0604020202020204" pitchFamily="34" charset="0"/>
-              </a:rPr>
-              <a:t>X and </a:t>
-            </a:r>
-            <a:r>
-              <a:rPr lang="en-US" sz="1600" dirty="0" err="1">
-                <a:solidFill>
-                  <a:srgbClr val="212529"/>
-                </a:solidFill>
-                <a:latin typeface="Arial" panose="020B0604020202020204" pitchFamily="34" charset="0"/>
-              </a:rPr>
-              <a:t>Cvip</a:t>
-            </a:r>
-            <a:r>
-              <a:rPr lang="en-US" sz="1600" dirty="0">
-                <a:solidFill>
-                  <a:srgbClr val="212529"/>
-                </a:solidFill>
-                <a:latin typeface="Arial" panose="020B0604020202020204" pitchFamily="34" charset="0"/>
-              </a:rPr>
-              <a:t> - The abnormal plot shows two local maximums, one indicating a closer distance to the NPC actor and the other indicating a farther distance which was the response during the clear-night run where the EV changed lanes.</a:t>
-            </a:r>
-            <a:endParaRPr lang="en-US" altLang="zh-CN" sz="1600" dirty="0">
-              <a:solidFill>
-                <a:srgbClr val="212529"/>
-              </a:solidFill>
-              <a:latin typeface="Arial" panose="020B0604020202020204" pitchFamily="34" charset="0"/>
-            </a:endParaRPr>
-          </a:p>
-          <a:p>
-            <a:pPr marL="342900" indent="-342900">
-              <a:buFont typeface="+mj-lt"/>
-              <a:buAutoNum type="alphaLcPeriod"/>
-            </a:pPr>
-            <a:endParaRPr lang="en-US" altLang="zh-CN" sz="1600" dirty="0">
-              <a:solidFill>
-                <a:srgbClr val="212529"/>
-              </a:solidFill>
-              <a:latin typeface="Arial" panose="020B0604020202020204" pitchFamily="34" charset="0"/>
-            </a:endParaRPr>
-          </a:p>
-          <a:p>
-            <a:pPr marL="342900" indent="-342900">
-              <a:buFont typeface="+mj-lt"/>
-              <a:buAutoNum type="alphaLcPeriod" startAt="2"/>
-            </a:pPr>
-            <a:r>
-              <a:rPr lang="en-US" sz="1600" b="0" i="0" u="none" strike="noStrike" dirty="0">
-                <a:solidFill>
-                  <a:srgbClr val="212529"/>
-                </a:solidFill>
-                <a:effectLst/>
-                <a:latin typeface="Arial" panose="020B0604020202020204" pitchFamily="34" charset="0"/>
-              </a:rPr>
-              <a:t>For the fields you identified as good accident indicators above, are they related (Calculate the Pearson correlation coefficient between each pair of the indicators to justify your answer)? If so, how does that affect the predicting power of using one indicator versus using all of them? </a:t>
-            </a:r>
-            <a:endParaRPr lang="en-US" altLang="zh-CN" sz="1600" dirty="0"/>
-          </a:p>
-          <a:p>
-            <a:r>
-              <a:rPr lang="en-US" sz="1600" dirty="0">
-                <a:solidFill>
-                  <a:srgbClr val="212529"/>
-                </a:solidFill>
-                <a:latin typeface="Arial" panose="020B0604020202020204" pitchFamily="34" charset="0"/>
-              </a:rPr>
-              <a:t>Pearson Correlations</a:t>
-            </a:r>
-            <a:br>
-              <a:rPr lang="en-US" sz="1600" dirty="0">
-                <a:solidFill>
-                  <a:srgbClr val="212529"/>
-                </a:solidFill>
-                <a:latin typeface="Arial" panose="020B0604020202020204" pitchFamily="34" charset="0"/>
-              </a:rPr>
-            </a:br>
-            <a:r>
-              <a:rPr lang="en-US" sz="1600" dirty="0">
-                <a:solidFill>
-                  <a:srgbClr val="212529"/>
-                </a:solidFill>
-                <a:latin typeface="Arial" panose="020B0604020202020204" pitchFamily="34" charset="0"/>
-              </a:rPr>
-              <a:t>	Steering and x: 0.16049701319159093</a:t>
-            </a:r>
-            <a:br>
-              <a:rPr lang="en-US" sz="1600" dirty="0">
-                <a:solidFill>
-                  <a:srgbClr val="212529"/>
-                </a:solidFill>
-                <a:latin typeface="Arial" panose="020B0604020202020204" pitchFamily="34" charset="0"/>
-              </a:rPr>
-            </a:br>
-            <a:r>
-              <a:rPr lang="en-US" sz="1600" dirty="0">
-                <a:solidFill>
-                  <a:srgbClr val="212529"/>
-                </a:solidFill>
-                <a:latin typeface="Arial" panose="020B0604020202020204" pitchFamily="34" charset="0"/>
-              </a:rPr>
-              <a:t>	Steering and </a:t>
-            </a:r>
-            <a:r>
-              <a:rPr lang="en-US" sz="1600" dirty="0" err="1">
-                <a:solidFill>
-                  <a:srgbClr val="212529"/>
-                </a:solidFill>
-                <a:latin typeface="Arial" panose="020B0604020202020204" pitchFamily="34" charset="0"/>
-              </a:rPr>
-              <a:t>cvip</a:t>
-            </a:r>
-            <a:r>
-              <a:rPr lang="en-US" sz="1600" dirty="0">
-                <a:solidFill>
-                  <a:srgbClr val="212529"/>
-                </a:solidFill>
-                <a:latin typeface="Arial" panose="020B0604020202020204" pitchFamily="34" charset="0"/>
-              </a:rPr>
-              <a:t>: -0.06898881039039098</a:t>
-            </a:r>
-            <a:br>
-              <a:rPr lang="en-US" sz="1600" dirty="0">
-                <a:solidFill>
-                  <a:srgbClr val="212529"/>
-                </a:solidFill>
-                <a:latin typeface="Arial" panose="020B0604020202020204" pitchFamily="34" charset="0"/>
-              </a:rPr>
-            </a:br>
-            <a:r>
-              <a:rPr lang="en-US" sz="1600" dirty="0">
-                <a:solidFill>
-                  <a:srgbClr val="212529"/>
-                </a:solidFill>
-                <a:latin typeface="Arial" panose="020B0604020202020204" pitchFamily="34" charset="0"/>
-              </a:rPr>
-              <a:t>	</a:t>
-            </a:r>
-            <a:r>
-              <a:rPr lang="en-US" sz="1600" dirty="0" err="1">
-                <a:solidFill>
-                  <a:srgbClr val="212529"/>
-                </a:solidFill>
-                <a:latin typeface="Arial" panose="020B0604020202020204" pitchFamily="34" charset="0"/>
-              </a:rPr>
-              <a:t>cvip</a:t>
-            </a:r>
-            <a:r>
-              <a:rPr lang="en-US" sz="1600" dirty="0">
-                <a:solidFill>
-                  <a:srgbClr val="212529"/>
-                </a:solidFill>
-                <a:latin typeface="Arial" panose="020B0604020202020204" pitchFamily="34" charset="0"/>
-              </a:rPr>
-              <a:t> and x: -0.3015787487970796</a:t>
-            </a:r>
-          </a:p>
-          <a:p>
-            <a:endParaRPr lang="en-US" sz="1600" dirty="0">
-              <a:solidFill>
-                <a:srgbClr val="212529"/>
-              </a:solidFill>
-              <a:latin typeface="Arial" panose="020B0604020202020204" pitchFamily="34" charset="0"/>
-            </a:endParaRPr>
-          </a:p>
-          <a:p>
-            <a:r>
-              <a:rPr lang="en-US" sz="1600" dirty="0">
-                <a:solidFill>
-                  <a:srgbClr val="212529"/>
-                </a:solidFill>
-                <a:latin typeface="Arial" panose="020B0604020202020204" pitchFamily="34" charset="0"/>
-              </a:rPr>
-              <a:t>Although we don’t have enough collinearity with these features to have a major negative difference in the predicting power, in general we would want to avoid using features with higher correlation since it would take away from the predicting power by skewing the data. Of the above options, </a:t>
-            </a:r>
-            <a:r>
-              <a:rPr lang="en-US" sz="1600" dirty="0" err="1">
-                <a:solidFill>
-                  <a:srgbClr val="212529"/>
-                </a:solidFill>
-                <a:latin typeface="Arial" panose="020B0604020202020204" pitchFamily="34" charset="0"/>
-              </a:rPr>
-              <a:t>cvip</a:t>
-            </a:r>
-            <a:r>
-              <a:rPr lang="en-US" sz="1600" dirty="0">
-                <a:solidFill>
-                  <a:srgbClr val="212529"/>
-                </a:solidFill>
-                <a:latin typeface="Arial" panose="020B0604020202020204" pitchFamily="34" charset="0"/>
-              </a:rPr>
-              <a:t> and x are the most correlated and it may be redundant to include them both. That being said, since these features are relatively independent, using all of them would give us more predicting power than just using one of them.</a:t>
-            </a:r>
+              </a:rPr>
+              <a:t>       This outcome contradicts our intuition as both the normal and abnormal distributions appear to have means centered very close to zero. Thus, we originally thought that there wouldn’t be a significant difference between their means.</a:t>
+            </a:r>
+          </a:p>
+          <a:p>
+            <a:endParaRPr lang="en-US" dirty="0"/>
           </a:p>
         </p:txBody>
       </p:sp>
@@ -7092,7 +7001,7 @@
     </p:spTree>
     <p:extLst>
       <p:ext uri="{BB962C8B-B14F-4D97-AF65-F5344CB8AC3E}">
-        <p14:creationId xmlns:p14="http://schemas.microsoft.com/office/powerpoint/2010/main" val="483667181"/>
+        <p14:creationId xmlns:p14="http://schemas.microsoft.com/office/powerpoint/2010/main" val="2195100559"/>
       </p:ext>
     </p:extLst>
   </p:cSld>
@@ -7134,7 +7043,7 @@
         <p:spPr>
           <a:xfrm>
             <a:off x="513729" y="1095875"/>
-            <a:ext cx="11300900" cy="5078313"/>
+            <a:ext cx="10720328" cy="4770537"/>
           </a:xfrm>
           <a:prstGeom prst="rect">
             <a:avLst/>
@@ -7148,69 +7057,61 @@
           <a:lstStyle/>
           <a:p>
             <a:r>
-              <a:rPr lang="en-US" dirty="0"/>
-              <a:t>Q6</a:t>
-            </a:r>
-            <a:r>
-              <a:rPr lang="en-US" altLang="zh-CN" dirty="0"/>
+              <a:rPr lang="en-US" sz="1600" dirty="0"/>
+              <a:t>Q5</a:t>
+            </a:r>
+            <a:r>
+              <a:rPr lang="en-US" altLang="zh-CN" sz="1600" dirty="0"/>
               <a:t>:</a:t>
             </a:r>
             <a:r>
-              <a:rPr lang="en-US" dirty="0"/>
+              <a:rPr lang="zh-CN" altLang="en-US" sz="1600" dirty="0"/>
               <a:t> </a:t>
             </a:r>
             <a:r>
-              <a:rPr lang="en-US" sz="1800" b="0" i="0" u="none" strike="noStrike" dirty="0">
+              <a:rPr lang="en-US" altLang="zh-CN" sz="1600" dirty="0">
                 <a:solidFill>
                   <a:srgbClr val="212529"/>
                 </a:solidFill>
+              </a:rPr>
+              <a:t>S</a:t>
+            </a:r>
+            <a:r>
+              <a:rPr lang="en-US" sz="1600" b="0" i="0" u="none" strike="noStrike" dirty="0">
+                <a:solidFill>
+                  <a:srgbClr val="212529"/>
+                </a:solidFill>
                 <a:effectLst/>
-                <a:latin typeface="Arial" panose="020B0604020202020204" pitchFamily="34" charset="0"/>
-              </a:rPr>
-              <a:t>Suppose we want to use hypothesis testing to test whether the field you choose </a:t>
-            </a:r>
-            <a:r>
-              <a:rPr lang="en-US" dirty="0">
+              </a:rPr>
+              <a:t>ome of the</a:t>
+            </a:r>
+            <a:r>
+              <a:rPr lang="zh-CN" altLang="en-US" sz="1600" b="0" i="0" u="none" strike="noStrike" dirty="0">
                 <a:solidFill>
                   <a:srgbClr val="212529"/>
                 </a:solidFill>
-                <a:latin typeface="Arial" panose="020B0604020202020204" pitchFamily="34" charset="0"/>
-              </a:rPr>
-              <a:t>from</a:t>
-            </a:r>
-            <a:r>
-              <a:rPr lang="en-US" sz="1800" b="0" i="0" u="none" strike="noStrike" dirty="0">
+                <a:effectLst/>
+              </a:rPr>
+              <a:t> </a:t>
+            </a:r>
+            <a:r>
+              <a:rPr lang="en-US" altLang="zh-CN" sz="1600" b="0" i="0" u="none" strike="noStrike" dirty="0">
                 <a:solidFill>
                   <a:srgbClr val="212529"/>
                 </a:solidFill>
                 <a:effectLst/>
-                <a:latin typeface="Arial" panose="020B0604020202020204" pitchFamily="34" charset="0"/>
-              </a:rPr>
-              <a:t> Task2.5 is indeed a good </a:t>
-            </a:r>
-            <a:r>
-              <a:rPr lang="en-US" dirty="0">
+              </a:rPr>
+              <a:t>features</a:t>
+            </a:r>
+            <a:r>
+              <a:rPr lang="en-US" sz="1600" b="0" i="0" u="none" strike="noStrike" dirty="0">
                 <a:solidFill>
                   <a:srgbClr val="212529"/>
                 </a:solidFill>
-                <a:latin typeface="Arial" panose="020B0604020202020204" pitchFamily="34" charset="0"/>
-              </a:rPr>
-              <a:t>indicator of abnormal AV behavior, using the Kolmogorov–Smirnov two-sample test.</a:t>
-            </a:r>
-            <a:br>
-              <a:rPr lang="en-US" dirty="0">
-                <a:solidFill>
-                  <a:srgbClr val="212529"/>
-                </a:solidFill>
-                <a:latin typeface="Arial" panose="020B0604020202020204" pitchFamily="34" charset="0"/>
-              </a:rPr>
-            </a:br>
-            <a:endParaRPr lang="en-US" altLang="zh-CN" dirty="0">
-              <a:solidFill>
-                <a:srgbClr val="212529"/>
-              </a:solidFill>
-              <a:latin typeface="Arial" panose="020B0604020202020204" pitchFamily="34" charset="0"/>
-            </a:endParaRPr>
+                <a:effectLst/>
+              </a:rPr>
+              <a:t> are better indicators of abnormal AV behavior, can you identify them?</a:t>
+            </a:r>
           </a:p>
           <a:p>
             <a:pPr marL="342900" indent="-342900">
@@ -7218,101 +7119,67 @@
               <a:buAutoNum type="alphaLcPeriod"/>
             </a:pPr>
             <a:r>
-              <a:rPr lang="en-US" dirty="0">
+              <a:rPr lang="en-US" sz="1600" b="0" i="0" u="none" strike="noStrike" dirty="0">
                 <a:solidFill>
                   <a:srgbClr val="212529"/>
                 </a:solidFill>
-                <a:latin typeface="Arial" panose="020B0604020202020204" pitchFamily="34" charset="0"/>
-              </a:rPr>
-              <a:t>Construct </a:t>
-            </a:r>
-            <a:r>
-              <a:rPr lang="en-US" sz="1800" b="0" i="0" u="none" strike="noStrike" dirty="0">
-                <a:solidFill>
-                  <a:srgbClr val="212529"/>
-                </a:solidFill>
                 <a:effectLst/>
-                <a:latin typeface="Arial" panose="020B0604020202020204" pitchFamily="34" charset="0"/>
-              </a:rPr>
-              <a:t>the null and the alternative hypothesis and state them below</a:t>
-            </a:r>
-            <a:br>
-              <a:rPr lang="en-US" sz="1800" b="0" i="0" u="none" strike="noStrike" dirty="0">
-                <a:solidFill>
-                  <a:srgbClr val="212529"/>
-                </a:solidFill>
-                <a:effectLst/>
-                <a:latin typeface="Arial" panose="020B0604020202020204" pitchFamily="34" charset="0"/>
-              </a:rPr>
-            </a:br>
-            <a:endParaRPr lang="en-US" sz="1800" b="0" i="0" u="none" strike="noStrike" dirty="0">
+              </a:rPr>
+              <a:t>By looking at the distribution plots of the features in Task 2.4, explain your choice of indicators.</a:t>
+            </a:r>
+            <a:endParaRPr lang="en-US" altLang="zh-CN" sz="1600" dirty="0">
               <a:solidFill>
                 <a:srgbClr val="212529"/>
               </a:solidFill>
-              <a:effectLst/>
-              <a:latin typeface="Arial" panose="020B0604020202020204" pitchFamily="34" charset="0"/>
             </a:endParaRPr>
           </a:p>
           <a:p>
-            <a:pPr lvl="1"/>
-            <a:r>
-              <a:rPr lang="en-US" altLang="zh-CN" dirty="0">
+            <a:pPr marL="285750" indent="-285750">
+              <a:buFont typeface="Arial" panose="020B0604020202020204" pitchFamily="34" charset="0"/>
+              <a:buChar char="•"/>
+            </a:pPr>
+            <a:r>
+              <a:rPr lang="en-US" sz="1600" dirty="0">
                 <a:solidFill>
                   <a:srgbClr val="212529"/>
                 </a:solidFill>
-                <a:latin typeface="Arial" panose="020B0604020202020204" pitchFamily="34" charset="0"/>
-              </a:rPr>
-              <a:t>H0:</a:t>
-            </a:r>
-            <a:r>
-              <a:rPr lang="en-US" b="0" dirty="0">
-                <a:solidFill>
-                  <a:srgbClr val="D4D4D4"/>
-                </a:solidFill>
-                <a:effectLst/>
-                <a:latin typeface="Consolas" panose="020B0609020204030204" pitchFamily="49" charset="0"/>
-              </a:rPr>
-              <a:t> </a:t>
-            </a:r>
-            <a:r>
-              <a:rPr lang="en-US" dirty="0">
+              </a:rPr>
+              <a:t>Steer - The normal runs had a higher density closer to zero and the abnormal had a higher variance and spread.</a:t>
+            </a:r>
+          </a:p>
+          <a:p>
+            <a:pPr marL="285750" indent="-285750">
+              <a:buFont typeface="Arial" panose="020B0604020202020204" pitchFamily="34" charset="0"/>
+              <a:buChar char="•"/>
+            </a:pPr>
+            <a:r>
+              <a:rPr lang="en-US" sz="1600" dirty="0">
                 <a:solidFill>
                   <a:srgbClr val="212529"/>
                 </a:solidFill>
-                <a:latin typeface="Arial" panose="020B0604020202020204" pitchFamily="34" charset="0"/>
-              </a:rPr>
-              <a:t>There is no significant difference between the x variable distributions between the normal and abnormal runs. </a:t>
-            </a:r>
-          </a:p>
-          <a:p>
-            <a:pPr lvl="1"/>
-            <a:r>
-              <a:rPr lang="en-US" altLang="zh-CN" dirty="0">
+              </a:rPr>
+              <a:t>X and </a:t>
+            </a:r>
+            <a:r>
+              <a:rPr lang="en-US" sz="1600" dirty="0" err="1">
                 <a:solidFill>
                   <a:srgbClr val="212529"/>
                 </a:solidFill>
-                <a:latin typeface="Arial" panose="020B0604020202020204" pitchFamily="34" charset="0"/>
-              </a:rPr>
-              <a:t>H1: </a:t>
-            </a:r>
-            <a:r>
-              <a:rPr lang="en-US" dirty="0">
+              </a:rPr>
+              <a:t>Cvip</a:t>
+            </a:r>
+            <a:r>
+              <a:rPr lang="en-US" sz="1600" dirty="0">
                 <a:solidFill>
                   <a:srgbClr val="212529"/>
                 </a:solidFill>
-                <a:latin typeface="Arial" panose="020B0604020202020204" pitchFamily="34" charset="0"/>
-              </a:rPr>
-              <a:t>There is a significant difference between the x variable distributions between the normal and abnormal runs.</a:t>
-            </a:r>
-          </a:p>
-          <a:p>
-            <a:pPr lvl="1"/>
-            <a:endParaRPr lang="en-US" b="0" i="0" u="none" strike="noStrike" dirty="0">
+              </a:rPr>
+              <a:t> - The abnormal plot shows two local maximums, one indicating a closer distance to the NPC actor and the other indicating a farther distance which was the response during the clear-night run where the EV changed lanes.</a:t>
+            </a:r>
+            <a:endParaRPr lang="en-US" altLang="zh-CN" sz="1600" dirty="0">
               <a:solidFill>
                 <a:srgbClr val="212529"/>
               </a:solidFill>
-              <a:effectLst/>
-              <a:latin typeface="Arial" panose="020B0604020202020204" pitchFamily="34" charset="0"/>
             </a:endParaRPr>
           </a:p>
           <a:p>
@@ -7320,121 +7187,147 @@
               <a:buFont typeface="+mj-lt"/>
               <a:buAutoNum type="alphaLcPeriod"/>
             </a:pPr>
-            <a:r>
-              <a:rPr lang="en-US" sz="1800" b="0" i="0" u="none" strike="noStrike" dirty="0">
-                <a:solidFill>
-                  <a:srgbClr val="212529"/>
-                </a:solidFill>
-                <a:effectLst/>
-                <a:latin typeface="Arial" panose="020B0604020202020204" pitchFamily="34" charset="0"/>
-              </a:rPr>
-              <a:t>Perform the KS two-sample test and calculate its statistics.</a:t>
-            </a:r>
-            <a:br>
-              <a:rPr lang="en-US" sz="1800" b="0" i="0" u="none" strike="noStrike" dirty="0">
-                <a:solidFill>
-                  <a:srgbClr val="212529"/>
-                </a:solidFill>
-                <a:effectLst/>
-                <a:latin typeface="Arial" panose="020B0604020202020204" pitchFamily="34" charset="0"/>
-              </a:rPr>
-            </a:br>
-            <a:br>
-              <a:rPr lang="en-US" sz="1800" b="0" i="0" u="none" strike="noStrike" dirty="0">
-                <a:solidFill>
-                  <a:srgbClr val="212529"/>
-                </a:solidFill>
-                <a:effectLst/>
-                <a:latin typeface="Arial" panose="020B0604020202020204" pitchFamily="34" charset="0"/>
-              </a:rPr>
-            </a:br>
-            <a:r>
-              <a:rPr lang="en-US" dirty="0">
-                <a:solidFill>
-                  <a:srgbClr val="212529"/>
-                </a:solidFill>
-                <a:latin typeface="Arial" panose="020B0604020202020204" pitchFamily="34" charset="0"/>
-              </a:rPr>
-              <a:t>T-statistic: 0.5740786464011629</a:t>
-            </a:r>
-            <a:br>
-              <a:rPr lang="en-US" dirty="0">
-                <a:solidFill>
-                  <a:srgbClr val="212529"/>
-                </a:solidFill>
-                <a:latin typeface="Arial" panose="020B0604020202020204" pitchFamily="34" charset="0"/>
-              </a:rPr>
-            </a:br>
-            <a:r>
-              <a:rPr lang="en-US" dirty="0">
-                <a:solidFill>
-                  <a:srgbClr val="212529"/>
-                </a:solidFill>
-                <a:latin typeface="Arial" panose="020B0604020202020204" pitchFamily="34" charset="0"/>
-              </a:rPr>
-              <a:t>P-value: 2.6613101312928488*e^(-269)</a:t>
-            </a:r>
-          </a:p>
-          <a:p>
-            <a:pPr marL="342900" indent="-342900">
-              <a:buFont typeface="+mj-lt"/>
-              <a:buAutoNum type="alphaLcPeriod"/>
-            </a:pPr>
-            <a:endParaRPr lang="en-US" b="0" i="0" u="none" strike="noStrike" dirty="0">
+            <a:endParaRPr lang="en-US" altLang="zh-CN" sz="1600" dirty="0">
               <a:solidFill>
                 <a:srgbClr val="212529"/>
               </a:solidFill>
-              <a:effectLst/>
-              <a:latin typeface="Arial" panose="020B0604020202020204" pitchFamily="34" charset="0"/>
             </a:endParaRPr>
           </a:p>
           <a:p>
             <a:pPr marL="342900" indent="-342900">
               <a:buFont typeface="+mj-lt"/>
-              <a:buAutoNum type="alphaLcPeriod"/>
+              <a:buAutoNum type="alphaLcPeriod" startAt="2"/>
             </a:pPr>
             <a:r>
-              <a:rPr lang="en-US" sz="1800" b="0" i="0" u="none" strike="noStrike" dirty="0">
+              <a:rPr lang="en-US" sz="1600" b="0" i="0" u="none" strike="noStrike" dirty="0">
                 <a:solidFill>
                   <a:srgbClr val="212529"/>
                 </a:solidFill>
                 <a:effectLst/>
-                <a:latin typeface="Arial" panose="020B0604020202020204" pitchFamily="34" charset="0"/>
-              </a:rPr>
-              <a:t>Assume a significance level of 0.05, what is your conclusion? </a:t>
+              </a:rPr>
+              <a:t>For the fields you identified as good accident indicators above, are they related (Calculate the Pearson correlation coefficient between each pair of the indicators to justify your answer)? If so, how does that affect the predicting power of using one indicator versus using all of them? </a:t>
+            </a:r>
+            <a:endParaRPr lang="en-US" altLang="zh-CN" sz="1600" dirty="0"/>
+          </a:p>
+          <a:p>
+            <a:r>
+              <a:rPr lang="en-US" sz="1600" dirty="0">
+                <a:solidFill>
+                  <a:srgbClr val="212529"/>
+                </a:solidFill>
+              </a:rPr>
+              <a:t>Pearson Correlations</a:t>
             </a:r>
             <a:br>
-              <a:rPr lang="en-US" sz="1800" b="0" i="0" u="none" strike="noStrike" dirty="0">
+              <a:rPr lang="en-US" sz="1600" dirty="0">
                 <a:solidFill>
                   <a:srgbClr val="212529"/>
                 </a:solidFill>
-                <a:effectLst/>
-                <a:latin typeface="Arial" panose="020B0604020202020204" pitchFamily="34" charset="0"/>
               </a:rPr>
             </a:br>
             <a:r>
-              <a:rPr lang="en-US" dirty="0">
+              <a:rPr lang="en-US" sz="1600" dirty="0">
                 <a:solidFill>
                   <a:srgbClr val="212529"/>
                 </a:solidFill>
-                <a:latin typeface="Arial" panose="020B0604020202020204" pitchFamily="34" charset="0"/>
-              </a:rPr>
-              <a:t>There exists significant evidence to reject the Null Hypothesis.</a:t>
-            </a:r>
-            <a:endParaRPr lang="en-US" dirty="0"/>
-          </a:p>
-          <a:p>
-            <a:r>
-              <a:rPr lang="en-US" sz="1800" b="0" i="0" u="none" strike="noStrike" dirty="0">
+              </a:rPr>
+              <a:t>	Steering and x: 0.16049701319159093</a:t>
+            </a:r>
+            <a:br>
+              <a:rPr lang="en-US" sz="1600" dirty="0">
                 <a:solidFill>
                   <a:srgbClr val="212529"/>
                 </a:solidFill>
-                <a:effectLst/>
-                <a:latin typeface="Arial" panose="020B0604020202020204" pitchFamily="34" charset="0"/>
-              </a:rPr>
-              <a:t> </a:t>
-            </a:r>
-            <a:endParaRPr lang="en-US" dirty="0"/>
+              </a:rPr>
+            </a:br>
+            <a:r>
+              <a:rPr lang="en-US" sz="1600" dirty="0">
+                <a:solidFill>
+                  <a:srgbClr val="212529"/>
+                </a:solidFill>
+              </a:rPr>
+              <a:t>	Steering and </a:t>
+            </a:r>
+            <a:r>
+              <a:rPr lang="en-US" sz="1600" dirty="0" err="1">
+                <a:solidFill>
+                  <a:srgbClr val="212529"/>
+                </a:solidFill>
+              </a:rPr>
+              <a:t>cvip</a:t>
+            </a:r>
+            <a:r>
+              <a:rPr lang="en-US" sz="1600" dirty="0">
+                <a:solidFill>
+                  <a:srgbClr val="212529"/>
+                </a:solidFill>
+              </a:rPr>
+              <a:t>: -0.06898881039039098</a:t>
+            </a:r>
+            <a:br>
+              <a:rPr lang="en-US" sz="1600" dirty="0">
+                <a:solidFill>
+                  <a:srgbClr val="212529"/>
+                </a:solidFill>
+              </a:rPr>
+            </a:br>
+            <a:r>
+              <a:rPr lang="en-US" sz="1600" dirty="0">
+                <a:solidFill>
+                  <a:srgbClr val="212529"/>
+                </a:solidFill>
+              </a:rPr>
+              <a:t>	</a:t>
+            </a:r>
+            <a:r>
+              <a:rPr lang="en-US" sz="1600" dirty="0" err="1">
+                <a:solidFill>
+                  <a:srgbClr val="212529"/>
+                </a:solidFill>
+              </a:rPr>
+              <a:t>cvip</a:t>
+            </a:r>
+            <a:r>
+              <a:rPr lang="en-US" sz="1600" dirty="0">
+                <a:solidFill>
+                  <a:srgbClr val="212529"/>
+                </a:solidFill>
+              </a:rPr>
+              <a:t> and x: -0.3015787487970796</a:t>
+            </a:r>
+          </a:p>
+          <a:p>
+            <a:endParaRPr lang="en-US" sz="1600" dirty="0">
+              <a:solidFill>
+                <a:srgbClr val="212529"/>
+              </a:solidFill>
+            </a:endParaRPr>
+          </a:p>
+          <a:p>
+            <a:r>
+              <a:rPr lang="en-US" sz="1600" dirty="0">
+                <a:solidFill>
+                  <a:srgbClr val="212529"/>
+                </a:solidFill>
+              </a:rPr>
+              <a:t>Although we don’t have enough collinearity with these features to have a major negative difference in the predicting power, in general we would want to avoid using features with higher correlation since it would take away from the predicting power by skewing the data. Of the above options, </a:t>
+            </a:r>
+            <a:r>
+              <a:rPr lang="en-US" sz="1600" dirty="0" err="1">
+                <a:solidFill>
+                  <a:srgbClr val="212529"/>
+                </a:solidFill>
+              </a:rPr>
+              <a:t>cvip</a:t>
+            </a:r>
+            <a:r>
+              <a:rPr lang="en-US" sz="1600" dirty="0">
+                <a:solidFill>
+                  <a:srgbClr val="212529"/>
+                </a:solidFill>
+              </a:rPr>
+              <a:t> and x are the most correlated and it may be redundant to include them both. That being said, since these features are relatively independent, using all of them would give us more predicting power than just using one of them.</a:t>
+            </a:r>
           </a:p>
         </p:txBody>
       </p:sp>
@@ -7479,7 +7372,7 @@
     </p:spTree>
     <p:extLst>
       <p:ext uri="{BB962C8B-B14F-4D97-AF65-F5344CB8AC3E}">
-        <p14:creationId xmlns:p14="http://schemas.microsoft.com/office/powerpoint/2010/main" val="3115770702"/>
+        <p14:creationId xmlns:p14="http://schemas.microsoft.com/office/powerpoint/2010/main" val="483667181"/>
       </p:ext>
     </p:extLst>
   </p:cSld>
@@ -7508,162 +7401,339 @@
       </p:grpSpPr>
       <p:sp>
         <p:nvSpPr>
-          <p:cNvPr id="3" name="Content Placeholder 2">
-            <a:extLst>
-              <a:ext uri="{FF2B5EF4-FFF2-40B4-BE49-F238E27FC236}">
-                <a16:creationId xmlns:a16="http://schemas.microsoft.com/office/drawing/2014/main" id="{11296798-FBE8-A93D-DB20-4ADCC2C0FDEB}"/>
-              </a:ext>
-            </a:extLst>
-          </p:cNvPr>
-          <p:cNvSpPr>
-            <a:spLocks noGrp="1"/>
-          </p:cNvSpPr>
-          <p:nvPr>
-            <p:ph idx="1"/>
-          </p:nvPr>
-        </p:nvSpPr>
-        <p:spPr>
-          <a:xfrm>
-            <a:off x="548951" y="538000"/>
-            <a:ext cx="10515600" cy="5685517"/>
-          </a:xfrm>
-        </p:spPr>
-        <p:txBody>
-          <a:bodyPr>
-            <a:normAutofit/>
+          <p:cNvPr id="5" name="TextBox 4">
+            <a:extLst>
+              <a:ext uri="{FF2B5EF4-FFF2-40B4-BE49-F238E27FC236}">
+                <a16:creationId xmlns:a16="http://schemas.microsoft.com/office/drawing/2014/main" id="{F0E19196-DC92-A64D-B6B9-C7B9A0673305}"/>
+              </a:ext>
+            </a:extLst>
+          </p:cNvPr>
+          <p:cNvSpPr txBox="1"/>
+          <p:nvPr/>
+        </p:nvSpPr>
+        <p:spPr>
+          <a:xfrm>
+            <a:off x="513729" y="1095875"/>
+            <a:ext cx="11300900" cy="4524315"/>
+          </a:xfrm>
+          <a:prstGeom prst="rect">
+            <a:avLst/>
+          </a:prstGeom>
+          <a:noFill/>
+        </p:spPr>
+        <p:txBody>
+          <a:bodyPr wrap="square" rtlCol="0">
+            <a:spAutoFit/>
           </a:bodyPr>
           <a:lstStyle/>
           <a:p>
-            <a:pPr marL="0" indent="0">
-              <a:buNone/>
-            </a:pPr>
-            <a:r>
-              <a:rPr lang="en-US" sz="1800" dirty="0">
+            <a:r>
+              <a:rPr lang="en-US" dirty="0"/>
+              <a:t>Q6</a:t>
+            </a:r>
+            <a:r>
+              <a:rPr lang="en-US" altLang="zh-CN" dirty="0"/>
+              <a:t>:</a:t>
+            </a:r>
+            <a:r>
+              <a:rPr lang="en-US" dirty="0"/>
+              <a:t> </a:t>
+            </a:r>
+            <a:r>
+              <a:rPr lang="en-US" sz="1800" b="0" i="0" u="none" strike="noStrike" dirty="0">
                 <a:solidFill>
                   <a:srgbClr val="212529"/>
                 </a:solidFill>
-                <a:latin typeface="Arial" panose="020B0604020202020204" pitchFamily="34" charset="0"/>
-              </a:rPr>
-              <a:t>d. Repeat the same test on a feature that you did not select as an indicator of abnormal behavior in Task 2.5, what is your conclusion?</a:t>
+                <a:effectLst/>
+              </a:rPr>
+              <a:t>Suppose we want to use hypothesis testing to test whether the field you choose </a:t>
+            </a:r>
+            <a:r>
+              <a:rPr lang="en-US" dirty="0">
+                <a:solidFill>
+                  <a:srgbClr val="212529"/>
+                </a:solidFill>
+              </a:rPr>
+              <a:t>from</a:t>
+            </a:r>
+            <a:r>
+              <a:rPr lang="en-US" sz="1800" b="0" i="0" u="none" strike="noStrike" dirty="0">
+                <a:solidFill>
+                  <a:srgbClr val="212529"/>
+                </a:solidFill>
+                <a:effectLst/>
+              </a:rPr>
+              <a:t> Task2.5 is indeed a good </a:t>
+            </a:r>
+            <a:r>
+              <a:rPr lang="en-US" dirty="0">
+                <a:solidFill>
+                  <a:srgbClr val="212529"/>
+                </a:solidFill>
+              </a:rPr>
+              <a:t>indicator of abnormal AV behavior, using the Kolmogorov–Smirnov two-sample test.</a:t>
             </a:r>
             <a:br>
-              <a:rPr lang="en-US" sz="1800" dirty="0">
+              <a:rPr lang="en-US" dirty="0">
                 <a:solidFill>
                   <a:srgbClr val="212529"/>
                 </a:solidFill>
-                <a:latin typeface="Arial" panose="020B0604020202020204" pitchFamily="34" charset="0"/>
               </a:rPr>
             </a:br>
-            <a:endParaRPr lang="en-US" sz="1800" dirty="0">
+            <a:endParaRPr lang="en-US" altLang="zh-CN" dirty="0">
               <a:solidFill>
                 <a:srgbClr val="212529"/>
               </a:solidFill>
-              <a:latin typeface="Arial" panose="020B0604020202020204" pitchFamily="34" charset="0"/>
             </a:endParaRPr>
           </a:p>
           <a:p>
-            <a:r>
-              <a:rPr lang="en-US" sz="1800" dirty="0">
+            <a:pPr marL="342900" indent="-342900">
+              <a:buFont typeface="+mj-lt"/>
+              <a:buAutoNum type="alphaLcPeriod"/>
+            </a:pPr>
+            <a:r>
+              <a:rPr lang="en-US" dirty="0">
                 <a:solidFill>
                   <a:srgbClr val="212529"/>
                 </a:solidFill>
-                <a:latin typeface="Arial" panose="020B0604020202020204" pitchFamily="34" charset="0"/>
-              </a:rPr>
-              <a:t>Using ‘brake’ values of abnormal runs vs normal runs</a:t>
-            </a:r>
-          </a:p>
-          <a:p>
-            <a:r>
-              <a:rPr lang="en-US" sz="1800" dirty="0">
+              </a:rPr>
+              <a:t>Construct </a:t>
+            </a:r>
+            <a:r>
+              <a:rPr lang="en-US" sz="1800" b="0" i="0" u="none" strike="noStrike" dirty="0">
                 <a:solidFill>
                   <a:srgbClr val="212529"/>
                 </a:solidFill>
-                <a:latin typeface="Arial" panose="020B0604020202020204" pitchFamily="34" charset="0"/>
-              </a:rPr>
-              <a:t>H0: There is no significant difference between the brake variable distributions between the normal and abnormal runs.  </a:t>
-            </a:r>
-          </a:p>
-          <a:p>
-            <a:r>
-              <a:rPr lang="en-US" sz="1800" dirty="0">
+                <a:effectLst/>
+              </a:rPr>
+              <a:t>the null and the alternative hypothesis and state them below</a:t>
+            </a:r>
+            <a:br>
+              <a:rPr lang="en-US" sz="1800" b="0" i="0" u="none" strike="noStrike" dirty="0">
                 <a:solidFill>
                   <a:srgbClr val="212529"/>
                 </a:solidFill>
-                <a:latin typeface="Arial" panose="020B0604020202020204" pitchFamily="34" charset="0"/>
-              </a:rPr>
-              <a:t>H1: There is a significant difference between the brake variable distributions between the normal and abnormal runs.</a:t>
-            </a:r>
-          </a:p>
-          <a:p>
-            <a:pPr marL="0" indent="0">
-              <a:buNone/>
-            </a:pPr>
-            <a:br>
-              <a:rPr lang="en-US" sz="1800" dirty="0">
-                <a:solidFill>
-                  <a:srgbClr val="212529"/>
-                </a:solidFill>
-                <a:latin typeface="Arial" panose="020B0604020202020204" pitchFamily="34" charset="0"/>
+                <a:effectLst/>
               </a:rPr>
             </a:br>
-            <a:r>
-              <a:rPr lang="en-US" sz="1800" dirty="0">
-                <a:solidFill>
-                  <a:srgbClr val="212529"/>
-                </a:solidFill>
-                <a:latin typeface="Arial" panose="020B0604020202020204" pitchFamily="34" charset="0"/>
-              </a:rPr>
-              <a:t>     T-statistic: 0.03556296628829175</a:t>
-            </a:r>
-          </a:p>
-          <a:p>
-            <a:pPr marL="0" indent="0">
-              <a:buNone/>
-            </a:pPr>
-            <a:r>
-              <a:rPr lang="en-US" sz="1800" dirty="0">
-                <a:solidFill>
-                  <a:srgbClr val="212529"/>
-                </a:solidFill>
-                <a:latin typeface="Arial" panose="020B0604020202020204" pitchFamily="34" charset="0"/>
-              </a:rPr>
-              <a:t>     P-value: 0.210072458272195</a:t>
-            </a:r>
-          </a:p>
-          <a:p>
-            <a:pPr marL="0" indent="0">
-              <a:buNone/>
-            </a:pPr>
-            <a:r>
-              <a:rPr lang="en-US" sz="1800" dirty="0">
-                <a:solidFill>
-                  <a:srgbClr val="212529"/>
-                </a:solidFill>
-                <a:latin typeface="Arial" panose="020B0604020202020204" pitchFamily="34" charset="0"/>
-              </a:rPr>
-              <a:t> Failed to reject Null Hypothesis.</a:t>
-            </a:r>
-            <a:endParaRPr lang="en-US" sz="1600" dirty="0">
+            <a:endParaRPr lang="en-US" sz="1800" b="0" i="0" u="none" strike="noStrike" dirty="0">
               <a:solidFill>
                 <a:srgbClr val="212529"/>
               </a:solidFill>
-              <a:latin typeface="Arial" panose="020B0604020202020204" pitchFamily="34" charset="0"/>
+              <a:effectLst/>
             </a:endParaRPr>
           </a:p>
           <a:p>
-            <a:endParaRPr lang="en-US" sz="1600" dirty="0">
+            <a:pPr lvl="1"/>
+            <a:r>
+              <a:rPr lang="en-US" altLang="zh-CN" dirty="0">
+                <a:solidFill>
+                  <a:srgbClr val="212529"/>
+                </a:solidFill>
+              </a:rPr>
+              <a:t>H0:</a:t>
+            </a:r>
+            <a:r>
+              <a:rPr lang="en-US" b="0" dirty="0">
+                <a:solidFill>
+                  <a:srgbClr val="D4D4D4"/>
+                </a:solidFill>
+                <a:effectLst/>
+              </a:rPr>
+              <a:t> </a:t>
+            </a:r>
+            <a:r>
+              <a:rPr lang="en-US" dirty="0">
+                <a:solidFill>
+                  <a:srgbClr val="212529"/>
+                </a:solidFill>
+              </a:rPr>
+              <a:t>There is no significant difference between the x variable distributions between the normal and abnormal runs. </a:t>
+            </a:r>
+          </a:p>
+          <a:p>
+            <a:pPr lvl="1"/>
+            <a:r>
+              <a:rPr lang="en-US" altLang="zh-CN" dirty="0">
+                <a:solidFill>
+                  <a:srgbClr val="212529"/>
+                </a:solidFill>
+              </a:rPr>
+              <a:t>H1: </a:t>
+            </a:r>
+            <a:r>
+              <a:rPr lang="en-US" dirty="0">
+                <a:solidFill>
+                  <a:srgbClr val="212529"/>
+                </a:solidFill>
+              </a:rPr>
+              <a:t>There is a significant difference between the x variable distributions between the normal and abnormal runs.</a:t>
+            </a:r>
+          </a:p>
+          <a:p>
+            <a:pPr lvl="1"/>
+            <a:endParaRPr lang="en-US" b="0" i="0" u="none" strike="noStrike" dirty="0">
               <a:solidFill>
                 <a:srgbClr val="212529"/>
               </a:solidFill>
-              <a:latin typeface="Arial" panose="020B0604020202020204" pitchFamily="34" charset="0"/>
+              <a:effectLst/>
             </a:endParaRPr>
+          </a:p>
+          <a:p>
+            <a:pPr marL="342900" indent="-342900">
+              <a:buFont typeface="+mj-lt"/>
+              <a:buAutoNum type="alphaLcPeriod"/>
+            </a:pPr>
+            <a:r>
+              <a:rPr lang="en-US" sz="1800" b="0" i="0" u="none" strike="noStrike" dirty="0">
+                <a:solidFill>
+                  <a:srgbClr val="212529"/>
+                </a:solidFill>
+                <a:effectLst/>
+              </a:rPr>
+              <a:t>Perform the KS two-sample test and calculate its statistics.</a:t>
+            </a:r>
+            <a:br>
+              <a:rPr lang="en-US" sz="1800" b="0" i="0" u="none" strike="noStrike" dirty="0">
+                <a:solidFill>
+                  <a:srgbClr val="212529"/>
+                </a:solidFill>
+                <a:effectLst/>
+              </a:rPr>
+            </a:br>
+            <a:br>
+              <a:rPr lang="en-US" sz="1800" b="0" i="0" u="none" strike="noStrike" dirty="0">
+                <a:solidFill>
+                  <a:srgbClr val="212529"/>
+                </a:solidFill>
+                <a:effectLst/>
+              </a:rPr>
+            </a:br>
+            <a:r>
+              <a:rPr lang="en-US" dirty="0">
+                <a:solidFill>
+                  <a:srgbClr val="212529"/>
+                </a:solidFill>
+              </a:rPr>
+              <a:t>T-statistic: 0.5740786464011629</a:t>
+            </a:r>
+            <a:br>
+              <a:rPr lang="en-US" dirty="0">
+                <a:solidFill>
+                  <a:srgbClr val="212529"/>
+                </a:solidFill>
+              </a:rPr>
+            </a:br>
+            <a:r>
+              <a:rPr lang="en-US" dirty="0">
+                <a:solidFill>
+                  <a:srgbClr val="212529"/>
+                </a:solidFill>
+              </a:rPr>
+              <a:t>P-value: 2.6613101312928488*e^(-269)</a:t>
+            </a:r>
+          </a:p>
+          <a:p>
+            <a:pPr marL="342900" indent="-342900">
+              <a:buFont typeface="+mj-lt"/>
+              <a:buAutoNum type="alphaLcPeriod"/>
+            </a:pPr>
+            <a:endParaRPr lang="en-US" b="0" i="0" u="none" strike="noStrike" dirty="0">
+              <a:solidFill>
+                <a:srgbClr val="212529"/>
+              </a:solidFill>
+              <a:effectLst/>
+            </a:endParaRPr>
+          </a:p>
+          <a:p>
+            <a:pPr marL="342900" indent="-342900">
+              <a:buFont typeface="+mj-lt"/>
+              <a:buAutoNum type="alphaLcPeriod"/>
+            </a:pPr>
+            <a:r>
+              <a:rPr lang="en-US" sz="1800" b="0" i="0" u="none" strike="noStrike" dirty="0">
+                <a:solidFill>
+                  <a:srgbClr val="212529"/>
+                </a:solidFill>
+                <a:effectLst/>
+              </a:rPr>
+              <a:t>Assume a significance level of 0.05, what is your conclusion? </a:t>
+            </a:r>
+            <a:br>
+              <a:rPr lang="en-US" sz="1800" b="0" i="0" u="none" strike="noStrike" dirty="0">
+                <a:solidFill>
+                  <a:srgbClr val="212529"/>
+                </a:solidFill>
+                <a:effectLst/>
+              </a:rPr>
+            </a:br>
+            <a:r>
+              <a:rPr lang="en-US" dirty="0">
+                <a:solidFill>
+                  <a:srgbClr val="212529"/>
+                </a:solidFill>
+              </a:rPr>
+              <a:t>There exists significant evidence to reject the Null Hypothesis.</a:t>
+            </a:r>
+            <a:endParaRPr lang="en-US" dirty="0"/>
+          </a:p>
+          <a:p>
+            <a:r>
+              <a:rPr lang="en-US" sz="1800" b="0" i="0" u="none" strike="noStrike" dirty="0">
+                <a:solidFill>
+                  <a:srgbClr val="212529"/>
+                </a:solidFill>
+                <a:effectLst/>
+                <a:latin typeface="Arial" panose="020B0604020202020204" pitchFamily="34" charset="0"/>
+              </a:rPr>
+              <a:t> </a:t>
+            </a:r>
+            <a:endParaRPr lang="en-US" dirty="0"/>
+          </a:p>
+        </p:txBody>
+      </p:sp>
+      <p:sp>
+        <p:nvSpPr>
+          <p:cNvPr id="2" name="Title 1">
+            <a:extLst>
+              <a:ext uri="{FF2B5EF4-FFF2-40B4-BE49-F238E27FC236}">
+                <a16:creationId xmlns:a16="http://schemas.microsoft.com/office/drawing/2014/main" id="{D734AE09-0795-4ADD-AD9A-B34B3AE4F422}"/>
+              </a:ext>
+            </a:extLst>
+          </p:cNvPr>
+          <p:cNvSpPr>
+            <a:spLocks noGrp="1"/>
+          </p:cNvSpPr>
+          <p:nvPr>
+            <p:ph type="title"/>
+          </p:nvPr>
+        </p:nvSpPr>
+        <p:spPr>
+          <a:xfrm>
+            <a:off x="838200" y="65130"/>
+            <a:ext cx="10515600" cy="1325563"/>
+          </a:xfrm>
+        </p:spPr>
+        <p:txBody>
+          <a:bodyPr/>
+          <a:lstStyle/>
+          <a:p>
+            <a:r>
+              <a:rPr lang="en-US" dirty="0"/>
+              <a:t>Task </a:t>
+            </a:r>
+            <a:r>
+              <a:rPr lang="en-US" altLang="zh-CN" dirty="0"/>
+              <a:t>2</a:t>
+            </a:r>
+            <a:endParaRPr lang="en-US" dirty="0"/>
           </a:p>
         </p:txBody>
       </p:sp>
     </p:spTree>
     <p:extLst>
       <p:ext uri="{BB962C8B-B14F-4D97-AF65-F5344CB8AC3E}">
-        <p14:creationId xmlns:p14="http://schemas.microsoft.com/office/powerpoint/2010/main" val="3865866528"/>
+        <p14:creationId xmlns:p14="http://schemas.microsoft.com/office/powerpoint/2010/main" val="3115770702"/>
       </p:ext>
     </p:extLst>
   </p:cSld>
@@ -7695,7 +7765,7 @@
           <p:cNvPr id="3" name="Content Placeholder 2">
             <a:extLst>
               <a:ext uri="{FF2B5EF4-FFF2-40B4-BE49-F238E27FC236}">
-                <a16:creationId xmlns:a16="http://schemas.microsoft.com/office/drawing/2014/main" id="{04FC6AB8-4156-93D8-0956-C313B783CDC1}"/>
+                <a16:creationId xmlns:a16="http://schemas.microsoft.com/office/drawing/2014/main" id="{11296798-FBE8-A93D-DB20-4ADCC2C0FDEB}"/>
               </a:ext>
             </a:extLst>
           </p:cNvPr>
@@ -7708,8 +7778,8 @@
         </p:nvSpPr>
         <p:spPr>
           <a:xfrm>
-            <a:off x="838200" y="606490"/>
-            <a:ext cx="10515600" cy="5570473"/>
+            <a:off x="548951" y="538000"/>
+            <a:ext cx="10515600" cy="5685517"/>
           </a:xfrm>
         </p:spPr>
         <p:txBody>
@@ -7722,138 +7792,108 @@
               <a:buNone/>
             </a:pPr>
             <a:r>
-              <a:rPr lang="en-US" sz="2000" dirty="0">
+              <a:rPr lang="en-US" sz="1800" dirty="0">
                 <a:solidFill>
                   <a:srgbClr val="212529"/>
                 </a:solidFill>
-                <a:latin typeface="Arial" panose="020B0604020202020204" pitchFamily="34" charset="0"/>
-              </a:rPr>
-              <a:t>e. What are the major differences between the KS test and the t-test?</a:t>
-            </a:r>
-          </a:p>
-          <a:p>
-            <a:pPr marL="0" indent="0">
-              <a:buNone/>
-            </a:pPr>
-            <a:endParaRPr lang="en-US" sz="2000" dirty="0">
+              </a:rPr>
+              <a:t>d. Repeat the same test on a feature that you did not select as an indicator of abnormal behavior in Task 2.5, what is your conclusion?</a:t>
+            </a:r>
+            <a:br>
+              <a:rPr lang="en-US" sz="1800" dirty="0">
+                <a:solidFill>
+                  <a:srgbClr val="212529"/>
+                </a:solidFill>
+              </a:rPr>
+            </a:br>
+            <a:endParaRPr lang="en-US" sz="1800" dirty="0">
               <a:solidFill>
                 <a:srgbClr val="212529"/>
               </a:solidFill>
-              <a:latin typeface="Arial" panose="020B0604020202020204" pitchFamily="34" charset="0"/>
             </a:endParaRPr>
           </a:p>
           <a:p>
+            <a:r>
+              <a:rPr lang="en-US" sz="1800" dirty="0">
+                <a:solidFill>
+                  <a:srgbClr val="212529"/>
+                </a:solidFill>
+              </a:rPr>
+              <a:t>Using ‘brake’ values of abnormal runs vs normal runs</a:t>
+            </a:r>
+          </a:p>
+          <a:p>
+            <a:r>
+              <a:rPr lang="en-US" sz="1800" dirty="0">
+                <a:solidFill>
+                  <a:srgbClr val="212529"/>
+                </a:solidFill>
+              </a:rPr>
+              <a:t>H0: There is no significant difference between the brake variable distributions between the normal and abnormal runs.  </a:t>
+            </a:r>
+          </a:p>
+          <a:p>
+            <a:r>
+              <a:rPr lang="en-US" sz="1800" dirty="0">
+                <a:solidFill>
+                  <a:srgbClr val="212529"/>
+                </a:solidFill>
+              </a:rPr>
+              <a:t>H1: There is a significant difference between the brake variable distributions between the normal and abnormal runs.</a:t>
+            </a:r>
+          </a:p>
+          <a:p>
             <a:pPr marL="0" indent="0">
               <a:buNone/>
             </a:pPr>
-            <a:r>
-              <a:rPr lang="en-US" sz="2000" dirty="0">
+            <a:br>
+              <a:rPr lang="en-US" sz="1800" dirty="0">
                 <a:solidFill>
                   <a:srgbClr val="212529"/>
                 </a:solidFill>
-                <a:latin typeface="Arial" panose="020B0604020202020204" pitchFamily="34" charset="0"/>
-              </a:rPr>
-              <a:t>Some of the major differences between the t-test and KS test include the following:</a:t>
-            </a:r>
-          </a:p>
-          <a:p>
-            <a:r>
-              <a:rPr lang="en-US" sz="2000" dirty="0">
+              </a:rPr>
+            </a:br>
+            <a:r>
+              <a:rPr lang="en-US" sz="1800" dirty="0">
                 <a:solidFill>
                   <a:srgbClr val="212529"/>
                 </a:solidFill>
-                <a:latin typeface="Arial" panose="020B0604020202020204" pitchFamily="34" charset="0"/>
-              </a:rPr>
-              <a:t>T-test:</a:t>
-            </a:r>
-          </a:p>
-          <a:p>
-            <a:pPr lvl="1"/>
-            <a:r>
-              <a:rPr lang="en-US" sz="1600" dirty="0">
+              </a:rPr>
+              <a:t>     T-statistic: 0.03556296628829175</a:t>
+            </a:r>
+          </a:p>
+          <a:p>
+            <a:pPr marL="0" indent="0">
+              <a:buNone/>
+            </a:pPr>
+            <a:r>
+              <a:rPr lang="en-US" sz="1800" dirty="0">
                 <a:solidFill>
                   <a:srgbClr val="212529"/>
                 </a:solidFill>
-                <a:latin typeface="Arial" panose="020B0604020202020204" pitchFamily="34" charset="0"/>
-              </a:rPr>
-              <a:t>Measures the difference in means.</a:t>
-            </a:r>
-          </a:p>
-          <a:p>
-            <a:pPr lvl="1"/>
-            <a:r>
-              <a:rPr lang="en-US" sz="1600" dirty="0">
+              </a:rPr>
+              <a:t>     P-value: 0.210072458272195</a:t>
+            </a:r>
+          </a:p>
+          <a:p>
+            <a:pPr marL="0" indent="0">
+              <a:buNone/>
+            </a:pPr>
+            <a:r>
+              <a:rPr lang="en-US" sz="1800" dirty="0">
                 <a:solidFill>
                   <a:srgbClr val="212529"/>
                 </a:solidFill>
-                <a:latin typeface="Arial" panose="020B0604020202020204" pitchFamily="34" charset="0"/>
-              </a:rPr>
-              <a:t>Used to determine whether two groups have different true means.</a:t>
-            </a:r>
-          </a:p>
-          <a:p>
-            <a:pPr lvl="1"/>
-            <a:r>
-              <a:rPr lang="en-US" sz="1600" dirty="0">
-                <a:solidFill>
-                  <a:srgbClr val="212529"/>
-                </a:solidFill>
-                <a:latin typeface="Arial" panose="020B0604020202020204" pitchFamily="34" charset="0"/>
-              </a:rPr>
-              <a:t>Statistic calculated with the pooled standard error and the number of observations in each group.</a:t>
-            </a:r>
-          </a:p>
-          <a:p>
-            <a:r>
-              <a:rPr lang="en-US" sz="2000" dirty="0">
-                <a:solidFill>
-                  <a:srgbClr val="212529"/>
-                </a:solidFill>
-                <a:latin typeface="Arial" panose="020B0604020202020204" pitchFamily="34" charset="0"/>
-              </a:rPr>
-              <a:t>KS-test:</a:t>
-            </a:r>
-          </a:p>
-          <a:p>
-            <a:pPr lvl="1"/>
-            <a:r>
-              <a:rPr lang="en-US" sz="1600" dirty="0">
-                <a:solidFill>
-                  <a:srgbClr val="212529"/>
-                </a:solidFill>
-                <a:latin typeface="Arial" panose="020B0604020202020204" pitchFamily="34" charset="0"/>
-              </a:rPr>
-              <a:t>    - Measures the maximum difference between CDFs of two samples.</a:t>
-            </a:r>
-          </a:p>
-          <a:p>
-            <a:pPr lvl="1"/>
-            <a:r>
-              <a:rPr lang="en-US" sz="1600" dirty="0">
-                <a:solidFill>
-                  <a:srgbClr val="212529"/>
-                </a:solidFill>
-                <a:latin typeface="Arial" panose="020B0604020202020204" pitchFamily="34" charset="0"/>
-              </a:rPr>
-              <a:t>    - Determines whether samples are drawn from different distributions.</a:t>
-            </a:r>
-          </a:p>
-          <a:p>
-            <a:pPr lvl="1"/>
-            <a:r>
-              <a:rPr lang="en-US" sz="1600" dirty="0">
-                <a:solidFill>
-                  <a:srgbClr val="212529"/>
-                </a:solidFill>
-                <a:latin typeface="Arial" panose="020B0604020202020204" pitchFamily="34" charset="0"/>
-              </a:rPr>
-              <a:t>    - Incorporates number of observations but NOT pooled standard error, or any measure of spread.</a:t>
-            </a:r>
-          </a:p>
-          <a:p>
-            <a:pPr marL="457200" lvl="1" indent="0">
-              <a:buNone/>
-            </a:pPr>
+              </a:rPr>
+              <a:t> Failed to reject Null Hypothesis.</a:t>
+            </a:r>
+            <a:endParaRPr lang="en-US" sz="1600" dirty="0">
+              <a:solidFill>
+                <a:srgbClr val="212529"/>
+              </a:solidFill>
+            </a:endParaRPr>
+          </a:p>
+          <a:p>
             <a:endParaRPr lang="en-US" sz="1600" dirty="0">
               <a:solidFill>
                 <a:srgbClr val="212529"/>
@@ -7861,32 +7901,12 @@
               <a:latin typeface="Arial" panose="020B0604020202020204" pitchFamily="34" charset="0"/>
             </a:endParaRPr>
           </a:p>
-          <a:p>
-            <a:pPr marL="0" indent="0">
-              <a:buNone/>
-            </a:pPr>
-            <a:r>
-              <a:rPr lang="en-US" sz="2000" dirty="0">
-                <a:solidFill>
-                  <a:srgbClr val="212529"/>
-                </a:solidFill>
-                <a:latin typeface="Arial" panose="020B0604020202020204" pitchFamily="34" charset="0"/>
-              </a:rPr>
-              <a:t>The t-test looks squarely at the means, though still taking account for variance (standard error) and group size. The KS-test looks at the distribution as a whole and any large discrepancies within. </a:t>
-            </a:r>
-          </a:p>
-          <a:p>
-            <a:pPr marL="0" indent="0">
-              <a:buNone/>
-            </a:pPr>
-            <a:endParaRPr lang="en-US" sz="2000" dirty="0"/>
-          </a:p>
         </p:txBody>
       </p:sp>
     </p:spTree>
     <p:extLst>
       <p:ext uri="{BB962C8B-B14F-4D97-AF65-F5344CB8AC3E}">
-        <p14:creationId xmlns:p14="http://schemas.microsoft.com/office/powerpoint/2010/main" val="1154912966"/>
+        <p14:creationId xmlns:p14="http://schemas.microsoft.com/office/powerpoint/2010/main" val="3865866528"/>
       </p:ext>
     </p:extLst>
   </p:cSld>
@@ -7915,142 +7935,188 @@
       </p:grpSpPr>
       <p:sp>
         <p:nvSpPr>
-          <p:cNvPr id="5" name="TextBox 4">
-            <a:extLst>
-              <a:ext uri="{FF2B5EF4-FFF2-40B4-BE49-F238E27FC236}">
-                <a16:creationId xmlns:a16="http://schemas.microsoft.com/office/drawing/2014/main" id="{F0E19196-DC92-A64D-B6B9-C7B9A0673305}"/>
-              </a:ext>
-            </a:extLst>
-          </p:cNvPr>
-          <p:cNvSpPr txBox="1"/>
-          <p:nvPr/>
-        </p:nvSpPr>
-        <p:spPr>
-          <a:xfrm>
-            <a:off x="513729" y="1095875"/>
-            <a:ext cx="10720328" cy="4247317"/>
-          </a:xfrm>
-          <a:prstGeom prst="rect">
-            <a:avLst/>
-          </a:prstGeom>
-          <a:noFill/>
-        </p:spPr>
-        <p:txBody>
-          <a:bodyPr wrap="square" rtlCol="0">
-            <a:spAutoFit/>
+          <p:cNvPr id="3" name="Content Placeholder 2">
+            <a:extLst>
+              <a:ext uri="{FF2B5EF4-FFF2-40B4-BE49-F238E27FC236}">
+                <a16:creationId xmlns:a16="http://schemas.microsoft.com/office/drawing/2014/main" id="{04FC6AB8-4156-93D8-0956-C313B783CDC1}"/>
+              </a:ext>
+            </a:extLst>
+          </p:cNvPr>
+          <p:cNvSpPr>
+            <a:spLocks noGrp="1"/>
+          </p:cNvSpPr>
+          <p:nvPr>
+            <p:ph idx="1"/>
+          </p:nvPr>
+        </p:nvSpPr>
+        <p:spPr>
+          <a:xfrm>
+            <a:off x="838200" y="606490"/>
+            <a:ext cx="10515600" cy="5570473"/>
+          </a:xfrm>
+        </p:spPr>
+        <p:txBody>
+          <a:bodyPr>
+            <a:normAutofit/>
           </a:bodyPr>
           <a:lstStyle/>
           <a:p>
-            <a:r>
-              <a:rPr lang="en-US" dirty="0"/>
-              <a:t>Q7: </a:t>
-            </a:r>
-            <a:r>
-              <a:rPr lang="en-US" altLang="zh-CN" dirty="0">
-                <a:latin typeface="Arial" panose="020B0604020202020204" pitchFamily="34" charset="0"/>
-                <a:cs typeface="Arial" panose="020B0604020202020204" pitchFamily="34" charset="0"/>
-              </a:rPr>
-              <a:t>Keeping in mind that this experiment is executed over a period of time, what assumption did you make when using the KS two-sample test on the distributions in Task2.6? Are you able to come up with one situation where this assumption fails?</a:t>
-            </a:r>
-          </a:p>
-          <a:p>
-            <a:pPr marL="285750" indent="-285750">
-              <a:buFont typeface="Arial" panose="020B0604020202020204" pitchFamily="34" charset="0"/>
-              <a:buChar char="•"/>
+            <a:pPr marL="0" indent="0">
+              <a:buNone/>
             </a:pPr>
-            <a:endParaRPr lang="en-US" dirty="0"/>
-          </a:p>
-          <a:p>
-            <a:r>
-              <a:rPr lang="en-US" dirty="0">
-                <a:latin typeface="Arial" panose="020B0604020202020204" pitchFamily="34" charset="0"/>
-                <a:cs typeface="Arial" panose="020B0604020202020204" pitchFamily="34" charset="0"/>
-              </a:rPr>
-              <a:t>The assumption we took was that all variables are independent to properly take the KS two-sample test on the distributions of task2.6. This means treating the data as if each moment in the simulation is independent of the previous one when actually it is not. This assumption fails when events happening in the simulation are dependent on the ones that happened before, for example, the braking part of the simulation. As the AV has a reaction time, as he sees the car beginning to cut him off (t-1) in timeframe t he reacts in a way that is dependent on t-1 and initiating breaking, making v, the throttle, braking, and </a:t>
-            </a:r>
-            <a:r>
-              <a:rPr lang="en-US" dirty="0" err="1">
-                <a:latin typeface="Arial" panose="020B0604020202020204" pitchFamily="34" charset="0"/>
-                <a:cs typeface="Arial" panose="020B0604020202020204" pitchFamily="34" charset="0"/>
-              </a:rPr>
-              <a:t>cvip</a:t>
-            </a:r>
-            <a:r>
-              <a:rPr lang="en-US" dirty="0">
-                <a:latin typeface="Arial" panose="020B0604020202020204" pitchFamily="34" charset="0"/>
-                <a:cs typeface="Arial" panose="020B0604020202020204" pitchFamily="34" charset="0"/>
-              </a:rPr>
-              <a:t> at time t also dependent at time t-1 therefore making this assumption fail.</a:t>
-            </a:r>
-          </a:p>
-          <a:p>
-            <a:endParaRPr lang="en-US" dirty="0"/>
-          </a:p>
-          <a:p>
-            <a:pPr marL="285750" indent="-285750">
-              <a:buFont typeface="Arial" panose="020B0604020202020204" pitchFamily="34" charset="0"/>
-              <a:buChar char="•"/>
+            <a:r>
+              <a:rPr lang="en-US" sz="2000" dirty="0">
+                <a:solidFill>
+                  <a:srgbClr val="212529"/>
+                </a:solidFill>
+              </a:rPr>
+              <a:t>e. What are the major differences between the KS test and the t-test?</a:t>
+            </a:r>
+          </a:p>
+          <a:p>
+            <a:pPr marL="0" indent="0">
+              <a:buNone/>
             </a:pPr>
-            <a:endParaRPr lang="en-US" dirty="0"/>
-          </a:p>
-          <a:p>
-            <a:pPr marL="285750" indent="-285750">
-              <a:buFont typeface="Arial" panose="020B0604020202020204" pitchFamily="34" charset="0"/>
-              <a:buChar char="•"/>
+            <a:endParaRPr lang="en-US" sz="2000" dirty="0">
+              <a:solidFill>
+                <a:srgbClr val="212529"/>
+              </a:solidFill>
+            </a:endParaRPr>
+          </a:p>
+          <a:p>
+            <a:pPr marL="0" indent="0">
+              <a:buNone/>
             </a:pPr>
-            <a:endParaRPr lang="en-US" dirty="0"/>
-          </a:p>
-          <a:p>
-            <a:pPr marL="285750" indent="-285750">
-              <a:buFont typeface="Arial" panose="020B0604020202020204" pitchFamily="34" charset="0"/>
-              <a:buChar char="•"/>
+            <a:r>
+              <a:rPr lang="en-US" sz="2000" dirty="0">
+                <a:solidFill>
+                  <a:srgbClr val="212529"/>
+                </a:solidFill>
+              </a:rPr>
+              <a:t>Some of the major differences between the t-test and KS test include the following:</a:t>
+            </a:r>
+          </a:p>
+          <a:p>
+            <a:r>
+              <a:rPr lang="en-US" sz="2000" dirty="0">
+                <a:solidFill>
+                  <a:srgbClr val="212529"/>
+                </a:solidFill>
+              </a:rPr>
+              <a:t>T-test:</a:t>
+            </a:r>
+          </a:p>
+          <a:p>
+            <a:pPr lvl="1"/>
+            <a:r>
+              <a:rPr lang="en-US" sz="1600" dirty="0">
+                <a:solidFill>
+                  <a:srgbClr val="212529"/>
+                </a:solidFill>
+              </a:rPr>
+              <a:t>Measures the difference in means.</a:t>
+            </a:r>
+          </a:p>
+          <a:p>
+            <a:pPr lvl="1"/>
+            <a:r>
+              <a:rPr lang="en-US" sz="1600" dirty="0">
+                <a:solidFill>
+                  <a:srgbClr val="212529"/>
+                </a:solidFill>
+              </a:rPr>
+              <a:t>Used to determine whether two groups have different true means.</a:t>
+            </a:r>
+          </a:p>
+          <a:p>
+            <a:pPr lvl="1"/>
+            <a:r>
+              <a:rPr lang="en-US" sz="1600" dirty="0">
+                <a:solidFill>
+                  <a:srgbClr val="212529"/>
+                </a:solidFill>
+              </a:rPr>
+              <a:t>Statistic calculated with the pooled standard error and the number of observations in each group.</a:t>
+            </a:r>
+          </a:p>
+          <a:p>
+            <a:r>
+              <a:rPr lang="en-US" sz="2000" dirty="0">
+                <a:solidFill>
+                  <a:srgbClr val="212529"/>
+                </a:solidFill>
+              </a:rPr>
+              <a:t>KS-test:</a:t>
+            </a:r>
+          </a:p>
+          <a:p>
+            <a:pPr lvl="1"/>
+            <a:r>
+              <a:rPr lang="en-US" sz="1600" dirty="0">
+                <a:solidFill>
+                  <a:srgbClr val="212529"/>
+                </a:solidFill>
+              </a:rPr>
+              <a:t>    - Measures the maximum difference between CDFs of two samples.</a:t>
+            </a:r>
+          </a:p>
+          <a:p>
+            <a:pPr lvl="1"/>
+            <a:r>
+              <a:rPr lang="en-US" sz="1600" dirty="0">
+                <a:solidFill>
+                  <a:srgbClr val="212529"/>
+                </a:solidFill>
+              </a:rPr>
+              <a:t>    - Determines whether samples are drawn from different distributions.</a:t>
+            </a:r>
+          </a:p>
+          <a:p>
+            <a:pPr lvl="1"/>
+            <a:r>
+              <a:rPr lang="en-US" sz="1600" dirty="0">
+                <a:solidFill>
+                  <a:srgbClr val="212529"/>
+                </a:solidFill>
+              </a:rPr>
+              <a:t>    - Incorporates number of observations but NOT pooled standard error, or any measure of spread.</a:t>
+            </a:r>
+          </a:p>
+          <a:p>
+            <a:pPr marL="457200" lvl="1" indent="0">
+              <a:buNone/>
             </a:pPr>
-            <a:endParaRPr lang="en-US" dirty="0"/>
-          </a:p>
-        </p:txBody>
-      </p:sp>
-      <p:sp>
-        <p:nvSpPr>
-          <p:cNvPr id="2" name="Title 1">
-            <a:extLst>
-              <a:ext uri="{FF2B5EF4-FFF2-40B4-BE49-F238E27FC236}">
-                <a16:creationId xmlns:a16="http://schemas.microsoft.com/office/drawing/2014/main" id="{D734AE09-0795-4ADD-AD9A-B34B3AE4F422}"/>
-              </a:ext>
-            </a:extLst>
-          </p:cNvPr>
-          <p:cNvSpPr>
-            <a:spLocks noGrp="1"/>
-          </p:cNvSpPr>
-          <p:nvPr>
-            <p:ph type="title"/>
-          </p:nvPr>
-        </p:nvSpPr>
-        <p:spPr>
-          <a:xfrm>
-            <a:off x="838200" y="65130"/>
-            <a:ext cx="10515600" cy="1030745"/>
-          </a:xfrm>
-        </p:spPr>
-        <p:txBody>
-          <a:bodyPr/>
-          <a:lstStyle/>
-          <a:p>
-            <a:r>
-              <a:rPr lang="en-US" dirty="0"/>
-              <a:t>Task </a:t>
-            </a:r>
-            <a:r>
-              <a:rPr lang="en-US" altLang="zh-CN" dirty="0"/>
-              <a:t>2</a:t>
-            </a:r>
-            <a:endParaRPr lang="en-US" dirty="0"/>
+            <a:endParaRPr lang="en-US" sz="1600" dirty="0">
+              <a:solidFill>
+                <a:srgbClr val="212529"/>
+              </a:solidFill>
+            </a:endParaRPr>
+          </a:p>
+          <a:p>
+            <a:pPr marL="0" indent="0">
+              <a:buNone/>
+            </a:pPr>
+            <a:r>
+              <a:rPr lang="en-US" sz="2000" dirty="0">
+                <a:solidFill>
+                  <a:srgbClr val="212529"/>
+                </a:solidFill>
+              </a:rPr>
+              <a:t>The t-test looks squarely at the means, though still taking account for variance (standard error) and group size. The KS-test looks at the distribution as a whole and any large discrepancies within. </a:t>
+            </a:r>
+          </a:p>
+          <a:p>
+            <a:pPr marL="0" indent="0">
+              <a:buNone/>
+            </a:pPr>
+            <a:endParaRPr lang="en-US" sz="2000" dirty="0"/>
           </a:p>
         </p:txBody>
       </p:sp>
     </p:spTree>
     <p:extLst>
       <p:ext uri="{BB962C8B-B14F-4D97-AF65-F5344CB8AC3E}">
-        <p14:creationId xmlns:p14="http://schemas.microsoft.com/office/powerpoint/2010/main" val="3824790624"/>
+        <p14:creationId xmlns:p14="http://schemas.microsoft.com/office/powerpoint/2010/main" val="1154912966"/>
       </p:ext>
     </p:extLst>
   </p:cSld>
@@ -8105,6 +8171,178 @@
           </a:bodyPr>
           <a:lstStyle/>
           <a:p>
+            <a:r>
+              <a:rPr lang="en-US" dirty="0"/>
+              <a:t>Q7: </a:t>
+            </a:r>
+            <a:r>
+              <a:rPr lang="en-US" altLang="zh-CN" dirty="0">
+                <a:cs typeface="Arial" panose="020B0604020202020204" pitchFamily="34" charset="0"/>
+              </a:rPr>
+              <a:t>Keeping in mind that this experiment is executed over a period of time, what assumption did you make when using the KS two-sample test on the distributions in Task2.6? Are you able to come up with one situation where this assumption fails?</a:t>
+            </a:r>
+          </a:p>
+          <a:p>
+            <a:pPr marL="285750" indent="-285750">
+              <a:buFont typeface="Arial" panose="020B0604020202020204" pitchFamily="34" charset="0"/>
+              <a:buChar char="•"/>
+            </a:pPr>
+            <a:endParaRPr lang="en-US" dirty="0"/>
+          </a:p>
+          <a:p>
+            <a:r>
+              <a:rPr lang="en-US" dirty="0">
+                <a:cs typeface="Arial" panose="020B0604020202020204" pitchFamily="34" charset="0"/>
+              </a:rPr>
+              <a:t>The assumption we took was that all variables are independent to properly take the KS two-sample test on the distributions of task 2.6. This means treating the data as if each moment in the simulation is independent of the previous one when </a:t>
+            </a:r>
+            <a:r>
+              <a:rPr lang="en-US" dirty="0" err="1">
+                <a:cs typeface="Arial" panose="020B0604020202020204" pitchFamily="34" charset="0"/>
+              </a:rPr>
+              <a:t>actualy</a:t>
+            </a:r>
+            <a:r>
+              <a:rPr lang="en-US" dirty="0">
+                <a:cs typeface="Arial" panose="020B0604020202020204" pitchFamily="34" charset="0"/>
+              </a:rPr>
+              <a:t> it is not. This assumption fails when events happening in the simulation are dependent on the ones that happened before, for example, the braking part of the simulation. As the AV has a reaction time, as he sees the car beginning to cut him off (t-1) in timeframe t he reacts in a way that is dependent on t-1 and initiating breaking, making v, the throttle, braking, and </a:t>
+            </a:r>
+            <a:r>
+              <a:rPr lang="en-US" dirty="0" err="1">
+                <a:cs typeface="Arial" panose="020B0604020202020204" pitchFamily="34" charset="0"/>
+              </a:rPr>
+              <a:t>cvip</a:t>
+            </a:r>
+            <a:r>
+              <a:rPr lang="en-US" dirty="0">
+                <a:cs typeface="Arial" panose="020B0604020202020204" pitchFamily="34" charset="0"/>
+              </a:rPr>
+              <a:t> at time t also dependent at time t-1 therefore making this assumption fail.</a:t>
+            </a:r>
+          </a:p>
+          <a:p>
+            <a:endParaRPr lang="en-US" dirty="0"/>
+          </a:p>
+          <a:p>
+            <a:pPr marL="285750" indent="-285750">
+              <a:buFont typeface="Arial" panose="020B0604020202020204" pitchFamily="34" charset="0"/>
+              <a:buChar char="•"/>
+            </a:pPr>
+            <a:endParaRPr lang="en-US" dirty="0"/>
+          </a:p>
+          <a:p>
+            <a:pPr marL="285750" indent="-285750">
+              <a:buFont typeface="Arial" panose="020B0604020202020204" pitchFamily="34" charset="0"/>
+              <a:buChar char="•"/>
+            </a:pPr>
+            <a:endParaRPr lang="en-US" dirty="0"/>
+          </a:p>
+          <a:p>
+            <a:pPr marL="285750" indent="-285750">
+              <a:buFont typeface="Arial" panose="020B0604020202020204" pitchFamily="34" charset="0"/>
+              <a:buChar char="•"/>
+            </a:pPr>
+            <a:endParaRPr lang="en-US" dirty="0"/>
+          </a:p>
+        </p:txBody>
+      </p:sp>
+      <p:sp>
+        <p:nvSpPr>
+          <p:cNvPr id="2" name="Title 1">
+            <a:extLst>
+              <a:ext uri="{FF2B5EF4-FFF2-40B4-BE49-F238E27FC236}">
+                <a16:creationId xmlns:a16="http://schemas.microsoft.com/office/drawing/2014/main" id="{D734AE09-0795-4ADD-AD9A-B34B3AE4F422}"/>
+              </a:ext>
+            </a:extLst>
+          </p:cNvPr>
+          <p:cNvSpPr>
+            <a:spLocks noGrp="1"/>
+          </p:cNvSpPr>
+          <p:nvPr>
+            <p:ph type="title"/>
+          </p:nvPr>
+        </p:nvSpPr>
+        <p:spPr>
+          <a:xfrm>
+            <a:off x="838200" y="65130"/>
+            <a:ext cx="10515600" cy="1030745"/>
+          </a:xfrm>
+        </p:spPr>
+        <p:txBody>
+          <a:bodyPr/>
+          <a:lstStyle/>
+          <a:p>
+            <a:r>
+              <a:rPr lang="en-US" dirty="0"/>
+              <a:t>Task </a:t>
+            </a:r>
+            <a:r>
+              <a:rPr lang="en-US" altLang="zh-CN" dirty="0"/>
+              <a:t>2</a:t>
+            </a:r>
+            <a:endParaRPr lang="en-US" dirty="0"/>
+          </a:p>
+        </p:txBody>
+      </p:sp>
+    </p:spTree>
+    <p:extLst>
+      <p:ext uri="{BB962C8B-B14F-4D97-AF65-F5344CB8AC3E}">
+        <p14:creationId xmlns:p14="http://schemas.microsoft.com/office/powerpoint/2010/main" val="3824790624"/>
+      </p:ext>
+    </p:extLst>
+  </p:cSld>
+  <p:clrMapOvr>
+    <a:masterClrMapping/>
+  </p:clrMapOvr>
+</p:sld>
+</file>
+
+<file path=ppt/slides/slide28.xml><?xml version="1.0" encoding="utf-8"?>
+<p:sld xmlns:a="http://schemas.openxmlformats.org/drawingml/2006/main" xmlns:r="http://schemas.openxmlformats.org/officeDocument/2006/relationships" xmlns:p="http://schemas.openxmlformats.org/presentationml/2006/main">
+  <p:cSld>
+    <p:spTree>
+      <p:nvGrpSpPr>
+        <p:cNvPr id="1" name=""/>
+        <p:cNvGrpSpPr/>
+        <p:nvPr/>
+      </p:nvGrpSpPr>
+      <p:grpSpPr>
+        <a:xfrm>
+          <a:off x="0" y="0"/>
+          <a:ext cx="0" cy="0"/>
+          <a:chOff x="0" y="0"/>
+          <a:chExt cx="0" cy="0"/>
+        </a:xfrm>
+      </p:grpSpPr>
+      <p:sp>
+        <p:nvSpPr>
+          <p:cNvPr id="5" name="TextBox 4">
+            <a:extLst>
+              <a:ext uri="{FF2B5EF4-FFF2-40B4-BE49-F238E27FC236}">
+                <a16:creationId xmlns:a16="http://schemas.microsoft.com/office/drawing/2014/main" id="{F0E19196-DC92-A64D-B6B9-C7B9A0673305}"/>
+              </a:ext>
+            </a:extLst>
+          </p:cNvPr>
+          <p:cNvSpPr txBox="1"/>
+          <p:nvPr/>
+        </p:nvSpPr>
+        <p:spPr>
+          <a:xfrm>
+            <a:off x="513729" y="1095875"/>
+            <a:ext cx="10720328" cy="4247317"/>
+          </a:xfrm>
+          <a:prstGeom prst="rect">
+            <a:avLst/>
+          </a:prstGeom>
+          <a:noFill/>
+        </p:spPr>
+        <p:txBody>
+          <a:bodyPr wrap="square" rtlCol="0">
+            <a:spAutoFit/>
+          </a:bodyPr>
+          <a:lstStyle/>
+          <a:p>
             <a:pPr algn="just" rtl="0" fontAlgn="base">
               <a:spcBef>
                 <a:spcPts val="0"/>
@@ -8131,7 +8369,6 @@
                   <a:srgbClr val="212529"/>
                 </a:solidFill>
                 <a:effectLst/>
-                <a:latin typeface="Arial" panose="020B0604020202020204" pitchFamily="34" charset="0"/>
               </a:rPr>
               <a:t>The dynamic-time-wrapper (DTW) is a method to compare two time-series data (such as the control and the trajectory data collected in our simulation). Use the DTW package in python (</a:t>
             </a:r>
@@ -8141,7 +8378,6 @@
                   <a:srgbClr val="212529"/>
                 </a:solidFill>
                 <a:effectLst/>
-                <a:latin typeface="Arial" panose="020B0604020202020204" pitchFamily="34" charset="0"/>
               </a:rPr>
               <a:t>dtaidistance</a:t>
             </a:r>
@@ -8151,7 +8387,6 @@
                   <a:srgbClr val="212529"/>
                 </a:solidFill>
                 <a:effectLst/>
-                <a:latin typeface="Arial" panose="020B0604020202020204" pitchFamily="34" charset="0"/>
               </a:rPr>
               <a:t> · </a:t>
             </a:r>
@@ -8161,7 +8396,6 @@
                   <a:srgbClr val="212529"/>
                 </a:solidFill>
                 <a:effectLst/>
-                <a:latin typeface="Arial" panose="020B0604020202020204" pitchFamily="34" charset="0"/>
               </a:rPr>
               <a:t>PyPI</a:t>
             </a:r>
@@ -8171,7 +8405,6 @@
                   <a:srgbClr val="212529"/>
                 </a:solidFill>
                 <a:effectLst/>
-                <a:latin typeface="Arial" panose="020B0604020202020204" pitchFamily="34" charset="0"/>
               </a:rPr>
               <a:t>), and apply the DTW distance on the two time-series dataset (using steering data of clear-noon as a reference): (1) steering data of clear-night and (2) steering data of clear-sunset. What can you say about the DTW distance for (1) and (2) with respect to the reference? </a:t>
             </a:r>
@@ -8187,7 +8420,6 @@
                 <a:solidFill>
                   <a:srgbClr val="212529"/>
                 </a:solidFill>
-                <a:latin typeface="Arial" panose="020B0604020202020204" pitchFamily="34" charset="0"/>
               </a:rPr>
               <a:t>steering data of clear-night 1.17603264771516</a:t>
             </a:r>
@@ -8202,7 +8434,6 @@
                 <a:solidFill>
                   <a:srgbClr val="212529"/>
                 </a:solidFill>
-                <a:latin typeface="Arial" panose="020B0604020202020204" pitchFamily="34" charset="0"/>
               </a:rPr>
               <a:t>steering data of clear-sunset 0.050521340023401175</a:t>
             </a:r>
@@ -8216,7 +8447,6 @@
               <a:solidFill>
                 <a:srgbClr val="212529"/>
               </a:solidFill>
-              <a:latin typeface="Arial" panose="020B0604020202020204" pitchFamily="34" charset="0"/>
             </a:endParaRPr>
           </a:p>
           <a:p>
@@ -8229,7 +8459,6 @@
                 <a:solidFill>
                   <a:srgbClr val="212529"/>
                 </a:solidFill>
-                <a:latin typeface="Arial" panose="020B0604020202020204" pitchFamily="34" charset="0"/>
               </a:rPr>
               <a:t>There is a relatively low DTW distance between the steering data of clear-sunset and the reference compared to clear-night and reference. Thus, the steering data for clear-sunset is more similar to the reference (clear-noon) than clear-night.</a:t>
             </a:r>
@@ -8425,8 +8654,8 @@
         </p:nvSpPr>
         <p:spPr>
           <a:xfrm>
-            <a:off x="513728" y="1356751"/>
-            <a:ext cx="3096371" cy="2308324"/>
+            <a:off x="4987051" y="5432135"/>
+            <a:ext cx="2217897" cy="369332"/>
           </a:xfrm>
           <a:prstGeom prst="rect">
             <a:avLst/>
@@ -8439,80 +8668,12 @@
           </a:bodyPr>
           <a:lstStyle/>
           <a:p>
+            <a:pPr algn="ctr"/>
             <a:r>
               <a:rPr lang="en-US" altLang="zh-CN" b="1" dirty="0"/>
               <a:t>Scene Durations</a:t>
             </a:r>
           </a:p>
-          <a:p>
-            <a:endParaRPr lang="en-US" altLang="zh-CN" b="1" dirty="0"/>
-          </a:p>
-          <a:p>
-            <a:r>
-              <a:rPr lang="en-US" altLang="zh-CN" dirty="0"/>
-              <a:t>Clear Night:	838 </a:t>
-            </a:r>
-            <a:r>
-              <a:rPr lang="en-US" altLang="zh-CN" dirty="0" err="1"/>
-              <a:t>ms</a:t>
-            </a:r>
-            <a:endParaRPr lang="en-US" altLang="zh-CN" dirty="0"/>
-          </a:p>
-          <a:p>
-            <a:r>
-              <a:rPr lang="en-US" altLang="zh-CN" dirty="0"/>
-              <a:t>Clear Sunset:	756 </a:t>
-            </a:r>
-            <a:r>
-              <a:rPr lang="en-US" altLang="zh-CN" dirty="0" err="1"/>
-              <a:t>ms</a:t>
-            </a:r>
-            <a:endParaRPr lang="en-US" altLang="zh-CN" dirty="0"/>
-          </a:p>
-          <a:p>
-            <a:r>
-              <a:rPr lang="en-US" altLang="zh-CN" dirty="0"/>
-              <a:t>Clear Noon:	750 </a:t>
-            </a:r>
-            <a:r>
-              <a:rPr lang="en-US" altLang="zh-CN" dirty="0" err="1"/>
-              <a:t>ms</a:t>
-            </a:r>
-            <a:endParaRPr lang="en-US" altLang="zh-CN" dirty="0"/>
-          </a:p>
-          <a:p>
-            <a:r>
-              <a:rPr lang="en-US" altLang="zh-CN" dirty="0"/>
-              <a:t>Rain Noon:	400 </a:t>
-            </a:r>
-            <a:r>
-              <a:rPr lang="en-US" altLang="zh-CN" dirty="0" err="1"/>
-              <a:t>ms</a:t>
-            </a:r>
-            <a:endParaRPr lang="en-US" altLang="zh-CN" dirty="0"/>
-          </a:p>
-          <a:p>
-            <a:r>
-              <a:rPr lang="en-US" altLang="zh-CN" dirty="0"/>
-              <a:t>Haze Noon:	751 </a:t>
-            </a:r>
-            <a:r>
-              <a:rPr lang="en-US" altLang="zh-CN" dirty="0" err="1"/>
-              <a:t>ms</a:t>
-            </a:r>
-            <a:endParaRPr lang="en-US" altLang="zh-CN" dirty="0"/>
-          </a:p>
-          <a:p>
-            <a:r>
-              <a:rPr lang="en-US" altLang="zh-CN" dirty="0"/>
-              <a:t>Haze Sunset:	757 </a:t>
-            </a:r>
-            <a:r>
-              <a:rPr lang="en-US" altLang="zh-CN" dirty="0" err="1"/>
-              <a:t>ms</a:t>
-            </a:r>
-            <a:endParaRPr lang="en-US" altLang="zh-CN" dirty="0"/>
-          </a:p>
         </p:txBody>
       </p:sp>
       <p:sp>
@@ -8529,7 +8690,7 @@
         </p:nvSpPr>
         <p:spPr>
           <a:xfrm>
-            <a:off x="4440382" y="314594"/>
+            <a:off x="2088177" y="2705926"/>
             <a:ext cx="1911927" cy="369332"/>
           </a:xfrm>
           <a:prstGeom prst="rect">
@@ -8543,6 +8704,7 @@
           </a:bodyPr>
           <a:lstStyle/>
           <a:p>
+            <a:pPr algn="ctr"/>
             <a:r>
               <a:rPr lang="en-US" b="1" dirty="0"/>
               <a:t>Means Table</a:t>
@@ -8564,8 +8726,8 @@
         </p:nvSpPr>
         <p:spPr>
           <a:xfrm>
-            <a:off x="4440382" y="3406885"/>
-            <a:ext cx="2685802" cy="369332"/>
+            <a:off x="7998400" y="2567426"/>
+            <a:ext cx="2296085" cy="646331"/>
           </a:xfrm>
           <a:prstGeom prst="rect">
             <a:avLst/>
@@ -8578,6 +8740,7 @@
           </a:bodyPr>
           <a:lstStyle/>
           <a:p>
+            <a:pPr algn="ctr"/>
             <a:r>
               <a:rPr lang="en-US" b="1" dirty="0"/>
               <a:t>Standard Deviations Table</a:t>
@@ -8607,8 +8770,8 @@
         </p:blipFill>
         <p:spPr>
           <a:xfrm>
-            <a:off x="4520374" y="673331"/>
-            <a:ext cx="7157898" cy="2533280"/>
+            <a:off x="157764" y="3202936"/>
+            <a:ext cx="5770174" cy="2042145"/>
           </a:xfrm>
           <a:prstGeom prst="rect">
             <a:avLst/>
@@ -8637,14 +8800,101 @@
         </p:blipFill>
         <p:spPr>
           <a:xfrm>
-            <a:off x="4520373" y="3800240"/>
-            <a:ext cx="7202776" cy="2533280"/>
+            <a:off x="6258652" y="3213757"/>
+            <a:ext cx="5775584" cy="2031324"/>
           </a:xfrm>
           <a:prstGeom prst="rect">
             <a:avLst/>
           </a:prstGeom>
         </p:spPr>
       </p:pic>
+      <p:pic>
+        <p:nvPicPr>
+          <p:cNvPr id="12" name="Picture 11">
+            <a:extLst>
+              <a:ext uri="{FF2B5EF4-FFF2-40B4-BE49-F238E27FC236}">
+                <a16:creationId xmlns:a16="http://schemas.microsoft.com/office/drawing/2014/main" id="{0B3EC155-5652-05AD-8417-51E1F68A4EFC}"/>
+              </a:ext>
+            </a:extLst>
+          </p:cNvPr>
+          <p:cNvPicPr>
+            <a:picLocks noChangeAspect="1"/>
+          </p:cNvPicPr>
+          <p:nvPr/>
+        </p:nvPicPr>
+        <p:blipFill>
+          <a:blip r:embed="rId4"/>
+          <a:stretch>
+            <a:fillRect/>
+          </a:stretch>
+        </p:blipFill>
+        <p:spPr>
+          <a:xfrm>
+            <a:off x="2190338" y="5801467"/>
+            <a:ext cx="7811321" cy="644232"/>
+          </a:xfrm>
+          <a:prstGeom prst="rect">
+            <a:avLst/>
+          </a:prstGeom>
+        </p:spPr>
+      </p:pic>
+      <p:sp>
+        <p:nvSpPr>
+          <p:cNvPr id="14" name="TextBox 13">
+            <a:extLst>
+              <a:ext uri="{FF2B5EF4-FFF2-40B4-BE49-F238E27FC236}">
+                <a16:creationId xmlns:a16="http://schemas.microsoft.com/office/drawing/2014/main" id="{C7300D0E-0B43-D5C0-DCCB-ECB40D626022}"/>
+              </a:ext>
+            </a:extLst>
+          </p:cNvPr>
+          <p:cNvSpPr txBox="1"/>
+          <p:nvPr/>
+        </p:nvSpPr>
+        <p:spPr>
+          <a:xfrm>
+            <a:off x="3044141" y="206627"/>
+            <a:ext cx="7407797" cy="2031325"/>
+          </a:xfrm>
+          <a:prstGeom prst="rect">
+            <a:avLst/>
+          </a:prstGeom>
+          <a:noFill/>
+        </p:spPr>
+        <p:txBody>
+          <a:bodyPr wrap="square" rtlCol="0">
+            <a:spAutoFit/>
+          </a:bodyPr>
+          <a:lstStyle/>
+          <a:p>
+            <a:r>
+              <a:rPr lang="en-US" dirty="0"/>
+              <a:t>2. Summarize the following information for each weather condition ("clear-night", "clear-sunset", "clear-noon", "rain-noon"): (2 points) </a:t>
+            </a:r>
+          </a:p>
+          <a:p>
+            <a:pPr lvl="1"/>
+            <a:r>
+              <a:rPr lang="en-US" dirty="0"/>
+              <a:t>a. The duration of the scene. </a:t>
+            </a:r>
+          </a:p>
+          <a:p>
+            <a:pPr lvl="1"/>
+            <a:r>
+              <a:rPr lang="en-US" dirty="0"/>
+              <a:t>b. Mean and standard deviation of the values of the features (“throttle”, “steer”, “brake”, “</a:t>
+            </a:r>
+            <a:r>
+              <a:rPr lang="en-US" dirty="0" err="1"/>
+              <a:t>cvip</a:t>
+            </a:r>
+            <a:r>
+              <a:rPr lang="en-US" dirty="0"/>
+              <a:t>”, “x”, “y”, “v”). Round your results to 3 decimal place and save them in a table, with the weather conditions as columns, and the features as rows (hint: you can store the table in a data frame).</a:t>
+            </a:r>
+          </a:p>
+        </p:txBody>
+      </p:sp>
     </p:spTree>
     <p:extLst>
       <p:ext uri="{BB962C8B-B14F-4D97-AF65-F5344CB8AC3E}">
@@ -8758,10 +9008,10 @@
       </p:sp>
       <p:sp>
         <p:nvSpPr>
-          <p:cNvPr id="4" name="TextBox 3">
-            <a:extLst>
-              <a:ext uri="{FF2B5EF4-FFF2-40B4-BE49-F238E27FC236}">
-                <a16:creationId xmlns:a16="http://schemas.microsoft.com/office/drawing/2014/main" id="{6345F114-378C-EB11-B050-2109D4C72E60}"/>
+          <p:cNvPr id="5" name="TextBox 4">
+            <a:extLst>
+              <a:ext uri="{FF2B5EF4-FFF2-40B4-BE49-F238E27FC236}">
+                <a16:creationId xmlns:a16="http://schemas.microsoft.com/office/drawing/2014/main" id="{CF99C39F-A13A-C510-5A73-F6955FB223B3}"/>
               </a:ext>
             </a:extLst>
           </p:cNvPr>
@@ -8770,8 +9020,8 @@
         </p:nvSpPr>
         <p:spPr>
           <a:xfrm>
-            <a:off x="4166258" y="202133"/>
-            <a:ext cx="3859481" cy="400110"/>
+            <a:off x="3098156" y="905413"/>
+            <a:ext cx="5995687" cy="1477328"/>
           </a:xfrm>
           <a:prstGeom prst="rect">
             <a:avLst/>
@@ -8784,49 +9034,73 @@
           </a:bodyPr>
           <a:lstStyle/>
           <a:p>
-            <a:pPr algn="ctr"/>
-            <a:r>
-              <a:rPr lang="en-US" sz="2000" b="1" dirty="0"/>
-              <a:t>Campaign Result Visualization</a:t>
-            </a:r>
-          </a:p>
-        </p:txBody>
-      </p:sp>
-      <p:pic>
-        <p:nvPicPr>
-          <p:cNvPr id="22" name="Picture 21" descr="A colorful lines on a white background">
-            <a:extLst>
-              <a:ext uri="{FF2B5EF4-FFF2-40B4-BE49-F238E27FC236}">
-                <a16:creationId xmlns:a16="http://schemas.microsoft.com/office/drawing/2014/main" id="{B3FEC19F-D8E7-EACC-BBCD-639F9DFFAD59}"/>
-              </a:ext>
-            </a:extLst>
-          </p:cNvPr>
-          <p:cNvPicPr>
-            <a:picLocks noChangeAspect="1"/>
-          </p:cNvPicPr>
+            <a:r>
+              <a:rPr lang="en-US" dirty="0"/>
+              <a:t>3. Visualize the campaign results of the </a:t>
+            </a:r>
+            <a:r>
+              <a:rPr lang="en-US" dirty="0" err="1"/>
+              <a:t>ghost_cutin</a:t>
+            </a:r>
+            <a:r>
+              <a:rPr lang="en-US" dirty="0"/>
+              <a:t> scene for each weather condition. Plot the throttle values (y-axis) of the agent vs time (x-</a:t>
+            </a:r>
+            <a:r>
+              <a:rPr lang="en-US" dirty="0" err="1"/>
+              <a:t>aixs</a:t>
+            </a:r>
+            <a:r>
+              <a:rPr lang="en-US" dirty="0"/>
+              <a:t>). Please plot all the weather conditions in one figure, and repeat the same step for all other features as well (“steer”, “brake”, “</a:t>
+            </a:r>
+            <a:r>
+              <a:rPr lang="en-US" dirty="0" err="1"/>
+              <a:t>cvip</a:t>
+            </a:r>
+            <a:r>
+              <a:rPr lang="en-US" dirty="0"/>
+              <a:t>”, “x”, “y”, “v”).</a:t>
+            </a:r>
+          </a:p>
+        </p:txBody>
+      </p:sp>
+      <p:sp>
+        <p:nvSpPr>
+          <p:cNvPr id="6" name="TextBox 5">
+            <a:extLst>
+              <a:ext uri="{FF2B5EF4-FFF2-40B4-BE49-F238E27FC236}">
+                <a16:creationId xmlns:a16="http://schemas.microsoft.com/office/drawing/2014/main" id="{C4F96E4F-6C21-1F61-AD4F-42585A84B1F8}"/>
+              </a:ext>
+            </a:extLst>
+          </p:cNvPr>
+          <p:cNvSpPr txBox="1"/>
           <p:nvPr/>
-        </p:nvPicPr>
-        <p:blipFill>
-          <a:blip r:embed="rId2">
-            <a:extLst>
-              <a:ext uri="{28A0092B-C50C-407E-A947-70E740481C1C}">
-                <a14:useLocalDpi xmlns:a14="http://schemas.microsoft.com/office/drawing/2010/main" val="0"/>
-              </a:ext>
-            </a:extLst>
-          </a:blip>
-          <a:srcRect l="9787" t="8756" r="6561" b="5425"/>
-          <a:stretch/>
-        </p:blipFill>
-        <p:spPr>
-          <a:xfrm>
-            <a:off x="357220" y="905413"/>
-            <a:ext cx="11477559" cy="5887457"/>
+        </p:nvSpPr>
+        <p:spPr>
+          <a:xfrm>
+            <a:off x="4560426" y="2782669"/>
+            <a:ext cx="2390172" cy="646331"/>
           </a:xfrm>
           <a:prstGeom prst="rect">
             <a:avLst/>
           </a:prstGeom>
-        </p:spPr>
-      </p:pic>
+          <a:noFill/>
+        </p:spPr>
+        <p:txBody>
+          <a:bodyPr wrap="square" rtlCol="0">
+            <a:spAutoFit/>
+          </a:bodyPr>
+          <a:lstStyle/>
+          <a:p>
+            <a:pPr algn="ctr"/>
+            <a:r>
+              <a:rPr lang="en-US" b="1" dirty="0"/>
+              <a:t>PLOTS ON FOLLOWING SLIDES</a:t>
+            </a:r>
+          </a:p>
+        </p:txBody>
+      </p:sp>
     </p:spTree>
     <p:extLst>
       <p:ext uri="{BB962C8B-B14F-4D97-AF65-F5344CB8AC3E}">
@@ -8976,7 +9250,7 @@
       </p:sp>
       <p:pic>
         <p:nvPicPr>
-          <p:cNvPr id="22" name="Picture 21">
+          <p:cNvPr id="22" name="Picture 21" descr="A colorful lines on a white background">
             <a:extLst>
               <a:ext uri="{FF2B5EF4-FFF2-40B4-BE49-F238E27FC236}">
                 <a16:creationId xmlns:a16="http://schemas.microsoft.com/office/drawing/2014/main" id="{B3FEC19F-D8E7-EACC-BBCD-639F9DFFAD59}"/>
@@ -8996,13 +9270,13 @@
               </a:ext>
             </a:extLst>
           </a:blip>
-          <a:srcRect l="10093" t="8350" r="8368" b="5796"/>
+          <a:srcRect l="9787" t="8756" r="6561" b="5425"/>
           <a:stretch/>
         </p:blipFill>
         <p:spPr>
           <a:xfrm>
-            <a:off x="534207" y="905413"/>
-            <a:ext cx="11123586" cy="5856067"/>
+            <a:off x="357220" y="905413"/>
+            <a:ext cx="11477559" cy="5887457"/>
           </a:xfrm>
           <a:prstGeom prst="rect">
             <a:avLst/>
@@ -9012,7 +9286,7 @@
     </p:spTree>
     <p:extLst>
       <p:ext uri="{BB962C8B-B14F-4D97-AF65-F5344CB8AC3E}">
-        <p14:creationId xmlns:p14="http://schemas.microsoft.com/office/powerpoint/2010/main" val="242428653"/>
+        <p14:creationId xmlns:p14="http://schemas.microsoft.com/office/powerpoint/2010/main" val="2992752133"/>
       </p:ext>
     </p:extLst>
   </p:cSld>
@@ -9178,13 +9452,13 @@
               </a:ext>
             </a:extLst>
           </a:blip>
-          <a:srcRect l="9661" t="8565" r="9339" b="5365"/>
+          <a:srcRect l="10093" t="8350" r="8368" b="5796"/>
           <a:stretch/>
         </p:blipFill>
         <p:spPr>
           <a:xfrm>
-            <a:off x="527049" y="905413"/>
-            <a:ext cx="11137901" cy="5917473"/>
+            <a:off x="534207" y="905413"/>
+            <a:ext cx="11123586" cy="5856067"/>
           </a:xfrm>
           <a:prstGeom prst="rect">
             <a:avLst/>
@@ -9194,7 +9468,7 @@
     </p:spTree>
     <p:extLst>
       <p:ext uri="{BB962C8B-B14F-4D97-AF65-F5344CB8AC3E}">
-        <p14:creationId xmlns:p14="http://schemas.microsoft.com/office/powerpoint/2010/main" val="875523483"/>
+        <p14:creationId xmlns:p14="http://schemas.microsoft.com/office/powerpoint/2010/main" val="242428653"/>
       </p:ext>
     </p:extLst>
   </p:cSld>
@@ -9360,13 +9634,13 @@
               </a:ext>
             </a:extLst>
           </a:blip>
-          <a:srcRect l="9985" t="8781" r="8151" b="5365"/>
+          <a:srcRect l="9661" t="8565" r="9339" b="5365"/>
           <a:stretch/>
         </p:blipFill>
         <p:spPr>
           <a:xfrm>
-            <a:off x="514349" y="792400"/>
-            <a:ext cx="11163301" cy="5853746"/>
+            <a:off x="527049" y="905413"/>
+            <a:ext cx="11137901" cy="5917473"/>
           </a:xfrm>
           <a:prstGeom prst="rect">
             <a:avLst/>
@@ -9376,7 +9650,7 @@
     </p:spTree>
     <p:extLst>
       <p:ext uri="{BB962C8B-B14F-4D97-AF65-F5344CB8AC3E}">
-        <p14:creationId xmlns:p14="http://schemas.microsoft.com/office/powerpoint/2010/main" val="2329680232"/>
+        <p14:creationId xmlns:p14="http://schemas.microsoft.com/office/powerpoint/2010/main" val="875523483"/>
       </p:ext>
     </p:extLst>
   </p:cSld>
@@ -9542,13 +9816,13 @@
               </a:ext>
             </a:extLst>
           </a:blip>
-          <a:srcRect l="9446" t="8134" r="8261" b="5366"/>
+          <a:srcRect l="9985" t="8781" r="8151" b="5365"/>
           <a:stretch/>
         </p:blipFill>
         <p:spPr>
           <a:xfrm>
-            <a:off x="565147" y="718833"/>
-            <a:ext cx="11296653" cy="5937034"/>
+            <a:off x="514349" y="792400"/>
+            <a:ext cx="11163301" cy="5853746"/>
           </a:xfrm>
           <a:prstGeom prst="rect">
             <a:avLst/>
@@ -9558,7 +9832,7 @@
     </p:spTree>
     <p:extLst>
       <p:ext uri="{BB962C8B-B14F-4D97-AF65-F5344CB8AC3E}">
-        <p14:creationId xmlns:p14="http://schemas.microsoft.com/office/powerpoint/2010/main" val="2474891062"/>
+        <p14:creationId xmlns:p14="http://schemas.microsoft.com/office/powerpoint/2010/main" val="2329680232"/>
       </p:ext>
     </p:extLst>
   </p:cSld>
@@ -9704,10 +9978,10 @@
       </p:sp>
       <p:pic>
         <p:nvPicPr>
-          <p:cNvPr id="6" name="Picture 5" descr="A line graph with different colors&#10;&#10;Description automatically generated">
-            <a:extLst>
-              <a:ext uri="{FF2B5EF4-FFF2-40B4-BE49-F238E27FC236}">
-                <a16:creationId xmlns:a16="http://schemas.microsoft.com/office/drawing/2014/main" id="{8B79E7A4-3914-D991-DE5E-63DA1CF0EFA0}"/>
+          <p:cNvPr id="22" name="Picture 21">
+            <a:extLst>
+              <a:ext uri="{FF2B5EF4-FFF2-40B4-BE49-F238E27FC236}">
+                <a16:creationId xmlns:a16="http://schemas.microsoft.com/office/drawing/2014/main" id="{B3FEC19F-D8E7-EACC-BBCD-639F9DFFAD59}"/>
               </a:ext>
             </a:extLst>
           </p:cNvPr>
@@ -9724,13 +9998,13 @@
               </a:ext>
             </a:extLst>
           </a:blip>
-          <a:srcRect l="10000" t="8602" r="8750" b="5833"/>
+          <a:srcRect l="9446" t="8134" r="8261" b="5366"/>
           <a:stretch/>
         </p:blipFill>
         <p:spPr>
           <a:xfrm>
-            <a:off x="520700" y="905413"/>
-            <a:ext cx="11150600" cy="5871330"/>
+            <a:off x="565147" y="718833"/>
+            <a:ext cx="11296653" cy="5937034"/>
           </a:xfrm>
           <a:prstGeom prst="rect">
             <a:avLst/>
@@ -9740,7 +10014,7 @@
     </p:spTree>
     <p:extLst>
       <p:ext uri="{BB962C8B-B14F-4D97-AF65-F5344CB8AC3E}">
-        <p14:creationId xmlns:p14="http://schemas.microsoft.com/office/powerpoint/2010/main" val="1738377697"/>
+        <p14:creationId xmlns:p14="http://schemas.microsoft.com/office/powerpoint/2010/main" val="2474891062"/>
       </p:ext>
     </p:extLst>
   </p:cSld>

--- a/mp1_powerpoint.pptx
+++ b/mp1_powerpoint.pptx
@@ -3486,7 +3486,12 @@
               <a:rPr lang="en-US" altLang="zh-CN" dirty="0"/>
               <a:t>(mjpaul3)</a:t>
             </a:r>
-            <a:endParaRPr lang="en-US" dirty="0"/>
+          </a:p>
+          <a:p>
+            <a:r>
+              <a:rPr lang="en-US" dirty="0"/>
+              <a:t>Group 9</a:t>
+            </a:r>
           </a:p>
         </p:txBody>
       </p:sp>

--- a/mp1_powerpoint.pptx
+++ b/mp1_powerpoint.pptx
@@ -286,7 +286,7 @@
           <a:p>
             <a:fld id="{3E188059-9AAA-48DC-89EE-5FBEEAFD7015}" type="datetimeFigureOut">
               <a:rPr lang="en-US" smtClean="0"/>
-              <a:t>9/23/2024</a:t>
+              <a:t>9/23/24</a:t>
             </a:fld>
             <a:endParaRPr lang="en-US"/>
           </a:p>
@@ -484,7 +484,7 @@
           <a:p>
             <a:fld id="{3E188059-9AAA-48DC-89EE-5FBEEAFD7015}" type="datetimeFigureOut">
               <a:rPr lang="en-US" smtClean="0"/>
-              <a:t>9/23/2024</a:t>
+              <a:t>9/23/24</a:t>
             </a:fld>
             <a:endParaRPr lang="en-US"/>
           </a:p>
@@ -692,7 +692,7 @@
           <a:p>
             <a:fld id="{3E188059-9AAA-48DC-89EE-5FBEEAFD7015}" type="datetimeFigureOut">
               <a:rPr lang="en-US" smtClean="0"/>
-              <a:t>9/23/2024</a:t>
+              <a:t>9/23/24</a:t>
             </a:fld>
             <a:endParaRPr lang="en-US"/>
           </a:p>
@@ -890,7 +890,7 @@
           <a:p>
             <a:fld id="{3E188059-9AAA-48DC-89EE-5FBEEAFD7015}" type="datetimeFigureOut">
               <a:rPr lang="en-US" smtClean="0"/>
-              <a:t>9/23/2024</a:t>
+              <a:t>9/23/24</a:t>
             </a:fld>
             <a:endParaRPr lang="en-US"/>
           </a:p>
@@ -1165,7 +1165,7 @@
           <a:p>
             <a:fld id="{3E188059-9AAA-48DC-89EE-5FBEEAFD7015}" type="datetimeFigureOut">
               <a:rPr lang="en-US" smtClean="0"/>
-              <a:t>9/23/2024</a:t>
+              <a:t>9/23/24</a:t>
             </a:fld>
             <a:endParaRPr lang="en-US"/>
           </a:p>
@@ -1430,7 +1430,7 @@
           <a:p>
             <a:fld id="{3E188059-9AAA-48DC-89EE-5FBEEAFD7015}" type="datetimeFigureOut">
               <a:rPr lang="en-US" smtClean="0"/>
-              <a:t>9/23/2024</a:t>
+              <a:t>9/23/24</a:t>
             </a:fld>
             <a:endParaRPr lang="en-US"/>
           </a:p>
@@ -1842,7 +1842,7 @@
           <a:p>
             <a:fld id="{3E188059-9AAA-48DC-89EE-5FBEEAFD7015}" type="datetimeFigureOut">
               <a:rPr lang="en-US" smtClean="0"/>
-              <a:t>9/23/2024</a:t>
+              <a:t>9/23/24</a:t>
             </a:fld>
             <a:endParaRPr lang="en-US"/>
           </a:p>
@@ -1983,7 +1983,7 @@
           <a:p>
             <a:fld id="{3E188059-9AAA-48DC-89EE-5FBEEAFD7015}" type="datetimeFigureOut">
               <a:rPr lang="en-US" smtClean="0"/>
-              <a:t>9/23/2024</a:t>
+              <a:t>9/23/24</a:t>
             </a:fld>
             <a:endParaRPr lang="en-US"/>
           </a:p>
@@ -2096,7 +2096,7 @@
           <a:p>
             <a:fld id="{3E188059-9AAA-48DC-89EE-5FBEEAFD7015}" type="datetimeFigureOut">
               <a:rPr lang="en-US" smtClean="0"/>
-              <a:t>9/23/2024</a:t>
+              <a:t>9/23/24</a:t>
             </a:fld>
             <a:endParaRPr lang="en-US"/>
           </a:p>
@@ -2407,7 +2407,7 @@
           <a:p>
             <a:fld id="{3E188059-9AAA-48DC-89EE-5FBEEAFD7015}" type="datetimeFigureOut">
               <a:rPr lang="en-US" smtClean="0"/>
-              <a:t>9/23/2024</a:t>
+              <a:t>9/23/24</a:t>
             </a:fld>
             <a:endParaRPr lang="en-US"/>
           </a:p>
@@ -2695,7 +2695,7 @@
           <a:p>
             <a:fld id="{3E188059-9AAA-48DC-89EE-5FBEEAFD7015}" type="datetimeFigureOut">
               <a:rPr lang="en-US" smtClean="0"/>
-              <a:t>9/23/2024</a:t>
+              <a:t>9/23/24</a:t>
             </a:fld>
             <a:endParaRPr lang="en-US"/>
           </a:p>
@@ -2936,7 +2936,7 @@
           <a:p>
             <a:fld id="{3E188059-9AAA-48DC-89EE-5FBEEAFD7015}" type="datetimeFigureOut">
               <a:rPr lang="en-US" smtClean="0"/>
-              <a:t>9/23/2024</a:t>
+              <a:t>9/23/24</a:t>
             </a:fld>
             <a:endParaRPr lang="en-US"/>
           </a:p>
@@ -7163,7 +7163,7 @@
                   <a:srgbClr val="212529"/>
                 </a:solidFill>
               </a:rPr>
-              <a:t>X and </a:t>
+              <a:t>x and </a:t>
             </a:r>
             <a:r>
               <a:rPr lang="en-US" sz="1600" dirty="0" err="1">
@@ -7171,7 +7171,7 @@
                   <a:srgbClr val="212529"/>
                 </a:solidFill>
               </a:rPr>
-              <a:t>Cvip</a:t>
+              <a:t>cvip</a:t>
             </a:r>
             <a:r>
               <a:rPr lang="en-US" sz="1600" dirty="0">
@@ -7635,7 +7635,7 @@
                   <a:srgbClr val="212529"/>
                 </a:solidFill>
               </a:rPr>
-              <a:t>P-value: 2.6613101312928488*e^(-269)</a:t>
+              <a:t>P-value: 2.6613101312928488e-269</a:t>
             </a:r>
           </a:p>
           <a:p>
@@ -8199,19 +8199,7 @@
               <a:rPr lang="en-US" dirty="0">
                 <a:cs typeface="Arial" panose="020B0604020202020204" pitchFamily="34" charset="0"/>
               </a:rPr>
-              <a:t>The assumption we took was that all variables are independent to properly take the KS two-sample test on the distributions of task 2.6. This means treating the data as if each moment in the simulation is independent of the previous one when </a:t>
-            </a:r>
-            <a:r>
-              <a:rPr lang="en-US" dirty="0" err="1">
-                <a:cs typeface="Arial" panose="020B0604020202020204" pitchFamily="34" charset="0"/>
-              </a:rPr>
-              <a:t>actualy</a:t>
-            </a:r>
-            <a:r>
-              <a:rPr lang="en-US" dirty="0">
-                <a:cs typeface="Arial" panose="020B0604020202020204" pitchFamily="34" charset="0"/>
-              </a:rPr>
-              <a:t> it is not. This assumption fails when events happening in the simulation are dependent on the ones that happened before, for example, the braking part of the simulation. As the AV has a reaction time, as he sees the car beginning to cut him off (t-1) in timeframe t he reacts in a way that is dependent on t-1 and initiating breaking, making v, the throttle, braking, and </a:t>
+              <a:t>The assumption we took was that all variables are independent to properly take the KS two-sample test on the distributions of task 2.6. This means treating the data as if each moment in the simulation is independent of the previous one when actually it is not. This assumption fails when events happening in the simulation are dependent on the ones that happened before, for example, the braking part of the simulation. As the AV has a reaction time, as he sees the car beginning to cut him off (t-1) in timeframe t he reacts in a way that is dependent on t-1 and initiating breaking, making v, the throttle, braking, and </a:t>
             </a:r>
             <a:r>
               <a:rPr lang="en-US" dirty="0" err="1">
